--- a/PlusLib/docs/UsFidSegAlgo/Fiducial Pattern Recognition.pptx
+++ b/PlusLib/docs/UsFidSegAlgo/Fiducial Pattern Recognition.pptx
@@ -20,8 +20,9 @@
     <p:sldId id="268" r:id="rId14"/>
     <p:sldId id="269" r:id="rId15"/>
     <p:sldId id="270" r:id="rId16"/>
-    <p:sldId id="271" r:id="rId17"/>
-    <p:sldId id="272" r:id="rId18"/>
+    <p:sldId id="273" r:id="rId17"/>
+    <p:sldId id="271" r:id="rId18"/>
+    <p:sldId id="272" r:id="rId19"/>
   </p:sldIdLst>
   <p:sldSz cx="9144000" cy="6858000" type="screen4x3"/>
   <p:notesSz cx="6858000" cy="9144000"/>
@@ -8538,6 +8539,486 @@
           <a:chExt cx="0" cy="0"/>
         </a:xfrm>
       </p:grpSpPr>
+      <p:graphicFrame>
+        <p:nvGraphicFramePr>
+          <p:cNvPr id="4" name="Content Placeholder 3"/>
+          <p:cNvGraphicFramePr>
+            <a:graphicFrameLocks noGrp="1"/>
+          </p:cNvGraphicFramePr>
+          <p:nvPr>
+            <p:ph idx="1"/>
+            <p:extLst>
+              <p:ext uri="{D42A27DB-BD31-4B8C-83A1-F6EECF244321}">
+                <p14:modId xmlns:p14="http://schemas.microsoft.com/office/powerpoint/2010/main" val="258324647"/>
+              </p:ext>
+            </p:extLst>
+          </p:nvPr>
+        </p:nvGraphicFramePr>
+        <p:xfrm>
+          <a:off x="457200" y="2209800"/>
+          <a:ext cx="8229600" cy="2595880"/>
+        </p:xfrm>
+        <a:graphic>
+          <a:graphicData uri="http://schemas.openxmlformats.org/drawingml/2006/table">
+            <a:tbl>
+              <a:tblPr firstRow="1" bandRow="1">
+                <a:tableStyleId>{5C22544A-7EE6-4342-B048-85BDC9FD1C3A}</a:tableStyleId>
+              </a:tblPr>
+              <a:tblGrid>
+                <a:gridCol w="2743200"/>
+                <a:gridCol w="2743200"/>
+                <a:gridCol w="2743200"/>
+              </a:tblGrid>
+              <a:tr h="370840">
+                <a:tc>
+                  <a:txBody>
+                    <a:bodyPr/>
+                    <a:lstStyle/>
+                    <a:p>
+                      <a:pPr algn="ctr"/>
+                      <a:r>
+                        <a:rPr lang="en-US" sz="1400" dirty="0" smtClean="0"/>
+                        <a:t>Dataset</a:t>
+                      </a:r>
+                      <a:endParaRPr lang="en-US" sz="1400" dirty="0"/>
+                    </a:p>
+                  </a:txBody>
+                  <a:tcPr/>
+                </a:tc>
+                <a:tc>
+                  <a:txBody>
+                    <a:bodyPr/>
+                    <a:lstStyle/>
+                    <a:p>
+                      <a:pPr algn="ctr"/>
+                      <a:r>
+                        <a:rPr lang="en-US" sz="1400" dirty="0" smtClean="0"/>
+                        <a:t>Former algorithm runtime (s)</a:t>
+                      </a:r>
+                      <a:endParaRPr lang="en-US" sz="1400" dirty="0"/>
+                    </a:p>
+                  </a:txBody>
+                  <a:tcPr/>
+                </a:tc>
+                <a:tc>
+                  <a:txBody>
+                    <a:bodyPr/>
+                    <a:lstStyle/>
+                    <a:p>
+                      <a:pPr algn="ctr"/>
+                      <a:r>
+                        <a:rPr lang="en-US" sz="1400" dirty="0" smtClean="0"/>
+                        <a:t>New algorithm runtime (s)</a:t>
+                      </a:r>
+                      <a:endParaRPr lang="en-US" sz="1400" dirty="0"/>
+                    </a:p>
+                  </a:txBody>
+                  <a:tcPr/>
+                </a:tc>
+              </a:tr>
+              <a:tr h="370840">
+                <a:tc>
+                  <a:txBody>
+                    <a:bodyPr/>
+                    <a:lstStyle/>
+                    <a:p>
+                      <a:pPr algn="ctr"/>
+                      <a:r>
+                        <a:rPr lang="en-US" sz="1400" dirty="0" smtClean="0"/>
+                        <a:t>Translation</a:t>
+                      </a:r>
+                      <a:endParaRPr lang="en-US" sz="1400" dirty="0"/>
+                    </a:p>
+                  </a:txBody>
+                  <a:tcPr/>
+                </a:tc>
+                <a:tc>
+                  <a:txBody>
+                    <a:bodyPr/>
+                    <a:lstStyle/>
+                    <a:p>
+                      <a:pPr algn="ctr"/>
+                      <a:r>
+                        <a:rPr lang="en-US" sz="1400" dirty="0" smtClean="0"/>
+                        <a:t>7.04</a:t>
+                      </a:r>
+                      <a:endParaRPr lang="en-US" sz="1400" dirty="0"/>
+                    </a:p>
+                  </a:txBody>
+                  <a:tcPr/>
+                </a:tc>
+                <a:tc>
+                  <a:txBody>
+                    <a:bodyPr/>
+                    <a:lstStyle/>
+                    <a:p>
+                      <a:pPr algn="ctr"/>
+                      <a:r>
+                        <a:rPr lang="en-US" sz="1400" dirty="0" smtClean="0"/>
+                        <a:t>7.77</a:t>
+                      </a:r>
+                      <a:endParaRPr lang="en-US" sz="1400" dirty="0"/>
+                    </a:p>
+                  </a:txBody>
+                  <a:tcPr/>
+                </a:tc>
+              </a:tr>
+              <a:tr h="370840">
+                <a:tc>
+                  <a:txBody>
+                    <a:bodyPr/>
+                    <a:lstStyle/>
+                    <a:p>
+                      <a:pPr algn="ctr"/>
+                      <a:r>
+                        <a:rPr lang="en-US" sz="1400" dirty="0" smtClean="0"/>
+                        <a:t>Random stepper motion 1</a:t>
+                      </a:r>
+                      <a:endParaRPr lang="en-US" sz="1400" dirty="0"/>
+                    </a:p>
+                  </a:txBody>
+                  <a:tcPr/>
+                </a:tc>
+                <a:tc>
+                  <a:txBody>
+                    <a:bodyPr/>
+                    <a:lstStyle/>
+                    <a:p>
+                      <a:pPr algn="ctr"/>
+                      <a:r>
+                        <a:rPr lang="en-US" sz="1400" dirty="0" smtClean="0"/>
+                        <a:t>4.73</a:t>
+                      </a:r>
+                      <a:endParaRPr lang="en-US" sz="1400" dirty="0"/>
+                    </a:p>
+                  </a:txBody>
+                  <a:tcPr/>
+                </a:tc>
+                <a:tc>
+                  <a:txBody>
+                    <a:bodyPr/>
+                    <a:lstStyle/>
+                    <a:p>
+                      <a:pPr algn="ctr"/>
+                      <a:r>
+                        <a:rPr lang="en-US" sz="1400" dirty="0" smtClean="0"/>
+                        <a:t>4.96</a:t>
+                      </a:r>
+                      <a:endParaRPr lang="en-US" sz="1400" dirty="0"/>
+                    </a:p>
+                  </a:txBody>
+                  <a:tcPr/>
+                </a:tc>
+              </a:tr>
+              <a:tr h="370840">
+                <a:tc>
+                  <a:txBody>
+                    <a:bodyPr/>
+                    <a:lstStyle/>
+                    <a:p>
+                      <a:pPr algn="ctr"/>
+                      <a:r>
+                        <a:rPr lang="en-US" sz="1400" dirty="0" smtClean="0"/>
+                        <a:t>Random stepper motion 2</a:t>
+                      </a:r>
+                      <a:endParaRPr lang="en-US" sz="1400" dirty="0"/>
+                    </a:p>
+                  </a:txBody>
+                  <a:tcPr/>
+                </a:tc>
+                <a:tc>
+                  <a:txBody>
+                    <a:bodyPr/>
+                    <a:lstStyle/>
+                    <a:p>
+                      <a:pPr algn="ctr"/>
+                      <a:r>
+                        <a:rPr lang="en-US" sz="1400" dirty="0" smtClean="0"/>
+                        <a:t>2.28</a:t>
+                      </a:r>
+                      <a:endParaRPr lang="en-US" sz="1400" dirty="0"/>
+                    </a:p>
+                  </a:txBody>
+                  <a:tcPr/>
+                </a:tc>
+                <a:tc>
+                  <a:txBody>
+                    <a:bodyPr/>
+                    <a:lstStyle/>
+                    <a:p>
+                      <a:pPr algn="ctr"/>
+                      <a:r>
+                        <a:rPr lang="en-US" sz="1400" dirty="0" smtClean="0"/>
+                        <a:t>2.82</a:t>
+                      </a:r>
+                      <a:endParaRPr lang="en-US" sz="1400" dirty="0"/>
+                    </a:p>
+                  </a:txBody>
+                  <a:tcPr/>
+                </a:tc>
+              </a:tr>
+              <a:tr h="370840">
+                <a:tc>
+                  <a:txBody>
+                    <a:bodyPr/>
+                    <a:lstStyle/>
+                    <a:p>
+                      <a:pPr algn="ctr"/>
+                      <a:r>
+                        <a:rPr lang="en-US" sz="1400" dirty="0" smtClean="0"/>
+                        <a:t>Rotation 1</a:t>
+                      </a:r>
+                      <a:endParaRPr lang="en-US" sz="1400" dirty="0"/>
+                    </a:p>
+                  </a:txBody>
+                  <a:tcPr/>
+                </a:tc>
+                <a:tc>
+                  <a:txBody>
+                    <a:bodyPr/>
+                    <a:lstStyle/>
+                    <a:p>
+                      <a:pPr algn="ctr"/>
+                      <a:r>
+                        <a:rPr lang="en-US" sz="1400" dirty="0" smtClean="0"/>
+                        <a:t>20.25</a:t>
+                      </a:r>
+                      <a:endParaRPr lang="en-US" sz="1400" dirty="0"/>
+                    </a:p>
+                  </a:txBody>
+                  <a:tcPr/>
+                </a:tc>
+                <a:tc>
+                  <a:txBody>
+                    <a:bodyPr/>
+                    <a:lstStyle/>
+                    <a:p>
+                      <a:pPr algn="ctr"/>
+                      <a:r>
+                        <a:rPr lang="en-US" sz="1400" dirty="0" smtClean="0"/>
+                        <a:t>3.07</a:t>
+                      </a:r>
+                      <a:endParaRPr lang="en-US" sz="1400" dirty="0"/>
+                    </a:p>
+                  </a:txBody>
+                  <a:tcPr/>
+                </a:tc>
+              </a:tr>
+              <a:tr h="370840">
+                <a:tc>
+                  <a:txBody>
+                    <a:bodyPr/>
+                    <a:lstStyle/>
+                    <a:p>
+                      <a:pPr algn="ctr"/>
+                      <a:r>
+                        <a:rPr lang="en-US" sz="1400" dirty="0" smtClean="0"/>
+                        <a:t>Rotation 2</a:t>
+                      </a:r>
+                      <a:endParaRPr lang="en-US" sz="1400" dirty="0"/>
+                    </a:p>
+                  </a:txBody>
+                  <a:tcPr/>
+                </a:tc>
+                <a:tc>
+                  <a:txBody>
+                    <a:bodyPr/>
+                    <a:lstStyle/>
+                    <a:p>
+                      <a:pPr algn="ctr"/>
+                      <a:r>
+                        <a:rPr lang="en-US" sz="1400" dirty="0" smtClean="0"/>
+                        <a:t>3.57</a:t>
+                      </a:r>
+                      <a:endParaRPr lang="en-US" sz="1400" dirty="0"/>
+                    </a:p>
+                  </a:txBody>
+                  <a:tcPr/>
+                </a:tc>
+                <a:tc>
+                  <a:txBody>
+                    <a:bodyPr/>
+                    <a:lstStyle/>
+                    <a:p>
+                      <a:pPr algn="ctr"/>
+                      <a:r>
+                        <a:rPr lang="en-US" sz="1400" dirty="0" smtClean="0"/>
+                        <a:t>4.16</a:t>
+                      </a:r>
+                      <a:endParaRPr lang="en-US" sz="1400" dirty="0"/>
+                    </a:p>
+                  </a:txBody>
+                  <a:tcPr/>
+                </a:tc>
+              </a:tr>
+              <a:tr h="370840">
+                <a:tc>
+                  <a:txBody>
+                    <a:bodyPr/>
+                    <a:lstStyle/>
+                    <a:p>
+                      <a:pPr algn="ctr"/>
+                      <a:r>
+                        <a:rPr lang="en-US" sz="1400" dirty="0" smtClean="0"/>
+                        <a:t>CIRS phantom</a:t>
+                      </a:r>
+                      <a:r>
+                        <a:rPr lang="en-US" sz="1400" baseline="0" dirty="0" smtClean="0"/>
+                        <a:t> 045</a:t>
+                      </a:r>
+                      <a:endParaRPr lang="en-US" sz="1400" dirty="0"/>
+                    </a:p>
+                  </a:txBody>
+                  <a:tcPr/>
+                </a:tc>
+                <a:tc>
+                  <a:txBody>
+                    <a:bodyPr/>
+                    <a:lstStyle/>
+                    <a:p>
+                      <a:pPr algn="ctr"/>
+                      <a:r>
+                        <a:rPr lang="en-US" sz="1400" dirty="0" smtClean="0"/>
+                        <a:t>-</a:t>
+                      </a:r>
+                      <a:endParaRPr lang="en-US" sz="1400" dirty="0"/>
+                    </a:p>
+                  </a:txBody>
+                  <a:tcPr/>
+                </a:tc>
+                <a:tc>
+                  <a:txBody>
+                    <a:bodyPr/>
+                    <a:lstStyle/>
+                    <a:p>
+                      <a:pPr algn="ctr"/>
+                      <a:r>
+                        <a:rPr lang="en-US" sz="1400" dirty="0" smtClean="0"/>
+                        <a:t>2.15</a:t>
+                      </a:r>
+                      <a:endParaRPr lang="en-US" sz="1400" dirty="0"/>
+                    </a:p>
+                  </a:txBody>
+                  <a:tcPr/>
+                </a:tc>
+              </a:tr>
+            </a:tbl>
+          </a:graphicData>
+        </a:graphic>
+      </p:graphicFrame>
+      <p:sp>
+        <p:nvSpPr>
+          <p:cNvPr id="3" name="Title 2"/>
+          <p:cNvSpPr>
+            <a:spLocks noGrp="1"/>
+          </p:cNvSpPr>
+          <p:nvPr>
+            <p:ph type="title"/>
+          </p:nvPr>
+        </p:nvSpPr>
+        <p:spPr/>
+        <p:txBody>
+          <a:bodyPr/>
+          <a:lstStyle/>
+          <a:p>
+            <a:pPr algn="ctr"/>
+            <a:r>
+              <a:rPr lang="en-US" dirty="0" smtClean="0"/>
+              <a:t>Results</a:t>
+            </a:r>
+            <a:endParaRPr lang="en-US" dirty="0"/>
+          </a:p>
+        </p:txBody>
+      </p:sp>
+      <p:sp>
+        <p:nvSpPr>
+          <p:cNvPr id="5" name="TextBox 4"/>
+          <p:cNvSpPr txBox="1"/>
+          <p:nvPr/>
+        </p:nvSpPr>
+        <p:spPr>
+          <a:xfrm>
+            <a:off x="2485402" y="5334000"/>
+            <a:ext cx="4363695" cy="646331"/>
+          </a:xfrm>
+          <a:prstGeom prst="rect">
+            <a:avLst/>
+          </a:prstGeom>
+          <a:noFill/>
+        </p:spPr>
+        <p:txBody>
+          <a:bodyPr wrap="none" rtlCol="0">
+            <a:spAutoFit/>
+          </a:bodyPr>
+          <a:lstStyle/>
+          <a:p>
+            <a:pPr marL="285750" indent="-285750">
+              <a:buClr>
+                <a:schemeClr val="accent1"/>
+              </a:buClr>
+              <a:buSzPct val="150000"/>
+              <a:buFont typeface="Lucida Sans Unicode" pitchFamily="34" charset="0"/>
+              <a:buChar char="‣"/>
+            </a:pPr>
+            <a:r>
+              <a:rPr lang="en-US" dirty="0" smtClean="0"/>
+              <a:t>Slight slow down for most cases.</a:t>
+            </a:r>
+          </a:p>
+          <a:p>
+            <a:pPr marL="285750" indent="-285750">
+              <a:buClr>
+                <a:schemeClr val="accent1"/>
+              </a:buClr>
+              <a:buSzPct val="150000"/>
+              <a:buFont typeface="Lucida Sans Unicode" pitchFamily="34" charset="0"/>
+              <a:buChar char="‣"/>
+            </a:pPr>
+            <a:r>
+              <a:rPr lang="en-US" dirty="0" smtClean="0"/>
+              <a:t>Excellent speed-up for worst case.</a:t>
+            </a:r>
+            <a:endParaRPr lang="en-US" dirty="0"/>
+          </a:p>
+        </p:txBody>
+      </p:sp>
+    </p:spTree>
+    <p:extLst>
+      <p:ext uri="{BB962C8B-B14F-4D97-AF65-F5344CB8AC3E}">
+        <p14:creationId xmlns:p14="http://schemas.microsoft.com/office/powerpoint/2010/main" val="2505691756"/>
+      </p:ext>
+    </p:extLst>
+  </p:cSld>
+  <p:clrMapOvr>
+    <a:masterClrMapping/>
+  </p:clrMapOvr>
+  <p:timing>
+    <p:tnLst>
+      <p:par>
+        <p:cTn id="1" dur="indefinite" restart="never" nodeType="tmRoot"/>
+      </p:par>
+    </p:tnLst>
+  </p:timing>
+</p:sld>
+</file>
+
+<file path=ppt/slides/slide17.xml><?xml version="1.0" encoding="utf-8"?>
+<p:sld xmlns:a="http://schemas.openxmlformats.org/drawingml/2006/main" xmlns:r="http://schemas.openxmlformats.org/officeDocument/2006/relationships" xmlns:p="http://schemas.openxmlformats.org/presentationml/2006/main">
+  <p:cSld>
+    <p:spTree>
+      <p:nvGrpSpPr>
+        <p:cNvPr id="1" name=""/>
+        <p:cNvGrpSpPr/>
+        <p:nvPr/>
+      </p:nvGrpSpPr>
+      <p:grpSpPr>
+        <a:xfrm>
+          <a:off x="0" y="0"/>
+          <a:ext cx="0" cy="0"/>
+          <a:chOff x="0" y="0"/>
+          <a:chExt cx="0" cy="0"/>
+        </a:xfrm>
+      </p:grpSpPr>
       <p:sp>
         <p:nvSpPr>
           <p:cNvPr id="2" name="Content Placeholder 1"/>
@@ -8625,7 +9106,7 @@
 </p:sld>
 </file>
 
-<file path=ppt/slides/slide17.xml><?xml version="1.0" encoding="utf-8"?>
+<file path=ppt/slides/slide18.xml><?xml version="1.0" encoding="utf-8"?>
 <p:sld xmlns:a="http://schemas.openxmlformats.org/drawingml/2006/main" xmlns:r="http://schemas.openxmlformats.org/officeDocument/2006/relationships" xmlns:p="http://schemas.openxmlformats.org/presentationml/2006/main">
   <p:cSld>
     <p:spTree>

--- a/PlusLib/docs/UsFidSegAlgo/Fiducial Pattern Recognition.pptx
+++ b/PlusLib/docs/UsFidSegAlgo/Fiducial Pattern Recognition.pptx
@@ -9,20 +9,21 @@
     <p:sldId id="257" r:id="rId3"/>
     <p:sldId id="259" r:id="rId4"/>
     <p:sldId id="258" r:id="rId5"/>
-    <p:sldId id="260" r:id="rId6"/>
-    <p:sldId id="261" r:id="rId7"/>
-    <p:sldId id="262" r:id="rId8"/>
-    <p:sldId id="263" r:id="rId9"/>
-    <p:sldId id="264" r:id="rId10"/>
-    <p:sldId id="265" r:id="rId11"/>
-    <p:sldId id="266" r:id="rId12"/>
-    <p:sldId id="267" r:id="rId13"/>
-    <p:sldId id="268" r:id="rId14"/>
-    <p:sldId id="269" r:id="rId15"/>
-    <p:sldId id="270" r:id="rId16"/>
-    <p:sldId id="273" r:id="rId17"/>
-    <p:sldId id="271" r:id="rId18"/>
-    <p:sldId id="272" r:id="rId19"/>
+    <p:sldId id="274" r:id="rId6"/>
+    <p:sldId id="260" r:id="rId7"/>
+    <p:sldId id="261" r:id="rId8"/>
+    <p:sldId id="262" r:id="rId9"/>
+    <p:sldId id="263" r:id="rId10"/>
+    <p:sldId id="264" r:id="rId11"/>
+    <p:sldId id="265" r:id="rId12"/>
+    <p:sldId id="266" r:id="rId13"/>
+    <p:sldId id="267" r:id="rId14"/>
+    <p:sldId id="268" r:id="rId15"/>
+    <p:sldId id="269" r:id="rId16"/>
+    <p:sldId id="270" r:id="rId17"/>
+    <p:sldId id="273" r:id="rId18"/>
+    <p:sldId id="271" r:id="rId19"/>
+    <p:sldId id="272" r:id="rId20"/>
   </p:sldIdLst>
   <p:sldSz cx="9144000" cy="6858000" type="screen4x3"/>
   <p:notesSz cx="6858000" cy="9144000"/>
@@ -749,7 +750,7 @@
           <a:p>
             <a:fld id="{81F698AE-8DD5-4C76-8A4D-DFCEF1065FFE}" type="datetimeFigureOut">
               <a:rPr lang="en-US" smtClean="0"/>
-              <a:t>11/7/2011</a:t>
+              <a:t>11/9/2011</a:t>
             </a:fld>
             <a:endParaRPr lang="en-US"/>
           </a:p>
@@ -945,7 +946,7 @@
           <a:p>
             <a:fld id="{81F698AE-8DD5-4C76-8A4D-DFCEF1065FFE}" type="datetimeFigureOut">
               <a:rPr lang="en-US" smtClean="0"/>
-              <a:t>11/7/2011</a:t>
+              <a:t>11/9/2011</a:t>
             </a:fld>
             <a:endParaRPr lang="en-US"/>
           </a:p>
@@ -1130,7 +1131,7 @@
           <a:p>
             <a:fld id="{81F698AE-8DD5-4C76-8A4D-DFCEF1065FFE}" type="datetimeFigureOut">
               <a:rPr lang="en-US" smtClean="0"/>
-              <a:t>11/7/2011</a:t>
+              <a:t>11/9/2011</a:t>
             </a:fld>
             <a:endParaRPr lang="en-US"/>
           </a:p>
@@ -1280,7 +1281,7 @@
           <a:p>
             <a:fld id="{81F698AE-8DD5-4C76-8A4D-DFCEF1065FFE}" type="datetimeFigureOut">
               <a:rPr lang="en-US" smtClean="0"/>
-              <a:t>11/7/2011</a:t>
+              <a:t>11/9/2011</a:t>
             </a:fld>
             <a:endParaRPr lang="en-US"/>
           </a:p>
@@ -1535,7 +1536,7 @@
           <a:p>
             <a:fld id="{81F698AE-8DD5-4C76-8A4D-DFCEF1065FFE}" type="datetimeFigureOut">
               <a:rPr lang="en-US" smtClean="0"/>
-              <a:t>11/7/2011</a:t>
+              <a:t>11/9/2011</a:t>
             </a:fld>
             <a:endParaRPr lang="en-US"/>
           </a:p>
@@ -1944,7 +1945,7 @@
           <a:p>
             <a:fld id="{81F698AE-8DD5-4C76-8A4D-DFCEF1065FFE}" type="datetimeFigureOut">
               <a:rPr lang="en-US" smtClean="0"/>
-              <a:t>11/7/2011</a:t>
+              <a:t>11/9/2011</a:t>
             </a:fld>
             <a:endParaRPr lang="en-US"/>
           </a:p>
@@ -2390,7 +2391,7 @@
           <a:p>
             <a:fld id="{81F698AE-8DD5-4C76-8A4D-DFCEF1065FFE}" type="datetimeFigureOut">
               <a:rPr lang="en-US" smtClean="0"/>
-              <a:t>11/7/2011</a:t>
+              <a:t>11/9/2011</a:t>
             </a:fld>
             <a:endParaRPr lang="en-US"/>
           </a:p>
@@ -2491,7 +2492,7 @@
           <a:p>
             <a:fld id="{81F698AE-8DD5-4C76-8A4D-DFCEF1065FFE}" type="datetimeFigureOut">
               <a:rPr lang="en-US" smtClean="0"/>
-              <a:t>11/7/2011</a:t>
+              <a:t>11/9/2011</a:t>
             </a:fld>
             <a:endParaRPr lang="en-US"/>
           </a:p>
@@ -2612,7 +2613,7 @@
           <a:p>
             <a:fld id="{81F698AE-8DD5-4C76-8A4D-DFCEF1065FFE}" type="datetimeFigureOut">
               <a:rPr lang="en-US" smtClean="0"/>
-              <a:t>11/7/2011</a:t>
+              <a:t>11/9/2011</a:t>
             </a:fld>
             <a:endParaRPr lang="en-US"/>
           </a:p>
@@ -2886,7 +2887,7 @@
           <a:p>
             <a:fld id="{81F698AE-8DD5-4C76-8A4D-DFCEF1065FFE}" type="datetimeFigureOut">
               <a:rPr lang="en-US" smtClean="0"/>
-              <a:t>11/7/2011</a:t>
+              <a:t>11/9/2011</a:t>
             </a:fld>
             <a:endParaRPr lang="en-US"/>
           </a:p>
@@ -3091,7 +3092,7 @@
           <a:p>
             <a:fld id="{81F698AE-8DD5-4C76-8A4D-DFCEF1065FFE}" type="datetimeFigureOut">
               <a:rPr lang="en-US" smtClean="0"/>
-              <a:t>11/7/2011</a:t>
+              <a:t>11/9/2011</a:t>
             </a:fld>
             <a:endParaRPr lang="en-US"/>
           </a:p>
@@ -4200,7 +4201,7 @@
           <a:p>
             <a:fld id="{81F698AE-8DD5-4C76-8A4D-DFCEF1065FFE}" type="datetimeFigureOut">
               <a:rPr lang="en-US" smtClean="0"/>
-              <a:t>11/7/2011</a:t>
+              <a:t>11/9/2011</a:t>
             </a:fld>
             <a:endParaRPr lang="en-US"/>
           </a:p>
@@ -4721,6 +4722,2688 @@
         <p:spPr>
           <a:xfrm>
             <a:off x="457200" y="1295400"/>
+            <a:ext cx="8229600" cy="4525963"/>
+          </a:xfrm>
+        </p:spPr>
+        <p:txBody>
+          <a:bodyPr/>
+          <a:lstStyle/>
+          <a:p>
+            <a:r>
+              <a:rPr lang="en-US" dirty="0" smtClean="0"/>
+              <a:t>Now searching for patterns made of any number of n-point lines.</a:t>
+            </a:r>
+          </a:p>
+          <a:p>
+            <a:r>
+              <a:rPr lang="en-US" dirty="0" smtClean="0"/>
+              <a:t>Several parameters are taken in account</a:t>
+            </a:r>
+            <a:endParaRPr lang="en-US" dirty="0"/>
+          </a:p>
+        </p:txBody>
+      </p:sp>
+      <p:sp>
+        <p:nvSpPr>
+          <p:cNvPr id="3" name="Title 2"/>
+          <p:cNvSpPr>
+            <a:spLocks noGrp="1"/>
+          </p:cNvSpPr>
+          <p:nvPr>
+            <p:ph type="title"/>
+          </p:nvPr>
+        </p:nvSpPr>
+        <p:spPr/>
+        <p:txBody>
+          <a:bodyPr/>
+          <a:lstStyle/>
+          <a:p>
+            <a:pPr algn="ctr"/>
+            <a:r>
+              <a:rPr lang="en-US" dirty="0" smtClean="0"/>
+              <a:t>Labeling</a:t>
+            </a:r>
+            <a:endParaRPr lang="en-US" dirty="0"/>
+          </a:p>
+        </p:txBody>
+      </p:sp>
+      <p:sp>
+        <p:nvSpPr>
+          <p:cNvPr id="4" name="Flowchart: Connector 3"/>
+          <p:cNvSpPr/>
+          <p:nvPr/>
+        </p:nvSpPr>
+        <p:spPr>
+          <a:xfrm>
+            <a:off x="2614717" y="3135594"/>
+            <a:ext cx="228600" cy="228600"/>
+          </a:xfrm>
+          <a:prstGeom prst="flowChartConnector">
+            <a:avLst/>
+          </a:prstGeom>
+        </p:spPr>
+        <p:style>
+          <a:lnRef idx="2">
+            <a:schemeClr val="accent1">
+              <a:shade val="50000"/>
+            </a:schemeClr>
+          </a:lnRef>
+          <a:fillRef idx="1">
+            <a:schemeClr val="accent1"/>
+          </a:fillRef>
+          <a:effectRef idx="0">
+            <a:schemeClr val="accent1"/>
+          </a:effectRef>
+          <a:fontRef idx="minor">
+            <a:schemeClr val="lt1"/>
+          </a:fontRef>
+        </p:style>
+        <p:txBody>
+          <a:bodyPr rtlCol="0" anchor="ctr"/>
+          <a:lstStyle/>
+          <a:p>
+            <a:pPr algn="ctr"/>
+            <a:endParaRPr lang="en-US"/>
+          </a:p>
+        </p:txBody>
+      </p:sp>
+      <p:sp>
+        <p:nvSpPr>
+          <p:cNvPr id="5" name="Flowchart: Connector 4"/>
+          <p:cNvSpPr/>
+          <p:nvPr/>
+        </p:nvSpPr>
+        <p:spPr>
+          <a:xfrm>
+            <a:off x="4367317" y="3135594"/>
+            <a:ext cx="228600" cy="228600"/>
+          </a:xfrm>
+          <a:prstGeom prst="flowChartConnector">
+            <a:avLst/>
+          </a:prstGeom>
+        </p:spPr>
+        <p:style>
+          <a:lnRef idx="2">
+            <a:schemeClr val="accent1">
+              <a:shade val="50000"/>
+            </a:schemeClr>
+          </a:lnRef>
+          <a:fillRef idx="1">
+            <a:schemeClr val="accent1"/>
+          </a:fillRef>
+          <a:effectRef idx="0">
+            <a:schemeClr val="accent1"/>
+          </a:effectRef>
+          <a:fontRef idx="minor">
+            <a:schemeClr val="lt1"/>
+          </a:fontRef>
+        </p:style>
+        <p:txBody>
+          <a:bodyPr rtlCol="0" anchor="ctr"/>
+          <a:lstStyle/>
+          <a:p>
+            <a:pPr algn="ctr"/>
+            <a:endParaRPr lang="en-US"/>
+          </a:p>
+        </p:txBody>
+      </p:sp>
+      <p:sp>
+        <p:nvSpPr>
+          <p:cNvPr id="6" name="Flowchart: Connector 5"/>
+          <p:cNvSpPr/>
+          <p:nvPr/>
+        </p:nvSpPr>
+        <p:spPr>
+          <a:xfrm>
+            <a:off x="6158017" y="3135594"/>
+            <a:ext cx="228600" cy="228600"/>
+          </a:xfrm>
+          <a:prstGeom prst="flowChartConnector">
+            <a:avLst/>
+          </a:prstGeom>
+        </p:spPr>
+        <p:style>
+          <a:lnRef idx="2">
+            <a:schemeClr val="accent1">
+              <a:shade val="50000"/>
+            </a:schemeClr>
+          </a:lnRef>
+          <a:fillRef idx="1">
+            <a:schemeClr val="accent1"/>
+          </a:fillRef>
+          <a:effectRef idx="0">
+            <a:schemeClr val="accent1"/>
+          </a:effectRef>
+          <a:fontRef idx="minor">
+            <a:schemeClr val="lt1"/>
+          </a:fontRef>
+        </p:style>
+        <p:txBody>
+          <a:bodyPr rtlCol="0" anchor="ctr"/>
+          <a:lstStyle/>
+          <a:p>
+            <a:pPr algn="ctr"/>
+            <a:endParaRPr lang="en-US"/>
+          </a:p>
+        </p:txBody>
+      </p:sp>
+      <p:sp>
+        <p:nvSpPr>
+          <p:cNvPr id="7" name="Flowchart: Connector 6"/>
+          <p:cNvSpPr/>
+          <p:nvPr/>
+        </p:nvSpPr>
+        <p:spPr>
+          <a:xfrm>
+            <a:off x="2614717" y="3516594"/>
+            <a:ext cx="228600" cy="228600"/>
+          </a:xfrm>
+          <a:prstGeom prst="flowChartConnector">
+            <a:avLst/>
+          </a:prstGeom>
+        </p:spPr>
+        <p:style>
+          <a:lnRef idx="2">
+            <a:schemeClr val="accent1">
+              <a:shade val="50000"/>
+            </a:schemeClr>
+          </a:lnRef>
+          <a:fillRef idx="1">
+            <a:schemeClr val="accent1"/>
+          </a:fillRef>
+          <a:effectRef idx="0">
+            <a:schemeClr val="accent1"/>
+          </a:effectRef>
+          <a:fontRef idx="minor">
+            <a:schemeClr val="lt1"/>
+          </a:fontRef>
+        </p:style>
+        <p:txBody>
+          <a:bodyPr rtlCol="0" anchor="ctr"/>
+          <a:lstStyle/>
+          <a:p>
+            <a:pPr algn="ctr"/>
+            <a:endParaRPr lang="en-US"/>
+          </a:p>
+        </p:txBody>
+      </p:sp>
+      <p:sp>
+        <p:nvSpPr>
+          <p:cNvPr id="8" name="Flowchart: Connector 7"/>
+          <p:cNvSpPr/>
+          <p:nvPr/>
+        </p:nvSpPr>
+        <p:spPr>
+          <a:xfrm>
+            <a:off x="4367317" y="3516594"/>
+            <a:ext cx="228600" cy="228600"/>
+          </a:xfrm>
+          <a:prstGeom prst="flowChartConnector">
+            <a:avLst/>
+          </a:prstGeom>
+        </p:spPr>
+        <p:style>
+          <a:lnRef idx="2">
+            <a:schemeClr val="accent1">
+              <a:shade val="50000"/>
+            </a:schemeClr>
+          </a:lnRef>
+          <a:fillRef idx="1">
+            <a:schemeClr val="accent1"/>
+          </a:fillRef>
+          <a:effectRef idx="0">
+            <a:schemeClr val="accent1"/>
+          </a:effectRef>
+          <a:fontRef idx="minor">
+            <a:schemeClr val="lt1"/>
+          </a:fontRef>
+        </p:style>
+        <p:txBody>
+          <a:bodyPr rtlCol="0" anchor="ctr"/>
+          <a:lstStyle/>
+          <a:p>
+            <a:pPr algn="ctr"/>
+            <a:endParaRPr lang="en-US"/>
+          </a:p>
+        </p:txBody>
+      </p:sp>
+      <p:sp>
+        <p:nvSpPr>
+          <p:cNvPr id="9" name="Flowchart: Connector 8"/>
+          <p:cNvSpPr/>
+          <p:nvPr/>
+        </p:nvSpPr>
+        <p:spPr>
+          <a:xfrm>
+            <a:off x="6158017" y="3516594"/>
+            <a:ext cx="228600" cy="228600"/>
+          </a:xfrm>
+          <a:prstGeom prst="flowChartConnector">
+            <a:avLst/>
+          </a:prstGeom>
+        </p:spPr>
+        <p:style>
+          <a:lnRef idx="2">
+            <a:schemeClr val="accent1">
+              <a:shade val="50000"/>
+            </a:schemeClr>
+          </a:lnRef>
+          <a:fillRef idx="1">
+            <a:schemeClr val="accent1"/>
+          </a:fillRef>
+          <a:effectRef idx="0">
+            <a:schemeClr val="accent1"/>
+          </a:effectRef>
+          <a:fontRef idx="minor">
+            <a:schemeClr val="lt1"/>
+          </a:fontRef>
+        </p:style>
+        <p:txBody>
+          <a:bodyPr rtlCol="0" anchor="ctr"/>
+          <a:lstStyle/>
+          <a:p>
+            <a:pPr algn="ctr"/>
+            <a:endParaRPr lang="en-US"/>
+          </a:p>
+        </p:txBody>
+      </p:sp>
+      <p:sp>
+        <p:nvSpPr>
+          <p:cNvPr id="10" name="TextBox 9"/>
+          <p:cNvSpPr txBox="1"/>
+          <p:nvPr/>
+        </p:nvSpPr>
+        <p:spPr>
+          <a:xfrm>
+            <a:off x="3124200" y="5562600"/>
+            <a:ext cx="2943434" cy="369332"/>
+          </a:xfrm>
+          <a:prstGeom prst="rect">
+            <a:avLst/>
+          </a:prstGeom>
+          <a:noFill/>
+        </p:spPr>
+        <p:txBody>
+          <a:bodyPr wrap="none" rtlCol="0">
+            <a:spAutoFit/>
+          </a:bodyPr>
+          <a:lstStyle/>
+          <a:p>
+            <a:r>
+              <a:rPr lang="en-US" dirty="0" smtClean="0"/>
+              <a:t>Distance of parallel lines</a:t>
+            </a:r>
+            <a:endParaRPr lang="en-US" dirty="0"/>
+          </a:p>
+        </p:txBody>
+      </p:sp>
+      <p:sp>
+        <p:nvSpPr>
+          <p:cNvPr id="11" name="Flowchart: Connector 10"/>
+          <p:cNvSpPr/>
+          <p:nvPr/>
+        </p:nvSpPr>
+        <p:spPr>
+          <a:xfrm>
+            <a:off x="2614717" y="4126194"/>
+            <a:ext cx="228600" cy="228600"/>
+          </a:xfrm>
+          <a:prstGeom prst="flowChartConnector">
+            <a:avLst/>
+          </a:prstGeom>
+        </p:spPr>
+        <p:style>
+          <a:lnRef idx="2">
+            <a:schemeClr val="accent1">
+              <a:shade val="50000"/>
+            </a:schemeClr>
+          </a:lnRef>
+          <a:fillRef idx="1">
+            <a:schemeClr val="accent1"/>
+          </a:fillRef>
+          <a:effectRef idx="0">
+            <a:schemeClr val="accent1"/>
+          </a:effectRef>
+          <a:fontRef idx="minor">
+            <a:schemeClr val="lt1"/>
+          </a:fontRef>
+        </p:style>
+        <p:txBody>
+          <a:bodyPr rtlCol="0" anchor="ctr"/>
+          <a:lstStyle/>
+          <a:p>
+            <a:pPr algn="ctr"/>
+            <a:endParaRPr lang="en-US"/>
+          </a:p>
+        </p:txBody>
+      </p:sp>
+      <p:sp>
+        <p:nvSpPr>
+          <p:cNvPr id="12" name="Flowchart: Connector 11"/>
+          <p:cNvSpPr/>
+          <p:nvPr/>
+        </p:nvSpPr>
+        <p:spPr>
+          <a:xfrm>
+            <a:off x="4367317" y="4126194"/>
+            <a:ext cx="228600" cy="228600"/>
+          </a:xfrm>
+          <a:prstGeom prst="flowChartConnector">
+            <a:avLst/>
+          </a:prstGeom>
+        </p:spPr>
+        <p:style>
+          <a:lnRef idx="2">
+            <a:schemeClr val="accent1">
+              <a:shade val="50000"/>
+            </a:schemeClr>
+          </a:lnRef>
+          <a:fillRef idx="1">
+            <a:schemeClr val="accent1"/>
+          </a:fillRef>
+          <a:effectRef idx="0">
+            <a:schemeClr val="accent1"/>
+          </a:effectRef>
+          <a:fontRef idx="minor">
+            <a:schemeClr val="lt1"/>
+          </a:fontRef>
+        </p:style>
+        <p:txBody>
+          <a:bodyPr rtlCol="0" anchor="ctr"/>
+          <a:lstStyle/>
+          <a:p>
+            <a:pPr algn="ctr"/>
+            <a:endParaRPr lang="en-US"/>
+          </a:p>
+        </p:txBody>
+      </p:sp>
+      <p:sp>
+        <p:nvSpPr>
+          <p:cNvPr id="13" name="Flowchart: Connector 12"/>
+          <p:cNvSpPr/>
+          <p:nvPr/>
+        </p:nvSpPr>
+        <p:spPr>
+          <a:xfrm>
+            <a:off x="6158017" y="4126194"/>
+            <a:ext cx="228600" cy="228600"/>
+          </a:xfrm>
+          <a:prstGeom prst="flowChartConnector">
+            <a:avLst/>
+          </a:prstGeom>
+        </p:spPr>
+        <p:style>
+          <a:lnRef idx="2">
+            <a:schemeClr val="accent1">
+              <a:shade val="50000"/>
+            </a:schemeClr>
+          </a:lnRef>
+          <a:fillRef idx="1">
+            <a:schemeClr val="accent1"/>
+          </a:fillRef>
+          <a:effectRef idx="0">
+            <a:schemeClr val="accent1"/>
+          </a:effectRef>
+          <a:fontRef idx="minor">
+            <a:schemeClr val="lt1"/>
+          </a:fontRef>
+        </p:style>
+        <p:txBody>
+          <a:bodyPr rtlCol="0" anchor="ctr"/>
+          <a:lstStyle/>
+          <a:p>
+            <a:pPr algn="ctr"/>
+            <a:endParaRPr lang="en-US"/>
+          </a:p>
+        </p:txBody>
+      </p:sp>
+      <p:sp>
+        <p:nvSpPr>
+          <p:cNvPr id="14" name="Flowchart: Connector 13"/>
+          <p:cNvSpPr/>
+          <p:nvPr/>
+        </p:nvSpPr>
+        <p:spPr>
+          <a:xfrm>
+            <a:off x="2614361" y="5040594"/>
+            <a:ext cx="228600" cy="228600"/>
+          </a:xfrm>
+          <a:prstGeom prst="flowChartConnector">
+            <a:avLst/>
+          </a:prstGeom>
+        </p:spPr>
+        <p:style>
+          <a:lnRef idx="2">
+            <a:schemeClr val="accent1">
+              <a:shade val="50000"/>
+            </a:schemeClr>
+          </a:lnRef>
+          <a:fillRef idx="1">
+            <a:schemeClr val="accent1"/>
+          </a:fillRef>
+          <a:effectRef idx="0">
+            <a:schemeClr val="accent1"/>
+          </a:effectRef>
+          <a:fontRef idx="minor">
+            <a:schemeClr val="lt1"/>
+          </a:fontRef>
+        </p:style>
+        <p:txBody>
+          <a:bodyPr rtlCol="0" anchor="ctr"/>
+          <a:lstStyle/>
+          <a:p>
+            <a:pPr algn="ctr"/>
+            <a:endParaRPr lang="en-US"/>
+          </a:p>
+        </p:txBody>
+      </p:sp>
+      <p:sp>
+        <p:nvSpPr>
+          <p:cNvPr id="15" name="Flowchart: Connector 14"/>
+          <p:cNvSpPr/>
+          <p:nvPr/>
+        </p:nvSpPr>
+        <p:spPr>
+          <a:xfrm>
+            <a:off x="4366961" y="5040594"/>
+            <a:ext cx="228600" cy="228600"/>
+          </a:xfrm>
+          <a:prstGeom prst="flowChartConnector">
+            <a:avLst/>
+          </a:prstGeom>
+        </p:spPr>
+        <p:style>
+          <a:lnRef idx="2">
+            <a:schemeClr val="accent1">
+              <a:shade val="50000"/>
+            </a:schemeClr>
+          </a:lnRef>
+          <a:fillRef idx="1">
+            <a:schemeClr val="accent1"/>
+          </a:fillRef>
+          <a:effectRef idx="0">
+            <a:schemeClr val="accent1"/>
+          </a:effectRef>
+          <a:fontRef idx="minor">
+            <a:schemeClr val="lt1"/>
+          </a:fontRef>
+        </p:style>
+        <p:txBody>
+          <a:bodyPr rtlCol="0" anchor="ctr"/>
+          <a:lstStyle/>
+          <a:p>
+            <a:pPr algn="ctr"/>
+            <a:endParaRPr lang="en-US"/>
+          </a:p>
+        </p:txBody>
+      </p:sp>
+      <p:sp>
+        <p:nvSpPr>
+          <p:cNvPr id="16" name="Flowchart: Connector 15"/>
+          <p:cNvSpPr/>
+          <p:nvPr/>
+        </p:nvSpPr>
+        <p:spPr>
+          <a:xfrm>
+            <a:off x="6157661" y="5040594"/>
+            <a:ext cx="228600" cy="228600"/>
+          </a:xfrm>
+          <a:prstGeom prst="flowChartConnector">
+            <a:avLst/>
+          </a:prstGeom>
+        </p:spPr>
+        <p:style>
+          <a:lnRef idx="2">
+            <a:schemeClr val="accent1">
+              <a:shade val="50000"/>
+            </a:schemeClr>
+          </a:lnRef>
+          <a:fillRef idx="1">
+            <a:schemeClr val="accent1"/>
+          </a:fillRef>
+          <a:effectRef idx="0">
+            <a:schemeClr val="accent1"/>
+          </a:effectRef>
+          <a:fontRef idx="minor">
+            <a:schemeClr val="lt1"/>
+          </a:fontRef>
+        </p:style>
+        <p:txBody>
+          <a:bodyPr rtlCol="0" anchor="ctr"/>
+          <a:lstStyle/>
+          <a:p>
+            <a:pPr algn="ctr"/>
+            <a:endParaRPr lang="en-US"/>
+          </a:p>
+        </p:txBody>
+      </p:sp>
+    </p:spTree>
+    <p:extLst>
+      <p:ext uri="{BB962C8B-B14F-4D97-AF65-F5344CB8AC3E}">
+        <p14:creationId xmlns:p14="http://schemas.microsoft.com/office/powerpoint/2010/main" val="3838121422"/>
+      </p:ext>
+    </p:extLst>
+  </p:cSld>
+  <p:clrMapOvr>
+    <a:masterClrMapping/>
+  </p:clrMapOvr>
+  <p:timing>
+    <p:tnLst>
+      <p:par>
+        <p:cTn id="1" dur="indefinite" restart="never" nodeType="tmRoot">
+          <p:childTnLst>
+            <p:seq concurrent="1" nextAc="seek">
+              <p:cTn id="2" dur="indefinite" nodeType="mainSeq">
+                <p:childTnLst>
+                  <p:par>
+                    <p:cTn id="3" fill="hold">
+                      <p:stCondLst>
+                        <p:cond delay="indefinite"/>
+                      </p:stCondLst>
+                      <p:childTnLst>
+                        <p:par>
+                          <p:cTn id="4" fill="hold">
+                            <p:stCondLst>
+                              <p:cond delay="0"/>
+                            </p:stCondLst>
+                            <p:childTnLst>
+                              <p:par>
+                                <p:cTn id="5" presetID="1" presetClass="emph" presetSubtype="2" fill="hold" nodeType="clickEffect">
+                                  <p:stCondLst>
+                                    <p:cond delay="0"/>
+                                  </p:stCondLst>
+                                  <p:childTnLst>
+                                    <p:animClr clrSpc="rgb" dir="cw">
+                                      <p:cBhvr>
+                                        <p:cTn id="6" dur="500" fill="hold"/>
+                                        <p:tgtEl>
+                                          <p:spTgt spid="4"/>
+                                        </p:tgtEl>
+                                        <p:attrNameLst>
+                                          <p:attrName>fillcolor</p:attrName>
+                                        </p:attrNameLst>
+                                      </p:cBhvr>
+                                      <p:to>
+                                        <a:schemeClr val="accent2"/>
+                                      </p:to>
+                                    </p:animClr>
+                                    <p:set>
+                                      <p:cBhvr>
+                                        <p:cTn id="7" dur="500" fill="hold"/>
+                                        <p:tgtEl>
+                                          <p:spTgt spid="4"/>
+                                        </p:tgtEl>
+                                        <p:attrNameLst>
+                                          <p:attrName>fill.type</p:attrName>
+                                        </p:attrNameLst>
+                                      </p:cBhvr>
+                                      <p:to>
+                                        <p:strVal val="solid"/>
+                                      </p:to>
+                                    </p:set>
+                                    <p:set>
+                                      <p:cBhvr>
+                                        <p:cTn id="8" dur="500" fill="hold"/>
+                                        <p:tgtEl>
+                                          <p:spTgt spid="4"/>
+                                        </p:tgtEl>
+                                        <p:attrNameLst>
+                                          <p:attrName>fill.on</p:attrName>
+                                        </p:attrNameLst>
+                                      </p:cBhvr>
+                                      <p:to>
+                                        <p:strVal val="true"/>
+                                      </p:to>
+                                    </p:set>
+                                  </p:childTnLst>
+                                </p:cTn>
+                              </p:par>
+                              <p:par>
+                                <p:cTn id="9" presetID="1" presetClass="emph" presetSubtype="2" fill="hold" nodeType="withEffect">
+                                  <p:stCondLst>
+                                    <p:cond delay="0"/>
+                                  </p:stCondLst>
+                                  <p:childTnLst>
+                                    <p:animClr clrSpc="rgb" dir="cw">
+                                      <p:cBhvr>
+                                        <p:cTn id="10" dur="500" fill="hold"/>
+                                        <p:tgtEl>
+                                          <p:spTgt spid="5"/>
+                                        </p:tgtEl>
+                                        <p:attrNameLst>
+                                          <p:attrName>fillcolor</p:attrName>
+                                        </p:attrNameLst>
+                                      </p:cBhvr>
+                                      <p:to>
+                                        <a:schemeClr val="accent2"/>
+                                      </p:to>
+                                    </p:animClr>
+                                    <p:set>
+                                      <p:cBhvr>
+                                        <p:cTn id="11" dur="500" fill="hold"/>
+                                        <p:tgtEl>
+                                          <p:spTgt spid="5"/>
+                                        </p:tgtEl>
+                                        <p:attrNameLst>
+                                          <p:attrName>fill.type</p:attrName>
+                                        </p:attrNameLst>
+                                      </p:cBhvr>
+                                      <p:to>
+                                        <p:strVal val="solid"/>
+                                      </p:to>
+                                    </p:set>
+                                    <p:set>
+                                      <p:cBhvr>
+                                        <p:cTn id="12" dur="500" fill="hold"/>
+                                        <p:tgtEl>
+                                          <p:spTgt spid="5"/>
+                                        </p:tgtEl>
+                                        <p:attrNameLst>
+                                          <p:attrName>fill.on</p:attrName>
+                                        </p:attrNameLst>
+                                      </p:cBhvr>
+                                      <p:to>
+                                        <p:strVal val="true"/>
+                                      </p:to>
+                                    </p:set>
+                                  </p:childTnLst>
+                                </p:cTn>
+                              </p:par>
+                              <p:par>
+                                <p:cTn id="13" presetID="1" presetClass="emph" presetSubtype="2" fill="hold" nodeType="withEffect">
+                                  <p:stCondLst>
+                                    <p:cond delay="0"/>
+                                  </p:stCondLst>
+                                  <p:childTnLst>
+                                    <p:animClr clrSpc="rgb" dir="cw">
+                                      <p:cBhvr>
+                                        <p:cTn id="14" dur="500" fill="hold"/>
+                                        <p:tgtEl>
+                                          <p:spTgt spid="6"/>
+                                        </p:tgtEl>
+                                        <p:attrNameLst>
+                                          <p:attrName>fillcolor</p:attrName>
+                                        </p:attrNameLst>
+                                      </p:cBhvr>
+                                      <p:to>
+                                        <a:schemeClr val="accent2"/>
+                                      </p:to>
+                                    </p:animClr>
+                                    <p:set>
+                                      <p:cBhvr>
+                                        <p:cTn id="15" dur="500" fill="hold"/>
+                                        <p:tgtEl>
+                                          <p:spTgt spid="6"/>
+                                        </p:tgtEl>
+                                        <p:attrNameLst>
+                                          <p:attrName>fill.type</p:attrName>
+                                        </p:attrNameLst>
+                                      </p:cBhvr>
+                                      <p:to>
+                                        <p:strVal val="solid"/>
+                                      </p:to>
+                                    </p:set>
+                                    <p:set>
+                                      <p:cBhvr>
+                                        <p:cTn id="16" dur="500" fill="hold"/>
+                                        <p:tgtEl>
+                                          <p:spTgt spid="6"/>
+                                        </p:tgtEl>
+                                        <p:attrNameLst>
+                                          <p:attrName>fill.on</p:attrName>
+                                        </p:attrNameLst>
+                                      </p:cBhvr>
+                                      <p:to>
+                                        <p:strVal val="true"/>
+                                      </p:to>
+                                    </p:set>
+                                  </p:childTnLst>
+                                </p:cTn>
+                              </p:par>
+                              <p:par>
+                                <p:cTn id="17" presetID="1" presetClass="emph" presetSubtype="2" fill="hold" nodeType="withEffect">
+                                  <p:stCondLst>
+                                    <p:cond delay="0"/>
+                                  </p:stCondLst>
+                                  <p:childTnLst>
+                                    <p:animClr clrSpc="rgb" dir="cw">
+                                      <p:cBhvr>
+                                        <p:cTn id="18" dur="500" fill="hold"/>
+                                        <p:tgtEl>
+                                          <p:spTgt spid="7"/>
+                                        </p:tgtEl>
+                                        <p:attrNameLst>
+                                          <p:attrName>fillcolor</p:attrName>
+                                        </p:attrNameLst>
+                                      </p:cBhvr>
+                                      <p:to>
+                                        <a:schemeClr val="accent2"/>
+                                      </p:to>
+                                    </p:animClr>
+                                    <p:set>
+                                      <p:cBhvr>
+                                        <p:cTn id="19" dur="500" fill="hold"/>
+                                        <p:tgtEl>
+                                          <p:spTgt spid="7"/>
+                                        </p:tgtEl>
+                                        <p:attrNameLst>
+                                          <p:attrName>fill.type</p:attrName>
+                                        </p:attrNameLst>
+                                      </p:cBhvr>
+                                      <p:to>
+                                        <p:strVal val="solid"/>
+                                      </p:to>
+                                    </p:set>
+                                    <p:set>
+                                      <p:cBhvr>
+                                        <p:cTn id="20" dur="500" fill="hold"/>
+                                        <p:tgtEl>
+                                          <p:spTgt spid="7"/>
+                                        </p:tgtEl>
+                                        <p:attrNameLst>
+                                          <p:attrName>fill.on</p:attrName>
+                                        </p:attrNameLst>
+                                      </p:cBhvr>
+                                      <p:to>
+                                        <p:strVal val="true"/>
+                                      </p:to>
+                                    </p:set>
+                                  </p:childTnLst>
+                                </p:cTn>
+                              </p:par>
+                              <p:par>
+                                <p:cTn id="21" presetID="1" presetClass="emph" presetSubtype="2" fill="hold" nodeType="withEffect">
+                                  <p:stCondLst>
+                                    <p:cond delay="0"/>
+                                  </p:stCondLst>
+                                  <p:childTnLst>
+                                    <p:animClr clrSpc="rgb" dir="cw">
+                                      <p:cBhvr>
+                                        <p:cTn id="22" dur="500" fill="hold"/>
+                                        <p:tgtEl>
+                                          <p:spTgt spid="8"/>
+                                        </p:tgtEl>
+                                        <p:attrNameLst>
+                                          <p:attrName>fillcolor</p:attrName>
+                                        </p:attrNameLst>
+                                      </p:cBhvr>
+                                      <p:to>
+                                        <a:schemeClr val="accent2"/>
+                                      </p:to>
+                                    </p:animClr>
+                                    <p:set>
+                                      <p:cBhvr>
+                                        <p:cTn id="23" dur="500" fill="hold"/>
+                                        <p:tgtEl>
+                                          <p:spTgt spid="8"/>
+                                        </p:tgtEl>
+                                        <p:attrNameLst>
+                                          <p:attrName>fill.type</p:attrName>
+                                        </p:attrNameLst>
+                                      </p:cBhvr>
+                                      <p:to>
+                                        <p:strVal val="solid"/>
+                                      </p:to>
+                                    </p:set>
+                                    <p:set>
+                                      <p:cBhvr>
+                                        <p:cTn id="24" dur="500" fill="hold"/>
+                                        <p:tgtEl>
+                                          <p:spTgt spid="8"/>
+                                        </p:tgtEl>
+                                        <p:attrNameLst>
+                                          <p:attrName>fill.on</p:attrName>
+                                        </p:attrNameLst>
+                                      </p:cBhvr>
+                                      <p:to>
+                                        <p:strVal val="true"/>
+                                      </p:to>
+                                    </p:set>
+                                  </p:childTnLst>
+                                </p:cTn>
+                              </p:par>
+                              <p:par>
+                                <p:cTn id="25" presetID="1" presetClass="emph" presetSubtype="2" fill="hold" nodeType="withEffect">
+                                  <p:stCondLst>
+                                    <p:cond delay="0"/>
+                                  </p:stCondLst>
+                                  <p:childTnLst>
+                                    <p:animClr clrSpc="rgb" dir="cw">
+                                      <p:cBhvr>
+                                        <p:cTn id="26" dur="500" fill="hold"/>
+                                        <p:tgtEl>
+                                          <p:spTgt spid="9"/>
+                                        </p:tgtEl>
+                                        <p:attrNameLst>
+                                          <p:attrName>fillcolor</p:attrName>
+                                        </p:attrNameLst>
+                                      </p:cBhvr>
+                                      <p:to>
+                                        <a:schemeClr val="accent2"/>
+                                      </p:to>
+                                    </p:animClr>
+                                    <p:set>
+                                      <p:cBhvr>
+                                        <p:cTn id="27" dur="500" fill="hold"/>
+                                        <p:tgtEl>
+                                          <p:spTgt spid="9"/>
+                                        </p:tgtEl>
+                                        <p:attrNameLst>
+                                          <p:attrName>fill.type</p:attrName>
+                                        </p:attrNameLst>
+                                      </p:cBhvr>
+                                      <p:to>
+                                        <p:strVal val="solid"/>
+                                      </p:to>
+                                    </p:set>
+                                    <p:set>
+                                      <p:cBhvr>
+                                        <p:cTn id="28" dur="500" fill="hold"/>
+                                        <p:tgtEl>
+                                          <p:spTgt spid="9"/>
+                                        </p:tgtEl>
+                                        <p:attrNameLst>
+                                          <p:attrName>fill.on</p:attrName>
+                                        </p:attrNameLst>
+                                      </p:cBhvr>
+                                      <p:to>
+                                        <p:strVal val="true"/>
+                                      </p:to>
+                                    </p:set>
+                                  </p:childTnLst>
+                                </p:cTn>
+                              </p:par>
+                            </p:childTnLst>
+                          </p:cTn>
+                        </p:par>
+                      </p:childTnLst>
+                    </p:cTn>
+                  </p:par>
+                  <p:par>
+                    <p:cTn id="29" fill="hold">
+                      <p:stCondLst>
+                        <p:cond delay="indefinite"/>
+                      </p:stCondLst>
+                      <p:childTnLst>
+                        <p:par>
+                          <p:cTn id="30" fill="hold">
+                            <p:stCondLst>
+                              <p:cond delay="0"/>
+                            </p:stCondLst>
+                            <p:childTnLst>
+                              <p:par>
+                                <p:cTn id="31" presetID="10" presetClass="exit" presetSubtype="0" fill="hold" grpId="0" nodeType="clickEffect">
+                                  <p:stCondLst>
+                                    <p:cond delay="0"/>
+                                  </p:stCondLst>
+                                  <p:childTnLst>
+                                    <p:animEffect transition="out" filter="fade">
+                                      <p:cBhvr>
+                                        <p:cTn id="32" dur="500"/>
+                                        <p:tgtEl>
+                                          <p:spTgt spid="7"/>
+                                        </p:tgtEl>
+                                      </p:cBhvr>
+                                    </p:animEffect>
+                                    <p:set>
+                                      <p:cBhvr>
+                                        <p:cTn id="33" dur="1" fill="hold">
+                                          <p:stCondLst>
+                                            <p:cond delay="499"/>
+                                          </p:stCondLst>
+                                        </p:cTn>
+                                        <p:tgtEl>
+                                          <p:spTgt spid="7"/>
+                                        </p:tgtEl>
+                                        <p:attrNameLst>
+                                          <p:attrName>style.visibility</p:attrName>
+                                        </p:attrNameLst>
+                                      </p:cBhvr>
+                                      <p:to>
+                                        <p:strVal val="hidden"/>
+                                      </p:to>
+                                    </p:set>
+                                  </p:childTnLst>
+                                </p:cTn>
+                              </p:par>
+                              <p:par>
+                                <p:cTn id="34" presetID="10" presetClass="exit" presetSubtype="0" fill="hold" grpId="0" nodeType="withEffect">
+                                  <p:stCondLst>
+                                    <p:cond delay="0"/>
+                                  </p:stCondLst>
+                                  <p:childTnLst>
+                                    <p:animEffect transition="out" filter="fade">
+                                      <p:cBhvr>
+                                        <p:cTn id="35" dur="500"/>
+                                        <p:tgtEl>
+                                          <p:spTgt spid="8"/>
+                                        </p:tgtEl>
+                                      </p:cBhvr>
+                                    </p:animEffect>
+                                    <p:set>
+                                      <p:cBhvr>
+                                        <p:cTn id="36" dur="1" fill="hold">
+                                          <p:stCondLst>
+                                            <p:cond delay="499"/>
+                                          </p:stCondLst>
+                                        </p:cTn>
+                                        <p:tgtEl>
+                                          <p:spTgt spid="8"/>
+                                        </p:tgtEl>
+                                        <p:attrNameLst>
+                                          <p:attrName>style.visibility</p:attrName>
+                                        </p:attrNameLst>
+                                      </p:cBhvr>
+                                      <p:to>
+                                        <p:strVal val="hidden"/>
+                                      </p:to>
+                                    </p:set>
+                                  </p:childTnLst>
+                                </p:cTn>
+                              </p:par>
+                              <p:par>
+                                <p:cTn id="37" presetID="10" presetClass="exit" presetSubtype="0" fill="hold" grpId="0" nodeType="withEffect">
+                                  <p:stCondLst>
+                                    <p:cond delay="0"/>
+                                  </p:stCondLst>
+                                  <p:childTnLst>
+                                    <p:animEffect transition="out" filter="fade">
+                                      <p:cBhvr>
+                                        <p:cTn id="38" dur="500"/>
+                                        <p:tgtEl>
+                                          <p:spTgt spid="9"/>
+                                        </p:tgtEl>
+                                      </p:cBhvr>
+                                    </p:animEffect>
+                                    <p:set>
+                                      <p:cBhvr>
+                                        <p:cTn id="39" dur="1" fill="hold">
+                                          <p:stCondLst>
+                                            <p:cond delay="499"/>
+                                          </p:stCondLst>
+                                        </p:cTn>
+                                        <p:tgtEl>
+                                          <p:spTgt spid="9"/>
+                                        </p:tgtEl>
+                                        <p:attrNameLst>
+                                          <p:attrName>style.visibility</p:attrName>
+                                        </p:attrNameLst>
+                                      </p:cBhvr>
+                                      <p:to>
+                                        <p:strVal val="hidden"/>
+                                      </p:to>
+                                    </p:set>
+                                  </p:childTnLst>
+                                </p:cTn>
+                              </p:par>
+                              <p:par>
+                                <p:cTn id="40" presetID="1" presetClass="emph" presetSubtype="2" fill="hold" nodeType="withEffect">
+                                  <p:stCondLst>
+                                    <p:cond delay="0"/>
+                                  </p:stCondLst>
+                                  <p:childTnLst>
+                                    <p:animClr clrSpc="rgb" dir="cw">
+                                      <p:cBhvr>
+                                        <p:cTn id="41" dur="500" fill="hold"/>
+                                        <p:tgtEl>
+                                          <p:spTgt spid="4"/>
+                                        </p:tgtEl>
+                                        <p:attrNameLst>
+                                          <p:attrName>fillcolor</p:attrName>
+                                        </p:attrNameLst>
+                                      </p:cBhvr>
+                                      <p:to>
+                                        <a:srgbClr val="2DA2BF"/>
+                                      </p:to>
+                                    </p:animClr>
+                                    <p:set>
+                                      <p:cBhvr>
+                                        <p:cTn id="42" dur="500" fill="hold"/>
+                                        <p:tgtEl>
+                                          <p:spTgt spid="4"/>
+                                        </p:tgtEl>
+                                        <p:attrNameLst>
+                                          <p:attrName>fill.type</p:attrName>
+                                        </p:attrNameLst>
+                                      </p:cBhvr>
+                                      <p:to>
+                                        <p:strVal val="solid"/>
+                                      </p:to>
+                                    </p:set>
+                                    <p:set>
+                                      <p:cBhvr>
+                                        <p:cTn id="43" dur="500" fill="hold"/>
+                                        <p:tgtEl>
+                                          <p:spTgt spid="4"/>
+                                        </p:tgtEl>
+                                        <p:attrNameLst>
+                                          <p:attrName>fill.on</p:attrName>
+                                        </p:attrNameLst>
+                                      </p:cBhvr>
+                                      <p:to>
+                                        <p:strVal val="true"/>
+                                      </p:to>
+                                    </p:set>
+                                  </p:childTnLst>
+                                </p:cTn>
+                              </p:par>
+                              <p:par>
+                                <p:cTn id="44" presetID="1" presetClass="emph" presetSubtype="2" fill="hold" nodeType="withEffect">
+                                  <p:stCondLst>
+                                    <p:cond delay="0"/>
+                                  </p:stCondLst>
+                                  <p:childTnLst>
+                                    <p:animClr clrSpc="rgb" dir="cw">
+                                      <p:cBhvr>
+                                        <p:cTn id="45" dur="500" fill="hold"/>
+                                        <p:tgtEl>
+                                          <p:spTgt spid="5"/>
+                                        </p:tgtEl>
+                                        <p:attrNameLst>
+                                          <p:attrName>fillcolor</p:attrName>
+                                        </p:attrNameLst>
+                                      </p:cBhvr>
+                                      <p:to>
+                                        <a:srgbClr val="2DA2BF"/>
+                                      </p:to>
+                                    </p:animClr>
+                                    <p:set>
+                                      <p:cBhvr>
+                                        <p:cTn id="46" dur="500" fill="hold"/>
+                                        <p:tgtEl>
+                                          <p:spTgt spid="5"/>
+                                        </p:tgtEl>
+                                        <p:attrNameLst>
+                                          <p:attrName>fill.type</p:attrName>
+                                        </p:attrNameLst>
+                                      </p:cBhvr>
+                                      <p:to>
+                                        <p:strVal val="solid"/>
+                                      </p:to>
+                                    </p:set>
+                                    <p:set>
+                                      <p:cBhvr>
+                                        <p:cTn id="47" dur="500" fill="hold"/>
+                                        <p:tgtEl>
+                                          <p:spTgt spid="5"/>
+                                        </p:tgtEl>
+                                        <p:attrNameLst>
+                                          <p:attrName>fill.on</p:attrName>
+                                        </p:attrNameLst>
+                                      </p:cBhvr>
+                                      <p:to>
+                                        <p:strVal val="true"/>
+                                      </p:to>
+                                    </p:set>
+                                  </p:childTnLst>
+                                </p:cTn>
+                              </p:par>
+                              <p:par>
+                                <p:cTn id="48" presetID="1" presetClass="emph" presetSubtype="2" fill="hold" nodeType="withEffect">
+                                  <p:stCondLst>
+                                    <p:cond delay="0"/>
+                                  </p:stCondLst>
+                                  <p:childTnLst>
+                                    <p:animClr clrSpc="rgb" dir="cw">
+                                      <p:cBhvr>
+                                        <p:cTn id="49" dur="500" fill="hold"/>
+                                        <p:tgtEl>
+                                          <p:spTgt spid="6"/>
+                                        </p:tgtEl>
+                                        <p:attrNameLst>
+                                          <p:attrName>fillcolor</p:attrName>
+                                        </p:attrNameLst>
+                                      </p:cBhvr>
+                                      <p:to>
+                                        <a:srgbClr val="2DA2BF"/>
+                                      </p:to>
+                                    </p:animClr>
+                                    <p:set>
+                                      <p:cBhvr>
+                                        <p:cTn id="50" dur="500" fill="hold"/>
+                                        <p:tgtEl>
+                                          <p:spTgt spid="6"/>
+                                        </p:tgtEl>
+                                        <p:attrNameLst>
+                                          <p:attrName>fill.type</p:attrName>
+                                        </p:attrNameLst>
+                                      </p:cBhvr>
+                                      <p:to>
+                                        <p:strVal val="solid"/>
+                                      </p:to>
+                                    </p:set>
+                                    <p:set>
+                                      <p:cBhvr>
+                                        <p:cTn id="51" dur="500" fill="hold"/>
+                                        <p:tgtEl>
+                                          <p:spTgt spid="6"/>
+                                        </p:tgtEl>
+                                        <p:attrNameLst>
+                                          <p:attrName>fill.on</p:attrName>
+                                        </p:attrNameLst>
+                                      </p:cBhvr>
+                                      <p:to>
+                                        <p:strVal val="true"/>
+                                      </p:to>
+                                    </p:set>
+                                  </p:childTnLst>
+                                </p:cTn>
+                              </p:par>
+                            </p:childTnLst>
+                          </p:cTn>
+                        </p:par>
+                      </p:childTnLst>
+                    </p:cTn>
+                  </p:par>
+                  <p:par>
+                    <p:cTn id="52" fill="hold">
+                      <p:stCondLst>
+                        <p:cond delay="indefinite"/>
+                      </p:stCondLst>
+                      <p:childTnLst>
+                        <p:par>
+                          <p:cTn id="53" fill="hold">
+                            <p:stCondLst>
+                              <p:cond delay="0"/>
+                            </p:stCondLst>
+                            <p:childTnLst>
+                              <p:par>
+                                <p:cTn id="54" presetID="10" presetClass="entr" presetSubtype="0" fill="hold" grpId="0" nodeType="clickEffect">
+                                  <p:stCondLst>
+                                    <p:cond delay="0"/>
+                                  </p:stCondLst>
+                                  <p:childTnLst>
+                                    <p:set>
+                                      <p:cBhvr>
+                                        <p:cTn id="55" dur="1" fill="hold">
+                                          <p:stCondLst>
+                                            <p:cond delay="0"/>
+                                          </p:stCondLst>
+                                        </p:cTn>
+                                        <p:tgtEl>
+                                          <p:spTgt spid="14"/>
+                                        </p:tgtEl>
+                                        <p:attrNameLst>
+                                          <p:attrName>style.visibility</p:attrName>
+                                        </p:attrNameLst>
+                                      </p:cBhvr>
+                                      <p:to>
+                                        <p:strVal val="visible"/>
+                                      </p:to>
+                                    </p:set>
+                                    <p:animEffect transition="in" filter="fade">
+                                      <p:cBhvr>
+                                        <p:cTn id="56" dur="500"/>
+                                        <p:tgtEl>
+                                          <p:spTgt spid="14"/>
+                                        </p:tgtEl>
+                                      </p:cBhvr>
+                                    </p:animEffect>
+                                  </p:childTnLst>
+                                </p:cTn>
+                              </p:par>
+                              <p:par>
+                                <p:cTn id="57" presetID="10" presetClass="entr" presetSubtype="0" fill="hold" grpId="0" nodeType="withEffect">
+                                  <p:stCondLst>
+                                    <p:cond delay="0"/>
+                                  </p:stCondLst>
+                                  <p:childTnLst>
+                                    <p:set>
+                                      <p:cBhvr>
+                                        <p:cTn id="58" dur="1" fill="hold">
+                                          <p:stCondLst>
+                                            <p:cond delay="0"/>
+                                          </p:stCondLst>
+                                        </p:cTn>
+                                        <p:tgtEl>
+                                          <p:spTgt spid="15"/>
+                                        </p:tgtEl>
+                                        <p:attrNameLst>
+                                          <p:attrName>style.visibility</p:attrName>
+                                        </p:attrNameLst>
+                                      </p:cBhvr>
+                                      <p:to>
+                                        <p:strVal val="visible"/>
+                                      </p:to>
+                                    </p:set>
+                                    <p:animEffect transition="in" filter="fade">
+                                      <p:cBhvr>
+                                        <p:cTn id="59" dur="500"/>
+                                        <p:tgtEl>
+                                          <p:spTgt spid="15"/>
+                                        </p:tgtEl>
+                                      </p:cBhvr>
+                                    </p:animEffect>
+                                  </p:childTnLst>
+                                </p:cTn>
+                              </p:par>
+                              <p:par>
+                                <p:cTn id="60" presetID="10" presetClass="entr" presetSubtype="0" fill="hold" grpId="0" nodeType="withEffect">
+                                  <p:stCondLst>
+                                    <p:cond delay="0"/>
+                                  </p:stCondLst>
+                                  <p:childTnLst>
+                                    <p:set>
+                                      <p:cBhvr>
+                                        <p:cTn id="61" dur="1" fill="hold">
+                                          <p:stCondLst>
+                                            <p:cond delay="0"/>
+                                          </p:stCondLst>
+                                        </p:cTn>
+                                        <p:tgtEl>
+                                          <p:spTgt spid="16"/>
+                                        </p:tgtEl>
+                                        <p:attrNameLst>
+                                          <p:attrName>style.visibility</p:attrName>
+                                        </p:attrNameLst>
+                                      </p:cBhvr>
+                                      <p:to>
+                                        <p:strVal val="visible"/>
+                                      </p:to>
+                                    </p:set>
+                                    <p:animEffect transition="in" filter="fade">
+                                      <p:cBhvr>
+                                        <p:cTn id="62" dur="500"/>
+                                        <p:tgtEl>
+                                          <p:spTgt spid="16"/>
+                                        </p:tgtEl>
+                                      </p:cBhvr>
+                                    </p:animEffect>
+                                  </p:childTnLst>
+                                </p:cTn>
+                              </p:par>
+                            </p:childTnLst>
+                          </p:cTn>
+                        </p:par>
+                      </p:childTnLst>
+                    </p:cTn>
+                  </p:par>
+                  <p:par>
+                    <p:cTn id="63" fill="hold">
+                      <p:stCondLst>
+                        <p:cond delay="indefinite"/>
+                      </p:stCondLst>
+                      <p:childTnLst>
+                        <p:par>
+                          <p:cTn id="64" fill="hold">
+                            <p:stCondLst>
+                              <p:cond delay="0"/>
+                            </p:stCondLst>
+                            <p:childTnLst>
+                              <p:par>
+                                <p:cTn id="65" presetID="1" presetClass="emph" presetSubtype="2" fill="hold" nodeType="clickEffect">
+                                  <p:stCondLst>
+                                    <p:cond delay="0"/>
+                                  </p:stCondLst>
+                                  <p:childTnLst>
+                                    <p:animClr clrSpc="rgb" dir="cw">
+                                      <p:cBhvr>
+                                        <p:cTn id="66" dur="500" fill="hold"/>
+                                        <p:tgtEl>
+                                          <p:spTgt spid="14"/>
+                                        </p:tgtEl>
+                                        <p:attrNameLst>
+                                          <p:attrName>fillcolor</p:attrName>
+                                        </p:attrNameLst>
+                                      </p:cBhvr>
+                                      <p:to>
+                                        <a:schemeClr val="accent2"/>
+                                      </p:to>
+                                    </p:animClr>
+                                    <p:set>
+                                      <p:cBhvr>
+                                        <p:cTn id="67" dur="500" fill="hold"/>
+                                        <p:tgtEl>
+                                          <p:spTgt spid="14"/>
+                                        </p:tgtEl>
+                                        <p:attrNameLst>
+                                          <p:attrName>fill.type</p:attrName>
+                                        </p:attrNameLst>
+                                      </p:cBhvr>
+                                      <p:to>
+                                        <p:strVal val="solid"/>
+                                      </p:to>
+                                    </p:set>
+                                    <p:set>
+                                      <p:cBhvr>
+                                        <p:cTn id="68" dur="500" fill="hold"/>
+                                        <p:tgtEl>
+                                          <p:spTgt spid="14"/>
+                                        </p:tgtEl>
+                                        <p:attrNameLst>
+                                          <p:attrName>fill.on</p:attrName>
+                                        </p:attrNameLst>
+                                      </p:cBhvr>
+                                      <p:to>
+                                        <p:strVal val="true"/>
+                                      </p:to>
+                                    </p:set>
+                                  </p:childTnLst>
+                                </p:cTn>
+                              </p:par>
+                              <p:par>
+                                <p:cTn id="69" presetID="1" presetClass="emph" presetSubtype="2" fill="hold" nodeType="withEffect">
+                                  <p:stCondLst>
+                                    <p:cond delay="0"/>
+                                  </p:stCondLst>
+                                  <p:childTnLst>
+                                    <p:animClr clrSpc="rgb" dir="cw">
+                                      <p:cBhvr>
+                                        <p:cTn id="70" dur="500" fill="hold"/>
+                                        <p:tgtEl>
+                                          <p:spTgt spid="15"/>
+                                        </p:tgtEl>
+                                        <p:attrNameLst>
+                                          <p:attrName>fillcolor</p:attrName>
+                                        </p:attrNameLst>
+                                      </p:cBhvr>
+                                      <p:to>
+                                        <a:schemeClr val="accent2"/>
+                                      </p:to>
+                                    </p:animClr>
+                                    <p:set>
+                                      <p:cBhvr>
+                                        <p:cTn id="71" dur="500" fill="hold"/>
+                                        <p:tgtEl>
+                                          <p:spTgt spid="15"/>
+                                        </p:tgtEl>
+                                        <p:attrNameLst>
+                                          <p:attrName>fill.type</p:attrName>
+                                        </p:attrNameLst>
+                                      </p:cBhvr>
+                                      <p:to>
+                                        <p:strVal val="solid"/>
+                                      </p:to>
+                                    </p:set>
+                                    <p:set>
+                                      <p:cBhvr>
+                                        <p:cTn id="72" dur="500" fill="hold"/>
+                                        <p:tgtEl>
+                                          <p:spTgt spid="15"/>
+                                        </p:tgtEl>
+                                        <p:attrNameLst>
+                                          <p:attrName>fill.on</p:attrName>
+                                        </p:attrNameLst>
+                                      </p:cBhvr>
+                                      <p:to>
+                                        <p:strVal val="true"/>
+                                      </p:to>
+                                    </p:set>
+                                  </p:childTnLst>
+                                </p:cTn>
+                              </p:par>
+                              <p:par>
+                                <p:cTn id="73" presetID="1" presetClass="emph" presetSubtype="2" fill="hold" nodeType="withEffect">
+                                  <p:stCondLst>
+                                    <p:cond delay="0"/>
+                                  </p:stCondLst>
+                                  <p:childTnLst>
+                                    <p:animClr clrSpc="rgb" dir="cw">
+                                      <p:cBhvr>
+                                        <p:cTn id="74" dur="500" fill="hold"/>
+                                        <p:tgtEl>
+                                          <p:spTgt spid="16"/>
+                                        </p:tgtEl>
+                                        <p:attrNameLst>
+                                          <p:attrName>fillcolor</p:attrName>
+                                        </p:attrNameLst>
+                                      </p:cBhvr>
+                                      <p:to>
+                                        <a:schemeClr val="accent2"/>
+                                      </p:to>
+                                    </p:animClr>
+                                    <p:set>
+                                      <p:cBhvr>
+                                        <p:cTn id="75" dur="500" fill="hold"/>
+                                        <p:tgtEl>
+                                          <p:spTgt spid="16"/>
+                                        </p:tgtEl>
+                                        <p:attrNameLst>
+                                          <p:attrName>fill.type</p:attrName>
+                                        </p:attrNameLst>
+                                      </p:cBhvr>
+                                      <p:to>
+                                        <p:strVal val="solid"/>
+                                      </p:to>
+                                    </p:set>
+                                    <p:set>
+                                      <p:cBhvr>
+                                        <p:cTn id="76" dur="500" fill="hold"/>
+                                        <p:tgtEl>
+                                          <p:spTgt spid="16"/>
+                                        </p:tgtEl>
+                                        <p:attrNameLst>
+                                          <p:attrName>fill.on</p:attrName>
+                                        </p:attrNameLst>
+                                      </p:cBhvr>
+                                      <p:to>
+                                        <p:strVal val="true"/>
+                                      </p:to>
+                                    </p:set>
+                                  </p:childTnLst>
+                                </p:cTn>
+                              </p:par>
+                              <p:par>
+                                <p:cTn id="77" presetID="1" presetClass="emph" presetSubtype="2" fill="hold" nodeType="withEffect">
+                                  <p:stCondLst>
+                                    <p:cond delay="0"/>
+                                  </p:stCondLst>
+                                  <p:childTnLst>
+                                    <p:animClr clrSpc="rgb" dir="cw">
+                                      <p:cBhvr>
+                                        <p:cTn id="78" dur="500" fill="hold"/>
+                                        <p:tgtEl>
+                                          <p:spTgt spid="4"/>
+                                        </p:tgtEl>
+                                        <p:attrNameLst>
+                                          <p:attrName>fillcolor</p:attrName>
+                                        </p:attrNameLst>
+                                      </p:cBhvr>
+                                      <p:to>
+                                        <a:schemeClr val="accent2"/>
+                                      </p:to>
+                                    </p:animClr>
+                                    <p:set>
+                                      <p:cBhvr>
+                                        <p:cTn id="79" dur="500" fill="hold"/>
+                                        <p:tgtEl>
+                                          <p:spTgt spid="4"/>
+                                        </p:tgtEl>
+                                        <p:attrNameLst>
+                                          <p:attrName>fill.type</p:attrName>
+                                        </p:attrNameLst>
+                                      </p:cBhvr>
+                                      <p:to>
+                                        <p:strVal val="solid"/>
+                                      </p:to>
+                                    </p:set>
+                                    <p:set>
+                                      <p:cBhvr>
+                                        <p:cTn id="80" dur="500" fill="hold"/>
+                                        <p:tgtEl>
+                                          <p:spTgt spid="4"/>
+                                        </p:tgtEl>
+                                        <p:attrNameLst>
+                                          <p:attrName>fill.on</p:attrName>
+                                        </p:attrNameLst>
+                                      </p:cBhvr>
+                                      <p:to>
+                                        <p:strVal val="true"/>
+                                      </p:to>
+                                    </p:set>
+                                  </p:childTnLst>
+                                </p:cTn>
+                              </p:par>
+                              <p:par>
+                                <p:cTn id="81" presetID="1" presetClass="emph" presetSubtype="2" fill="hold" nodeType="withEffect">
+                                  <p:stCondLst>
+                                    <p:cond delay="0"/>
+                                  </p:stCondLst>
+                                  <p:childTnLst>
+                                    <p:animClr clrSpc="rgb" dir="cw">
+                                      <p:cBhvr>
+                                        <p:cTn id="82" dur="500" fill="hold"/>
+                                        <p:tgtEl>
+                                          <p:spTgt spid="5"/>
+                                        </p:tgtEl>
+                                        <p:attrNameLst>
+                                          <p:attrName>fillcolor</p:attrName>
+                                        </p:attrNameLst>
+                                      </p:cBhvr>
+                                      <p:to>
+                                        <a:schemeClr val="accent2"/>
+                                      </p:to>
+                                    </p:animClr>
+                                    <p:set>
+                                      <p:cBhvr>
+                                        <p:cTn id="83" dur="500" fill="hold"/>
+                                        <p:tgtEl>
+                                          <p:spTgt spid="5"/>
+                                        </p:tgtEl>
+                                        <p:attrNameLst>
+                                          <p:attrName>fill.type</p:attrName>
+                                        </p:attrNameLst>
+                                      </p:cBhvr>
+                                      <p:to>
+                                        <p:strVal val="solid"/>
+                                      </p:to>
+                                    </p:set>
+                                    <p:set>
+                                      <p:cBhvr>
+                                        <p:cTn id="84" dur="500" fill="hold"/>
+                                        <p:tgtEl>
+                                          <p:spTgt spid="5"/>
+                                        </p:tgtEl>
+                                        <p:attrNameLst>
+                                          <p:attrName>fill.on</p:attrName>
+                                        </p:attrNameLst>
+                                      </p:cBhvr>
+                                      <p:to>
+                                        <p:strVal val="true"/>
+                                      </p:to>
+                                    </p:set>
+                                  </p:childTnLst>
+                                </p:cTn>
+                              </p:par>
+                              <p:par>
+                                <p:cTn id="85" presetID="1" presetClass="emph" presetSubtype="2" fill="hold" nodeType="withEffect">
+                                  <p:stCondLst>
+                                    <p:cond delay="0"/>
+                                  </p:stCondLst>
+                                  <p:childTnLst>
+                                    <p:animClr clrSpc="rgb" dir="cw">
+                                      <p:cBhvr>
+                                        <p:cTn id="86" dur="500" fill="hold"/>
+                                        <p:tgtEl>
+                                          <p:spTgt spid="6"/>
+                                        </p:tgtEl>
+                                        <p:attrNameLst>
+                                          <p:attrName>fillcolor</p:attrName>
+                                        </p:attrNameLst>
+                                      </p:cBhvr>
+                                      <p:to>
+                                        <a:schemeClr val="accent2"/>
+                                      </p:to>
+                                    </p:animClr>
+                                    <p:set>
+                                      <p:cBhvr>
+                                        <p:cTn id="87" dur="500" fill="hold"/>
+                                        <p:tgtEl>
+                                          <p:spTgt spid="6"/>
+                                        </p:tgtEl>
+                                        <p:attrNameLst>
+                                          <p:attrName>fill.type</p:attrName>
+                                        </p:attrNameLst>
+                                      </p:cBhvr>
+                                      <p:to>
+                                        <p:strVal val="solid"/>
+                                      </p:to>
+                                    </p:set>
+                                    <p:set>
+                                      <p:cBhvr>
+                                        <p:cTn id="88" dur="500" fill="hold"/>
+                                        <p:tgtEl>
+                                          <p:spTgt spid="6"/>
+                                        </p:tgtEl>
+                                        <p:attrNameLst>
+                                          <p:attrName>fill.on</p:attrName>
+                                        </p:attrNameLst>
+                                      </p:cBhvr>
+                                      <p:to>
+                                        <p:strVal val="true"/>
+                                      </p:to>
+                                    </p:set>
+                                  </p:childTnLst>
+                                </p:cTn>
+                              </p:par>
+                            </p:childTnLst>
+                          </p:cTn>
+                        </p:par>
+                      </p:childTnLst>
+                    </p:cTn>
+                  </p:par>
+                  <p:par>
+                    <p:cTn id="89" fill="hold">
+                      <p:stCondLst>
+                        <p:cond delay="indefinite"/>
+                      </p:stCondLst>
+                      <p:childTnLst>
+                        <p:par>
+                          <p:cTn id="90" fill="hold">
+                            <p:stCondLst>
+                              <p:cond delay="0"/>
+                            </p:stCondLst>
+                            <p:childTnLst>
+                              <p:par>
+                                <p:cTn id="91" presetID="10" presetClass="exit" presetSubtype="0" fill="hold" grpId="1" nodeType="clickEffect">
+                                  <p:stCondLst>
+                                    <p:cond delay="0"/>
+                                  </p:stCondLst>
+                                  <p:childTnLst>
+                                    <p:animEffect transition="out" filter="fade">
+                                      <p:cBhvr>
+                                        <p:cTn id="92" dur="500"/>
+                                        <p:tgtEl>
+                                          <p:spTgt spid="14"/>
+                                        </p:tgtEl>
+                                      </p:cBhvr>
+                                    </p:animEffect>
+                                    <p:set>
+                                      <p:cBhvr>
+                                        <p:cTn id="93" dur="1" fill="hold">
+                                          <p:stCondLst>
+                                            <p:cond delay="499"/>
+                                          </p:stCondLst>
+                                        </p:cTn>
+                                        <p:tgtEl>
+                                          <p:spTgt spid="14"/>
+                                        </p:tgtEl>
+                                        <p:attrNameLst>
+                                          <p:attrName>style.visibility</p:attrName>
+                                        </p:attrNameLst>
+                                      </p:cBhvr>
+                                      <p:to>
+                                        <p:strVal val="hidden"/>
+                                      </p:to>
+                                    </p:set>
+                                  </p:childTnLst>
+                                </p:cTn>
+                              </p:par>
+                              <p:par>
+                                <p:cTn id="94" presetID="10" presetClass="exit" presetSubtype="0" fill="hold" grpId="1" nodeType="withEffect">
+                                  <p:stCondLst>
+                                    <p:cond delay="0"/>
+                                  </p:stCondLst>
+                                  <p:childTnLst>
+                                    <p:animEffect transition="out" filter="fade">
+                                      <p:cBhvr>
+                                        <p:cTn id="95" dur="500"/>
+                                        <p:tgtEl>
+                                          <p:spTgt spid="15"/>
+                                        </p:tgtEl>
+                                      </p:cBhvr>
+                                    </p:animEffect>
+                                    <p:set>
+                                      <p:cBhvr>
+                                        <p:cTn id="96" dur="1" fill="hold">
+                                          <p:stCondLst>
+                                            <p:cond delay="499"/>
+                                          </p:stCondLst>
+                                        </p:cTn>
+                                        <p:tgtEl>
+                                          <p:spTgt spid="15"/>
+                                        </p:tgtEl>
+                                        <p:attrNameLst>
+                                          <p:attrName>style.visibility</p:attrName>
+                                        </p:attrNameLst>
+                                      </p:cBhvr>
+                                      <p:to>
+                                        <p:strVal val="hidden"/>
+                                      </p:to>
+                                    </p:set>
+                                  </p:childTnLst>
+                                </p:cTn>
+                              </p:par>
+                              <p:par>
+                                <p:cTn id="97" presetID="10" presetClass="exit" presetSubtype="0" fill="hold" grpId="1" nodeType="withEffect">
+                                  <p:stCondLst>
+                                    <p:cond delay="0"/>
+                                  </p:stCondLst>
+                                  <p:childTnLst>
+                                    <p:animEffect transition="out" filter="fade">
+                                      <p:cBhvr>
+                                        <p:cTn id="98" dur="500"/>
+                                        <p:tgtEl>
+                                          <p:spTgt spid="16"/>
+                                        </p:tgtEl>
+                                      </p:cBhvr>
+                                    </p:animEffect>
+                                    <p:set>
+                                      <p:cBhvr>
+                                        <p:cTn id="99" dur="1" fill="hold">
+                                          <p:stCondLst>
+                                            <p:cond delay="499"/>
+                                          </p:stCondLst>
+                                        </p:cTn>
+                                        <p:tgtEl>
+                                          <p:spTgt spid="16"/>
+                                        </p:tgtEl>
+                                        <p:attrNameLst>
+                                          <p:attrName>style.visibility</p:attrName>
+                                        </p:attrNameLst>
+                                      </p:cBhvr>
+                                      <p:to>
+                                        <p:strVal val="hidden"/>
+                                      </p:to>
+                                    </p:set>
+                                  </p:childTnLst>
+                                </p:cTn>
+                              </p:par>
+                              <p:par>
+                                <p:cTn id="100" presetID="1" presetClass="emph" presetSubtype="2" fill="hold" nodeType="withEffect">
+                                  <p:stCondLst>
+                                    <p:cond delay="0"/>
+                                  </p:stCondLst>
+                                  <p:childTnLst>
+                                    <p:animClr clrSpc="rgb" dir="cw">
+                                      <p:cBhvr>
+                                        <p:cTn id="101" dur="500" fill="hold"/>
+                                        <p:tgtEl>
+                                          <p:spTgt spid="4"/>
+                                        </p:tgtEl>
+                                        <p:attrNameLst>
+                                          <p:attrName>fillcolor</p:attrName>
+                                        </p:attrNameLst>
+                                      </p:cBhvr>
+                                      <p:to>
+                                        <a:srgbClr val="2DA2BF"/>
+                                      </p:to>
+                                    </p:animClr>
+                                    <p:set>
+                                      <p:cBhvr>
+                                        <p:cTn id="102" dur="500" fill="hold"/>
+                                        <p:tgtEl>
+                                          <p:spTgt spid="4"/>
+                                        </p:tgtEl>
+                                        <p:attrNameLst>
+                                          <p:attrName>fill.type</p:attrName>
+                                        </p:attrNameLst>
+                                      </p:cBhvr>
+                                      <p:to>
+                                        <p:strVal val="solid"/>
+                                      </p:to>
+                                    </p:set>
+                                    <p:set>
+                                      <p:cBhvr>
+                                        <p:cTn id="103" dur="500" fill="hold"/>
+                                        <p:tgtEl>
+                                          <p:spTgt spid="4"/>
+                                        </p:tgtEl>
+                                        <p:attrNameLst>
+                                          <p:attrName>fill.on</p:attrName>
+                                        </p:attrNameLst>
+                                      </p:cBhvr>
+                                      <p:to>
+                                        <p:strVal val="true"/>
+                                      </p:to>
+                                    </p:set>
+                                  </p:childTnLst>
+                                </p:cTn>
+                              </p:par>
+                              <p:par>
+                                <p:cTn id="104" presetID="1" presetClass="emph" presetSubtype="2" fill="hold" nodeType="withEffect">
+                                  <p:stCondLst>
+                                    <p:cond delay="0"/>
+                                  </p:stCondLst>
+                                  <p:childTnLst>
+                                    <p:animClr clrSpc="rgb" dir="cw">
+                                      <p:cBhvr>
+                                        <p:cTn id="105" dur="500" fill="hold"/>
+                                        <p:tgtEl>
+                                          <p:spTgt spid="5"/>
+                                        </p:tgtEl>
+                                        <p:attrNameLst>
+                                          <p:attrName>fillcolor</p:attrName>
+                                        </p:attrNameLst>
+                                      </p:cBhvr>
+                                      <p:to>
+                                        <a:srgbClr val="2DA2BF"/>
+                                      </p:to>
+                                    </p:animClr>
+                                    <p:set>
+                                      <p:cBhvr>
+                                        <p:cTn id="106" dur="500" fill="hold"/>
+                                        <p:tgtEl>
+                                          <p:spTgt spid="5"/>
+                                        </p:tgtEl>
+                                        <p:attrNameLst>
+                                          <p:attrName>fill.type</p:attrName>
+                                        </p:attrNameLst>
+                                      </p:cBhvr>
+                                      <p:to>
+                                        <p:strVal val="solid"/>
+                                      </p:to>
+                                    </p:set>
+                                    <p:set>
+                                      <p:cBhvr>
+                                        <p:cTn id="107" dur="500" fill="hold"/>
+                                        <p:tgtEl>
+                                          <p:spTgt spid="5"/>
+                                        </p:tgtEl>
+                                        <p:attrNameLst>
+                                          <p:attrName>fill.on</p:attrName>
+                                        </p:attrNameLst>
+                                      </p:cBhvr>
+                                      <p:to>
+                                        <p:strVal val="true"/>
+                                      </p:to>
+                                    </p:set>
+                                  </p:childTnLst>
+                                </p:cTn>
+                              </p:par>
+                              <p:par>
+                                <p:cTn id="108" presetID="1" presetClass="emph" presetSubtype="2" fill="hold" nodeType="withEffect">
+                                  <p:stCondLst>
+                                    <p:cond delay="0"/>
+                                  </p:stCondLst>
+                                  <p:childTnLst>
+                                    <p:animClr clrSpc="rgb" dir="cw">
+                                      <p:cBhvr>
+                                        <p:cTn id="109" dur="500" fill="hold"/>
+                                        <p:tgtEl>
+                                          <p:spTgt spid="6"/>
+                                        </p:tgtEl>
+                                        <p:attrNameLst>
+                                          <p:attrName>fillcolor</p:attrName>
+                                        </p:attrNameLst>
+                                      </p:cBhvr>
+                                      <p:to>
+                                        <a:srgbClr val="2DA2BF"/>
+                                      </p:to>
+                                    </p:animClr>
+                                    <p:set>
+                                      <p:cBhvr>
+                                        <p:cTn id="110" dur="500" fill="hold"/>
+                                        <p:tgtEl>
+                                          <p:spTgt spid="6"/>
+                                        </p:tgtEl>
+                                        <p:attrNameLst>
+                                          <p:attrName>fill.type</p:attrName>
+                                        </p:attrNameLst>
+                                      </p:cBhvr>
+                                      <p:to>
+                                        <p:strVal val="solid"/>
+                                      </p:to>
+                                    </p:set>
+                                    <p:set>
+                                      <p:cBhvr>
+                                        <p:cTn id="111" dur="500" fill="hold"/>
+                                        <p:tgtEl>
+                                          <p:spTgt spid="6"/>
+                                        </p:tgtEl>
+                                        <p:attrNameLst>
+                                          <p:attrName>fill.on</p:attrName>
+                                        </p:attrNameLst>
+                                      </p:cBhvr>
+                                      <p:to>
+                                        <p:strVal val="true"/>
+                                      </p:to>
+                                    </p:set>
+                                  </p:childTnLst>
+                                </p:cTn>
+                              </p:par>
+                            </p:childTnLst>
+                          </p:cTn>
+                        </p:par>
+                      </p:childTnLst>
+                    </p:cTn>
+                  </p:par>
+                  <p:par>
+                    <p:cTn id="112" fill="hold">
+                      <p:stCondLst>
+                        <p:cond delay="indefinite"/>
+                      </p:stCondLst>
+                      <p:childTnLst>
+                        <p:par>
+                          <p:cTn id="113" fill="hold">
+                            <p:stCondLst>
+                              <p:cond delay="0"/>
+                            </p:stCondLst>
+                            <p:childTnLst>
+                              <p:par>
+                                <p:cTn id="114" presetID="10" presetClass="entr" presetSubtype="0" fill="hold" grpId="0" nodeType="clickEffect">
+                                  <p:stCondLst>
+                                    <p:cond delay="0"/>
+                                  </p:stCondLst>
+                                  <p:childTnLst>
+                                    <p:set>
+                                      <p:cBhvr>
+                                        <p:cTn id="115" dur="1" fill="hold">
+                                          <p:stCondLst>
+                                            <p:cond delay="0"/>
+                                          </p:stCondLst>
+                                        </p:cTn>
+                                        <p:tgtEl>
+                                          <p:spTgt spid="11"/>
+                                        </p:tgtEl>
+                                        <p:attrNameLst>
+                                          <p:attrName>style.visibility</p:attrName>
+                                        </p:attrNameLst>
+                                      </p:cBhvr>
+                                      <p:to>
+                                        <p:strVal val="visible"/>
+                                      </p:to>
+                                    </p:set>
+                                    <p:animEffect transition="in" filter="fade">
+                                      <p:cBhvr>
+                                        <p:cTn id="116" dur="500"/>
+                                        <p:tgtEl>
+                                          <p:spTgt spid="11"/>
+                                        </p:tgtEl>
+                                      </p:cBhvr>
+                                    </p:animEffect>
+                                  </p:childTnLst>
+                                </p:cTn>
+                              </p:par>
+                              <p:par>
+                                <p:cTn id="117" presetID="10" presetClass="entr" presetSubtype="0" fill="hold" grpId="0" nodeType="withEffect">
+                                  <p:stCondLst>
+                                    <p:cond delay="0"/>
+                                  </p:stCondLst>
+                                  <p:childTnLst>
+                                    <p:set>
+                                      <p:cBhvr>
+                                        <p:cTn id="118" dur="1" fill="hold">
+                                          <p:stCondLst>
+                                            <p:cond delay="0"/>
+                                          </p:stCondLst>
+                                        </p:cTn>
+                                        <p:tgtEl>
+                                          <p:spTgt spid="12"/>
+                                        </p:tgtEl>
+                                        <p:attrNameLst>
+                                          <p:attrName>style.visibility</p:attrName>
+                                        </p:attrNameLst>
+                                      </p:cBhvr>
+                                      <p:to>
+                                        <p:strVal val="visible"/>
+                                      </p:to>
+                                    </p:set>
+                                    <p:animEffect transition="in" filter="fade">
+                                      <p:cBhvr>
+                                        <p:cTn id="119" dur="500"/>
+                                        <p:tgtEl>
+                                          <p:spTgt spid="12"/>
+                                        </p:tgtEl>
+                                      </p:cBhvr>
+                                    </p:animEffect>
+                                  </p:childTnLst>
+                                </p:cTn>
+                              </p:par>
+                              <p:par>
+                                <p:cTn id="120" presetID="10" presetClass="entr" presetSubtype="0" fill="hold" grpId="0" nodeType="withEffect">
+                                  <p:stCondLst>
+                                    <p:cond delay="0"/>
+                                  </p:stCondLst>
+                                  <p:childTnLst>
+                                    <p:set>
+                                      <p:cBhvr>
+                                        <p:cTn id="121" dur="1" fill="hold">
+                                          <p:stCondLst>
+                                            <p:cond delay="0"/>
+                                          </p:stCondLst>
+                                        </p:cTn>
+                                        <p:tgtEl>
+                                          <p:spTgt spid="13"/>
+                                        </p:tgtEl>
+                                        <p:attrNameLst>
+                                          <p:attrName>style.visibility</p:attrName>
+                                        </p:attrNameLst>
+                                      </p:cBhvr>
+                                      <p:to>
+                                        <p:strVal val="visible"/>
+                                      </p:to>
+                                    </p:set>
+                                    <p:animEffect transition="in" filter="fade">
+                                      <p:cBhvr>
+                                        <p:cTn id="122" dur="500"/>
+                                        <p:tgtEl>
+                                          <p:spTgt spid="13"/>
+                                        </p:tgtEl>
+                                      </p:cBhvr>
+                                    </p:animEffect>
+                                  </p:childTnLst>
+                                </p:cTn>
+                              </p:par>
+                            </p:childTnLst>
+                          </p:cTn>
+                        </p:par>
+                      </p:childTnLst>
+                    </p:cTn>
+                  </p:par>
+                  <p:par>
+                    <p:cTn id="123" fill="hold">
+                      <p:stCondLst>
+                        <p:cond delay="indefinite"/>
+                      </p:stCondLst>
+                      <p:childTnLst>
+                        <p:par>
+                          <p:cTn id="124" fill="hold">
+                            <p:stCondLst>
+                              <p:cond delay="0"/>
+                            </p:stCondLst>
+                            <p:childTnLst>
+                              <p:par>
+                                <p:cTn id="125" presetID="1" presetClass="emph" presetSubtype="2" fill="hold" nodeType="clickEffect">
+                                  <p:stCondLst>
+                                    <p:cond delay="0"/>
+                                  </p:stCondLst>
+                                  <p:childTnLst>
+                                    <p:animClr clrSpc="rgb" dir="cw">
+                                      <p:cBhvr>
+                                        <p:cTn id="126" dur="500" fill="hold"/>
+                                        <p:tgtEl>
+                                          <p:spTgt spid="4"/>
+                                        </p:tgtEl>
+                                        <p:attrNameLst>
+                                          <p:attrName>fillcolor</p:attrName>
+                                        </p:attrNameLst>
+                                      </p:cBhvr>
+                                      <p:to>
+                                        <a:srgbClr val="92D050"/>
+                                      </p:to>
+                                    </p:animClr>
+                                    <p:set>
+                                      <p:cBhvr>
+                                        <p:cTn id="127" dur="500" fill="hold"/>
+                                        <p:tgtEl>
+                                          <p:spTgt spid="4"/>
+                                        </p:tgtEl>
+                                        <p:attrNameLst>
+                                          <p:attrName>fill.type</p:attrName>
+                                        </p:attrNameLst>
+                                      </p:cBhvr>
+                                      <p:to>
+                                        <p:strVal val="solid"/>
+                                      </p:to>
+                                    </p:set>
+                                    <p:set>
+                                      <p:cBhvr>
+                                        <p:cTn id="128" dur="500" fill="hold"/>
+                                        <p:tgtEl>
+                                          <p:spTgt spid="4"/>
+                                        </p:tgtEl>
+                                        <p:attrNameLst>
+                                          <p:attrName>fill.on</p:attrName>
+                                        </p:attrNameLst>
+                                      </p:cBhvr>
+                                      <p:to>
+                                        <p:strVal val="true"/>
+                                      </p:to>
+                                    </p:set>
+                                  </p:childTnLst>
+                                </p:cTn>
+                              </p:par>
+                              <p:par>
+                                <p:cTn id="129" presetID="1" presetClass="emph" presetSubtype="2" fill="hold" nodeType="withEffect">
+                                  <p:stCondLst>
+                                    <p:cond delay="0"/>
+                                  </p:stCondLst>
+                                  <p:childTnLst>
+                                    <p:animClr clrSpc="rgb" dir="cw">
+                                      <p:cBhvr>
+                                        <p:cTn id="130" dur="500" fill="hold"/>
+                                        <p:tgtEl>
+                                          <p:spTgt spid="5"/>
+                                        </p:tgtEl>
+                                        <p:attrNameLst>
+                                          <p:attrName>fillcolor</p:attrName>
+                                        </p:attrNameLst>
+                                      </p:cBhvr>
+                                      <p:to>
+                                        <a:srgbClr val="92D050"/>
+                                      </p:to>
+                                    </p:animClr>
+                                    <p:set>
+                                      <p:cBhvr>
+                                        <p:cTn id="131" dur="500" fill="hold"/>
+                                        <p:tgtEl>
+                                          <p:spTgt spid="5"/>
+                                        </p:tgtEl>
+                                        <p:attrNameLst>
+                                          <p:attrName>fill.type</p:attrName>
+                                        </p:attrNameLst>
+                                      </p:cBhvr>
+                                      <p:to>
+                                        <p:strVal val="solid"/>
+                                      </p:to>
+                                    </p:set>
+                                    <p:set>
+                                      <p:cBhvr>
+                                        <p:cTn id="132" dur="500" fill="hold"/>
+                                        <p:tgtEl>
+                                          <p:spTgt spid="5"/>
+                                        </p:tgtEl>
+                                        <p:attrNameLst>
+                                          <p:attrName>fill.on</p:attrName>
+                                        </p:attrNameLst>
+                                      </p:cBhvr>
+                                      <p:to>
+                                        <p:strVal val="true"/>
+                                      </p:to>
+                                    </p:set>
+                                  </p:childTnLst>
+                                </p:cTn>
+                              </p:par>
+                              <p:par>
+                                <p:cTn id="133" presetID="1" presetClass="emph" presetSubtype="2" fill="hold" nodeType="withEffect">
+                                  <p:stCondLst>
+                                    <p:cond delay="0"/>
+                                  </p:stCondLst>
+                                  <p:childTnLst>
+                                    <p:animClr clrSpc="rgb" dir="cw">
+                                      <p:cBhvr>
+                                        <p:cTn id="134" dur="500" fill="hold"/>
+                                        <p:tgtEl>
+                                          <p:spTgt spid="6"/>
+                                        </p:tgtEl>
+                                        <p:attrNameLst>
+                                          <p:attrName>fillcolor</p:attrName>
+                                        </p:attrNameLst>
+                                      </p:cBhvr>
+                                      <p:to>
+                                        <a:srgbClr val="92D050"/>
+                                      </p:to>
+                                    </p:animClr>
+                                    <p:set>
+                                      <p:cBhvr>
+                                        <p:cTn id="135" dur="500" fill="hold"/>
+                                        <p:tgtEl>
+                                          <p:spTgt spid="6"/>
+                                        </p:tgtEl>
+                                        <p:attrNameLst>
+                                          <p:attrName>fill.type</p:attrName>
+                                        </p:attrNameLst>
+                                      </p:cBhvr>
+                                      <p:to>
+                                        <p:strVal val="solid"/>
+                                      </p:to>
+                                    </p:set>
+                                    <p:set>
+                                      <p:cBhvr>
+                                        <p:cTn id="136" dur="500" fill="hold"/>
+                                        <p:tgtEl>
+                                          <p:spTgt spid="6"/>
+                                        </p:tgtEl>
+                                        <p:attrNameLst>
+                                          <p:attrName>fill.on</p:attrName>
+                                        </p:attrNameLst>
+                                      </p:cBhvr>
+                                      <p:to>
+                                        <p:strVal val="true"/>
+                                      </p:to>
+                                    </p:set>
+                                  </p:childTnLst>
+                                </p:cTn>
+                              </p:par>
+                              <p:par>
+                                <p:cTn id="137" presetID="1" presetClass="emph" presetSubtype="2" fill="hold" nodeType="withEffect">
+                                  <p:stCondLst>
+                                    <p:cond delay="0"/>
+                                  </p:stCondLst>
+                                  <p:childTnLst>
+                                    <p:animClr clrSpc="rgb" dir="cw">
+                                      <p:cBhvr>
+                                        <p:cTn id="138" dur="500" fill="hold"/>
+                                        <p:tgtEl>
+                                          <p:spTgt spid="11"/>
+                                        </p:tgtEl>
+                                        <p:attrNameLst>
+                                          <p:attrName>fillcolor</p:attrName>
+                                        </p:attrNameLst>
+                                      </p:cBhvr>
+                                      <p:to>
+                                        <a:srgbClr val="92D050"/>
+                                      </p:to>
+                                    </p:animClr>
+                                    <p:set>
+                                      <p:cBhvr>
+                                        <p:cTn id="139" dur="500" fill="hold"/>
+                                        <p:tgtEl>
+                                          <p:spTgt spid="11"/>
+                                        </p:tgtEl>
+                                        <p:attrNameLst>
+                                          <p:attrName>fill.type</p:attrName>
+                                        </p:attrNameLst>
+                                      </p:cBhvr>
+                                      <p:to>
+                                        <p:strVal val="solid"/>
+                                      </p:to>
+                                    </p:set>
+                                    <p:set>
+                                      <p:cBhvr>
+                                        <p:cTn id="140" dur="500" fill="hold"/>
+                                        <p:tgtEl>
+                                          <p:spTgt spid="11"/>
+                                        </p:tgtEl>
+                                        <p:attrNameLst>
+                                          <p:attrName>fill.on</p:attrName>
+                                        </p:attrNameLst>
+                                      </p:cBhvr>
+                                      <p:to>
+                                        <p:strVal val="true"/>
+                                      </p:to>
+                                    </p:set>
+                                  </p:childTnLst>
+                                </p:cTn>
+                              </p:par>
+                              <p:par>
+                                <p:cTn id="141" presetID="1" presetClass="emph" presetSubtype="2" fill="hold" nodeType="withEffect">
+                                  <p:stCondLst>
+                                    <p:cond delay="0"/>
+                                  </p:stCondLst>
+                                  <p:childTnLst>
+                                    <p:animClr clrSpc="rgb" dir="cw">
+                                      <p:cBhvr>
+                                        <p:cTn id="142" dur="500" fill="hold"/>
+                                        <p:tgtEl>
+                                          <p:spTgt spid="12"/>
+                                        </p:tgtEl>
+                                        <p:attrNameLst>
+                                          <p:attrName>fillcolor</p:attrName>
+                                        </p:attrNameLst>
+                                      </p:cBhvr>
+                                      <p:to>
+                                        <a:srgbClr val="92D050"/>
+                                      </p:to>
+                                    </p:animClr>
+                                    <p:set>
+                                      <p:cBhvr>
+                                        <p:cTn id="143" dur="500" fill="hold"/>
+                                        <p:tgtEl>
+                                          <p:spTgt spid="12"/>
+                                        </p:tgtEl>
+                                        <p:attrNameLst>
+                                          <p:attrName>fill.type</p:attrName>
+                                        </p:attrNameLst>
+                                      </p:cBhvr>
+                                      <p:to>
+                                        <p:strVal val="solid"/>
+                                      </p:to>
+                                    </p:set>
+                                    <p:set>
+                                      <p:cBhvr>
+                                        <p:cTn id="144" dur="500" fill="hold"/>
+                                        <p:tgtEl>
+                                          <p:spTgt spid="12"/>
+                                        </p:tgtEl>
+                                        <p:attrNameLst>
+                                          <p:attrName>fill.on</p:attrName>
+                                        </p:attrNameLst>
+                                      </p:cBhvr>
+                                      <p:to>
+                                        <p:strVal val="true"/>
+                                      </p:to>
+                                    </p:set>
+                                  </p:childTnLst>
+                                </p:cTn>
+                              </p:par>
+                              <p:par>
+                                <p:cTn id="145" presetID="1" presetClass="emph" presetSubtype="2" fill="hold" nodeType="withEffect">
+                                  <p:stCondLst>
+                                    <p:cond delay="0"/>
+                                  </p:stCondLst>
+                                  <p:childTnLst>
+                                    <p:animClr clrSpc="rgb" dir="cw">
+                                      <p:cBhvr>
+                                        <p:cTn id="146" dur="500" fill="hold"/>
+                                        <p:tgtEl>
+                                          <p:spTgt spid="13"/>
+                                        </p:tgtEl>
+                                        <p:attrNameLst>
+                                          <p:attrName>fillcolor</p:attrName>
+                                        </p:attrNameLst>
+                                      </p:cBhvr>
+                                      <p:to>
+                                        <a:srgbClr val="92D050"/>
+                                      </p:to>
+                                    </p:animClr>
+                                    <p:set>
+                                      <p:cBhvr>
+                                        <p:cTn id="147" dur="500" fill="hold"/>
+                                        <p:tgtEl>
+                                          <p:spTgt spid="13"/>
+                                        </p:tgtEl>
+                                        <p:attrNameLst>
+                                          <p:attrName>fill.type</p:attrName>
+                                        </p:attrNameLst>
+                                      </p:cBhvr>
+                                      <p:to>
+                                        <p:strVal val="solid"/>
+                                      </p:to>
+                                    </p:set>
+                                    <p:set>
+                                      <p:cBhvr>
+                                        <p:cTn id="148" dur="500" fill="hold"/>
+                                        <p:tgtEl>
+                                          <p:spTgt spid="13"/>
+                                        </p:tgtEl>
+                                        <p:attrNameLst>
+                                          <p:attrName>fill.on</p:attrName>
+                                        </p:attrNameLst>
+                                      </p:cBhvr>
+                                      <p:to>
+                                        <p:strVal val="true"/>
+                                      </p:to>
+                                    </p:set>
+                                  </p:childTnLst>
+                                </p:cTn>
+                              </p:par>
+                            </p:childTnLst>
+                          </p:cTn>
+                        </p:par>
+                      </p:childTnLst>
+                    </p:cTn>
+                  </p:par>
+                  <p:par>
+                    <p:cTn id="149" fill="hold">
+                      <p:stCondLst>
+                        <p:cond delay="indefinite"/>
+                      </p:stCondLst>
+                      <p:childTnLst>
+                        <p:par>
+                          <p:cTn id="150" fill="hold">
+                            <p:stCondLst>
+                              <p:cond delay="0"/>
+                            </p:stCondLst>
+                            <p:childTnLst>
+                              <p:par>
+                                <p:cTn id="151" presetID="10" presetClass="exit" presetSubtype="0" fill="hold" grpId="1" nodeType="clickEffect">
+                                  <p:stCondLst>
+                                    <p:cond delay="0"/>
+                                  </p:stCondLst>
+                                  <p:childTnLst>
+                                    <p:animEffect transition="out" filter="fade">
+                                      <p:cBhvr>
+                                        <p:cTn id="152" dur="500"/>
+                                        <p:tgtEl>
+                                          <p:spTgt spid="10"/>
+                                        </p:tgtEl>
+                                      </p:cBhvr>
+                                    </p:animEffect>
+                                    <p:set>
+                                      <p:cBhvr>
+                                        <p:cTn id="153" dur="1" fill="hold">
+                                          <p:stCondLst>
+                                            <p:cond delay="499"/>
+                                          </p:stCondLst>
+                                        </p:cTn>
+                                        <p:tgtEl>
+                                          <p:spTgt spid="10"/>
+                                        </p:tgtEl>
+                                        <p:attrNameLst>
+                                          <p:attrName>style.visibility</p:attrName>
+                                        </p:attrNameLst>
+                                      </p:cBhvr>
+                                      <p:to>
+                                        <p:strVal val="hidden"/>
+                                      </p:to>
+                                    </p:set>
+                                  </p:childTnLst>
+                                </p:cTn>
+                              </p:par>
+                              <p:par>
+                                <p:cTn id="154" presetID="10" presetClass="exit" presetSubtype="0" fill="hold" grpId="0" nodeType="withEffect">
+                                  <p:stCondLst>
+                                    <p:cond delay="0"/>
+                                  </p:stCondLst>
+                                  <p:childTnLst>
+                                    <p:animEffect transition="out" filter="fade">
+                                      <p:cBhvr>
+                                        <p:cTn id="155" dur="500"/>
+                                        <p:tgtEl>
+                                          <p:spTgt spid="4"/>
+                                        </p:tgtEl>
+                                      </p:cBhvr>
+                                    </p:animEffect>
+                                    <p:set>
+                                      <p:cBhvr>
+                                        <p:cTn id="156" dur="1" fill="hold">
+                                          <p:stCondLst>
+                                            <p:cond delay="499"/>
+                                          </p:stCondLst>
+                                        </p:cTn>
+                                        <p:tgtEl>
+                                          <p:spTgt spid="4"/>
+                                        </p:tgtEl>
+                                        <p:attrNameLst>
+                                          <p:attrName>style.visibility</p:attrName>
+                                        </p:attrNameLst>
+                                      </p:cBhvr>
+                                      <p:to>
+                                        <p:strVal val="hidden"/>
+                                      </p:to>
+                                    </p:set>
+                                  </p:childTnLst>
+                                </p:cTn>
+                              </p:par>
+                              <p:par>
+                                <p:cTn id="157" presetID="10" presetClass="exit" presetSubtype="0" fill="hold" grpId="0" nodeType="withEffect">
+                                  <p:stCondLst>
+                                    <p:cond delay="0"/>
+                                  </p:stCondLst>
+                                  <p:childTnLst>
+                                    <p:animEffect transition="out" filter="fade">
+                                      <p:cBhvr>
+                                        <p:cTn id="158" dur="500"/>
+                                        <p:tgtEl>
+                                          <p:spTgt spid="5"/>
+                                        </p:tgtEl>
+                                      </p:cBhvr>
+                                    </p:animEffect>
+                                    <p:set>
+                                      <p:cBhvr>
+                                        <p:cTn id="159" dur="1" fill="hold">
+                                          <p:stCondLst>
+                                            <p:cond delay="499"/>
+                                          </p:stCondLst>
+                                        </p:cTn>
+                                        <p:tgtEl>
+                                          <p:spTgt spid="5"/>
+                                        </p:tgtEl>
+                                        <p:attrNameLst>
+                                          <p:attrName>style.visibility</p:attrName>
+                                        </p:attrNameLst>
+                                      </p:cBhvr>
+                                      <p:to>
+                                        <p:strVal val="hidden"/>
+                                      </p:to>
+                                    </p:set>
+                                  </p:childTnLst>
+                                </p:cTn>
+                              </p:par>
+                              <p:par>
+                                <p:cTn id="160" presetID="10" presetClass="exit" presetSubtype="0" fill="hold" grpId="0" nodeType="withEffect">
+                                  <p:stCondLst>
+                                    <p:cond delay="0"/>
+                                  </p:stCondLst>
+                                  <p:childTnLst>
+                                    <p:animEffect transition="out" filter="fade">
+                                      <p:cBhvr>
+                                        <p:cTn id="161" dur="500"/>
+                                        <p:tgtEl>
+                                          <p:spTgt spid="6"/>
+                                        </p:tgtEl>
+                                      </p:cBhvr>
+                                    </p:animEffect>
+                                    <p:set>
+                                      <p:cBhvr>
+                                        <p:cTn id="162" dur="1" fill="hold">
+                                          <p:stCondLst>
+                                            <p:cond delay="499"/>
+                                          </p:stCondLst>
+                                        </p:cTn>
+                                        <p:tgtEl>
+                                          <p:spTgt spid="6"/>
+                                        </p:tgtEl>
+                                        <p:attrNameLst>
+                                          <p:attrName>style.visibility</p:attrName>
+                                        </p:attrNameLst>
+                                      </p:cBhvr>
+                                      <p:to>
+                                        <p:strVal val="hidden"/>
+                                      </p:to>
+                                    </p:set>
+                                  </p:childTnLst>
+                                </p:cTn>
+                              </p:par>
+                              <p:par>
+                                <p:cTn id="163" presetID="10" presetClass="exit" presetSubtype="0" fill="hold" grpId="1" nodeType="withEffect">
+                                  <p:stCondLst>
+                                    <p:cond delay="0"/>
+                                  </p:stCondLst>
+                                  <p:childTnLst>
+                                    <p:animEffect transition="out" filter="fade">
+                                      <p:cBhvr>
+                                        <p:cTn id="164" dur="500"/>
+                                        <p:tgtEl>
+                                          <p:spTgt spid="11"/>
+                                        </p:tgtEl>
+                                      </p:cBhvr>
+                                    </p:animEffect>
+                                    <p:set>
+                                      <p:cBhvr>
+                                        <p:cTn id="165" dur="1" fill="hold">
+                                          <p:stCondLst>
+                                            <p:cond delay="499"/>
+                                          </p:stCondLst>
+                                        </p:cTn>
+                                        <p:tgtEl>
+                                          <p:spTgt spid="11"/>
+                                        </p:tgtEl>
+                                        <p:attrNameLst>
+                                          <p:attrName>style.visibility</p:attrName>
+                                        </p:attrNameLst>
+                                      </p:cBhvr>
+                                      <p:to>
+                                        <p:strVal val="hidden"/>
+                                      </p:to>
+                                    </p:set>
+                                  </p:childTnLst>
+                                </p:cTn>
+                              </p:par>
+                              <p:par>
+                                <p:cTn id="166" presetID="10" presetClass="exit" presetSubtype="0" fill="hold" grpId="1" nodeType="withEffect">
+                                  <p:stCondLst>
+                                    <p:cond delay="0"/>
+                                  </p:stCondLst>
+                                  <p:childTnLst>
+                                    <p:animEffect transition="out" filter="fade">
+                                      <p:cBhvr>
+                                        <p:cTn id="167" dur="500"/>
+                                        <p:tgtEl>
+                                          <p:spTgt spid="12"/>
+                                        </p:tgtEl>
+                                      </p:cBhvr>
+                                    </p:animEffect>
+                                    <p:set>
+                                      <p:cBhvr>
+                                        <p:cTn id="168" dur="1" fill="hold">
+                                          <p:stCondLst>
+                                            <p:cond delay="499"/>
+                                          </p:stCondLst>
+                                        </p:cTn>
+                                        <p:tgtEl>
+                                          <p:spTgt spid="12"/>
+                                        </p:tgtEl>
+                                        <p:attrNameLst>
+                                          <p:attrName>style.visibility</p:attrName>
+                                        </p:attrNameLst>
+                                      </p:cBhvr>
+                                      <p:to>
+                                        <p:strVal val="hidden"/>
+                                      </p:to>
+                                    </p:set>
+                                  </p:childTnLst>
+                                </p:cTn>
+                              </p:par>
+                              <p:par>
+                                <p:cTn id="169" presetID="10" presetClass="exit" presetSubtype="0" fill="hold" grpId="1" nodeType="withEffect">
+                                  <p:stCondLst>
+                                    <p:cond delay="0"/>
+                                  </p:stCondLst>
+                                  <p:childTnLst>
+                                    <p:animEffect transition="out" filter="fade">
+                                      <p:cBhvr>
+                                        <p:cTn id="170" dur="500"/>
+                                        <p:tgtEl>
+                                          <p:spTgt spid="13"/>
+                                        </p:tgtEl>
+                                      </p:cBhvr>
+                                    </p:animEffect>
+                                    <p:set>
+                                      <p:cBhvr>
+                                        <p:cTn id="171" dur="1" fill="hold">
+                                          <p:stCondLst>
+                                            <p:cond delay="499"/>
+                                          </p:stCondLst>
+                                        </p:cTn>
+                                        <p:tgtEl>
+                                          <p:spTgt spid="13"/>
+                                        </p:tgtEl>
+                                        <p:attrNameLst>
+                                          <p:attrName>style.visibility</p:attrName>
+                                        </p:attrNameLst>
+                                      </p:cBhvr>
+                                      <p:to>
+                                        <p:strVal val="hidden"/>
+                                      </p:to>
+                                    </p:set>
+                                  </p:childTnLst>
+                                </p:cTn>
+                              </p:par>
+                            </p:childTnLst>
+                          </p:cTn>
+                        </p:par>
+                      </p:childTnLst>
+                    </p:cTn>
+                  </p:par>
+                </p:childTnLst>
+              </p:cTn>
+              <p:prevCondLst>
+                <p:cond evt="onPrev" delay="0">
+                  <p:tgtEl>
+                    <p:sldTgt/>
+                  </p:tgtEl>
+                </p:cond>
+              </p:prevCondLst>
+              <p:nextCondLst>
+                <p:cond evt="onNext" delay="0">
+                  <p:tgtEl>
+                    <p:sldTgt/>
+                  </p:tgtEl>
+                </p:cond>
+              </p:nextCondLst>
+            </p:seq>
+          </p:childTnLst>
+        </p:cTn>
+      </p:par>
+    </p:tnLst>
+    <p:bldLst>
+      <p:bldP spid="4" grpId="0" animBg="1"/>
+      <p:bldP spid="5" grpId="0" animBg="1"/>
+      <p:bldP spid="6" grpId="0" animBg="1"/>
+      <p:bldP spid="7" grpId="0" animBg="1"/>
+      <p:bldP spid="8" grpId="0" animBg="1"/>
+      <p:bldP spid="9" grpId="0" animBg="1"/>
+      <p:bldP spid="10" grpId="1"/>
+      <p:bldP spid="11" grpId="0" animBg="1"/>
+      <p:bldP spid="11" grpId="1" animBg="1"/>
+      <p:bldP spid="12" grpId="0" animBg="1"/>
+      <p:bldP spid="12" grpId="1" animBg="1"/>
+      <p:bldP spid="13" grpId="0" animBg="1"/>
+      <p:bldP spid="13" grpId="1" animBg="1"/>
+      <p:bldP spid="14" grpId="0" animBg="1"/>
+      <p:bldP spid="14" grpId="1" animBg="1"/>
+      <p:bldP spid="15" grpId="0" animBg="1"/>
+      <p:bldP spid="15" grpId="1" animBg="1"/>
+      <p:bldP spid="16" grpId="0" animBg="1"/>
+      <p:bldP spid="16" grpId="1" animBg="1"/>
+    </p:bldLst>
+  </p:timing>
+</p:sld>
+</file>
+
+<file path=ppt/slides/slide11.xml><?xml version="1.0" encoding="utf-8"?>
+<p:sld xmlns:a="http://schemas.openxmlformats.org/drawingml/2006/main" xmlns:r="http://schemas.openxmlformats.org/officeDocument/2006/relationships" xmlns:p="http://schemas.openxmlformats.org/presentationml/2006/main">
+  <p:cSld>
+    <p:spTree>
+      <p:nvGrpSpPr>
+        <p:cNvPr id="1" name=""/>
+        <p:cNvGrpSpPr/>
+        <p:nvPr/>
+      </p:nvGrpSpPr>
+      <p:grpSpPr>
+        <a:xfrm>
+          <a:off x="0" y="0"/>
+          <a:ext cx="0" cy="0"/>
+          <a:chOff x="0" y="0"/>
+          <a:chExt cx="0" cy="0"/>
+        </a:xfrm>
+      </p:grpSpPr>
+      <p:sp>
+        <p:nvSpPr>
+          <p:cNvPr id="2" name="Content Placeholder 1"/>
+          <p:cNvSpPr>
+            <a:spLocks noGrp="1"/>
+          </p:cNvSpPr>
+          <p:nvPr>
+            <p:ph idx="1"/>
+          </p:nvPr>
+        </p:nvSpPr>
+        <p:spPr>
+          <a:xfrm>
+            <a:off x="457200" y="1295400"/>
             <a:ext cx="8229600" cy="2023871"/>
           </a:xfrm>
         </p:spPr>
@@ -5791,7 +8474,7 @@
 </p:sld>
 </file>
 
-<file path=ppt/slides/slide11.xml><?xml version="1.0" encoding="utf-8"?>
+<file path=ppt/slides/slide12.xml><?xml version="1.0" encoding="utf-8"?>
 <p:sld xmlns:a="http://schemas.openxmlformats.org/drawingml/2006/main" xmlns:r="http://schemas.openxmlformats.org/officeDocument/2006/relationships" xmlns:p="http://schemas.openxmlformats.org/presentationml/2006/main">
   <p:cSld>
     <p:spTree>
@@ -7651,7 +10334,7 @@
 </p:sld>
 </file>
 
-<file path=ppt/slides/slide12.xml><?xml version="1.0" encoding="utf-8"?>
+<file path=ppt/slides/slide13.xml><?xml version="1.0" encoding="utf-8"?>
 <p:sld xmlns:a="http://schemas.openxmlformats.org/drawingml/2006/main" xmlns:r="http://schemas.openxmlformats.org/officeDocument/2006/relationships" xmlns:p="http://schemas.openxmlformats.org/presentationml/2006/main">
   <p:cSld>
     <p:spTree>
@@ -8102,7 +10785,7 @@
 </p:sld>
 </file>
 
-<file path=ppt/slides/slide13.xml><?xml version="1.0" encoding="utf-8"?>
+<file path=ppt/slides/slide14.xml><?xml version="1.0" encoding="utf-8"?>
 <p:sld xmlns:a="http://schemas.openxmlformats.org/drawingml/2006/main" xmlns:r="http://schemas.openxmlformats.org/officeDocument/2006/relationships" xmlns:p="http://schemas.openxmlformats.org/presentationml/2006/main">
   <p:cSld>
     <p:spTree>
@@ -8262,7 +10945,7 @@
 </p:sld>
 </file>
 
-<file path=ppt/slides/slide14.xml><?xml version="1.0" encoding="utf-8"?>
+<file path=ppt/slides/slide15.xml><?xml version="1.0" encoding="utf-8"?>
 <p:sld xmlns:a="http://schemas.openxmlformats.org/drawingml/2006/main" xmlns:r="http://schemas.openxmlformats.org/officeDocument/2006/relationships" xmlns:p="http://schemas.openxmlformats.org/presentationml/2006/main">
   <p:cSld>
     <p:spTree>
@@ -8422,7 +11105,7 @@
 </p:sld>
 </file>
 
-<file path=ppt/slides/slide15.xml><?xml version="1.0" encoding="utf-8"?>
+<file path=ppt/slides/slide16.xml><?xml version="1.0" encoding="utf-8"?>
 <p:sld xmlns:a="http://schemas.openxmlformats.org/drawingml/2006/main" xmlns:r="http://schemas.openxmlformats.org/officeDocument/2006/relationships" xmlns:p="http://schemas.openxmlformats.org/presentationml/2006/main">
   <p:cSld>
     <p:spTree>
@@ -8522,7 +11205,7 @@
 </p:sld>
 </file>
 
-<file path=ppt/slides/slide16.xml><?xml version="1.0" encoding="utf-8"?>
+<file path=ppt/slides/slide17.xml><?xml version="1.0" encoding="utf-8"?>
 <p:sld xmlns:a="http://schemas.openxmlformats.org/drawingml/2006/main" xmlns:r="http://schemas.openxmlformats.org/officeDocument/2006/relationships" xmlns:p="http://schemas.openxmlformats.org/presentationml/2006/main">
   <p:cSld>
     <p:spTree>
@@ -9002,7 +11685,7 @@
 </p:sld>
 </file>
 
-<file path=ppt/slides/slide17.xml><?xml version="1.0" encoding="utf-8"?>
+<file path=ppt/slides/slide18.xml><?xml version="1.0" encoding="utf-8"?>
 <p:sld xmlns:a="http://schemas.openxmlformats.org/drawingml/2006/main" xmlns:r="http://schemas.openxmlformats.org/officeDocument/2006/relationships" xmlns:p="http://schemas.openxmlformats.org/presentationml/2006/main">
   <p:cSld>
     <p:spTree>
@@ -9106,7 +11789,7 @@
 </p:sld>
 </file>
 
-<file path=ppt/slides/slide18.xml><?xml version="1.0" encoding="utf-8"?>
+<file path=ppt/slides/slide19.xml><?xml version="1.0" encoding="utf-8"?>
 <p:sld xmlns:a="http://schemas.openxmlformats.org/drawingml/2006/main" xmlns:r="http://schemas.openxmlformats.org/officeDocument/2006/relationships" xmlns:p="http://schemas.openxmlformats.org/presentationml/2006/main">
   <p:cSld>
     <p:spTree>
@@ -9268,11 +11951,13 @@
         <p:spPr>
           <a:xfrm>
             <a:off x="762000" y="1752600"/>
-            <a:ext cx="6019800" cy="3352800"/>
+            <a:ext cx="6019800" cy="3733800"/>
           </a:xfrm>
         </p:spPr>
         <p:txBody>
-          <a:bodyPr/>
+          <a:bodyPr>
+            <a:normAutofit lnSpcReduction="10000"/>
+          </a:bodyPr>
           <a:lstStyle/>
           <a:p>
             <a:r>
@@ -9283,8 +11968,27 @@
           <a:p>
             <a:r>
               <a:rPr lang="en-US" dirty="0" smtClean="0"/>
-              <a:t>New software architecture</a:t>
-            </a:r>
+              <a:t>New software </a:t>
+            </a:r>
+            <a:r>
+              <a:rPr lang="en-US" dirty="0" smtClean="0"/>
+              <a:t>architecture</a:t>
+            </a:r>
+          </a:p>
+          <a:p>
+            <a:r>
+              <a:rPr lang="en-US" dirty="0" smtClean="0"/>
+              <a:t>New </a:t>
+            </a:r>
+            <a:r>
+              <a:rPr lang="en-US" dirty="0"/>
+              <a:t>p</a:t>
+            </a:r>
+            <a:r>
+              <a:rPr lang="en-US" dirty="0" smtClean="0"/>
+              <a:t>attern definition</a:t>
+            </a:r>
+            <a:endParaRPr lang="en-US" dirty="0" smtClean="0"/>
           </a:p>
           <a:p>
             <a:r>
@@ -9295,8 +11999,13 @@
           <a:p>
             <a:r>
               <a:rPr lang="en-US" dirty="0" smtClean="0"/>
-              <a:t>Line Finder</a:t>
-            </a:r>
+              <a:t>Line </a:t>
+            </a:r>
+            <a:r>
+              <a:rPr lang="en-US" dirty="0" smtClean="0"/>
+              <a:t>finder</a:t>
+            </a:r>
+            <a:endParaRPr lang="en-US" dirty="0" smtClean="0"/>
           </a:p>
           <a:p>
             <a:r>
@@ -9313,8 +12022,13 @@
           <a:p>
             <a:r>
               <a:rPr lang="en-US" dirty="0" smtClean="0"/>
-              <a:t>Future Work</a:t>
-            </a:r>
+              <a:t>Future </a:t>
+            </a:r>
+            <a:r>
+              <a:rPr lang="en-US" dirty="0" smtClean="0"/>
+              <a:t>work</a:t>
+            </a:r>
+            <a:endParaRPr lang="en-US" dirty="0" smtClean="0"/>
           </a:p>
           <a:p>
             <a:endParaRPr lang="en-US" dirty="0"/>
@@ -9411,7 +12125,23 @@
           <a:p>
             <a:r>
               <a:rPr lang="en-US" dirty="0" smtClean="0"/>
-              <a:t>Computational speed</a:t>
+              <a:t>Computational </a:t>
+            </a:r>
+            <a:r>
+              <a:rPr lang="en-US" dirty="0" smtClean="0"/>
+              <a:t>speed</a:t>
+            </a:r>
+          </a:p>
+          <a:p>
+            <a:r>
+              <a:rPr lang="en-US" dirty="0" smtClean="0"/>
+              <a:t>Efficiency</a:t>
+            </a:r>
+          </a:p>
+          <a:p>
+            <a:r>
+              <a:rPr lang="en-US" dirty="0" smtClean="0"/>
+              <a:t>No code redundancy</a:t>
             </a:r>
             <a:endParaRPr lang="en-US" dirty="0"/>
           </a:p>
@@ -9937,28 +12667,577 @@
             <p:ph idx="1"/>
           </p:nvPr>
         </p:nvSpPr>
-        <p:spPr/>
+        <p:spPr>
+          <a:xfrm>
+            <a:off x="1219200" y="1447800"/>
+            <a:ext cx="7010400" cy="4525963"/>
+          </a:xfrm>
+        </p:spPr>
         <p:txBody>
-          <a:bodyPr/>
+          <a:bodyPr>
+            <a:noAutofit/>
+          </a:bodyPr>
           <a:lstStyle/>
           <a:p>
-            <a:r>
-              <a:rPr lang="en-US" dirty="0" smtClean="0"/>
-              <a:t>Upgrade towards a generic algorithm.</a:t>
-            </a:r>
-          </a:p>
-          <a:p>
-            <a:r>
-              <a:rPr lang="en-US" dirty="0" smtClean="0"/>
-              <a:t>The number of hardcoded values has been greatly reduced.</a:t>
-            </a:r>
-          </a:p>
-          <a:p>
-            <a:r>
-              <a:rPr lang="en-US" dirty="0" smtClean="0"/>
-              <a:t>Use of dynamic containers instead of fixed-size arrays.</a:t>
-            </a:r>
-            <a:endParaRPr lang="en-US" dirty="0"/>
+            <a:pPr marL="109728" indent="0">
+              <a:buNone/>
+            </a:pPr>
+            <a:r>
+              <a:rPr lang="en-US" sz="1000" dirty="0"/>
+              <a:t>&lt;Pattern Type="</a:t>
+            </a:r>
+            <a:r>
+              <a:rPr lang="en-US" sz="1000" dirty="0" err="1"/>
+              <a:t>CoplanarParallelWires</a:t>
+            </a:r>
+            <a:r>
+              <a:rPr lang="en-US" sz="1000" dirty="0"/>
+              <a:t>" Name="Left</a:t>
+            </a:r>
+            <a:r>
+              <a:rPr lang="en-US" sz="1000" dirty="0" smtClean="0"/>
+              <a:t>"&gt;</a:t>
+            </a:r>
+          </a:p>
+          <a:p>
+            <a:pPr marL="109728" indent="0">
+              <a:buNone/>
+            </a:pPr>
+            <a:r>
+              <a:rPr lang="en-US" sz="1000" dirty="0" smtClean="0"/>
+              <a:t>	&lt;</a:t>
+            </a:r>
+            <a:r>
+              <a:rPr lang="en-US" sz="1000" dirty="0"/>
+              <a:t>Wire Name="F1" </a:t>
+            </a:r>
+            <a:r>
+              <a:rPr lang="en-US" sz="1000" dirty="0" err="1"/>
+              <a:t>EndPointFront</a:t>
+            </a:r>
+            <a:r>
+              <a:rPr lang="en-US" sz="1000" dirty="0"/>
+              <a:t>="60.65 38.0 3.0" </a:t>
+            </a:r>
+            <a:r>
+              <a:rPr lang="en-US" sz="1000" dirty="0" err="1"/>
+              <a:t>EndPointBack</a:t>
+            </a:r>
+            <a:r>
+              <a:rPr lang="en-US" sz="1000" dirty="0"/>
+              <a:t>="60.65 38.0 103.0" /&gt;</a:t>
+            </a:r>
+          </a:p>
+          <a:p>
+            <a:pPr marL="109728" indent="0">
+              <a:buNone/>
+            </a:pPr>
+            <a:r>
+              <a:rPr lang="en-US" sz="1000" dirty="0" smtClean="0"/>
+              <a:t>	&lt;</a:t>
+            </a:r>
+            <a:r>
+              <a:rPr lang="en-US" sz="1000" dirty="0"/>
+              <a:t>Wire Name="F2" </a:t>
+            </a:r>
+            <a:r>
+              <a:rPr lang="en-US" sz="1000" dirty="0" err="1"/>
+              <a:t>EndPointFront</a:t>
+            </a:r>
+            <a:r>
+              <a:rPr lang="en-US" sz="1000" dirty="0"/>
+              <a:t>="60.65 48.0 3.0" </a:t>
+            </a:r>
+            <a:r>
+              <a:rPr lang="en-US" sz="1000" dirty="0" err="1"/>
+              <a:t>EndPointBack</a:t>
+            </a:r>
+            <a:r>
+              <a:rPr lang="en-US" sz="1000" dirty="0"/>
+              <a:t>="60.65 48.0 103.0" /&gt;</a:t>
+            </a:r>
+          </a:p>
+          <a:p>
+            <a:pPr marL="109728" indent="0">
+              <a:buNone/>
+            </a:pPr>
+            <a:r>
+              <a:rPr lang="en-US" sz="1000" dirty="0" smtClean="0"/>
+              <a:t>	&lt;</a:t>
+            </a:r>
+            <a:r>
+              <a:rPr lang="en-US" sz="1000" dirty="0"/>
+              <a:t>Wire Name="F3" </a:t>
+            </a:r>
+            <a:r>
+              <a:rPr lang="en-US" sz="1000" dirty="0" err="1"/>
+              <a:t>EndPointFront</a:t>
+            </a:r>
+            <a:r>
+              <a:rPr lang="en-US" sz="1000" dirty="0"/>
+              <a:t>="60.65 58.0 3.0" </a:t>
+            </a:r>
+            <a:r>
+              <a:rPr lang="en-US" sz="1000" dirty="0" err="1"/>
+              <a:t>EndPointBack</a:t>
+            </a:r>
+            <a:r>
+              <a:rPr lang="en-US" sz="1000" dirty="0"/>
+              <a:t>="60.65 58.0 103.0" /&gt;</a:t>
+            </a:r>
+          </a:p>
+          <a:p>
+            <a:pPr marL="109728" indent="0">
+              <a:buNone/>
+            </a:pPr>
+            <a:r>
+              <a:rPr lang="en-US" sz="1000" dirty="0" smtClean="0"/>
+              <a:t>	&lt;</a:t>
+            </a:r>
+            <a:r>
+              <a:rPr lang="en-US" sz="1000" dirty="0"/>
+              <a:t>Wire Name="F4" </a:t>
+            </a:r>
+            <a:r>
+              <a:rPr lang="en-US" sz="1000" dirty="0" err="1"/>
+              <a:t>EndPointFront</a:t>
+            </a:r>
+            <a:r>
+              <a:rPr lang="en-US" sz="1000" dirty="0"/>
+              <a:t>="60.65 68.0 3.0" </a:t>
+            </a:r>
+            <a:r>
+              <a:rPr lang="en-US" sz="1000" dirty="0" err="1"/>
+              <a:t>EndPointBack</a:t>
+            </a:r>
+            <a:r>
+              <a:rPr lang="en-US" sz="1000" dirty="0"/>
+              <a:t>="60.65 68.0 103.0" /&gt;</a:t>
+            </a:r>
+          </a:p>
+          <a:p>
+            <a:pPr marL="109728" indent="0">
+              <a:buNone/>
+            </a:pPr>
+            <a:r>
+              <a:rPr lang="en-US" sz="1000" dirty="0" smtClean="0"/>
+              <a:t>	&lt;</a:t>
+            </a:r>
+            <a:r>
+              <a:rPr lang="en-US" sz="1000" dirty="0"/>
+              <a:t>Wire Name="F5" </a:t>
+            </a:r>
+            <a:r>
+              <a:rPr lang="en-US" sz="1000" dirty="0" err="1"/>
+              <a:t>EndPointFront</a:t>
+            </a:r>
+            <a:r>
+              <a:rPr lang="en-US" sz="1000" dirty="0"/>
+              <a:t>="60.65 78.0 3.0" </a:t>
+            </a:r>
+            <a:r>
+              <a:rPr lang="en-US" sz="1000" dirty="0" err="1"/>
+              <a:t>EndPointBack</a:t>
+            </a:r>
+            <a:r>
+              <a:rPr lang="en-US" sz="1000" dirty="0"/>
+              <a:t>="60.65 78.0 103.0" /&gt;</a:t>
+            </a:r>
+          </a:p>
+          <a:p>
+            <a:pPr marL="109728" indent="0">
+              <a:buNone/>
+            </a:pPr>
+            <a:r>
+              <a:rPr lang="en-US" sz="1000" dirty="0" smtClean="0"/>
+              <a:t>&lt;/</a:t>
+            </a:r>
+            <a:r>
+              <a:rPr lang="en-US" sz="1000" dirty="0"/>
+              <a:t>Pattern&gt;</a:t>
+            </a:r>
+          </a:p>
+          <a:p>
+            <a:pPr marL="109728" indent="0">
+              <a:buNone/>
+            </a:pPr>
+            <a:r>
+              <a:rPr lang="en-US" sz="1000" dirty="0" smtClean="0"/>
+              <a:t>&lt;</a:t>
+            </a:r>
+            <a:r>
+              <a:rPr lang="en-US" sz="1000" dirty="0"/>
+              <a:t>Pattern Type="</a:t>
+            </a:r>
+            <a:r>
+              <a:rPr lang="en-US" sz="1000" dirty="0" err="1"/>
+              <a:t>CoplanarParallelWires</a:t>
+            </a:r>
+            <a:r>
+              <a:rPr lang="en-US" sz="1000" dirty="0"/>
+              <a:t>" name="Diagonal"&gt;</a:t>
+            </a:r>
+          </a:p>
+          <a:p>
+            <a:pPr marL="109728" indent="0">
+              <a:buNone/>
+            </a:pPr>
+            <a:r>
+              <a:rPr lang="en-US" sz="1000" dirty="0" smtClean="0"/>
+              <a:t>	&lt;</a:t>
+            </a:r>
+            <a:r>
+              <a:rPr lang="en-US" sz="1000" dirty="0"/>
+              <a:t>Wire Name="F5" </a:t>
+            </a:r>
+            <a:r>
+              <a:rPr lang="en-US" sz="1000" dirty="0" err="1"/>
+              <a:t>EndPointFront</a:t>
+            </a:r>
+            <a:r>
+              <a:rPr lang="en-US" sz="1000" dirty="0"/>
+              <a:t>="60.65 78.0 3.0" </a:t>
+            </a:r>
+            <a:r>
+              <a:rPr lang="en-US" sz="1000" dirty="0" err="1"/>
+              <a:t>EndPointBack</a:t>
+            </a:r>
+            <a:r>
+              <a:rPr lang="en-US" sz="1000" dirty="0"/>
+              <a:t>="60.65 78.0 103.0" /&gt;</a:t>
+            </a:r>
+          </a:p>
+          <a:p>
+            <a:pPr marL="109728" indent="0">
+              <a:buNone/>
+            </a:pPr>
+            <a:r>
+              <a:rPr lang="en-US" sz="1000" dirty="0" smtClean="0"/>
+              <a:t>	&lt;</a:t>
+            </a:r>
+            <a:r>
+              <a:rPr lang="en-US" sz="1000" dirty="0"/>
+              <a:t>Wire Name="E4" </a:t>
+            </a:r>
+            <a:r>
+              <a:rPr lang="en-US" sz="1000" dirty="0" err="1"/>
+              <a:t>EndPointFront</a:t>
+            </a:r>
+            <a:r>
+              <a:rPr lang="en-US" sz="1000" dirty="0"/>
+              <a:t>="70.65 68.0 3.0" </a:t>
+            </a:r>
+            <a:r>
+              <a:rPr lang="en-US" sz="1000" dirty="0" err="1"/>
+              <a:t>EndPointBack</a:t>
+            </a:r>
+            <a:r>
+              <a:rPr lang="en-US" sz="1000" dirty="0"/>
+              <a:t>="70.65 68.0 103.0" /&gt;</a:t>
+            </a:r>
+          </a:p>
+          <a:p>
+            <a:pPr marL="109728" indent="0">
+              <a:buNone/>
+            </a:pPr>
+            <a:r>
+              <a:rPr lang="en-US" sz="1000" dirty="0" smtClean="0"/>
+              <a:t>	&lt;</a:t>
+            </a:r>
+            <a:r>
+              <a:rPr lang="en-US" sz="1000" dirty="0"/>
+              <a:t>Wire Name="D3" </a:t>
+            </a:r>
+            <a:r>
+              <a:rPr lang="en-US" sz="1000" dirty="0" err="1"/>
+              <a:t>EndPointFront</a:t>
+            </a:r>
+            <a:r>
+              <a:rPr lang="en-US" sz="1000" dirty="0"/>
+              <a:t>="80.65 58.0 3.0" </a:t>
+            </a:r>
+            <a:r>
+              <a:rPr lang="en-US" sz="1000" dirty="0" err="1"/>
+              <a:t>EndPointBack</a:t>
+            </a:r>
+            <a:r>
+              <a:rPr lang="en-US" sz="1000" dirty="0"/>
+              <a:t>="80.65 58.0 103.0" /&gt;</a:t>
+            </a:r>
+          </a:p>
+          <a:p>
+            <a:pPr marL="109728" indent="0">
+              <a:buNone/>
+            </a:pPr>
+            <a:r>
+              <a:rPr lang="en-US" sz="1000" dirty="0" smtClean="0"/>
+              <a:t>	&lt;</a:t>
+            </a:r>
+            <a:r>
+              <a:rPr lang="en-US" sz="1000" dirty="0"/>
+              <a:t>Wire Name="C2" </a:t>
+            </a:r>
+            <a:r>
+              <a:rPr lang="en-US" sz="1000" dirty="0" err="1"/>
+              <a:t>EndPointFront</a:t>
+            </a:r>
+            <a:r>
+              <a:rPr lang="en-US" sz="1000" dirty="0"/>
+              <a:t>="90.65 48.0 3.0" </a:t>
+            </a:r>
+            <a:r>
+              <a:rPr lang="en-US" sz="1000" dirty="0" err="1"/>
+              <a:t>EndPointBack</a:t>
+            </a:r>
+            <a:r>
+              <a:rPr lang="en-US" sz="1000" dirty="0"/>
+              <a:t>="90.65 48.0 103.0" /&gt;</a:t>
+            </a:r>
+          </a:p>
+          <a:p>
+            <a:pPr marL="109728" indent="0">
+              <a:buNone/>
+            </a:pPr>
+            <a:r>
+              <a:rPr lang="en-US" sz="1000" dirty="0" smtClean="0"/>
+              <a:t>	&lt;</a:t>
+            </a:r>
+            <a:r>
+              <a:rPr lang="en-US" sz="1000" dirty="0"/>
+              <a:t>Wire Name="B1" </a:t>
+            </a:r>
+            <a:r>
+              <a:rPr lang="en-US" sz="1000" dirty="0" err="1"/>
+              <a:t>EndPointFront</a:t>
+            </a:r>
+            <a:r>
+              <a:rPr lang="en-US" sz="1000" dirty="0"/>
+              <a:t>="100.65 38.0 3.0" </a:t>
+            </a:r>
+            <a:r>
+              <a:rPr lang="en-US" sz="1000" dirty="0" err="1"/>
+              <a:t>EndPointBack</a:t>
+            </a:r>
+            <a:r>
+              <a:rPr lang="en-US" sz="1000" dirty="0"/>
+              <a:t>="100.65 38.0 103.0" /&gt;</a:t>
+            </a:r>
+          </a:p>
+          <a:p>
+            <a:pPr marL="109728" indent="0">
+              <a:buNone/>
+            </a:pPr>
+            <a:r>
+              <a:rPr lang="en-US" sz="1000" dirty="0" smtClean="0"/>
+              <a:t>&lt;/</a:t>
+            </a:r>
+            <a:r>
+              <a:rPr lang="en-US" sz="1000" dirty="0"/>
+              <a:t>Pattern&gt;</a:t>
+            </a:r>
+          </a:p>
+          <a:p>
+            <a:pPr marL="109728" indent="0">
+              <a:buNone/>
+            </a:pPr>
+            <a:r>
+              <a:rPr lang="en-US" sz="1000" dirty="0" smtClean="0"/>
+              <a:t>&lt;</a:t>
+            </a:r>
+            <a:r>
+              <a:rPr lang="en-US" sz="1000" dirty="0"/>
+              <a:t>Pattern Type="</a:t>
+            </a:r>
+            <a:r>
+              <a:rPr lang="en-US" sz="1000" dirty="0" err="1"/>
+              <a:t>CoplanarParallelWires</a:t>
+            </a:r>
+            <a:r>
+              <a:rPr lang="en-US" sz="1000" dirty="0"/>
+              <a:t>" name="Right"&gt;</a:t>
+            </a:r>
+          </a:p>
+          <a:p>
+            <a:pPr marL="109728" indent="0">
+              <a:buNone/>
+            </a:pPr>
+            <a:r>
+              <a:rPr lang="en-US" sz="1000" dirty="0"/>
+              <a:t>	</a:t>
+            </a:r>
+            <a:r>
+              <a:rPr lang="en-US" sz="1000" dirty="0" smtClean="0"/>
+              <a:t>&lt;</a:t>
+            </a:r>
+            <a:r>
+              <a:rPr lang="en-US" sz="1000" dirty="0"/>
+              <a:t>Wire Name="B1" </a:t>
+            </a:r>
+            <a:r>
+              <a:rPr lang="en-US" sz="1000" dirty="0" err="1"/>
+              <a:t>EndPointFront</a:t>
+            </a:r>
+            <a:r>
+              <a:rPr lang="en-US" sz="1000" dirty="0"/>
+              <a:t>="100.65 38.0 3.0" </a:t>
+            </a:r>
+            <a:r>
+              <a:rPr lang="en-US" sz="1000" dirty="0" err="1"/>
+              <a:t>EndPointBack</a:t>
+            </a:r>
+            <a:r>
+              <a:rPr lang="en-US" sz="1000" dirty="0"/>
+              <a:t>="100.65 38.0 103.0" /&gt;</a:t>
+            </a:r>
+          </a:p>
+          <a:p>
+            <a:pPr marL="109728" indent="0">
+              <a:buNone/>
+            </a:pPr>
+            <a:r>
+              <a:rPr lang="en-US" sz="1000" dirty="0"/>
+              <a:t>	</a:t>
+            </a:r>
+            <a:r>
+              <a:rPr lang="en-US" sz="1000" dirty="0" smtClean="0"/>
+              <a:t>&lt;</a:t>
+            </a:r>
+            <a:r>
+              <a:rPr lang="en-US" sz="1000" dirty="0"/>
+              <a:t>Wire Name="B2" </a:t>
+            </a:r>
+            <a:r>
+              <a:rPr lang="en-US" sz="1000" dirty="0" err="1"/>
+              <a:t>EndPointFront</a:t>
+            </a:r>
+            <a:r>
+              <a:rPr lang="en-US" sz="1000" dirty="0"/>
+              <a:t>="100.65 48.0 3.0" </a:t>
+            </a:r>
+            <a:r>
+              <a:rPr lang="en-US" sz="1000" dirty="0" err="1"/>
+              <a:t>EndPointBack</a:t>
+            </a:r>
+            <a:r>
+              <a:rPr lang="en-US" sz="1000" dirty="0"/>
+              <a:t>="100.65 48.0 103.0" /&gt;</a:t>
+            </a:r>
+          </a:p>
+          <a:p>
+            <a:pPr marL="109728" indent="0">
+              <a:buNone/>
+            </a:pPr>
+            <a:r>
+              <a:rPr lang="en-US" sz="1000" dirty="0"/>
+              <a:t>	</a:t>
+            </a:r>
+            <a:r>
+              <a:rPr lang="en-US" sz="1000" dirty="0" smtClean="0"/>
+              <a:t>&lt;</a:t>
+            </a:r>
+            <a:r>
+              <a:rPr lang="en-US" sz="1000" dirty="0"/>
+              <a:t>Wire Name="B3" </a:t>
+            </a:r>
+            <a:r>
+              <a:rPr lang="en-US" sz="1000" dirty="0" err="1"/>
+              <a:t>EndPointFront</a:t>
+            </a:r>
+            <a:r>
+              <a:rPr lang="en-US" sz="1000" dirty="0"/>
+              <a:t>="100.65 58.0 3.0" </a:t>
+            </a:r>
+            <a:r>
+              <a:rPr lang="en-US" sz="1000" dirty="0" err="1"/>
+              <a:t>EndPointBack</a:t>
+            </a:r>
+            <a:r>
+              <a:rPr lang="en-US" sz="1000" dirty="0"/>
+              <a:t>="100.65 58.0 103.0" /&gt;</a:t>
+            </a:r>
+          </a:p>
+          <a:p>
+            <a:pPr marL="109728" indent="0">
+              <a:buNone/>
+            </a:pPr>
+            <a:r>
+              <a:rPr lang="en-US" sz="1000" dirty="0"/>
+              <a:t>	</a:t>
+            </a:r>
+            <a:r>
+              <a:rPr lang="en-US" sz="1000" dirty="0" smtClean="0"/>
+              <a:t>&lt;</a:t>
+            </a:r>
+            <a:r>
+              <a:rPr lang="en-US" sz="1000" dirty="0"/>
+              <a:t>Wire Name="B4" </a:t>
+            </a:r>
+            <a:r>
+              <a:rPr lang="en-US" sz="1000" dirty="0" err="1"/>
+              <a:t>EndPointFront</a:t>
+            </a:r>
+            <a:r>
+              <a:rPr lang="en-US" sz="1000" dirty="0"/>
+              <a:t>="100.65 68.0 3.0" </a:t>
+            </a:r>
+            <a:r>
+              <a:rPr lang="en-US" sz="1000" dirty="0" err="1"/>
+              <a:t>EndPointBack</a:t>
+            </a:r>
+            <a:r>
+              <a:rPr lang="en-US" sz="1000" dirty="0"/>
+              <a:t>="100.65 68.0 103.0" /&gt;</a:t>
+            </a:r>
+          </a:p>
+          <a:p>
+            <a:pPr marL="109728" indent="0">
+              <a:buNone/>
+            </a:pPr>
+            <a:r>
+              <a:rPr lang="en-US" sz="1000" dirty="0"/>
+              <a:t>	</a:t>
+            </a:r>
+            <a:r>
+              <a:rPr lang="en-US" sz="1000" dirty="0" smtClean="0"/>
+              <a:t>&lt;</a:t>
+            </a:r>
+            <a:r>
+              <a:rPr lang="en-US" sz="1000" dirty="0"/>
+              <a:t>Wire Name="B5" </a:t>
+            </a:r>
+            <a:r>
+              <a:rPr lang="en-US" sz="1000" dirty="0" err="1"/>
+              <a:t>EndPointFront</a:t>
+            </a:r>
+            <a:r>
+              <a:rPr lang="en-US" sz="1000" dirty="0"/>
+              <a:t>="100.65 78.0 3.0" </a:t>
+            </a:r>
+            <a:r>
+              <a:rPr lang="en-US" sz="1000" dirty="0" err="1"/>
+              <a:t>EndPointBack</a:t>
+            </a:r>
+            <a:r>
+              <a:rPr lang="en-US" sz="1000" dirty="0"/>
+              <a:t>="100.65 78.0 103.0" </a:t>
+            </a:r>
+            <a:r>
+              <a:rPr lang="en-US" sz="1000" dirty="0" smtClean="0"/>
+              <a:t>/&gt;</a:t>
+            </a:r>
+          </a:p>
+          <a:p>
+            <a:pPr marL="109728" indent="0">
+              <a:buNone/>
+            </a:pPr>
+            <a:r>
+              <a:rPr lang="en-US" sz="1000" dirty="0" smtClean="0"/>
+              <a:t>&lt;/</a:t>
+            </a:r>
+            <a:r>
+              <a:rPr lang="en-US" sz="1000" dirty="0"/>
+              <a:t>Pattern&gt;</a:t>
+            </a:r>
           </a:p>
         </p:txBody>
       </p:sp>
@@ -9980,7 +13259,7 @@
             <a:pPr algn="ctr"/>
             <a:r>
               <a:rPr lang="en-US" dirty="0" smtClean="0"/>
-              <a:t>Segmentation</a:t>
+              <a:t>New Pattern Definition</a:t>
             </a:r>
             <a:endParaRPr lang="en-US" dirty="0"/>
           </a:p>
@@ -9989,20 +13268,13 @@
     </p:spTree>
     <p:extLst>
       <p:ext uri="{BB962C8B-B14F-4D97-AF65-F5344CB8AC3E}">
-        <p14:creationId xmlns:p14="http://schemas.microsoft.com/office/powerpoint/2010/main" val="3946108308"/>
+        <p14:creationId xmlns:p14="http://schemas.microsoft.com/office/powerpoint/2010/main" val="3466679762"/>
       </p:ext>
     </p:extLst>
   </p:cSld>
   <p:clrMapOvr>
     <a:masterClrMapping/>
   </p:clrMapOvr>
-  <p:timing>
-    <p:tnLst>
-      <p:par>
-        <p:cTn id="1" dur="indefinite" restart="never" nodeType="tmRoot"/>
-      </p:par>
-    </p:tnLst>
-  </p:timing>
 </p:sld>
 </file>
 
@@ -10040,33 +13312,19 @@
           <a:p>
             <a:r>
               <a:rPr lang="en-US" dirty="0" smtClean="0"/>
-              <a:t>Finding n-point lines instead of 3-point lines.</a:t>
+              <a:t>Upgrade towards a generic algorithm.</a:t>
             </a:r>
           </a:p>
           <a:p>
             <a:r>
               <a:rPr lang="en-US" dirty="0" smtClean="0"/>
-              <a:t>New line definition: Origin + Direction Vector</a:t>
+              <a:t>The number of hardcoded values has been greatly reduced.</a:t>
             </a:r>
           </a:p>
           <a:p>
             <a:r>
               <a:rPr lang="en-US" dirty="0" smtClean="0"/>
-              <a:t>Divided into two parts:</a:t>
-            </a:r>
-          </a:p>
-          <a:p>
-            <a:pPr lvl="1"/>
-            <a:r>
-              <a:rPr lang="en-US" dirty="0" smtClean="0"/>
-              <a:t>Find 2-point lines</a:t>
-            </a:r>
-          </a:p>
-          <a:p>
-            <a:pPr lvl="1"/>
-            <a:r>
-              <a:rPr lang="en-US" dirty="0" smtClean="0"/>
-              <a:t>Find n-point lines</a:t>
+              <a:t>Use of dynamic containers instead of fixed-size arrays.</a:t>
             </a:r>
             <a:endParaRPr lang="en-US" dirty="0"/>
           </a:p>
@@ -10090,7 +13348,7 @@
             <a:pPr algn="ctr"/>
             <a:r>
               <a:rPr lang="en-US" dirty="0" smtClean="0"/>
-              <a:t>Line Finder</a:t>
+              <a:t>Segmentation</a:t>
             </a:r>
             <a:endParaRPr lang="en-US" dirty="0"/>
           </a:p>
@@ -10099,7 +13357,7 @@
     </p:spTree>
     <p:extLst>
       <p:ext uri="{BB962C8B-B14F-4D97-AF65-F5344CB8AC3E}">
-        <p14:creationId xmlns:p14="http://schemas.microsoft.com/office/powerpoint/2010/main" val="1253110886"/>
+        <p14:creationId xmlns:p14="http://schemas.microsoft.com/office/powerpoint/2010/main" val="3946108308"/>
       </p:ext>
     </p:extLst>
   </p:cSld>
@@ -10143,6 +13401,116 @@
             <p:ph idx="1"/>
           </p:nvPr>
         </p:nvSpPr>
+        <p:spPr/>
+        <p:txBody>
+          <a:bodyPr/>
+          <a:lstStyle/>
+          <a:p>
+            <a:r>
+              <a:rPr lang="en-US" dirty="0" smtClean="0"/>
+              <a:t>Finding n-point lines instead of 3-point lines.</a:t>
+            </a:r>
+          </a:p>
+          <a:p>
+            <a:r>
+              <a:rPr lang="en-US" dirty="0" smtClean="0"/>
+              <a:t>New line definition: Origin + Direction Vector</a:t>
+            </a:r>
+          </a:p>
+          <a:p>
+            <a:r>
+              <a:rPr lang="en-US" dirty="0" smtClean="0"/>
+              <a:t>Divided into two parts:</a:t>
+            </a:r>
+          </a:p>
+          <a:p>
+            <a:pPr lvl="1"/>
+            <a:r>
+              <a:rPr lang="en-US" dirty="0" smtClean="0"/>
+              <a:t>Find 2-point lines</a:t>
+            </a:r>
+          </a:p>
+          <a:p>
+            <a:pPr lvl="1"/>
+            <a:r>
+              <a:rPr lang="en-US" dirty="0" smtClean="0"/>
+              <a:t>Find n-point lines</a:t>
+            </a:r>
+            <a:endParaRPr lang="en-US" dirty="0"/>
+          </a:p>
+        </p:txBody>
+      </p:sp>
+      <p:sp>
+        <p:nvSpPr>
+          <p:cNvPr id="3" name="Title 2"/>
+          <p:cNvSpPr>
+            <a:spLocks noGrp="1"/>
+          </p:cNvSpPr>
+          <p:nvPr>
+            <p:ph type="title"/>
+          </p:nvPr>
+        </p:nvSpPr>
+        <p:spPr/>
+        <p:txBody>
+          <a:bodyPr/>
+          <a:lstStyle/>
+          <a:p>
+            <a:pPr algn="ctr"/>
+            <a:r>
+              <a:rPr lang="en-US" dirty="0" smtClean="0"/>
+              <a:t>Line Finder</a:t>
+            </a:r>
+            <a:endParaRPr lang="en-US" dirty="0"/>
+          </a:p>
+        </p:txBody>
+      </p:sp>
+    </p:spTree>
+    <p:extLst>
+      <p:ext uri="{BB962C8B-B14F-4D97-AF65-F5344CB8AC3E}">
+        <p14:creationId xmlns:p14="http://schemas.microsoft.com/office/powerpoint/2010/main" val="1253110886"/>
+      </p:ext>
+    </p:extLst>
+  </p:cSld>
+  <p:clrMapOvr>
+    <a:masterClrMapping/>
+  </p:clrMapOvr>
+  <p:timing>
+    <p:tnLst>
+      <p:par>
+        <p:cTn id="1" dur="indefinite" restart="never" nodeType="tmRoot"/>
+      </p:par>
+    </p:tnLst>
+  </p:timing>
+</p:sld>
+</file>
+
+<file path=ppt/slides/slide8.xml><?xml version="1.0" encoding="utf-8"?>
+<p:sld xmlns:a="http://schemas.openxmlformats.org/drawingml/2006/main" xmlns:r="http://schemas.openxmlformats.org/officeDocument/2006/relationships" xmlns:p="http://schemas.openxmlformats.org/presentationml/2006/main">
+  <p:cSld>
+    <p:spTree>
+      <p:nvGrpSpPr>
+        <p:cNvPr id="1" name=""/>
+        <p:cNvGrpSpPr/>
+        <p:nvPr/>
+      </p:nvGrpSpPr>
+      <p:grpSpPr>
+        <a:xfrm>
+          <a:off x="0" y="0"/>
+          <a:ext cx="0" cy="0"/>
+          <a:chOff x="0" y="0"/>
+          <a:chExt cx="0" cy="0"/>
+        </a:xfrm>
+      </p:grpSpPr>
+      <p:sp>
+        <p:nvSpPr>
+          <p:cNvPr id="2" name="Content Placeholder 1"/>
+          <p:cNvSpPr>
+            <a:spLocks noGrp="1"/>
+          </p:cNvSpPr>
+          <p:nvPr>
+            <p:ph idx="1"/>
+          </p:nvPr>
+        </p:nvSpPr>
         <p:spPr>
           <a:xfrm>
             <a:off x="457200" y="1481329"/>
@@ -11527,1404 +14895,6 @@
                                         <p:cTn id="100" dur="500" fill="hold"/>
                                         <p:tgtEl>
                                           <p:spTgt spid="6"/>
-                                        </p:tgtEl>
-                                        <p:attrNameLst>
-                                          <p:attrName>fill.on</p:attrName>
-                                        </p:attrNameLst>
-                                      </p:cBhvr>
-                                      <p:to>
-                                        <p:strVal val="true"/>
-                                      </p:to>
-                                    </p:set>
-                                  </p:childTnLst>
-                                </p:cTn>
-                              </p:par>
-                            </p:childTnLst>
-                          </p:cTn>
-                        </p:par>
-                      </p:childTnLst>
-                    </p:cTn>
-                  </p:par>
-                </p:childTnLst>
-              </p:cTn>
-              <p:prevCondLst>
-                <p:cond evt="onPrev" delay="0">
-                  <p:tgtEl>
-                    <p:sldTgt/>
-                  </p:tgtEl>
-                </p:cond>
-              </p:prevCondLst>
-              <p:nextCondLst>
-                <p:cond evt="onNext" delay="0">
-                  <p:tgtEl>
-                    <p:sldTgt/>
-                  </p:tgtEl>
-                </p:cond>
-              </p:nextCondLst>
-            </p:seq>
-          </p:childTnLst>
-        </p:cTn>
-      </p:par>
-    </p:tnLst>
-  </p:timing>
-</p:sld>
-</file>
-
-<file path=ppt/slides/slide8.xml><?xml version="1.0" encoding="utf-8"?>
-<p:sld xmlns:a="http://schemas.openxmlformats.org/drawingml/2006/main" xmlns:r="http://schemas.openxmlformats.org/officeDocument/2006/relationships" xmlns:p="http://schemas.openxmlformats.org/presentationml/2006/main">
-  <p:cSld>
-    <p:spTree>
-      <p:nvGrpSpPr>
-        <p:cNvPr id="1" name=""/>
-        <p:cNvGrpSpPr/>
-        <p:nvPr/>
-      </p:nvGrpSpPr>
-      <p:grpSpPr>
-        <a:xfrm>
-          <a:off x="0" y="0"/>
-          <a:ext cx="0" cy="0"/>
-          <a:chOff x="0" y="0"/>
-          <a:chExt cx="0" cy="0"/>
-        </a:xfrm>
-      </p:grpSpPr>
-      <p:sp>
-        <p:nvSpPr>
-          <p:cNvPr id="2" name="Content Placeholder 1"/>
-          <p:cNvSpPr>
-            <a:spLocks noGrp="1"/>
-          </p:cNvSpPr>
-          <p:nvPr>
-            <p:ph idx="1"/>
-          </p:nvPr>
-        </p:nvSpPr>
-        <p:spPr>
-          <a:xfrm>
-            <a:off x="457200" y="1143000"/>
-            <a:ext cx="8229600" cy="957072"/>
-          </a:xfrm>
-        </p:spPr>
-        <p:txBody>
-          <a:bodyPr/>
-          <a:lstStyle/>
-          <a:p>
-            <a:r>
-              <a:rPr lang="en-US" dirty="0" smtClean="0"/>
-              <a:t>Not all n-point lines are computed, only the ones matching strict criteria:</a:t>
-            </a:r>
-            <a:endParaRPr lang="en-US" dirty="0"/>
-          </a:p>
-        </p:txBody>
-      </p:sp>
-      <p:sp>
-        <p:nvSpPr>
-          <p:cNvPr id="3" name="Title 2"/>
-          <p:cNvSpPr>
-            <a:spLocks noGrp="1"/>
-          </p:cNvSpPr>
-          <p:nvPr>
-            <p:ph type="title"/>
-          </p:nvPr>
-        </p:nvSpPr>
-        <p:spPr/>
-        <p:txBody>
-          <a:bodyPr/>
-          <a:lstStyle/>
-          <a:p>
-            <a:pPr algn="ctr"/>
-            <a:r>
-              <a:rPr lang="en-US" dirty="0" smtClean="0"/>
-              <a:t>Find n-point Lines</a:t>
-            </a:r>
-            <a:endParaRPr lang="en-US" dirty="0"/>
-          </a:p>
-        </p:txBody>
-      </p:sp>
-      <p:sp>
-        <p:nvSpPr>
-          <p:cNvPr id="4" name="Flowchart: Connector 3"/>
-          <p:cNvSpPr/>
-          <p:nvPr/>
-        </p:nvSpPr>
-        <p:spPr>
-          <a:xfrm>
-            <a:off x="2019300" y="3352800"/>
-            <a:ext cx="228600" cy="228600"/>
-          </a:xfrm>
-          <a:prstGeom prst="flowChartConnector">
-            <a:avLst/>
-          </a:prstGeom>
-        </p:spPr>
-        <p:style>
-          <a:lnRef idx="2">
-            <a:schemeClr val="accent1">
-              <a:shade val="50000"/>
-            </a:schemeClr>
-          </a:lnRef>
-          <a:fillRef idx="1">
-            <a:schemeClr val="accent1"/>
-          </a:fillRef>
-          <a:effectRef idx="0">
-            <a:schemeClr val="accent1"/>
-          </a:effectRef>
-          <a:fontRef idx="minor">
-            <a:schemeClr val="lt1"/>
-          </a:fontRef>
-        </p:style>
-        <p:txBody>
-          <a:bodyPr rtlCol="0" anchor="ctr"/>
-          <a:lstStyle/>
-          <a:p>
-            <a:pPr algn="ctr"/>
-            <a:endParaRPr lang="en-US"/>
-          </a:p>
-        </p:txBody>
-      </p:sp>
-      <p:sp>
-        <p:nvSpPr>
-          <p:cNvPr id="5" name="Flowchart: Connector 4"/>
-          <p:cNvSpPr/>
-          <p:nvPr/>
-        </p:nvSpPr>
-        <p:spPr>
-          <a:xfrm>
-            <a:off x="3130609" y="3354581"/>
-            <a:ext cx="228600" cy="228600"/>
-          </a:xfrm>
-          <a:prstGeom prst="flowChartConnector">
-            <a:avLst/>
-          </a:prstGeom>
-        </p:spPr>
-        <p:style>
-          <a:lnRef idx="2">
-            <a:schemeClr val="accent1">
-              <a:shade val="50000"/>
-            </a:schemeClr>
-          </a:lnRef>
-          <a:fillRef idx="1">
-            <a:schemeClr val="accent1"/>
-          </a:fillRef>
-          <a:effectRef idx="0">
-            <a:schemeClr val="accent1"/>
-          </a:effectRef>
-          <a:fontRef idx="minor">
-            <a:schemeClr val="lt1"/>
-          </a:fontRef>
-        </p:style>
-        <p:txBody>
-          <a:bodyPr rtlCol="0" anchor="ctr"/>
-          <a:lstStyle/>
-          <a:p>
-            <a:pPr algn="ctr"/>
-            <a:endParaRPr lang="en-US"/>
-          </a:p>
-        </p:txBody>
-      </p:sp>
-      <p:sp>
-        <p:nvSpPr>
-          <p:cNvPr id="6" name="Flowchart: Connector 5"/>
-          <p:cNvSpPr/>
-          <p:nvPr/>
-        </p:nvSpPr>
-        <p:spPr>
-          <a:xfrm>
-            <a:off x="4267200" y="3352800"/>
-            <a:ext cx="228600" cy="228600"/>
-          </a:xfrm>
-          <a:prstGeom prst="flowChartConnector">
-            <a:avLst/>
-          </a:prstGeom>
-        </p:spPr>
-        <p:style>
-          <a:lnRef idx="2">
-            <a:schemeClr val="accent1">
-              <a:shade val="50000"/>
-            </a:schemeClr>
-          </a:lnRef>
-          <a:fillRef idx="1">
-            <a:schemeClr val="accent1"/>
-          </a:fillRef>
-          <a:effectRef idx="0">
-            <a:schemeClr val="accent1"/>
-          </a:effectRef>
-          <a:fontRef idx="minor">
-            <a:schemeClr val="lt1"/>
-          </a:fontRef>
-        </p:style>
-        <p:txBody>
-          <a:bodyPr rtlCol="0" anchor="ctr"/>
-          <a:lstStyle/>
-          <a:p>
-            <a:pPr algn="ctr"/>
-            <a:endParaRPr lang="en-US"/>
-          </a:p>
-        </p:txBody>
-      </p:sp>
-      <p:sp>
-        <p:nvSpPr>
-          <p:cNvPr id="7" name="Flowchart: Connector 6"/>
-          <p:cNvSpPr/>
-          <p:nvPr/>
-        </p:nvSpPr>
-        <p:spPr>
-          <a:xfrm>
-            <a:off x="5410200" y="3354581"/>
-            <a:ext cx="228600" cy="228600"/>
-          </a:xfrm>
-          <a:prstGeom prst="flowChartConnector">
-            <a:avLst/>
-          </a:prstGeom>
-        </p:spPr>
-        <p:style>
-          <a:lnRef idx="2">
-            <a:schemeClr val="accent1">
-              <a:shade val="50000"/>
-            </a:schemeClr>
-          </a:lnRef>
-          <a:fillRef idx="1">
-            <a:schemeClr val="accent1"/>
-          </a:fillRef>
-          <a:effectRef idx="0">
-            <a:schemeClr val="accent1"/>
-          </a:effectRef>
-          <a:fontRef idx="minor">
-            <a:schemeClr val="lt1"/>
-          </a:fontRef>
-        </p:style>
-        <p:txBody>
-          <a:bodyPr rtlCol="0" anchor="ctr"/>
-          <a:lstStyle/>
-          <a:p>
-            <a:pPr algn="ctr"/>
-            <a:endParaRPr lang="en-US"/>
-          </a:p>
-        </p:txBody>
-      </p:sp>
-      <p:sp>
-        <p:nvSpPr>
-          <p:cNvPr id="8" name="Flowchart: Connector 7"/>
-          <p:cNvSpPr/>
-          <p:nvPr/>
-        </p:nvSpPr>
-        <p:spPr>
-          <a:xfrm>
-            <a:off x="6629400" y="3352800"/>
-            <a:ext cx="228600" cy="228600"/>
-          </a:xfrm>
-          <a:prstGeom prst="flowChartConnector">
-            <a:avLst/>
-          </a:prstGeom>
-        </p:spPr>
-        <p:style>
-          <a:lnRef idx="2">
-            <a:schemeClr val="accent1">
-              <a:shade val="50000"/>
-            </a:schemeClr>
-          </a:lnRef>
-          <a:fillRef idx="1">
-            <a:schemeClr val="accent1"/>
-          </a:fillRef>
-          <a:effectRef idx="0">
-            <a:schemeClr val="accent1"/>
-          </a:effectRef>
-          <a:fontRef idx="minor">
-            <a:schemeClr val="lt1"/>
-          </a:fontRef>
-        </p:style>
-        <p:txBody>
-          <a:bodyPr rtlCol="0" anchor="ctr"/>
-          <a:lstStyle/>
-          <a:p>
-            <a:pPr algn="ctr"/>
-            <a:endParaRPr lang="en-US"/>
-          </a:p>
-        </p:txBody>
-      </p:sp>
-    </p:spTree>
-    <p:extLst>
-      <p:ext uri="{BB962C8B-B14F-4D97-AF65-F5344CB8AC3E}">
-        <p14:creationId xmlns:p14="http://schemas.microsoft.com/office/powerpoint/2010/main" val="2404824560"/>
-      </p:ext>
-    </p:extLst>
-  </p:cSld>
-  <p:clrMapOvr>
-    <a:masterClrMapping/>
-  </p:clrMapOvr>
-  <p:timing>
-    <p:tnLst>
-      <p:par>
-        <p:cTn id="1" dur="indefinite" restart="never" nodeType="tmRoot">
-          <p:childTnLst>
-            <p:seq concurrent="1" nextAc="seek">
-              <p:cTn id="2" dur="indefinite" nodeType="mainSeq">
-                <p:childTnLst>
-                  <p:par>
-                    <p:cTn id="3" fill="hold">
-                      <p:stCondLst>
-                        <p:cond delay="indefinite"/>
-                      </p:stCondLst>
-                      <p:childTnLst>
-                        <p:par>
-                          <p:cTn id="4" fill="hold">
-                            <p:stCondLst>
-                              <p:cond delay="0"/>
-                            </p:stCondLst>
-                            <p:childTnLst>
-                              <p:par>
-                                <p:cTn id="5" presetID="1" presetClass="emph" presetSubtype="2" fill="hold" nodeType="clickEffect">
-                                  <p:stCondLst>
-                                    <p:cond delay="0"/>
-                                  </p:stCondLst>
-                                  <p:childTnLst>
-                                    <p:animClr clrSpc="rgb" dir="cw">
-                                      <p:cBhvr>
-                                        <p:cTn id="6" dur="500" fill="hold"/>
-                                        <p:tgtEl>
-                                          <p:spTgt spid="4"/>
-                                        </p:tgtEl>
-                                        <p:attrNameLst>
-                                          <p:attrName>fillcolor</p:attrName>
-                                        </p:attrNameLst>
-                                      </p:cBhvr>
-                                      <p:to>
-                                        <a:srgbClr val="FFFF00"/>
-                                      </p:to>
-                                    </p:animClr>
-                                    <p:set>
-                                      <p:cBhvr>
-                                        <p:cTn id="7" dur="500" fill="hold"/>
-                                        <p:tgtEl>
-                                          <p:spTgt spid="4"/>
-                                        </p:tgtEl>
-                                        <p:attrNameLst>
-                                          <p:attrName>fill.type</p:attrName>
-                                        </p:attrNameLst>
-                                      </p:cBhvr>
-                                      <p:to>
-                                        <p:strVal val="solid"/>
-                                      </p:to>
-                                    </p:set>
-                                    <p:set>
-                                      <p:cBhvr>
-                                        <p:cTn id="8" dur="500" fill="hold"/>
-                                        <p:tgtEl>
-                                          <p:spTgt spid="4"/>
-                                        </p:tgtEl>
-                                        <p:attrNameLst>
-                                          <p:attrName>fill.on</p:attrName>
-                                        </p:attrNameLst>
-                                      </p:cBhvr>
-                                      <p:to>
-                                        <p:strVal val="true"/>
-                                      </p:to>
-                                    </p:set>
-                                  </p:childTnLst>
-                                </p:cTn>
-                              </p:par>
-                              <p:par>
-                                <p:cTn id="9" presetID="1" presetClass="emph" presetSubtype="2" fill="hold" nodeType="withEffect">
-                                  <p:stCondLst>
-                                    <p:cond delay="0"/>
-                                  </p:stCondLst>
-                                  <p:childTnLst>
-                                    <p:animClr clrSpc="rgb" dir="cw">
-                                      <p:cBhvr>
-                                        <p:cTn id="10" dur="500" fill="hold"/>
-                                        <p:tgtEl>
-                                          <p:spTgt spid="8"/>
-                                        </p:tgtEl>
-                                        <p:attrNameLst>
-                                          <p:attrName>fillcolor</p:attrName>
-                                        </p:attrNameLst>
-                                      </p:cBhvr>
-                                      <p:to>
-                                        <a:srgbClr val="FFFF00"/>
-                                      </p:to>
-                                    </p:animClr>
-                                    <p:set>
-                                      <p:cBhvr>
-                                        <p:cTn id="11" dur="500" fill="hold"/>
-                                        <p:tgtEl>
-                                          <p:spTgt spid="8"/>
-                                        </p:tgtEl>
-                                        <p:attrNameLst>
-                                          <p:attrName>fill.type</p:attrName>
-                                        </p:attrNameLst>
-                                      </p:cBhvr>
-                                      <p:to>
-                                        <p:strVal val="solid"/>
-                                      </p:to>
-                                    </p:set>
-                                    <p:set>
-                                      <p:cBhvr>
-                                        <p:cTn id="12" dur="500" fill="hold"/>
-                                        <p:tgtEl>
-                                          <p:spTgt spid="8"/>
-                                        </p:tgtEl>
-                                        <p:attrNameLst>
-                                          <p:attrName>fill.on</p:attrName>
-                                        </p:attrNameLst>
-                                      </p:cBhvr>
-                                      <p:to>
-                                        <p:strVal val="true"/>
-                                      </p:to>
-                                    </p:set>
-                                  </p:childTnLst>
-                                </p:cTn>
-                              </p:par>
-                            </p:childTnLst>
-                          </p:cTn>
-                        </p:par>
-                      </p:childTnLst>
-                    </p:cTn>
-                  </p:par>
-                  <p:par>
-                    <p:cTn id="13" fill="hold">
-                      <p:stCondLst>
-                        <p:cond delay="indefinite"/>
-                      </p:stCondLst>
-                      <p:childTnLst>
-                        <p:par>
-                          <p:cTn id="14" fill="hold">
-                            <p:stCondLst>
-                              <p:cond delay="0"/>
-                            </p:stCondLst>
-                            <p:childTnLst>
-                              <p:par>
-                                <p:cTn id="15" presetID="1" presetClass="emph" presetSubtype="2" fill="hold" nodeType="clickEffect">
-                                  <p:stCondLst>
-                                    <p:cond delay="0"/>
-                                  </p:stCondLst>
-                                  <p:childTnLst>
-                                    <p:animClr clrSpc="rgb" dir="cw">
-                                      <p:cBhvr>
-                                        <p:cTn id="16" dur="500" fill="hold"/>
-                                        <p:tgtEl>
-                                          <p:spTgt spid="5"/>
-                                        </p:tgtEl>
-                                        <p:attrNameLst>
-                                          <p:attrName>fillcolor</p:attrName>
-                                        </p:attrNameLst>
-                                      </p:cBhvr>
-                                      <p:to>
-                                        <a:srgbClr val="92D050"/>
-                                      </p:to>
-                                    </p:animClr>
-                                    <p:set>
-                                      <p:cBhvr>
-                                        <p:cTn id="17" dur="500" fill="hold"/>
-                                        <p:tgtEl>
-                                          <p:spTgt spid="5"/>
-                                        </p:tgtEl>
-                                        <p:attrNameLst>
-                                          <p:attrName>fill.type</p:attrName>
-                                        </p:attrNameLst>
-                                      </p:cBhvr>
-                                      <p:to>
-                                        <p:strVal val="solid"/>
-                                      </p:to>
-                                    </p:set>
-                                    <p:set>
-                                      <p:cBhvr>
-                                        <p:cTn id="18" dur="500" fill="hold"/>
-                                        <p:tgtEl>
-                                          <p:spTgt spid="5"/>
-                                        </p:tgtEl>
-                                        <p:attrNameLst>
-                                          <p:attrName>fill.on</p:attrName>
-                                        </p:attrNameLst>
-                                      </p:cBhvr>
-                                      <p:to>
-                                        <p:strVal val="true"/>
-                                      </p:to>
-                                    </p:set>
-                                  </p:childTnLst>
-                                </p:cTn>
-                              </p:par>
-                            </p:childTnLst>
-                          </p:cTn>
-                        </p:par>
-                      </p:childTnLst>
-                    </p:cTn>
-                  </p:par>
-                  <p:par>
-                    <p:cTn id="19" fill="hold">
-                      <p:stCondLst>
-                        <p:cond delay="indefinite"/>
-                      </p:stCondLst>
-                      <p:childTnLst>
-                        <p:par>
-                          <p:cTn id="20" fill="hold">
-                            <p:stCondLst>
-                              <p:cond delay="0"/>
-                            </p:stCondLst>
-                            <p:childTnLst>
-                              <p:par>
-                                <p:cTn id="21" presetID="1" presetClass="emph" presetSubtype="2" fill="hold" nodeType="clickEffect">
-                                  <p:stCondLst>
-                                    <p:cond delay="0"/>
-                                  </p:stCondLst>
-                                  <p:childTnLst>
-                                    <p:animClr clrSpc="rgb" dir="cw">
-                                      <p:cBhvr>
-                                        <p:cTn id="22" dur="500" fill="hold"/>
-                                        <p:tgtEl>
-                                          <p:spTgt spid="5"/>
-                                        </p:tgtEl>
-                                        <p:attrNameLst>
-                                          <p:attrName>fillcolor</p:attrName>
-                                        </p:attrNameLst>
-                                      </p:cBhvr>
-                                      <p:to>
-                                        <a:srgbClr val="2DA2BF"/>
-                                      </p:to>
-                                    </p:animClr>
-                                    <p:set>
-                                      <p:cBhvr>
-                                        <p:cTn id="23" dur="500" fill="hold"/>
-                                        <p:tgtEl>
-                                          <p:spTgt spid="5"/>
-                                        </p:tgtEl>
-                                        <p:attrNameLst>
-                                          <p:attrName>fill.type</p:attrName>
-                                        </p:attrNameLst>
-                                      </p:cBhvr>
-                                      <p:to>
-                                        <p:strVal val="solid"/>
-                                      </p:to>
-                                    </p:set>
-                                    <p:set>
-                                      <p:cBhvr>
-                                        <p:cTn id="24" dur="500" fill="hold"/>
-                                        <p:tgtEl>
-                                          <p:spTgt spid="5"/>
-                                        </p:tgtEl>
-                                        <p:attrNameLst>
-                                          <p:attrName>fill.on</p:attrName>
-                                        </p:attrNameLst>
-                                      </p:cBhvr>
-                                      <p:to>
-                                        <p:strVal val="true"/>
-                                      </p:to>
-                                    </p:set>
-                                  </p:childTnLst>
-                                </p:cTn>
-                              </p:par>
-                            </p:childTnLst>
-                          </p:cTn>
-                        </p:par>
-                      </p:childTnLst>
-                    </p:cTn>
-                  </p:par>
-                  <p:par>
-                    <p:cTn id="25" fill="hold">
-                      <p:stCondLst>
-                        <p:cond delay="indefinite"/>
-                      </p:stCondLst>
-                      <p:childTnLst>
-                        <p:par>
-                          <p:cTn id="26" fill="hold">
-                            <p:stCondLst>
-                              <p:cond delay="0"/>
-                            </p:stCondLst>
-                            <p:childTnLst>
-                              <p:par>
-                                <p:cTn id="27" presetID="1" presetClass="emph" presetSubtype="2" fill="hold" nodeType="clickEffect">
-                                  <p:stCondLst>
-                                    <p:cond delay="0"/>
-                                  </p:stCondLst>
-                                  <p:childTnLst>
-                                    <p:animClr clrSpc="rgb" dir="cw">
-                                      <p:cBhvr>
-                                        <p:cTn id="28" dur="500" fill="hold"/>
-                                        <p:tgtEl>
-                                          <p:spTgt spid="6"/>
-                                        </p:tgtEl>
-                                        <p:attrNameLst>
-                                          <p:attrName>fillcolor</p:attrName>
-                                        </p:attrNameLst>
-                                      </p:cBhvr>
-                                      <p:to>
-                                        <a:srgbClr val="DA1F28"/>
-                                      </p:to>
-                                    </p:animClr>
-                                    <p:set>
-                                      <p:cBhvr>
-                                        <p:cTn id="29" dur="500" fill="hold"/>
-                                        <p:tgtEl>
-                                          <p:spTgt spid="6"/>
-                                        </p:tgtEl>
-                                        <p:attrNameLst>
-                                          <p:attrName>fill.type</p:attrName>
-                                        </p:attrNameLst>
-                                      </p:cBhvr>
-                                      <p:to>
-                                        <p:strVal val="solid"/>
-                                      </p:to>
-                                    </p:set>
-                                    <p:set>
-                                      <p:cBhvr>
-                                        <p:cTn id="30" dur="500" fill="hold"/>
-                                        <p:tgtEl>
-                                          <p:spTgt spid="6"/>
-                                        </p:tgtEl>
-                                        <p:attrNameLst>
-                                          <p:attrName>fill.on</p:attrName>
-                                        </p:attrNameLst>
-                                      </p:cBhvr>
-                                      <p:to>
-                                        <p:strVal val="true"/>
-                                      </p:to>
-                                    </p:set>
-                                  </p:childTnLst>
-                                </p:cTn>
-                              </p:par>
-                            </p:childTnLst>
-                          </p:cTn>
-                        </p:par>
-                      </p:childTnLst>
-                    </p:cTn>
-                  </p:par>
-                  <p:par>
-                    <p:cTn id="31" fill="hold">
-                      <p:stCondLst>
-                        <p:cond delay="indefinite"/>
-                      </p:stCondLst>
-                      <p:childTnLst>
-                        <p:par>
-                          <p:cTn id="32" fill="hold">
-                            <p:stCondLst>
-                              <p:cond delay="0"/>
-                            </p:stCondLst>
-                            <p:childTnLst>
-                              <p:par>
-                                <p:cTn id="33" presetID="1" presetClass="emph" presetSubtype="2" fill="hold" nodeType="clickEffect">
-                                  <p:stCondLst>
-                                    <p:cond delay="0"/>
-                                  </p:stCondLst>
-                                  <p:childTnLst>
-                                    <p:animClr clrSpc="rgb" dir="cw">
-                                      <p:cBhvr>
-                                        <p:cTn id="34" dur="500" fill="hold"/>
-                                        <p:tgtEl>
-                                          <p:spTgt spid="6"/>
-                                        </p:tgtEl>
-                                        <p:attrNameLst>
-                                          <p:attrName>fillcolor</p:attrName>
-                                        </p:attrNameLst>
-                                      </p:cBhvr>
-                                      <p:to>
-                                        <a:srgbClr val="2DA2BF"/>
-                                      </p:to>
-                                    </p:animClr>
-                                    <p:set>
-                                      <p:cBhvr>
-                                        <p:cTn id="35" dur="500" fill="hold"/>
-                                        <p:tgtEl>
-                                          <p:spTgt spid="6"/>
-                                        </p:tgtEl>
-                                        <p:attrNameLst>
-                                          <p:attrName>fill.type</p:attrName>
-                                        </p:attrNameLst>
-                                      </p:cBhvr>
-                                      <p:to>
-                                        <p:strVal val="solid"/>
-                                      </p:to>
-                                    </p:set>
-                                    <p:set>
-                                      <p:cBhvr>
-                                        <p:cTn id="36" dur="500" fill="hold"/>
-                                        <p:tgtEl>
-                                          <p:spTgt spid="6"/>
-                                        </p:tgtEl>
-                                        <p:attrNameLst>
-                                          <p:attrName>fill.on</p:attrName>
-                                        </p:attrNameLst>
-                                      </p:cBhvr>
-                                      <p:to>
-                                        <p:strVal val="true"/>
-                                      </p:to>
-                                    </p:set>
-                                  </p:childTnLst>
-                                </p:cTn>
-                              </p:par>
-                            </p:childTnLst>
-                          </p:cTn>
-                        </p:par>
-                      </p:childTnLst>
-                    </p:cTn>
-                  </p:par>
-                  <p:par>
-                    <p:cTn id="37" fill="hold">
-                      <p:stCondLst>
-                        <p:cond delay="indefinite"/>
-                      </p:stCondLst>
-                      <p:childTnLst>
-                        <p:par>
-                          <p:cTn id="38" fill="hold">
-                            <p:stCondLst>
-                              <p:cond delay="0"/>
-                            </p:stCondLst>
-                            <p:childTnLst>
-                              <p:par>
-                                <p:cTn id="39" presetID="1" presetClass="emph" presetSubtype="2" fill="hold" nodeType="clickEffect">
-                                  <p:stCondLst>
-                                    <p:cond delay="0"/>
-                                  </p:stCondLst>
-                                  <p:childTnLst>
-                                    <p:animClr clrSpc="rgb" dir="cw">
-                                      <p:cBhvr>
-                                        <p:cTn id="40" dur="500" fill="hold"/>
-                                        <p:tgtEl>
-                                          <p:spTgt spid="7"/>
-                                        </p:tgtEl>
-                                        <p:attrNameLst>
-                                          <p:attrName>fillcolor</p:attrName>
-                                        </p:attrNameLst>
-                                      </p:cBhvr>
-                                      <p:to>
-                                        <a:srgbClr val="DA1F28"/>
-                                      </p:to>
-                                    </p:animClr>
-                                    <p:set>
-                                      <p:cBhvr>
-                                        <p:cTn id="41" dur="500" fill="hold"/>
-                                        <p:tgtEl>
-                                          <p:spTgt spid="7"/>
-                                        </p:tgtEl>
-                                        <p:attrNameLst>
-                                          <p:attrName>fill.type</p:attrName>
-                                        </p:attrNameLst>
-                                      </p:cBhvr>
-                                      <p:to>
-                                        <p:strVal val="solid"/>
-                                      </p:to>
-                                    </p:set>
-                                    <p:set>
-                                      <p:cBhvr>
-                                        <p:cTn id="42" dur="500" fill="hold"/>
-                                        <p:tgtEl>
-                                          <p:spTgt spid="7"/>
-                                        </p:tgtEl>
-                                        <p:attrNameLst>
-                                          <p:attrName>fill.on</p:attrName>
-                                        </p:attrNameLst>
-                                      </p:cBhvr>
-                                      <p:to>
-                                        <p:strVal val="true"/>
-                                      </p:to>
-                                    </p:set>
-                                  </p:childTnLst>
-                                </p:cTn>
-                              </p:par>
-                            </p:childTnLst>
-                          </p:cTn>
-                        </p:par>
-                      </p:childTnLst>
-                    </p:cTn>
-                  </p:par>
-                  <p:par>
-                    <p:cTn id="43" fill="hold">
-                      <p:stCondLst>
-                        <p:cond delay="indefinite"/>
-                      </p:stCondLst>
-                      <p:childTnLst>
-                        <p:par>
-                          <p:cTn id="44" fill="hold">
-                            <p:stCondLst>
-                              <p:cond delay="0"/>
-                            </p:stCondLst>
-                            <p:childTnLst>
-                              <p:par>
-                                <p:cTn id="45" presetID="1" presetClass="emph" presetSubtype="2" fill="hold" nodeType="clickEffect">
-                                  <p:stCondLst>
-                                    <p:cond delay="0"/>
-                                  </p:stCondLst>
-                                  <p:childTnLst>
-                                    <p:animClr clrSpc="rgb" dir="cw">
-                                      <p:cBhvr>
-                                        <p:cTn id="46" dur="500" fill="hold"/>
-                                        <p:tgtEl>
-                                          <p:spTgt spid="7"/>
-                                        </p:tgtEl>
-                                        <p:attrNameLst>
-                                          <p:attrName>fillcolor</p:attrName>
-                                        </p:attrNameLst>
-                                      </p:cBhvr>
-                                      <p:to>
-                                        <a:srgbClr val="2DA2BF"/>
-                                      </p:to>
-                                    </p:animClr>
-                                    <p:set>
-                                      <p:cBhvr>
-                                        <p:cTn id="47" dur="500" fill="hold"/>
-                                        <p:tgtEl>
-                                          <p:spTgt spid="7"/>
-                                        </p:tgtEl>
-                                        <p:attrNameLst>
-                                          <p:attrName>fill.type</p:attrName>
-                                        </p:attrNameLst>
-                                      </p:cBhvr>
-                                      <p:to>
-                                        <p:strVal val="solid"/>
-                                      </p:to>
-                                    </p:set>
-                                    <p:set>
-                                      <p:cBhvr>
-                                        <p:cTn id="48" dur="500" fill="hold"/>
-                                        <p:tgtEl>
-                                          <p:spTgt spid="7"/>
-                                        </p:tgtEl>
-                                        <p:attrNameLst>
-                                          <p:attrName>fill.on</p:attrName>
-                                        </p:attrNameLst>
-                                      </p:cBhvr>
-                                      <p:to>
-                                        <p:strVal val="true"/>
-                                      </p:to>
-                                    </p:set>
-                                  </p:childTnLst>
-                                </p:cTn>
-                              </p:par>
-                            </p:childTnLst>
-                          </p:cTn>
-                        </p:par>
-                      </p:childTnLst>
-                    </p:cTn>
-                  </p:par>
-                  <p:par>
-                    <p:cTn id="49" fill="hold">
-                      <p:stCondLst>
-                        <p:cond delay="indefinite"/>
-                      </p:stCondLst>
-                      <p:childTnLst>
-                        <p:par>
-                          <p:cTn id="50" fill="hold">
-                            <p:stCondLst>
-                              <p:cond delay="0"/>
-                            </p:stCondLst>
-                            <p:childTnLst>
-                              <p:par>
-                                <p:cTn id="51" presetID="1" presetClass="emph" presetSubtype="2" fill="hold" nodeType="clickEffect">
-                                  <p:stCondLst>
-                                    <p:cond delay="0"/>
-                                  </p:stCondLst>
-                                  <p:childTnLst>
-                                    <p:animClr clrSpc="rgb" dir="cw">
-                                      <p:cBhvr>
-                                        <p:cTn id="52" dur="500" fill="hold"/>
-                                        <p:tgtEl>
-                                          <p:spTgt spid="5"/>
-                                        </p:tgtEl>
-                                        <p:attrNameLst>
-                                          <p:attrName>fillcolor</p:attrName>
-                                        </p:attrNameLst>
-                                      </p:cBhvr>
-                                      <p:to>
-                                        <a:srgbClr val="FFFF00"/>
-                                      </p:to>
-                                    </p:animClr>
-                                    <p:set>
-                                      <p:cBhvr>
-                                        <p:cTn id="53" dur="500" fill="hold"/>
-                                        <p:tgtEl>
-                                          <p:spTgt spid="5"/>
-                                        </p:tgtEl>
-                                        <p:attrNameLst>
-                                          <p:attrName>fill.type</p:attrName>
-                                        </p:attrNameLst>
-                                      </p:cBhvr>
-                                      <p:to>
-                                        <p:strVal val="solid"/>
-                                      </p:to>
-                                    </p:set>
-                                    <p:set>
-                                      <p:cBhvr>
-                                        <p:cTn id="54" dur="500" fill="hold"/>
-                                        <p:tgtEl>
-                                          <p:spTgt spid="5"/>
-                                        </p:tgtEl>
-                                        <p:attrNameLst>
-                                          <p:attrName>fill.on</p:attrName>
-                                        </p:attrNameLst>
-                                      </p:cBhvr>
-                                      <p:to>
-                                        <p:strVal val="true"/>
-                                      </p:to>
-                                    </p:set>
-                                  </p:childTnLst>
-                                </p:cTn>
-                              </p:par>
-                            </p:childTnLst>
-                          </p:cTn>
-                        </p:par>
-                      </p:childTnLst>
-                    </p:cTn>
-                  </p:par>
-                  <p:par>
-                    <p:cTn id="55" fill="hold">
-                      <p:stCondLst>
-                        <p:cond delay="indefinite"/>
-                      </p:stCondLst>
-                      <p:childTnLst>
-                        <p:par>
-                          <p:cTn id="56" fill="hold">
-                            <p:stCondLst>
-                              <p:cond delay="0"/>
-                            </p:stCondLst>
-                            <p:childTnLst>
-                              <p:par>
-                                <p:cTn id="57" presetID="1" presetClass="emph" presetSubtype="2" fill="hold" nodeType="clickEffect">
-                                  <p:stCondLst>
-                                    <p:cond delay="0"/>
-                                  </p:stCondLst>
-                                  <p:childTnLst>
-                                    <p:animClr clrSpc="rgb" dir="cw">
-                                      <p:cBhvr>
-                                        <p:cTn id="58" dur="500" fill="hold"/>
-                                        <p:tgtEl>
-                                          <p:spTgt spid="6"/>
-                                        </p:tgtEl>
-                                        <p:attrNameLst>
-                                          <p:attrName>fillcolor</p:attrName>
-                                        </p:attrNameLst>
-                                      </p:cBhvr>
-                                      <p:to>
-                                        <a:srgbClr val="92D050"/>
-                                      </p:to>
-                                    </p:animClr>
-                                    <p:set>
-                                      <p:cBhvr>
-                                        <p:cTn id="59" dur="500" fill="hold"/>
-                                        <p:tgtEl>
-                                          <p:spTgt spid="6"/>
-                                        </p:tgtEl>
-                                        <p:attrNameLst>
-                                          <p:attrName>fill.type</p:attrName>
-                                        </p:attrNameLst>
-                                      </p:cBhvr>
-                                      <p:to>
-                                        <p:strVal val="solid"/>
-                                      </p:to>
-                                    </p:set>
-                                    <p:set>
-                                      <p:cBhvr>
-                                        <p:cTn id="60" dur="500" fill="hold"/>
-                                        <p:tgtEl>
-                                          <p:spTgt spid="6"/>
-                                        </p:tgtEl>
-                                        <p:attrNameLst>
-                                          <p:attrName>fill.on</p:attrName>
-                                        </p:attrNameLst>
-                                      </p:cBhvr>
-                                      <p:to>
-                                        <p:strVal val="true"/>
-                                      </p:to>
-                                    </p:set>
-                                  </p:childTnLst>
-                                </p:cTn>
-                              </p:par>
-                            </p:childTnLst>
-                          </p:cTn>
-                        </p:par>
-                      </p:childTnLst>
-                    </p:cTn>
-                  </p:par>
-                  <p:par>
-                    <p:cTn id="61" fill="hold">
-                      <p:stCondLst>
-                        <p:cond delay="indefinite"/>
-                      </p:stCondLst>
-                      <p:childTnLst>
-                        <p:par>
-                          <p:cTn id="62" fill="hold">
-                            <p:stCondLst>
-                              <p:cond delay="0"/>
-                            </p:stCondLst>
-                            <p:childTnLst>
-                              <p:par>
-                                <p:cTn id="63" presetID="1" presetClass="emph" presetSubtype="2" fill="hold" nodeType="clickEffect">
-                                  <p:stCondLst>
-                                    <p:cond delay="0"/>
-                                  </p:stCondLst>
-                                  <p:childTnLst>
-                                    <p:animClr clrSpc="rgb" dir="cw">
-                                      <p:cBhvr>
-                                        <p:cTn id="64" dur="500" fill="hold"/>
-                                        <p:tgtEl>
-                                          <p:spTgt spid="6"/>
-                                        </p:tgtEl>
-                                        <p:attrNameLst>
-                                          <p:attrName>fillcolor</p:attrName>
-                                        </p:attrNameLst>
-                                      </p:cBhvr>
-                                      <p:to>
-                                        <a:srgbClr val="2DA2BF"/>
-                                      </p:to>
-                                    </p:animClr>
-                                    <p:set>
-                                      <p:cBhvr>
-                                        <p:cTn id="65" dur="500" fill="hold"/>
-                                        <p:tgtEl>
-                                          <p:spTgt spid="6"/>
-                                        </p:tgtEl>
-                                        <p:attrNameLst>
-                                          <p:attrName>fill.type</p:attrName>
-                                        </p:attrNameLst>
-                                      </p:cBhvr>
-                                      <p:to>
-                                        <p:strVal val="solid"/>
-                                      </p:to>
-                                    </p:set>
-                                    <p:set>
-                                      <p:cBhvr>
-                                        <p:cTn id="66" dur="500" fill="hold"/>
-                                        <p:tgtEl>
-                                          <p:spTgt spid="6"/>
-                                        </p:tgtEl>
-                                        <p:attrNameLst>
-                                          <p:attrName>fill.on</p:attrName>
-                                        </p:attrNameLst>
-                                      </p:cBhvr>
-                                      <p:to>
-                                        <p:strVal val="true"/>
-                                      </p:to>
-                                    </p:set>
-                                  </p:childTnLst>
-                                </p:cTn>
-                              </p:par>
-                            </p:childTnLst>
-                          </p:cTn>
-                        </p:par>
-                      </p:childTnLst>
-                    </p:cTn>
-                  </p:par>
-                  <p:par>
-                    <p:cTn id="67" fill="hold">
-                      <p:stCondLst>
-                        <p:cond delay="indefinite"/>
-                      </p:stCondLst>
-                      <p:childTnLst>
-                        <p:par>
-                          <p:cTn id="68" fill="hold">
-                            <p:stCondLst>
-                              <p:cond delay="0"/>
-                            </p:stCondLst>
-                            <p:childTnLst>
-                              <p:par>
-                                <p:cTn id="69" presetID="1" presetClass="emph" presetSubtype="2" fill="hold" nodeType="clickEffect">
-                                  <p:stCondLst>
-                                    <p:cond delay="0"/>
-                                  </p:stCondLst>
-                                  <p:childTnLst>
-                                    <p:animClr clrSpc="rgb" dir="cw">
-                                      <p:cBhvr>
-                                        <p:cTn id="70" dur="500" fill="hold"/>
-                                        <p:tgtEl>
-                                          <p:spTgt spid="7"/>
-                                        </p:tgtEl>
-                                        <p:attrNameLst>
-                                          <p:attrName>fillcolor</p:attrName>
-                                        </p:attrNameLst>
-                                      </p:cBhvr>
-                                      <p:to>
-                                        <a:schemeClr val="accent2"/>
-                                      </p:to>
-                                    </p:animClr>
-                                    <p:set>
-                                      <p:cBhvr>
-                                        <p:cTn id="71" dur="500" fill="hold"/>
-                                        <p:tgtEl>
-                                          <p:spTgt spid="7"/>
-                                        </p:tgtEl>
-                                        <p:attrNameLst>
-                                          <p:attrName>fill.type</p:attrName>
-                                        </p:attrNameLst>
-                                      </p:cBhvr>
-                                      <p:to>
-                                        <p:strVal val="solid"/>
-                                      </p:to>
-                                    </p:set>
-                                    <p:set>
-                                      <p:cBhvr>
-                                        <p:cTn id="72" dur="500" fill="hold"/>
-                                        <p:tgtEl>
-                                          <p:spTgt spid="7"/>
-                                        </p:tgtEl>
-                                        <p:attrNameLst>
-                                          <p:attrName>fill.on</p:attrName>
-                                        </p:attrNameLst>
-                                      </p:cBhvr>
-                                      <p:to>
-                                        <p:strVal val="true"/>
-                                      </p:to>
-                                    </p:set>
-                                  </p:childTnLst>
-                                </p:cTn>
-                              </p:par>
-                            </p:childTnLst>
-                          </p:cTn>
-                        </p:par>
-                      </p:childTnLst>
-                    </p:cTn>
-                  </p:par>
-                  <p:par>
-                    <p:cTn id="73" fill="hold">
-                      <p:stCondLst>
-                        <p:cond delay="indefinite"/>
-                      </p:stCondLst>
-                      <p:childTnLst>
-                        <p:par>
-                          <p:cTn id="74" fill="hold">
-                            <p:stCondLst>
-                              <p:cond delay="0"/>
-                            </p:stCondLst>
-                            <p:childTnLst>
-                              <p:par>
-                                <p:cTn id="75" presetID="1" presetClass="emph" presetSubtype="2" fill="hold" nodeType="clickEffect">
-                                  <p:stCondLst>
-                                    <p:cond delay="0"/>
-                                  </p:stCondLst>
-                                  <p:childTnLst>
-                                    <p:animClr clrSpc="rgb" dir="cw">
-                                      <p:cBhvr>
-                                        <p:cTn id="76" dur="500" fill="hold"/>
-                                        <p:tgtEl>
-                                          <p:spTgt spid="7"/>
-                                        </p:tgtEl>
-                                        <p:attrNameLst>
-                                          <p:attrName>fillcolor</p:attrName>
-                                        </p:attrNameLst>
-                                      </p:cBhvr>
-                                      <p:to>
-                                        <a:srgbClr val="2DA2BF"/>
-                                      </p:to>
-                                    </p:animClr>
-                                    <p:set>
-                                      <p:cBhvr>
-                                        <p:cTn id="77" dur="500" fill="hold"/>
-                                        <p:tgtEl>
-                                          <p:spTgt spid="7"/>
-                                        </p:tgtEl>
-                                        <p:attrNameLst>
-                                          <p:attrName>fill.type</p:attrName>
-                                        </p:attrNameLst>
-                                      </p:cBhvr>
-                                      <p:to>
-                                        <p:strVal val="solid"/>
-                                      </p:to>
-                                    </p:set>
-                                    <p:set>
-                                      <p:cBhvr>
-                                        <p:cTn id="78" dur="500" fill="hold"/>
-                                        <p:tgtEl>
-                                          <p:spTgt spid="7"/>
-                                        </p:tgtEl>
-                                        <p:attrNameLst>
-                                          <p:attrName>fill.on</p:attrName>
-                                        </p:attrNameLst>
-                                      </p:cBhvr>
-                                      <p:to>
-                                        <p:strVal val="true"/>
-                                      </p:to>
-                                    </p:set>
-                                  </p:childTnLst>
-                                </p:cTn>
-                              </p:par>
-                            </p:childTnLst>
-                          </p:cTn>
-                        </p:par>
-                      </p:childTnLst>
-                    </p:cTn>
-                  </p:par>
-                  <p:par>
-                    <p:cTn id="79" fill="hold">
-                      <p:stCondLst>
-                        <p:cond delay="indefinite"/>
-                      </p:stCondLst>
-                      <p:childTnLst>
-                        <p:par>
-                          <p:cTn id="80" fill="hold">
-                            <p:stCondLst>
-                              <p:cond delay="0"/>
-                            </p:stCondLst>
-                            <p:childTnLst>
-                              <p:par>
-                                <p:cTn id="81" presetID="1" presetClass="emph" presetSubtype="2" fill="hold" nodeType="clickEffect">
-                                  <p:stCondLst>
-                                    <p:cond delay="0"/>
-                                  </p:stCondLst>
-                                  <p:childTnLst>
-                                    <p:animClr clrSpc="rgb" dir="cw">
-                                      <p:cBhvr>
-                                        <p:cTn id="82" dur="500" fill="hold"/>
-                                        <p:tgtEl>
-                                          <p:spTgt spid="6"/>
-                                        </p:tgtEl>
-                                        <p:attrNameLst>
-                                          <p:attrName>fillcolor</p:attrName>
-                                        </p:attrNameLst>
-                                      </p:cBhvr>
-                                      <p:to>
-                                        <a:srgbClr val="FFFF00"/>
-                                      </p:to>
-                                    </p:animClr>
-                                    <p:set>
-                                      <p:cBhvr>
-                                        <p:cTn id="83" dur="500" fill="hold"/>
-                                        <p:tgtEl>
-                                          <p:spTgt spid="6"/>
-                                        </p:tgtEl>
-                                        <p:attrNameLst>
-                                          <p:attrName>fill.type</p:attrName>
-                                        </p:attrNameLst>
-                                      </p:cBhvr>
-                                      <p:to>
-                                        <p:strVal val="solid"/>
-                                      </p:to>
-                                    </p:set>
-                                    <p:set>
-                                      <p:cBhvr>
-                                        <p:cTn id="84" dur="500" fill="hold"/>
-                                        <p:tgtEl>
-                                          <p:spTgt spid="6"/>
-                                        </p:tgtEl>
-                                        <p:attrNameLst>
-                                          <p:attrName>fill.on</p:attrName>
-                                        </p:attrNameLst>
-                                      </p:cBhvr>
-                                      <p:to>
-                                        <p:strVal val="true"/>
-                                      </p:to>
-                                    </p:set>
-                                  </p:childTnLst>
-                                </p:cTn>
-                              </p:par>
-                            </p:childTnLst>
-                          </p:cTn>
-                        </p:par>
-                      </p:childTnLst>
-                    </p:cTn>
-                  </p:par>
-                  <p:par>
-                    <p:cTn id="85" fill="hold">
-                      <p:stCondLst>
-                        <p:cond delay="indefinite"/>
-                      </p:stCondLst>
-                      <p:childTnLst>
-                        <p:par>
-                          <p:cTn id="86" fill="hold">
-                            <p:stCondLst>
-                              <p:cond delay="0"/>
-                            </p:stCondLst>
-                            <p:childTnLst>
-                              <p:par>
-                                <p:cTn id="87" presetID="1" presetClass="emph" presetSubtype="2" fill="hold" nodeType="clickEffect">
-                                  <p:stCondLst>
-                                    <p:cond delay="0"/>
-                                  </p:stCondLst>
-                                  <p:childTnLst>
-                                    <p:animClr clrSpc="rgb" dir="cw">
-                                      <p:cBhvr>
-                                        <p:cTn id="88" dur="500" fill="hold"/>
-                                        <p:tgtEl>
-                                          <p:spTgt spid="7"/>
-                                        </p:tgtEl>
-                                        <p:attrNameLst>
-                                          <p:attrName>fillcolor</p:attrName>
-                                        </p:attrNameLst>
-                                      </p:cBhvr>
-                                      <p:to>
-                                        <a:srgbClr val="92D050"/>
-                                      </p:to>
-                                    </p:animClr>
-                                    <p:set>
-                                      <p:cBhvr>
-                                        <p:cTn id="89" dur="500" fill="hold"/>
-                                        <p:tgtEl>
-                                          <p:spTgt spid="7"/>
-                                        </p:tgtEl>
-                                        <p:attrNameLst>
-                                          <p:attrName>fill.type</p:attrName>
-                                        </p:attrNameLst>
-                                      </p:cBhvr>
-                                      <p:to>
-                                        <p:strVal val="solid"/>
-                                      </p:to>
-                                    </p:set>
-                                    <p:set>
-                                      <p:cBhvr>
-                                        <p:cTn id="90" dur="500" fill="hold"/>
-                                        <p:tgtEl>
-                                          <p:spTgt spid="7"/>
-                                        </p:tgtEl>
-                                        <p:attrNameLst>
-                                          <p:attrName>fill.on</p:attrName>
-                                        </p:attrNameLst>
-                                      </p:cBhvr>
-                                      <p:to>
-                                        <p:strVal val="true"/>
-                                      </p:to>
-                                    </p:set>
-                                  </p:childTnLst>
-                                </p:cTn>
-                              </p:par>
-                            </p:childTnLst>
-                          </p:cTn>
-                        </p:par>
-                      </p:childTnLst>
-                    </p:cTn>
-                  </p:par>
-                  <p:par>
-                    <p:cTn id="91" fill="hold">
-                      <p:stCondLst>
-                        <p:cond delay="indefinite"/>
-                      </p:stCondLst>
-                      <p:childTnLst>
-                        <p:par>
-                          <p:cTn id="92" fill="hold">
-                            <p:stCondLst>
-                              <p:cond delay="0"/>
-                            </p:stCondLst>
-                            <p:childTnLst>
-                              <p:par>
-                                <p:cTn id="93" presetID="1" presetClass="emph" presetSubtype="2" fill="hold" nodeType="clickEffect">
-                                  <p:stCondLst>
-                                    <p:cond delay="0"/>
-                                  </p:stCondLst>
-                                  <p:childTnLst>
-                                    <p:animClr clrSpc="rgb" dir="cw">
-                                      <p:cBhvr>
-                                        <p:cTn id="94" dur="500" fill="hold"/>
-                                        <p:tgtEl>
-                                          <p:spTgt spid="7"/>
-                                        </p:tgtEl>
-                                        <p:attrNameLst>
-                                          <p:attrName>fillcolor</p:attrName>
-                                        </p:attrNameLst>
-                                      </p:cBhvr>
-                                      <p:to>
-                                        <a:srgbClr val="FFFF00"/>
-                                      </p:to>
-                                    </p:animClr>
-                                    <p:set>
-                                      <p:cBhvr>
-                                        <p:cTn id="95" dur="500" fill="hold"/>
-                                        <p:tgtEl>
-                                          <p:spTgt spid="7"/>
-                                        </p:tgtEl>
-                                        <p:attrNameLst>
-                                          <p:attrName>fill.type</p:attrName>
-                                        </p:attrNameLst>
-                                      </p:cBhvr>
-                                      <p:to>
-                                        <p:strVal val="solid"/>
-                                      </p:to>
-                                    </p:set>
-                                    <p:set>
-                                      <p:cBhvr>
-                                        <p:cTn id="96" dur="500" fill="hold"/>
-                                        <p:tgtEl>
-                                          <p:spTgt spid="7"/>
                                         </p:tgtEl>
                                         <p:attrNameLst>
                                           <p:attrName>fill.on</p:attrName>
@@ -12997,8 +14967,8 @@
         </p:nvSpPr>
         <p:spPr>
           <a:xfrm>
-            <a:off x="457200" y="1295400"/>
-            <a:ext cx="8229600" cy="4525963"/>
+            <a:off x="457200" y="1143000"/>
+            <a:ext cx="8229600" cy="957072"/>
           </a:xfrm>
         </p:spPr>
         <p:txBody>
@@ -13007,13 +14977,7 @@
           <a:p>
             <a:r>
               <a:rPr lang="en-US" dirty="0" smtClean="0"/>
-              <a:t>Now searching for patterns made of any number of n-point lines.</a:t>
-            </a:r>
-          </a:p>
-          <a:p>
-            <a:r>
-              <a:rPr lang="en-US" dirty="0" smtClean="0"/>
-              <a:t>Several parameters are taken in account</a:t>
+              <a:t>Not all n-point lines are computed, only the ones matching strict criteria:</a:t>
             </a:r>
             <a:endParaRPr lang="en-US" dirty="0"/>
           </a:p>
@@ -13037,7 +15001,7 @@
             <a:pPr algn="ctr"/>
             <a:r>
               <a:rPr lang="en-US" dirty="0" smtClean="0"/>
-              <a:t>Labeling</a:t>
+              <a:t>Find n-point Lines</a:t>
             </a:r>
             <a:endParaRPr lang="en-US" dirty="0"/>
           </a:p>
@@ -13051,7 +15015,7 @@
         </p:nvSpPr>
         <p:spPr>
           <a:xfrm>
-            <a:off x="2614717" y="3135594"/>
+            <a:off x="2019300" y="3352800"/>
             <a:ext cx="228600" cy="228600"/>
           </a:xfrm>
           <a:prstGeom prst="flowChartConnector">
@@ -13091,7 +15055,7 @@
         </p:nvSpPr>
         <p:spPr>
           <a:xfrm>
-            <a:off x="4367317" y="3135594"/>
+            <a:off x="3130609" y="3354581"/>
             <a:ext cx="228600" cy="228600"/>
           </a:xfrm>
           <a:prstGeom prst="flowChartConnector">
@@ -13131,7 +15095,7 @@
         </p:nvSpPr>
         <p:spPr>
           <a:xfrm>
-            <a:off x="6158017" y="3135594"/>
+            <a:off x="4267200" y="3352800"/>
             <a:ext cx="228600" cy="228600"/>
           </a:xfrm>
           <a:prstGeom prst="flowChartConnector">
@@ -13171,7 +15135,7 @@
         </p:nvSpPr>
         <p:spPr>
           <a:xfrm>
-            <a:off x="2614717" y="3516594"/>
+            <a:off x="5410200" y="3354581"/>
             <a:ext cx="228600" cy="228600"/>
           </a:xfrm>
           <a:prstGeom prst="flowChartConnector">
@@ -13211,7 +15175,7 @@
         </p:nvSpPr>
         <p:spPr>
           <a:xfrm>
-            <a:off x="4367317" y="3516594"/>
+            <a:off x="6629400" y="3352800"/>
             <a:ext cx="228600" cy="228600"/>
           </a:xfrm>
           <a:prstGeom prst="flowChartConnector">
@@ -13243,320 +15207,10 @@
           </a:p>
         </p:txBody>
       </p:sp>
-      <p:sp>
-        <p:nvSpPr>
-          <p:cNvPr id="9" name="Flowchart: Connector 8"/>
-          <p:cNvSpPr/>
-          <p:nvPr/>
-        </p:nvSpPr>
-        <p:spPr>
-          <a:xfrm>
-            <a:off x="6158017" y="3516594"/>
-            <a:ext cx="228600" cy="228600"/>
-          </a:xfrm>
-          <a:prstGeom prst="flowChartConnector">
-            <a:avLst/>
-          </a:prstGeom>
-        </p:spPr>
-        <p:style>
-          <a:lnRef idx="2">
-            <a:schemeClr val="accent1">
-              <a:shade val="50000"/>
-            </a:schemeClr>
-          </a:lnRef>
-          <a:fillRef idx="1">
-            <a:schemeClr val="accent1"/>
-          </a:fillRef>
-          <a:effectRef idx="0">
-            <a:schemeClr val="accent1"/>
-          </a:effectRef>
-          <a:fontRef idx="minor">
-            <a:schemeClr val="lt1"/>
-          </a:fontRef>
-        </p:style>
-        <p:txBody>
-          <a:bodyPr rtlCol="0" anchor="ctr"/>
-          <a:lstStyle/>
-          <a:p>
-            <a:pPr algn="ctr"/>
-            <a:endParaRPr lang="en-US"/>
-          </a:p>
-        </p:txBody>
-      </p:sp>
-      <p:sp>
-        <p:nvSpPr>
-          <p:cNvPr id="10" name="TextBox 9"/>
-          <p:cNvSpPr txBox="1"/>
-          <p:nvPr/>
-        </p:nvSpPr>
-        <p:spPr>
-          <a:xfrm>
-            <a:off x="3124200" y="5562600"/>
-            <a:ext cx="2943434" cy="369332"/>
-          </a:xfrm>
-          <a:prstGeom prst="rect">
-            <a:avLst/>
-          </a:prstGeom>
-          <a:noFill/>
-        </p:spPr>
-        <p:txBody>
-          <a:bodyPr wrap="none" rtlCol="0">
-            <a:spAutoFit/>
-          </a:bodyPr>
-          <a:lstStyle/>
-          <a:p>
-            <a:r>
-              <a:rPr lang="en-US" dirty="0" smtClean="0"/>
-              <a:t>Distance of parallel lines</a:t>
-            </a:r>
-            <a:endParaRPr lang="en-US" dirty="0"/>
-          </a:p>
-        </p:txBody>
-      </p:sp>
-      <p:sp>
-        <p:nvSpPr>
-          <p:cNvPr id="11" name="Flowchart: Connector 10"/>
-          <p:cNvSpPr/>
-          <p:nvPr/>
-        </p:nvSpPr>
-        <p:spPr>
-          <a:xfrm>
-            <a:off x="2614717" y="4126194"/>
-            <a:ext cx="228600" cy="228600"/>
-          </a:xfrm>
-          <a:prstGeom prst="flowChartConnector">
-            <a:avLst/>
-          </a:prstGeom>
-        </p:spPr>
-        <p:style>
-          <a:lnRef idx="2">
-            <a:schemeClr val="accent1">
-              <a:shade val="50000"/>
-            </a:schemeClr>
-          </a:lnRef>
-          <a:fillRef idx="1">
-            <a:schemeClr val="accent1"/>
-          </a:fillRef>
-          <a:effectRef idx="0">
-            <a:schemeClr val="accent1"/>
-          </a:effectRef>
-          <a:fontRef idx="minor">
-            <a:schemeClr val="lt1"/>
-          </a:fontRef>
-        </p:style>
-        <p:txBody>
-          <a:bodyPr rtlCol="0" anchor="ctr"/>
-          <a:lstStyle/>
-          <a:p>
-            <a:pPr algn="ctr"/>
-            <a:endParaRPr lang="en-US"/>
-          </a:p>
-        </p:txBody>
-      </p:sp>
-      <p:sp>
-        <p:nvSpPr>
-          <p:cNvPr id="12" name="Flowchart: Connector 11"/>
-          <p:cNvSpPr/>
-          <p:nvPr/>
-        </p:nvSpPr>
-        <p:spPr>
-          <a:xfrm>
-            <a:off x="4367317" y="4126194"/>
-            <a:ext cx="228600" cy="228600"/>
-          </a:xfrm>
-          <a:prstGeom prst="flowChartConnector">
-            <a:avLst/>
-          </a:prstGeom>
-        </p:spPr>
-        <p:style>
-          <a:lnRef idx="2">
-            <a:schemeClr val="accent1">
-              <a:shade val="50000"/>
-            </a:schemeClr>
-          </a:lnRef>
-          <a:fillRef idx="1">
-            <a:schemeClr val="accent1"/>
-          </a:fillRef>
-          <a:effectRef idx="0">
-            <a:schemeClr val="accent1"/>
-          </a:effectRef>
-          <a:fontRef idx="minor">
-            <a:schemeClr val="lt1"/>
-          </a:fontRef>
-        </p:style>
-        <p:txBody>
-          <a:bodyPr rtlCol="0" anchor="ctr"/>
-          <a:lstStyle/>
-          <a:p>
-            <a:pPr algn="ctr"/>
-            <a:endParaRPr lang="en-US"/>
-          </a:p>
-        </p:txBody>
-      </p:sp>
-      <p:sp>
-        <p:nvSpPr>
-          <p:cNvPr id="13" name="Flowchart: Connector 12"/>
-          <p:cNvSpPr/>
-          <p:nvPr/>
-        </p:nvSpPr>
-        <p:spPr>
-          <a:xfrm>
-            <a:off x="6158017" y="4126194"/>
-            <a:ext cx="228600" cy="228600"/>
-          </a:xfrm>
-          <a:prstGeom prst="flowChartConnector">
-            <a:avLst/>
-          </a:prstGeom>
-        </p:spPr>
-        <p:style>
-          <a:lnRef idx="2">
-            <a:schemeClr val="accent1">
-              <a:shade val="50000"/>
-            </a:schemeClr>
-          </a:lnRef>
-          <a:fillRef idx="1">
-            <a:schemeClr val="accent1"/>
-          </a:fillRef>
-          <a:effectRef idx="0">
-            <a:schemeClr val="accent1"/>
-          </a:effectRef>
-          <a:fontRef idx="minor">
-            <a:schemeClr val="lt1"/>
-          </a:fontRef>
-        </p:style>
-        <p:txBody>
-          <a:bodyPr rtlCol="0" anchor="ctr"/>
-          <a:lstStyle/>
-          <a:p>
-            <a:pPr algn="ctr"/>
-            <a:endParaRPr lang="en-US"/>
-          </a:p>
-        </p:txBody>
-      </p:sp>
-      <p:sp>
-        <p:nvSpPr>
-          <p:cNvPr id="14" name="Flowchart: Connector 13"/>
-          <p:cNvSpPr/>
-          <p:nvPr/>
-        </p:nvSpPr>
-        <p:spPr>
-          <a:xfrm>
-            <a:off x="2614361" y="5040594"/>
-            <a:ext cx="228600" cy="228600"/>
-          </a:xfrm>
-          <a:prstGeom prst="flowChartConnector">
-            <a:avLst/>
-          </a:prstGeom>
-        </p:spPr>
-        <p:style>
-          <a:lnRef idx="2">
-            <a:schemeClr val="accent1">
-              <a:shade val="50000"/>
-            </a:schemeClr>
-          </a:lnRef>
-          <a:fillRef idx="1">
-            <a:schemeClr val="accent1"/>
-          </a:fillRef>
-          <a:effectRef idx="0">
-            <a:schemeClr val="accent1"/>
-          </a:effectRef>
-          <a:fontRef idx="minor">
-            <a:schemeClr val="lt1"/>
-          </a:fontRef>
-        </p:style>
-        <p:txBody>
-          <a:bodyPr rtlCol="0" anchor="ctr"/>
-          <a:lstStyle/>
-          <a:p>
-            <a:pPr algn="ctr"/>
-            <a:endParaRPr lang="en-US"/>
-          </a:p>
-        </p:txBody>
-      </p:sp>
-      <p:sp>
-        <p:nvSpPr>
-          <p:cNvPr id="15" name="Flowchart: Connector 14"/>
-          <p:cNvSpPr/>
-          <p:nvPr/>
-        </p:nvSpPr>
-        <p:spPr>
-          <a:xfrm>
-            <a:off x="4366961" y="5040594"/>
-            <a:ext cx="228600" cy="228600"/>
-          </a:xfrm>
-          <a:prstGeom prst="flowChartConnector">
-            <a:avLst/>
-          </a:prstGeom>
-        </p:spPr>
-        <p:style>
-          <a:lnRef idx="2">
-            <a:schemeClr val="accent1">
-              <a:shade val="50000"/>
-            </a:schemeClr>
-          </a:lnRef>
-          <a:fillRef idx="1">
-            <a:schemeClr val="accent1"/>
-          </a:fillRef>
-          <a:effectRef idx="0">
-            <a:schemeClr val="accent1"/>
-          </a:effectRef>
-          <a:fontRef idx="minor">
-            <a:schemeClr val="lt1"/>
-          </a:fontRef>
-        </p:style>
-        <p:txBody>
-          <a:bodyPr rtlCol="0" anchor="ctr"/>
-          <a:lstStyle/>
-          <a:p>
-            <a:pPr algn="ctr"/>
-            <a:endParaRPr lang="en-US"/>
-          </a:p>
-        </p:txBody>
-      </p:sp>
-      <p:sp>
-        <p:nvSpPr>
-          <p:cNvPr id="16" name="Flowchart: Connector 15"/>
-          <p:cNvSpPr/>
-          <p:nvPr/>
-        </p:nvSpPr>
-        <p:spPr>
-          <a:xfrm>
-            <a:off x="6157661" y="5040594"/>
-            <a:ext cx="228600" cy="228600"/>
-          </a:xfrm>
-          <a:prstGeom prst="flowChartConnector">
-            <a:avLst/>
-          </a:prstGeom>
-        </p:spPr>
-        <p:style>
-          <a:lnRef idx="2">
-            <a:schemeClr val="accent1">
-              <a:shade val="50000"/>
-            </a:schemeClr>
-          </a:lnRef>
-          <a:fillRef idx="1">
-            <a:schemeClr val="accent1"/>
-          </a:fillRef>
-          <a:effectRef idx="0">
-            <a:schemeClr val="accent1"/>
-          </a:effectRef>
-          <a:fontRef idx="minor">
-            <a:schemeClr val="lt1"/>
-          </a:fontRef>
-        </p:style>
-        <p:txBody>
-          <a:bodyPr rtlCol="0" anchor="ctr"/>
-          <a:lstStyle/>
-          <a:p>
-            <a:pPr algn="ctr"/>
-            <a:endParaRPr lang="en-US"/>
-          </a:p>
-        </p:txBody>
-      </p:sp>
     </p:spTree>
     <p:extLst>
       <p:ext uri="{BB962C8B-B14F-4D97-AF65-F5344CB8AC3E}">
-        <p14:creationId xmlns:p14="http://schemas.microsoft.com/office/powerpoint/2010/main" val="3838121422"/>
+        <p14:creationId xmlns:p14="http://schemas.microsoft.com/office/powerpoint/2010/main" val="2404824560"/>
       </p:ext>
     </p:extLst>
   </p:cSld>
@@ -13600,7 +15254,7 @@
                                         </p:attrNameLst>
                                       </p:cBhvr>
                                       <p:to>
-                                        <a:schemeClr val="accent2"/>
+                                        <a:srgbClr val="FFFF00"/>
                                       </p:to>
                                     </p:animClr>
                                     <p:set>
@@ -13644,21 +15298,21 @@
                                       <p:cBhvr>
                                         <p:cTn id="10" dur="500" fill="hold"/>
                                         <p:tgtEl>
-                                          <p:spTgt spid="5"/>
+                                          <p:spTgt spid="8"/>
                                         </p:tgtEl>
                                         <p:attrNameLst>
                                           <p:attrName>fillcolor</p:attrName>
                                         </p:attrNameLst>
                                       </p:cBhvr>
                                       <p:to>
-                                        <a:schemeClr val="accent2"/>
+                                        <a:srgbClr val="FFFF00"/>
                                       </p:to>
                                     </p:animClr>
                                     <p:set>
                                       <p:cBhvr>
                                         <p:cTn id="11" dur="500" fill="hold"/>
                                         <p:tgtEl>
-                                          <p:spTgt spid="5"/>
+                                          <p:spTgt spid="8"/>
                                         </p:tgtEl>
                                         <p:attrNameLst>
                                           <p:attrName>fill.type</p:attrName>
@@ -13672,211 +15326,7 @@
                                       <p:cBhvr>
                                         <p:cTn id="12" dur="500" fill="hold"/>
                                         <p:tgtEl>
-                                          <p:spTgt spid="5"/>
-                                        </p:tgtEl>
-                                        <p:attrNameLst>
-                                          <p:attrName>fill.on</p:attrName>
-                                        </p:attrNameLst>
-                                      </p:cBhvr>
-                                      <p:to>
-                                        <p:strVal val="true"/>
-                                      </p:to>
-                                    </p:set>
-                                  </p:childTnLst>
-                                </p:cTn>
-                              </p:par>
-                              <p:par>
-                                <p:cTn id="13" presetID="1" presetClass="emph" presetSubtype="2" fill="hold" nodeType="withEffect">
-                                  <p:stCondLst>
-                                    <p:cond delay="0"/>
-                                  </p:stCondLst>
-                                  <p:childTnLst>
-                                    <p:animClr clrSpc="rgb" dir="cw">
-                                      <p:cBhvr>
-                                        <p:cTn id="14" dur="500" fill="hold"/>
-                                        <p:tgtEl>
-                                          <p:spTgt spid="6"/>
-                                        </p:tgtEl>
-                                        <p:attrNameLst>
-                                          <p:attrName>fillcolor</p:attrName>
-                                        </p:attrNameLst>
-                                      </p:cBhvr>
-                                      <p:to>
-                                        <a:schemeClr val="accent2"/>
-                                      </p:to>
-                                    </p:animClr>
-                                    <p:set>
-                                      <p:cBhvr>
-                                        <p:cTn id="15" dur="500" fill="hold"/>
-                                        <p:tgtEl>
-                                          <p:spTgt spid="6"/>
-                                        </p:tgtEl>
-                                        <p:attrNameLst>
-                                          <p:attrName>fill.type</p:attrName>
-                                        </p:attrNameLst>
-                                      </p:cBhvr>
-                                      <p:to>
-                                        <p:strVal val="solid"/>
-                                      </p:to>
-                                    </p:set>
-                                    <p:set>
-                                      <p:cBhvr>
-                                        <p:cTn id="16" dur="500" fill="hold"/>
-                                        <p:tgtEl>
-                                          <p:spTgt spid="6"/>
-                                        </p:tgtEl>
-                                        <p:attrNameLst>
-                                          <p:attrName>fill.on</p:attrName>
-                                        </p:attrNameLst>
-                                      </p:cBhvr>
-                                      <p:to>
-                                        <p:strVal val="true"/>
-                                      </p:to>
-                                    </p:set>
-                                  </p:childTnLst>
-                                </p:cTn>
-                              </p:par>
-                              <p:par>
-                                <p:cTn id="17" presetID="1" presetClass="emph" presetSubtype="2" fill="hold" nodeType="withEffect">
-                                  <p:stCondLst>
-                                    <p:cond delay="0"/>
-                                  </p:stCondLst>
-                                  <p:childTnLst>
-                                    <p:animClr clrSpc="rgb" dir="cw">
-                                      <p:cBhvr>
-                                        <p:cTn id="18" dur="500" fill="hold"/>
-                                        <p:tgtEl>
-                                          <p:spTgt spid="7"/>
-                                        </p:tgtEl>
-                                        <p:attrNameLst>
-                                          <p:attrName>fillcolor</p:attrName>
-                                        </p:attrNameLst>
-                                      </p:cBhvr>
-                                      <p:to>
-                                        <a:schemeClr val="accent2"/>
-                                      </p:to>
-                                    </p:animClr>
-                                    <p:set>
-                                      <p:cBhvr>
-                                        <p:cTn id="19" dur="500" fill="hold"/>
-                                        <p:tgtEl>
-                                          <p:spTgt spid="7"/>
-                                        </p:tgtEl>
-                                        <p:attrNameLst>
-                                          <p:attrName>fill.type</p:attrName>
-                                        </p:attrNameLst>
-                                      </p:cBhvr>
-                                      <p:to>
-                                        <p:strVal val="solid"/>
-                                      </p:to>
-                                    </p:set>
-                                    <p:set>
-                                      <p:cBhvr>
-                                        <p:cTn id="20" dur="500" fill="hold"/>
-                                        <p:tgtEl>
-                                          <p:spTgt spid="7"/>
-                                        </p:tgtEl>
-                                        <p:attrNameLst>
-                                          <p:attrName>fill.on</p:attrName>
-                                        </p:attrNameLst>
-                                      </p:cBhvr>
-                                      <p:to>
-                                        <p:strVal val="true"/>
-                                      </p:to>
-                                    </p:set>
-                                  </p:childTnLst>
-                                </p:cTn>
-                              </p:par>
-                              <p:par>
-                                <p:cTn id="21" presetID="1" presetClass="emph" presetSubtype="2" fill="hold" nodeType="withEffect">
-                                  <p:stCondLst>
-                                    <p:cond delay="0"/>
-                                  </p:stCondLst>
-                                  <p:childTnLst>
-                                    <p:animClr clrSpc="rgb" dir="cw">
-                                      <p:cBhvr>
-                                        <p:cTn id="22" dur="500" fill="hold"/>
-                                        <p:tgtEl>
                                           <p:spTgt spid="8"/>
-                                        </p:tgtEl>
-                                        <p:attrNameLst>
-                                          <p:attrName>fillcolor</p:attrName>
-                                        </p:attrNameLst>
-                                      </p:cBhvr>
-                                      <p:to>
-                                        <a:schemeClr val="accent2"/>
-                                      </p:to>
-                                    </p:animClr>
-                                    <p:set>
-                                      <p:cBhvr>
-                                        <p:cTn id="23" dur="500" fill="hold"/>
-                                        <p:tgtEl>
-                                          <p:spTgt spid="8"/>
-                                        </p:tgtEl>
-                                        <p:attrNameLst>
-                                          <p:attrName>fill.type</p:attrName>
-                                        </p:attrNameLst>
-                                      </p:cBhvr>
-                                      <p:to>
-                                        <p:strVal val="solid"/>
-                                      </p:to>
-                                    </p:set>
-                                    <p:set>
-                                      <p:cBhvr>
-                                        <p:cTn id="24" dur="500" fill="hold"/>
-                                        <p:tgtEl>
-                                          <p:spTgt spid="8"/>
-                                        </p:tgtEl>
-                                        <p:attrNameLst>
-                                          <p:attrName>fill.on</p:attrName>
-                                        </p:attrNameLst>
-                                      </p:cBhvr>
-                                      <p:to>
-                                        <p:strVal val="true"/>
-                                      </p:to>
-                                    </p:set>
-                                  </p:childTnLst>
-                                </p:cTn>
-                              </p:par>
-                              <p:par>
-                                <p:cTn id="25" presetID="1" presetClass="emph" presetSubtype="2" fill="hold" nodeType="withEffect">
-                                  <p:stCondLst>
-                                    <p:cond delay="0"/>
-                                  </p:stCondLst>
-                                  <p:childTnLst>
-                                    <p:animClr clrSpc="rgb" dir="cw">
-                                      <p:cBhvr>
-                                        <p:cTn id="26" dur="500" fill="hold"/>
-                                        <p:tgtEl>
-                                          <p:spTgt spid="9"/>
-                                        </p:tgtEl>
-                                        <p:attrNameLst>
-                                          <p:attrName>fillcolor</p:attrName>
-                                        </p:attrNameLst>
-                                      </p:cBhvr>
-                                      <p:to>
-                                        <a:schemeClr val="accent2"/>
-                                      </p:to>
-                                    </p:animClr>
-                                    <p:set>
-                                      <p:cBhvr>
-                                        <p:cTn id="27" dur="500" fill="hold"/>
-                                        <p:tgtEl>
-                                          <p:spTgt spid="9"/>
-                                        </p:tgtEl>
-                                        <p:attrNameLst>
-                                          <p:attrName>fill.type</p:attrName>
-                                        </p:attrNameLst>
-                                      </p:cBhvr>
-                                      <p:to>
-                                        <p:strVal val="solid"/>
-                                      </p:to>
-                                    </p:set>
-                                    <p:set>
-                                      <p:cBhvr>
-                                        <p:cTn id="28" dur="500" fill="hold"/>
-                                        <p:tgtEl>
-                                          <p:spTgt spid="9"/>
                                         </p:tgtEl>
                                         <p:attrNameLst>
                                           <p:attrName>fill.on</p:attrName>
@@ -13896,147 +15346,42 @@
                     </p:cTn>
                   </p:par>
                   <p:par>
-                    <p:cTn id="29" fill="hold">
+                    <p:cTn id="13" fill="hold">
                       <p:stCondLst>
                         <p:cond delay="indefinite"/>
                       </p:stCondLst>
                       <p:childTnLst>
                         <p:par>
-                          <p:cTn id="30" fill="hold">
+                          <p:cTn id="14" fill="hold">
                             <p:stCondLst>
                               <p:cond delay="0"/>
                             </p:stCondLst>
                             <p:childTnLst>
                               <p:par>
-                                <p:cTn id="31" presetID="10" presetClass="exit" presetSubtype="0" fill="hold" grpId="0" nodeType="clickEffect">
-                                  <p:stCondLst>
-                                    <p:cond delay="0"/>
-                                  </p:stCondLst>
-                                  <p:childTnLst>
-                                    <p:animEffect transition="out" filter="fade">
-                                      <p:cBhvr>
-                                        <p:cTn id="32" dur="500"/>
-                                        <p:tgtEl>
-                                          <p:spTgt spid="7"/>
-                                        </p:tgtEl>
-                                      </p:cBhvr>
-                                    </p:animEffect>
-                                    <p:set>
-                                      <p:cBhvr>
-                                        <p:cTn id="33" dur="1" fill="hold">
-                                          <p:stCondLst>
-                                            <p:cond delay="499"/>
-                                          </p:stCondLst>
-                                        </p:cTn>
-                                        <p:tgtEl>
-                                          <p:spTgt spid="7"/>
-                                        </p:tgtEl>
-                                        <p:attrNameLst>
-                                          <p:attrName>style.visibility</p:attrName>
-                                        </p:attrNameLst>
-                                      </p:cBhvr>
-                                      <p:to>
-                                        <p:strVal val="hidden"/>
-                                      </p:to>
-                                    </p:set>
-                                  </p:childTnLst>
-                                </p:cTn>
-                              </p:par>
-                              <p:par>
-                                <p:cTn id="34" presetID="10" presetClass="exit" presetSubtype="0" fill="hold" grpId="0" nodeType="withEffect">
-                                  <p:stCondLst>
-                                    <p:cond delay="0"/>
-                                  </p:stCondLst>
-                                  <p:childTnLst>
-                                    <p:animEffect transition="out" filter="fade">
-                                      <p:cBhvr>
-                                        <p:cTn id="35" dur="500"/>
-                                        <p:tgtEl>
-                                          <p:spTgt spid="8"/>
-                                        </p:tgtEl>
-                                      </p:cBhvr>
-                                    </p:animEffect>
-                                    <p:set>
-                                      <p:cBhvr>
-                                        <p:cTn id="36" dur="1" fill="hold">
-                                          <p:stCondLst>
-                                            <p:cond delay="499"/>
-                                          </p:stCondLst>
-                                        </p:cTn>
-                                        <p:tgtEl>
-                                          <p:spTgt spid="8"/>
-                                        </p:tgtEl>
-                                        <p:attrNameLst>
-                                          <p:attrName>style.visibility</p:attrName>
-                                        </p:attrNameLst>
-                                      </p:cBhvr>
-                                      <p:to>
-                                        <p:strVal val="hidden"/>
-                                      </p:to>
-                                    </p:set>
-                                  </p:childTnLst>
-                                </p:cTn>
-                              </p:par>
-                              <p:par>
-                                <p:cTn id="37" presetID="10" presetClass="exit" presetSubtype="0" fill="hold" grpId="0" nodeType="withEffect">
-                                  <p:stCondLst>
-                                    <p:cond delay="0"/>
-                                  </p:stCondLst>
-                                  <p:childTnLst>
-                                    <p:animEffect transition="out" filter="fade">
-                                      <p:cBhvr>
-                                        <p:cTn id="38" dur="500"/>
-                                        <p:tgtEl>
-                                          <p:spTgt spid="9"/>
-                                        </p:tgtEl>
-                                      </p:cBhvr>
-                                    </p:animEffect>
-                                    <p:set>
-                                      <p:cBhvr>
-                                        <p:cTn id="39" dur="1" fill="hold">
-                                          <p:stCondLst>
-                                            <p:cond delay="499"/>
-                                          </p:stCondLst>
-                                        </p:cTn>
-                                        <p:tgtEl>
-                                          <p:spTgt spid="9"/>
-                                        </p:tgtEl>
-                                        <p:attrNameLst>
-                                          <p:attrName>style.visibility</p:attrName>
-                                        </p:attrNameLst>
-                                      </p:cBhvr>
-                                      <p:to>
-                                        <p:strVal val="hidden"/>
-                                      </p:to>
-                                    </p:set>
-                                  </p:childTnLst>
-                                </p:cTn>
-                              </p:par>
-                              <p:par>
-                                <p:cTn id="40" presetID="1" presetClass="emph" presetSubtype="2" fill="hold" nodeType="withEffect">
+                                <p:cTn id="15" presetID="1" presetClass="emph" presetSubtype="2" fill="hold" nodeType="clickEffect">
                                   <p:stCondLst>
                                     <p:cond delay="0"/>
                                   </p:stCondLst>
                                   <p:childTnLst>
                                     <p:animClr clrSpc="rgb" dir="cw">
                                       <p:cBhvr>
-                                        <p:cTn id="41" dur="500" fill="hold"/>
-                                        <p:tgtEl>
-                                          <p:spTgt spid="4"/>
+                                        <p:cTn id="16" dur="500" fill="hold"/>
+                                        <p:tgtEl>
+                                          <p:spTgt spid="5"/>
                                         </p:tgtEl>
                                         <p:attrNameLst>
                                           <p:attrName>fillcolor</p:attrName>
                                         </p:attrNameLst>
                                       </p:cBhvr>
                                       <p:to>
-                                        <a:srgbClr val="2DA2BF"/>
+                                        <a:srgbClr val="92D050"/>
                                       </p:to>
                                     </p:animClr>
                                     <p:set>
                                       <p:cBhvr>
-                                        <p:cTn id="42" dur="500" fill="hold"/>
-                                        <p:tgtEl>
-                                          <p:spTgt spid="4"/>
+                                        <p:cTn id="17" dur="500" fill="hold"/>
+                                        <p:tgtEl>
+                                          <p:spTgt spid="5"/>
                                         </p:tgtEl>
                                         <p:attrNameLst>
                                           <p:attrName>fill.type</p:attrName>
@@ -14048,111 +15393,9 @@
                                     </p:set>
                                     <p:set>
                                       <p:cBhvr>
-                                        <p:cTn id="43" dur="500" fill="hold"/>
-                                        <p:tgtEl>
-                                          <p:spTgt spid="4"/>
-                                        </p:tgtEl>
-                                        <p:attrNameLst>
-                                          <p:attrName>fill.on</p:attrName>
-                                        </p:attrNameLst>
-                                      </p:cBhvr>
-                                      <p:to>
-                                        <p:strVal val="true"/>
-                                      </p:to>
-                                    </p:set>
-                                  </p:childTnLst>
-                                </p:cTn>
-                              </p:par>
-                              <p:par>
-                                <p:cTn id="44" presetID="1" presetClass="emph" presetSubtype="2" fill="hold" nodeType="withEffect">
-                                  <p:stCondLst>
-                                    <p:cond delay="0"/>
-                                  </p:stCondLst>
-                                  <p:childTnLst>
-                                    <p:animClr clrSpc="rgb" dir="cw">
-                                      <p:cBhvr>
-                                        <p:cTn id="45" dur="500" fill="hold"/>
+                                        <p:cTn id="18" dur="500" fill="hold"/>
                                         <p:tgtEl>
                                           <p:spTgt spid="5"/>
-                                        </p:tgtEl>
-                                        <p:attrNameLst>
-                                          <p:attrName>fillcolor</p:attrName>
-                                        </p:attrNameLst>
-                                      </p:cBhvr>
-                                      <p:to>
-                                        <a:srgbClr val="2DA2BF"/>
-                                      </p:to>
-                                    </p:animClr>
-                                    <p:set>
-                                      <p:cBhvr>
-                                        <p:cTn id="46" dur="500" fill="hold"/>
-                                        <p:tgtEl>
-                                          <p:spTgt spid="5"/>
-                                        </p:tgtEl>
-                                        <p:attrNameLst>
-                                          <p:attrName>fill.type</p:attrName>
-                                        </p:attrNameLst>
-                                      </p:cBhvr>
-                                      <p:to>
-                                        <p:strVal val="solid"/>
-                                      </p:to>
-                                    </p:set>
-                                    <p:set>
-                                      <p:cBhvr>
-                                        <p:cTn id="47" dur="500" fill="hold"/>
-                                        <p:tgtEl>
-                                          <p:spTgt spid="5"/>
-                                        </p:tgtEl>
-                                        <p:attrNameLst>
-                                          <p:attrName>fill.on</p:attrName>
-                                        </p:attrNameLst>
-                                      </p:cBhvr>
-                                      <p:to>
-                                        <p:strVal val="true"/>
-                                      </p:to>
-                                    </p:set>
-                                  </p:childTnLst>
-                                </p:cTn>
-                              </p:par>
-                              <p:par>
-                                <p:cTn id="48" presetID="1" presetClass="emph" presetSubtype="2" fill="hold" nodeType="withEffect">
-                                  <p:stCondLst>
-                                    <p:cond delay="0"/>
-                                  </p:stCondLst>
-                                  <p:childTnLst>
-                                    <p:animClr clrSpc="rgb" dir="cw">
-                                      <p:cBhvr>
-                                        <p:cTn id="49" dur="500" fill="hold"/>
-                                        <p:tgtEl>
-                                          <p:spTgt spid="6"/>
-                                        </p:tgtEl>
-                                        <p:attrNameLst>
-                                          <p:attrName>fillcolor</p:attrName>
-                                        </p:attrNameLst>
-                                      </p:cBhvr>
-                                      <p:to>
-                                        <a:srgbClr val="2DA2BF"/>
-                                      </p:to>
-                                    </p:animClr>
-                                    <p:set>
-                                      <p:cBhvr>
-                                        <p:cTn id="50" dur="500" fill="hold"/>
-                                        <p:tgtEl>
-                                          <p:spTgt spid="6"/>
-                                        </p:tgtEl>
-                                        <p:attrNameLst>
-                                          <p:attrName>fill.type</p:attrName>
-                                        </p:attrNameLst>
-                                      </p:cBhvr>
-                                      <p:to>
-                                        <p:strVal val="solid"/>
-                                      </p:to>
-                                    </p:set>
-                                    <p:set>
-                                      <p:cBhvr>
-                                        <p:cTn id="51" dur="500" fill="hold"/>
-                                        <p:tgtEl>
-                                          <p:spTgt spid="6"/>
                                         </p:tgtEl>
                                         <p:attrNameLst>
                                           <p:attrName>fill.on</p:attrName>
@@ -14172,119 +15415,65 @@
                     </p:cTn>
                   </p:par>
                   <p:par>
-                    <p:cTn id="52" fill="hold">
+                    <p:cTn id="19" fill="hold">
                       <p:stCondLst>
                         <p:cond delay="indefinite"/>
                       </p:stCondLst>
                       <p:childTnLst>
                         <p:par>
-                          <p:cTn id="53" fill="hold">
+                          <p:cTn id="20" fill="hold">
                             <p:stCondLst>
                               <p:cond delay="0"/>
                             </p:stCondLst>
                             <p:childTnLst>
                               <p:par>
-                                <p:cTn id="54" presetID="10" presetClass="entr" presetSubtype="0" fill="hold" grpId="0" nodeType="clickEffect">
+                                <p:cTn id="21" presetID="1" presetClass="emph" presetSubtype="2" fill="hold" nodeType="clickEffect">
                                   <p:stCondLst>
                                     <p:cond delay="0"/>
                                   </p:stCondLst>
                                   <p:childTnLst>
-                                    <p:set>
-                                      <p:cBhvr>
-                                        <p:cTn id="55" dur="1" fill="hold">
-                                          <p:stCondLst>
-                                            <p:cond delay="0"/>
-                                          </p:stCondLst>
-                                        </p:cTn>
-                                        <p:tgtEl>
-                                          <p:spTgt spid="14"/>
-                                        </p:tgtEl>
-                                        <p:attrNameLst>
-                                          <p:attrName>style.visibility</p:attrName>
-                                        </p:attrNameLst>
-                                      </p:cBhvr>
-                                      <p:to>
-                                        <p:strVal val="visible"/>
-                                      </p:to>
-                                    </p:set>
-                                    <p:animEffect transition="in" filter="fade">
-                                      <p:cBhvr>
-                                        <p:cTn id="56" dur="500"/>
-                                        <p:tgtEl>
-                                          <p:spTgt spid="14"/>
-                                        </p:tgtEl>
-                                      </p:cBhvr>
-                                    </p:animEffect>
-                                  </p:childTnLst>
-                                </p:cTn>
-                              </p:par>
-                              <p:par>
-                                <p:cTn id="57" presetID="10" presetClass="entr" presetSubtype="0" fill="hold" grpId="0" nodeType="withEffect">
-                                  <p:stCondLst>
-                                    <p:cond delay="0"/>
-                                  </p:stCondLst>
-                                  <p:childTnLst>
-                                    <p:set>
-                                      <p:cBhvr>
-                                        <p:cTn id="58" dur="1" fill="hold">
-                                          <p:stCondLst>
-                                            <p:cond delay="0"/>
-                                          </p:stCondLst>
-                                        </p:cTn>
-                                        <p:tgtEl>
-                                          <p:spTgt spid="15"/>
-                                        </p:tgtEl>
-                                        <p:attrNameLst>
-                                          <p:attrName>style.visibility</p:attrName>
-                                        </p:attrNameLst>
-                                      </p:cBhvr>
-                                      <p:to>
-                                        <p:strVal val="visible"/>
-                                      </p:to>
-                                    </p:set>
-                                    <p:animEffect transition="in" filter="fade">
-                                      <p:cBhvr>
-                                        <p:cTn id="59" dur="500"/>
-                                        <p:tgtEl>
-                                          <p:spTgt spid="15"/>
-                                        </p:tgtEl>
-                                      </p:cBhvr>
-                                    </p:animEffect>
-                                  </p:childTnLst>
-                                </p:cTn>
-                              </p:par>
-                              <p:par>
-                                <p:cTn id="60" presetID="10" presetClass="entr" presetSubtype="0" fill="hold" grpId="0" nodeType="withEffect">
-                                  <p:stCondLst>
-                                    <p:cond delay="0"/>
-                                  </p:stCondLst>
-                                  <p:childTnLst>
-                                    <p:set>
-                                      <p:cBhvr>
-                                        <p:cTn id="61" dur="1" fill="hold">
-                                          <p:stCondLst>
-                                            <p:cond delay="0"/>
-                                          </p:stCondLst>
-                                        </p:cTn>
-                                        <p:tgtEl>
-                                          <p:spTgt spid="16"/>
-                                        </p:tgtEl>
-                                        <p:attrNameLst>
-                                          <p:attrName>style.visibility</p:attrName>
-                                        </p:attrNameLst>
-                                      </p:cBhvr>
-                                      <p:to>
-                                        <p:strVal val="visible"/>
-                                      </p:to>
-                                    </p:set>
-                                    <p:animEffect transition="in" filter="fade">
-                                      <p:cBhvr>
-                                        <p:cTn id="62" dur="500"/>
-                                        <p:tgtEl>
-                                          <p:spTgt spid="16"/>
-                                        </p:tgtEl>
-                                      </p:cBhvr>
-                                    </p:animEffect>
+                                    <p:animClr clrSpc="rgb" dir="cw">
+                                      <p:cBhvr>
+                                        <p:cTn id="22" dur="500" fill="hold"/>
+                                        <p:tgtEl>
+                                          <p:spTgt spid="5"/>
+                                        </p:tgtEl>
+                                        <p:attrNameLst>
+                                          <p:attrName>fillcolor</p:attrName>
+                                        </p:attrNameLst>
+                                      </p:cBhvr>
+                                      <p:to>
+                                        <a:srgbClr val="2DA2BF"/>
+                                      </p:to>
+                                    </p:animClr>
+                                    <p:set>
+                                      <p:cBhvr>
+                                        <p:cTn id="23" dur="500" fill="hold"/>
+                                        <p:tgtEl>
+                                          <p:spTgt spid="5"/>
+                                        </p:tgtEl>
+                                        <p:attrNameLst>
+                                          <p:attrName>fill.type</p:attrName>
+                                        </p:attrNameLst>
+                                      </p:cBhvr>
+                                      <p:to>
+                                        <p:strVal val="solid"/>
+                                      </p:to>
+                                    </p:set>
+                                    <p:set>
+                                      <p:cBhvr>
+                                        <p:cTn id="24" dur="500" fill="hold"/>
+                                        <p:tgtEl>
+                                          <p:spTgt spid="5"/>
+                                        </p:tgtEl>
+                                        <p:attrNameLst>
+                                          <p:attrName>fill.on</p:attrName>
+                                        </p:attrNameLst>
+                                      </p:cBhvr>
+                                      <p:to>
+                                        <p:strVal val="true"/>
+                                      </p:to>
+                                    </p:set>
                                   </p:childTnLst>
                                 </p:cTn>
                               </p:par>
@@ -14295,42 +15484,42 @@
                     </p:cTn>
                   </p:par>
                   <p:par>
-                    <p:cTn id="63" fill="hold">
+                    <p:cTn id="25" fill="hold">
                       <p:stCondLst>
                         <p:cond delay="indefinite"/>
                       </p:stCondLst>
                       <p:childTnLst>
                         <p:par>
-                          <p:cTn id="64" fill="hold">
+                          <p:cTn id="26" fill="hold">
                             <p:stCondLst>
                               <p:cond delay="0"/>
                             </p:stCondLst>
                             <p:childTnLst>
                               <p:par>
-                                <p:cTn id="65" presetID="1" presetClass="emph" presetSubtype="2" fill="hold" nodeType="clickEffect">
+                                <p:cTn id="27" presetID="1" presetClass="emph" presetSubtype="2" fill="hold" nodeType="clickEffect">
                                   <p:stCondLst>
                                     <p:cond delay="0"/>
                                   </p:stCondLst>
                                   <p:childTnLst>
                                     <p:animClr clrSpc="rgb" dir="cw">
                                       <p:cBhvr>
-                                        <p:cTn id="66" dur="500" fill="hold"/>
-                                        <p:tgtEl>
-                                          <p:spTgt spid="14"/>
+                                        <p:cTn id="28" dur="500" fill="hold"/>
+                                        <p:tgtEl>
+                                          <p:spTgt spid="6"/>
                                         </p:tgtEl>
                                         <p:attrNameLst>
                                           <p:attrName>fillcolor</p:attrName>
                                         </p:attrNameLst>
                                       </p:cBhvr>
                                       <p:to>
-                                        <a:schemeClr val="accent2"/>
+                                        <a:srgbClr val="DA1F28"/>
                                       </p:to>
                                     </p:animClr>
                                     <p:set>
                                       <p:cBhvr>
-                                        <p:cTn id="67" dur="500" fill="hold"/>
-                                        <p:tgtEl>
-                                          <p:spTgt spid="14"/>
+                                        <p:cTn id="29" dur="500" fill="hold"/>
+                                        <p:tgtEl>
+                                          <p:spTgt spid="6"/>
                                         </p:tgtEl>
                                         <p:attrNameLst>
                                           <p:attrName>fill.type</p:attrName>
@@ -14342,262 +15531,7 @@
                                     </p:set>
                                     <p:set>
                                       <p:cBhvr>
-                                        <p:cTn id="68" dur="500" fill="hold"/>
-                                        <p:tgtEl>
-                                          <p:spTgt spid="14"/>
-                                        </p:tgtEl>
-                                        <p:attrNameLst>
-                                          <p:attrName>fill.on</p:attrName>
-                                        </p:attrNameLst>
-                                      </p:cBhvr>
-                                      <p:to>
-                                        <p:strVal val="true"/>
-                                      </p:to>
-                                    </p:set>
-                                  </p:childTnLst>
-                                </p:cTn>
-                              </p:par>
-                              <p:par>
-                                <p:cTn id="69" presetID="1" presetClass="emph" presetSubtype="2" fill="hold" nodeType="withEffect">
-                                  <p:stCondLst>
-                                    <p:cond delay="0"/>
-                                  </p:stCondLst>
-                                  <p:childTnLst>
-                                    <p:animClr clrSpc="rgb" dir="cw">
-                                      <p:cBhvr>
-                                        <p:cTn id="70" dur="500" fill="hold"/>
-                                        <p:tgtEl>
-                                          <p:spTgt spid="15"/>
-                                        </p:tgtEl>
-                                        <p:attrNameLst>
-                                          <p:attrName>fillcolor</p:attrName>
-                                        </p:attrNameLst>
-                                      </p:cBhvr>
-                                      <p:to>
-                                        <a:schemeClr val="accent2"/>
-                                      </p:to>
-                                    </p:animClr>
-                                    <p:set>
-                                      <p:cBhvr>
-                                        <p:cTn id="71" dur="500" fill="hold"/>
-                                        <p:tgtEl>
-                                          <p:spTgt spid="15"/>
-                                        </p:tgtEl>
-                                        <p:attrNameLst>
-                                          <p:attrName>fill.type</p:attrName>
-                                        </p:attrNameLst>
-                                      </p:cBhvr>
-                                      <p:to>
-                                        <p:strVal val="solid"/>
-                                      </p:to>
-                                    </p:set>
-                                    <p:set>
-                                      <p:cBhvr>
-                                        <p:cTn id="72" dur="500" fill="hold"/>
-                                        <p:tgtEl>
-                                          <p:spTgt spid="15"/>
-                                        </p:tgtEl>
-                                        <p:attrNameLst>
-                                          <p:attrName>fill.on</p:attrName>
-                                        </p:attrNameLst>
-                                      </p:cBhvr>
-                                      <p:to>
-                                        <p:strVal val="true"/>
-                                      </p:to>
-                                    </p:set>
-                                  </p:childTnLst>
-                                </p:cTn>
-                              </p:par>
-                              <p:par>
-                                <p:cTn id="73" presetID="1" presetClass="emph" presetSubtype="2" fill="hold" nodeType="withEffect">
-                                  <p:stCondLst>
-                                    <p:cond delay="0"/>
-                                  </p:stCondLst>
-                                  <p:childTnLst>
-                                    <p:animClr clrSpc="rgb" dir="cw">
-                                      <p:cBhvr>
-                                        <p:cTn id="74" dur="500" fill="hold"/>
-                                        <p:tgtEl>
-                                          <p:spTgt spid="16"/>
-                                        </p:tgtEl>
-                                        <p:attrNameLst>
-                                          <p:attrName>fillcolor</p:attrName>
-                                        </p:attrNameLst>
-                                      </p:cBhvr>
-                                      <p:to>
-                                        <a:schemeClr val="accent2"/>
-                                      </p:to>
-                                    </p:animClr>
-                                    <p:set>
-                                      <p:cBhvr>
-                                        <p:cTn id="75" dur="500" fill="hold"/>
-                                        <p:tgtEl>
-                                          <p:spTgt spid="16"/>
-                                        </p:tgtEl>
-                                        <p:attrNameLst>
-                                          <p:attrName>fill.type</p:attrName>
-                                        </p:attrNameLst>
-                                      </p:cBhvr>
-                                      <p:to>
-                                        <p:strVal val="solid"/>
-                                      </p:to>
-                                    </p:set>
-                                    <p:set>
-                                      <p:cBhvr>
-                                        <p:cTn id="76" dur="500" fill="hold"/>
-                                        <p:tgtEl>
-                                          <p:spTgt spid="16"/>
-                                        </p:tgtEl>
-                                        <p:attrNameLst>
-                                          <p:attrName>fill.on</p:attrName>
-                                        </p:attrNameLst>
-                                      </p:cBhvr>
-                                      <p:to>
-                                        <p:strVal val="true"/>
-                                      </p:to>
-                                    </p:set>
-                                  </p:childTnLst>
-                                </p:cTn>
-                              </p:par>
-                              <p:par>
-                                <p:cTn id="77" presetID="1" presetClass="emph" presetSubtype="2" fill="hold" nodeType="withEffect">
-                                  <p:stCondLst>
-                                    <p:cond delay="0"/>
-                                  </p:stCondLst>
-                                  <p:childTnLst>
-                                    <p:animClr clrSpc="rgb" dir="cw">
-                                      <p:cBhvr>
-                                        <p:cTn id="78" dur="500" fill="hold"/>
-                                        <p:tgtEl>
-                                          <p:spTgt spid="4"/>
-                                        </p:tgtEl>
-                                        <p:attrNameLst>
-                                          <p:attrName>fillcolor</p:attrName>
-                                        </p:attrNameLst>
-                                      </p:cBhvr>
-                                      <p:to>
-                                        <a:schemeClr val="accent2"/>
-                                      </p:to>
-                                    </p:animClr>
-                                    <p:set>
-                                      <p:cBhvr>
-                                        <p:cTn id="79" dur="500" fill="hold"/>
-                                        <p:tgtEl>
-                                          <p:spTgt spid="4"/>
-                                        </p:tgtEl>
-                                        <p:attrNameLst>
-                                          <p:attrName>fill.type</p:attrName>
-                                        </p:attrNameLst>
-                                      </p:cBhvr>
-                                      <p:to>
-                                        <p:strVal val="solid"/>
-                                      </p:to>
-                                    </p:set>
-                                    <p:set>
-                                      <p:cBhvr>
-                                        <p:cTn id="80" dur="500" fill="hold"/>
-                                        <p:tgtEl>
-                                          <p:spTgt spid="4"/>
-                                        </p:tgtEl>
-                                        <p:attrNameLst>
-                                          <p:attrName>fill.on</p:attrName>
-                                        </p:attrNameLst>
-                                      </p:cBhvr>
-                                      <p:to>
-                                        <p:strVal val="true"/>
-                                      </p:to>
-                                    </p:set>
-                                  </p:childTnLst>
-                                </p:cTn>
-                              </p:par>
-                              <p:par>
-                                <p:cTn id="81" presetID="1" presetClass="emph" presetSubtype="2" fill="hold" nodeType="withEffect">
-                                  <p:stCondLst>
-                                    <p:cond delay="0"/>
-                                  </p:stCondLst>
-                                  <p:childTnLst>
-                                    <p:animClr clrSpc="rgb" dir="cw">
-                                      <p:cBhvr>
-                                        <p:cTn id="82" dur="500" fill="hold"/>
-                                        <p:tgtEl>
-                                          <p:spTgt spid="5"/>
-                                        </p:tgtEl>
-                                        <p:attrNameLst>
-                                          <p:attrName>fillcolor</p:attrName>
-                                        </p:attrNameLst>
-                                      </p:cBhvr>
-                                      <p:to>
-                                        <a:schemeClr val="accent2"/>
-                                      </p:to>
-                                    </p:animClr>
-                                    <p:set>
-                                      <p:cBhvr>
-                                        <p:cTn id="83" dur="500" fill="hold"/>
-                                        <p:tgtEl>
-                                          <p:spTgt spid="5"/>
-                                        </p:tgtEl>
-                                        <p:attrNameLst>
-                                          <p:attrName>fill.type</p:attrName>
-                                        </p:attrNameLst>
-                                      </p:cBhvr>
-                                      <p:to>
-                                        <p:strVal val="solid"/>
-                                      </p:to>
-                                    </p:set>
-                                    <p:set>
-                                      <p:cBhvr>
-                                        <p:cTn id="84" dur="500" fill="hold"/>
-                                        <p:tgtEl>
-                                          <p:spTgt spid="5"/>
-                                        </p:tgtEl>
-                                        <p:attrNameLst>
-                                          <p:attrName>fill.on</p:attrName>
-                                        </p:attrNameLst>
-                                      </p:cBhvr>
-                                      <p:to>
-                                        <p:strVal val="true"/>
-                                      </p:to>
-                                    </p:set>
-                                  </p:childTnLst>
-                                </p:cTn>
-                              </p:par>
-                              <p:par>
-                                <p:cTn id="85" presetID="1" presetClass="emph" presetSubtype="2" fill="hold" nodeType="withEffect">
-                                  <p:stCondLst>
-                                    <p:cond delay="0"/>
-                                  </p:stCondLst>
-                                  <p:childTnLst>
-                                    <p:animClr clrSpc="rgb" dir="cw">
-                                      <p:cBhvr>
-                                        <p:cTn id="86" dur="500" fill="hold"/>
-                                        <p:tgtEl>
-                                          <p:spTgt spid="6"/>
-                                        </p:tgtEl>
-                                        <p:attrNameLst>
-                                          <p:attrName>fillcolor</p:attrName>
-                                        </p:attrNameLst>
-                                      </p:cBhvr>
-                                      <p:to>
-                                        <a:schemeClr val="accent2"/>
-                                      </p:to>
-                                    </p:animClr>
-                                    <p:set>
-                                      <p:cBhvr>
-                                        <p:cTn id="87" dur="500" fill="hold"/>
-                                        <p:tgtEl>
-                                          <p:spTgt spid="6"/>
-                                        </p:tgtEl>
-                                        <p:attrNameLst>
-                                          <p:attrName>fill.type</p:attrName>
-                                        </p:attrNameLst>
-                                      </p:cBhvr>
-                                      <p:to>
-                                        <p:strVal val="solid"/>
-                                      </p:to>
-                                    </p:set>
-                                    <p:set>
-                                      <p:cBhvr>
-                                        <p:cTn id="88" dur="500" fill="hold"/>
+                                        <p:cTn id="30" dur="500" fill="hold"/>
                                         <p:tgtEl>
                                           <p:spTgt spid="6"/>
                                         </p:tgtEl>
@@ -14619,133 +15553,28 @@
                     </p:cTn>
                   </p:par>
                   <p:par>
-                    <p:cTn id="89" fill="hold">
+                    <p:cTn id="31" fill="hold">
                       <p:stCondLst>
                         <p:cond delay="indefinite"/>
                       </p:stCondLst>
                       <p:childTnLst>
                         <p:par>
-                          <p:cTn id="90" fill="hold">
+                          <p:cTn id="32" fill="hold">
                             <p:stCondLst>
                               <p:cond delay="0"/>
                             </p:stCondLst>
                             <p:childTnLst>
                               <p:par>
-                                <p:cTn id="91" presetID="10" presetClass="exit" presetSubtype="0" fill="hold" grpId="1" nodeType="clickEffect">
-                                  <p:stCondLst>
-                                    <p:cond delay="0"/>
-                                  </p:stCondLst>
-                                  <p:childTnLst>
-                                    <p:animEffect transition="out" filter="fade">
-                                      <p:cBhvr>
-                                        <p:cTn id="92" dur="500"/>
-                                        <p:tgtEl>
-                                          <p:spTgt spid="14"/>
-                                        </p:tgtEl>
-                                      </p:cBhvr>
-                                    </p:animEffect>
-                                    <p:set>
-                                      <p:cBhvr>
-                                        <p:cTn id="93" dur="1" fill="hold">
-                                          <p:stCondLst>
-                                            <p:cond delay="499"/>
-                                          </p:stCondLst>
-                                        </p:cTn>
-                                        <p:tgtEl>
-                                          <p:spTgt spid="14"/>
-                                        </p:tgtEl>
-                                        <p:attrNameLst>
-                                          <p:attrName>style.visibility</p:attrName>
-                                        </p:attrNameLst>
-                                      </p:cBhvr>
-                                      <p:to>
-                                        <p:strVal val="hidden"/>
-                                      </p:to>
-                                    </p:set>
-                                  </p:childTnLst>
-                                </p:cTn>
-                              </p:par>
-                              <p:par>
-                                <p:cTn id="94" presetID="10" presetClass="exit" presetSubtype="0" fill="hold" grpId="1" nodeType="withEffect">
-                                  <p:stCondLst>
-                                    <p:cond delay="0"/>
-                                  </p:stCondLst>
-                                  <p:childTnLst>
-                                    <p:animEffect transition="out" filter="fade">
-                                      <p:cBhvr>
-                                        <p:cTn id="95" dur="500"/>
-                                        <p:tgtEl>
-                                          <p:spTgt spid="15"/>
-                                        </p:tgtEl>
-                                      </p:cBhvr>
-                                    </p:animEffect>
-                                    <p:set>
-                                      <p:cBhvr>
-                                        <p:cTn id="96" dur="1" fill="hold">
-                                          <p:stCondLst>
-                                            <p:cond delay="499"/>
-                                          </p:stCondLst>
-                                        </p:cTn>
-                                        <p:tgtEl>
-                                          <p:spTgt spid="15"/>
-                                        </p:tgtEl>
-                                        <p:attrNameLst>
-                                          <p:attrName>style.visibility</p:attrName>
-                                        </p:attrNameLst>
-                                      </p:cBhvr>
-                                      <p:to>
-                                        <p:strVal val="hidden"/>
-                                      </p:to>
-                                    </p:set>
-                                  </p:childTnLst>
-                                </p:cTn>
-                              </p:par>
-                              <p:par>
-                                <p:cTn id="97" presetID="10" presetClass="exit" presetSubtype="0" fill="hold" grpId="1" nodeType="withEffect">
-                                  <p:stCondLst>
-                                    <p:cond delay="0"/>
-                                  </p:stCondLst>
-                                  <p:childTnLst>
-                                    <p:animEffect transition="out" filter="fade">
-                                      <p:cBhvr>
-                                        <p:cTn id="98" dur="500"/>
-                                        <p:tgtEl>
-                                          <p:spTgt spid="16"/>
-                                        </p:tgtEl>
-                                      </p:cBhvr>
-                                    </p:animEffect>
-                                    <p:set>
-                                      <p:cBhvr>
-                                        <p:cTn id="99" dur="1" fill="hold">
-                                          <p:stCondLst>
-                                            <p:cond delay="499"/>
-                                          </p:stCondLst>
-                                        </p:cTn>
-                                        <p:tgtEl>
-                                          <p:spTgt spid="16"/>
-                                        </p:tgtEl>
-                                        <p:attrNameLst>
-                                          <p:attrName>style.visibility</p:attrName>
-                                        </p:attrNameLst>
-                                      </p:cBhvr>
-                                      <p:to>
-                                        <p:strVal val="hidden"/>
-                                      </p:to>
-                                    </p:set>
-                                  </p:childTnLst>
-                                </p:cTn>
-                              </p:par>
-                              <p:par>
-                                <p:cTn id="100" presetID="1" presetClass="emph" presetSubtype="2" fill="hold" nodeType="withEffect">
+                                <p:cTn id="33" presetID="1" presetClass="emph" presetSubtype="2" fill="hold" nodeType="clickEffect">
                                   <p:stCondLst>
                                     <p:cond delay="0"/>
                                   </p:stCondLst>
                                   <p:childTnLst>
                                     <p:animClr clrSpc="rgb" dir="cw">
                                       <p:cBhvr>
-                                        <p:cTn id="101" dur="500" fill="hold"/>
-                                        <p:tgtEl>
-                                          <p:spTgt spid="4"/>
+                                        <p:cTn id="34" dur="500" fill="hold"/>
+                                        <p:tgtEl>
+                                          <p:spTgt spid="6"/>
                                         </p:tgtEl>
                                         <p:attrNameLst>
                                           <p:attrName>fillcolor</p:attrName>
@@ -14757,9 +15586,9 @@
                                     </p:animClr>
                                     <p:set>
                                       <p:cBhvr>
-                                        <p:cTn id="102" dur="500" fill="hold"/>
-                                        <p:tgtEl>
-                                          <p:spTgt spid="4"/>
+                                        <p:cTn id="35" dur="500" fill="hold"/>
+                                        <p:tgtEl>
+                                          <p:spTgt spid="6"/>
                                         </p:tgtEl>
                                         <p:attrNameLst>
                                           <p:attrName>fill.type</p:attrName>
@@ -14771,109 +15600,7 @@
                                     </p:set>
                                     <p:set>
                                       <p:cBhvr>
-                                        <p:cTn id="103" dur="500" fill="hold"/>
-                                        <p:tgtEl>
-                                          <p:spTgt spid="4"/>
-                                        </p:tgtEl>
-                                        <p:attrNameLst>
-                                          <p:attrName>fill.on</p:attrName>
-                                        </p:attrNameLst>
-                                      </p:cBhvr>
-                                      <p:to>
-                                        <p:strVal val="true"/>
-                                      </p:to>
-                                    </p:set>
-                                  </p:childTnLst>
-                                </p:cTn>
-                              </p:par>
-                              <p:par>
-                                <p:cTn id="104" presetID="1" presetClass="emph" presetSubtype="2" fill="hold" nodeType="withEffect">
-                                  <p:stCondLst>
-                                    <p:cond delay="0"/>
-                                  </p:stCondLst>
-                                  <p:childTnLst>
-                                    <p:animClr clrSpc="rgb" dir="cw">
-                                      <p:cBhvr>
-                                        <p:cTn id="105" dur="500" fill="hold"/>
-                                        <p:tgtEl>
-                                          <p:spTgt spid="5"/>
-                                        </p:tgtEl>
-                                        <p:attrNameLst>
-                                          <p:attrName>fillcolor</p:attrName>
-                                        </p:attrNameLst>
-                                      </p:cBhvr>
-                                      <p:to>
-                                        <a:srgbClr val="2DA2BF"/>
-                                      </p:to>
-                                    </p:animClr>
-                                    <p:set>
-                                      <p:cBhvr>
-                                        <p:cTn id="106" dur="500" fill="hold"/>
-                                        <p:tgtEl>
-                                          <p:spTgt spid="5"/>
-                                        </p:tgtEl>
-                                        <p:attrNameLst>
-                                          <p:attrName>fill.type</p:attrName>
-                                        </p:attrNameLst>
-                                      </p:cBhvr>
-                                      <p:to>
-                                        <p:strVal val="solid"/>
-                                      </p:to>
-                                    </p:set>
-                                    <p:set>
-                                      <p:cBhvr>
-                                        <p:cTn id="107" dur="500" fill="hold"/>
-                                        <p:tgtEl>
-                                          <p:spTgt spid="5"/>
-                                        </p:tgtEl>
-                                        <p:attrNameLst>
-                                          <p:attrName>fill.on</p:attrName>
-                                        </p:attrNameLst>
-                                      </p:cBhvr>
-                                      <p:to>
-                                        <p:strVal val="true"/>
-                                      </p:to>
-                                    </p:set>
-                                  </p:childTnLst>
-                                </p:cTn>
-                              </p:par>
-                              <p:par>
-                                <p:cTn id="108" presetID="1" presetClass="emph" presetSubtype="2" fill="hold" nodeType="withEffect">
-                                  <p:stCondLst>
-                                    <p:cond delay="0"/>
-                                  </p:stCondLst>
-                                  <p:childTnLst>
-                                    <p:animClr clrSpc="rgb" dir="cw">
-                                      <p:cBhvr>
-                                        <p:cTn id="109" dur="500" fill="hold"/>
-                                        <p:tgtEl>
-                                          <p:spTgt spid="6"/>
-                                        </p:tgtEl>
-                                        <p:attrNameLst>
-                                          <p:attrName>fillcolor</p:attrName>
-                                        </p:attrNameLst>
-                                      </p:cBhvr>
-                                      <p:to>
-                                        <a:srgbClr val="2DA2BF"/>
-                                      </p:to>
-                                    </p:animClr>
-                                    <p:set>
-                                      <p:cBhvr>
-                                        <p:cTn id="110" dur="500" fill="hold"/>
-                                        <p:tgtEl>
-                                          <p:spTgt spid="6"/>
-                                        </p:tgtEl>
-                                        <p:attrNameLst>
-                                          <p:attrName>fill.type</p:attrName>
-                                        </p:attrNameLst>
-                                      </p:cBhvr>
-                                      <p:to>
-                                        <p:strVal val="solid"/>
-                                      </p:to>
-                                    </p:set>
-                                    <p:set>
-                                      <p:cBhvr>
-                                        <p:cTn id="111" dur="500" fill="hold"/>
+                                        <p:cTn id="36" dur="500" fill="hold"/>
                                         <p:tgtEl>
                                           <p:spTgt spid="6"/>
                                         </p:tgtEl>
@@ -14895,119 +15622,65 @@
                     </p:cTn>
                   </p:par>
                   <p:par>
-                    <p:cTn id="112" fill="hold">
+                    <p:cTn id="37" fill="hold">
                       <p:stCondLst>
                         <p:cond delay="indefinite"/>
                       </p:stCondLst>
                       <p:childTnLst>
                         <p:par>
-                          <p:cTn id="113" fill="hold">
+                          <p:cTn id="38" fill="hold">
                             <p:stCondLst>
                               <p:cond delay="0"/>
                             </p:stCondLst>
                             <p:childTnLst>
                               <p:par>
-                                <p:cTn id="114" presetID="10" presetClass="entr" presetSubtype="0" fill="hold" grpId="0" nodeType="clickEffect">
+                                <p:cTn id="39" presetID="1" presetClass="emph" presetSubtype="2" fill="hold" nodeType="clickEffect">
                                   <p:stCondLst>
                                     <p:cond delay="0"/>
                                   </p:stCondLst>
                                   <p:childTnLst>
-                                    <p:set>
-                                      <p:cBhvr>
-                                        <p:cTn id="115" dur="1" fill="hold">
-                                          <p:stCondLst>
-                                            <p:cond delay="0"/>
-                                          </p:stCondLst>
-                                        </p:cTn>
-                                        <p:tgtEl>
-                                          <p:spTgt spid="11"/>
-                                        </p:tgtEl>
-                                        <p:attrNameLst>
-                                          <p:attrName>style.visibility</p:attrName>
-                                        </p:attrNameLst>
-                                      </p:cBhvr>
-                                      <p:to>
-                                        <p:strVal val="visible"/>
-                                      </p:to>
-                                    </p:set>
-                                    <p:animEffect transition="in" filter="fade">
-                                      <p:cBhvr>
-                                        <p:cTn id="116" dur="500"/>
-                                        <p:tgtEl>
-                                          <p:spTgt spid="11"/>
-                                        </p:tgtEl>
-                                      </p:cBhvr>
-                                    </p:animEffect>
-                                  </p:childTnLst>
-                                </p:cTn>
-                              </p:par>
-                              <p:par>
-                                <p:cTn id="117" presetID="10" presetClass="entr" presetSubtype="0" fill="hold" grpId="0" nodeType="withEffect">
-                                  <p:stCondLst>
-                                    <p:cond delay="0"/>
-                                  </p:stCondLst>
-                                  <p:childTnLst>
-                                    <p:set>
-                                      <p:cBhvr>
-                                        <p:cTn id="118" dur="1" fill="hold">
-                                          <p:stCondLst>
-                                            <p:cond delay="0"/>
-                                          </p:stCondLst>
-                                        </p:cTn>
-                                        <p:tgtEl>
-                                          <p:spTgt spid="12"/>
-                                        </p:tgtEl>
-                                        <p:attrNameLst>
-                                          <p:attrName>style.visibility</p:attrName>
-                                        </p:attrNameLst>
-                                      </p:cBhvr>
-                                      <p:to>
-                                        <p:strVal val="visible"/>
-                                      </p:to>
-                                    </p:set>
-                                    <p:animEffect transition="in" filter="fade">
-                                      <p:cBhvr>
-                                        <p:cTn id="119" dur="500"/>
-                                        <p:tgtEl>
-                                          <p:spTgt spid="12"/>
-                                        </p:tgtEl>
-                                      </p:cBhvr>
-                                    </p:animEffect>
-                                  </p:childTnLst>
-                                </p:cTn>
-                              </p:par>
-                              <p:par>
-                                <p:cTn id="120" presetID="10" presetClass="entr" presetSubtype="0" fill="hold" grpId="0" nodeType="withEffect">
-                                  <p:stCondLst>
-                                    <p:cond delay="0"/>
-                                  </p:stCondLst>
-                                  <p:childTnLst>
-                                    <p:set>
-                                      <p:cBhvr>
-                                        <p:cTn id="121" dur="1" fill="hold">
-                                          <p:stCondLst>
-                                            <p:cond delay="0"/>
-                                          </p:stCondLst>
-                                        </p:cTn>
-                                        <p:tgtEl>
-                                          <p:spTgt spid="13"/>
-                                        </p:tgtEl>
-                                        <p:attrNameLst>
-                                          <p:attrName>style.visibility</p:attrName>
-                                        </p:attrNameLst>
-                                      </p:cBhvr>
-                                      <p:to>
-                                        <p:strVal val="visible"/>
-                                      </p:to>
-                                    </p:set>
-                                    <p:animEffect transition="in" filter="fade">
-                                      <p:cBhvr>
-                                        <p:cTn id="122" dur="500"/>
-                                        <p:tgtEl>
-                                          <p:spTgt spid="13"/>
-                                        </p:tgtEl>
-                                      </p:cBhvr>
-                                    </p:animEffect>
+                                    <p:animClr clrSpc="rgb" dir="cw">
+                                      <p:cBhvr>
+                                        <p:cTn id="40" dur="500" fill="hold"/>
+                                        <p:tgtEl>
+                                          <p:spTgt spid="7"/>
+                                        </p:tgtEl>
+                                        <p:attrNameLst>
+                                          <p:attrName>fillcolor</p:attrName>
+                                        </p:attrNameLst>
+                                      </p:cBhvr>
+                                      <p:to>
+                                        <a:srgbClr val="DA1F28"/>
+                                      </p:to>
+                                    </p:animClr>
+                                    <p:set>
+                                      <p:cBhvr>
+                                        <p:cTn id="41" dur="500" fill="hold"/>
+                                        <p:tgtEl>
+                                          <p:spTgt spid="7"/>
+                                        </p:tgtEl>
+                                        <p:attrNameLst>
+                                          <p:attrName>fill.type</p:attrName>
+                                        </p:attrNameLst>
+                                      </p:cBhvr>
+                                      <p:to>
+                                        <p:strVal val="solid"/>
+                                      </p:to>
+                                    </p:set>
+                                    <p:set>
+                                      <p:cBhvr>
+                                        <p:cTn id="42" dur="500" fill="hold"/>
+                                        <p:tgtEl>
+                                          <p:spTgt spid="7"/>
+                                        </p:tgtEl>
+                                        <p:attrNameLst>
+                                          <p:attrName>fill.on</p:attrName>
+                                        </p:attrNameLst>
+                                      </p:cBhvr>
+                                      <p:to>
+                                        <p:strVal val="true"/>
+                                      </p:to>
+                                    </p:set>
                                   </p:childTnLst>
                                 </p:cTn>
                               </p:par>
@@ -15018,42 +15691,42 @@
                     </p:cTn>
                   </p:par>
                   <p:par>
-                    <p:cTn id="123" fill="hold">
+                    <p:cTn id="43" fill="hold">
                       <p:stCondLst>
                         <p:cond delay="indefinite"/>
                       </p:stCondLst>
                       <p:childTnLst>
                         <p:par>
-                          <p:cTn id="124" fill="hold">
+                          <p:cTn id="44" fill="hold">
                             <p:stCondLst>
                               <p:cond delay="0"/>
                             </p:stCondLst>
                             <p:childTnLst>
                               <p:par>
-                                <p:cTn id="125" presetID="1" presetClass="emph" presetSubtype="2" fill="hold" nodeType="clickEffect">
+                                <p:cTn id="45" presetID="1" presetClass="emph" presetSubtype="2" fill="hold" nodeType="clickEffect">
                                   <p:stCondLst>
                                     <p:cond delay="0"/>
                                   </p:stCondLst>
                                   <p:childTnLst>
                                     <p:animClr clrSpc="rgb" dir="cw">
                                       <p:cBhvr>
-                                        <p:cTn id="126" dur="500" fill="hold"/>
-                                        <p:tgtEl>
-                                          <p:spTgt spid="4"/>
+                                        <p:cTn id="46" dur="500" fill="hold"/>
+                                        <p:tgtEl>
+                                          <p:spTgt spid="7"/>
                                         </p:tgtEl>
                                         <p:attrNameLst>
                                           <p:attrName>fillcolor</p:attrName>
                                         </p:attrNameLst>
                                       </p:cBhvr>
                                       <p:to>
-                                        <a:srgbClr val="92D050"/>
+                                        <a:srgbClr val="2DA2BF"/>
                                       </p:to>
                                     </p:animClr>
                                     <p:set>
                                       <p:cBhvr>
-                                        <p:cTn id="127" dur="500" fill="hold"/>
-                                        <p:tgtEl>
-                                          <p:spTgt spid="4"/>
+                                        <p:cTn id="47" dur="500" fill="hold"/>
+                                        <p:tgtEl>
+                                          <p:spTgt spid="7"/>
                                         </p:tgtEl>
                                         <p:attrNameLst>
                                           <p:attrName>fill.type</p:attrName>
@@ -15065,264 +15738,9 @@
                                     </p:set>
                                     <p:set>
                                       <p:cBhvr>
-                                        <p:cTn id="128" dur="500" fill="hold"/>
-                                        <p:tgtEl>
-                                          <p:spTgt spid="4"/>
-                                        </p:tgtEl>
-                                        <p:attrNameLst>
-                                          <p:attrName>fill.on</p:attrName>
-                                        </p:attrNameLst>
-                                      </p:cBhvr>
-                                      <p:to>
-                                        <p:strVal val="true"/>
-                                      </p:to>
-                                    </p:set>
-                                  </p:childTnLst>
-                                </p:cTn>
-                              </p:par>
-                              <p:par>
-                                <p:cTn id="129" presetID="1" presetClass="emph" presetSubtype="2" fill="hold" nodeType="withEffect">
-                                  <p:stCondLst>
-                                    <p:cond delay="0"/>
-                                  </p:stCondLst>
-                                  <p:childTnLst>
-                                    <p:animClr clrSpc="rgb" dir="cw">
-                                      <p:cBhvr>
-                                        <p:cTn id="130" dur="500" fill="hold"/>
-                                        <p:tgtEl>
-                                          <p:spTgt spid="5"/>
-                                        </p:tgtEl>
-                                        <p:attrNameLst>
-                                          <p:attrName>fillcolor</p:attrName>
-                                        </p:attrNameLst>
-                                      </p:cBhvr>
-                                      <p:to>
-                                        <a:srgbClr val="92D050"/>
-                                      </p:to>
-                                    </p:animClr>
-                                    <p:set>
-                                      <p:cBhvr>
-                                        <p:cTn id="131" dur="500" fill="hold"/>
-                                        <p:tgtEl>
-                                          <p:spTgt spid="5"/>
-                                        </p:tgtEl>
-                                        <p:attrNameLst>
-                                          <p:attrName>fill.type</p:attrName>
-                                        </p:attrNameLst>
-                                      </p:cBhvr>
-                                      <p:to>
-                                        <p:strVal val="solid"/>
-                                      </p:to>
-                                    </p:set>
-                                    <p:set>
-                                      <p:cBhvr>
-                                        <p:cTn id="132" dur="500" fill="hold"/>
-                                        <p:tgtEl>
-                                          <p:spTgt spid="5"/>
-                                        </p:tgtEl>
-                                        <p:attrNameLst>
-                                          <p:attrName>fill.on</p:attrName>
-                                        </p:attrNameLst>
-                                      </p:cBhvr>
-                                      <p:to>
-                                        <p:strVal val="true"/>
-                                      </p:to>
-                                    </p:set>
-                                  </p:childTnLst>
-                                </p:cTn>
-                              </p:par>
-                              <p:par>
-                                <p:cTn id="133" presetID="1" presetClass="emph" presetSubtype="2" fill="hold" nodeType="withEffect">
-                                  <p:stCondLst>
-                                    <p:cond delay="0"/>
-                                  </p:stCondLst>
-                                  <p:childTnLst>
-                                    <p:animClr clrSpc="rgb" dir="cw">
-                                      <p:cBhvr>
-                                        <p:cTn id="134" dur="500" fill="hold"/>
-                                        <p:tgtEl>
-                                          <p:spTgt spid="6"/>
-                                        </p:tgtEl>
-                                        <p:attrNameLst>
-                                          <p:attrName>fillcolor</p:attrName>
-                                        </p:attrNameLst>
-                                      </p:cBhvr>
-                                      <p:to>
-                                        <a:srgbClr val="92D050"/>
-                                      </p:to>
-                                    </p:animClr>
-                                    <p:set>
-                                      <p:cBhvr>
-                                        <p:cTn id="135" dur="500" fill="hold"/>
-                                        <p:tgtEl>
-                                          <p:spTgt spid="6"/>
-                                        </p:tgtEl>
-                                        <p:attrNameLst>
-                                          <p:attrName>fill.type</p:attrName>
-                                        </p:attrNameLst>
-                                      </p:cBhvr>
-                                      <p:to>
-                                        <p:strVal val="solid"/>
-                                      </p:to>
-                                    </p:set>
-                                    <p:set>
-                                      <p:cBhvr>
-                                        <p:cTn id="136" dur="500" fill="hold"/>
-                                        <p:tgtEl>
-                                          <p:spTgt spid="6"/>
-                                        </p:tgtEl>
-                                        <p:attrNameLst>
-                                          <p:attrName>fill.on</p:attrName>
-                                        </p:attrNameLst>
-                                      </p:cBhvr>
-                                      <p:to>
-                                        <p:strVal val="true"/>
-                                      </p:to>
-                                    </p:set>
-                                  </p:childTnLst>
-                                </p:cTn>
-                              </p:par>
-                              <p:par>
-                                <p:cTn id="137" presetID="1" presetClass="emph" presetSubtype="2" fill="hold" nodeType="withEffect">
-                                  <p:stCondLst>
-                                    <p:cond delay="0"/>
-                                  </p:stCondLst>
-                                  <p:childTnLst>
-                                    <p:animClr clrSpc="rgb" dir="cw">
-                                      <p:cBhvr>
-                                        <p:cTn id="138" dur="500" fill="hold"/>
-                                        <p:tgtEl>
-                                          <p:spTgt spid="11"/>
-                                        </p:tgtEl>
-                                        <p:attrNameLst>
-                                          <p:attrName>fillcolor</p:attrName>
-                                        </p:attrNameLst>
-                                      </p:cBhvr>
-                                      <p:to>
-                                        <a:srgbClr val="92D050"/>
-                                      </p:to>
-                                    </p:animClr>
-                                    <p:set>
-                                      <p:cBhvr>
-                                        <p:cTn id="139" dur="500" fill="hold"/>
-                                        <p:tgtEl>
-                                          <p:spTgt spid="11"/>
-                                        </p:tgtEl>
-                                        <p:attrNameLst>
-                                          <p:attrName>fill.type</p:attrName>
-                                        </p:attrNameLst>
-                                      </p:cBhvr>
-                                      <p:to>
-                                        <p:strVal val="solid"/>
-                                      </p:to>
-                                    </p:set>
-                                    <p:set>
-                                      <p:cBhvr>
-                                        <p:cTn id="140" dur="500" fill="hold"/>
-                                        <p:tgtEl>
-                                          <p:spTgt spid="11"/>
-                                        </p:tgtEl>
-                                        <p:attrNameLst>
-                                          <p:attrName>fill.on</p:attrName>
-                                        </p:attrNameLst>
-                                      </p:cBhvr>
-                                      <p:to>
-                                        <p:strVal val="true"/>
-                                      </p:to>
-                                    </p:set>
-                                  </p:childTnLst>
-                                </p:cTn>
-                              </p:par>
-                              <p:par>
-                                <p:cTn id="141" presetID="1" presetClass="emph" presetSubtype="2" fill="hold" nodeType="withEffect">
-                                  <p:stCondLst>
-                                    <p:cond delay="0"/>
-                                  </p:stCondLst>
-                                  <p:childTnLst>
-                                    <p:animClr clrSpc="rgb" dir="cw">
-                                      <p:cBhvr>
-                                        <p:cTn id="142" dur="500" fill="hold"/>
-                                        <p:tgtEl>
-                                          <p:spTgt spid="12"/>
-                                        </p:tgtEl>
-                                        <p:attrNameLst>
-                                          <p:attrName>fillcolor</p:attrName>
-                                        </p:attrNameLst>
-                                      </p:cBhvr>
-                                      <p:to>
-                                        <a:srgbClr val="92D050"/>
-                                      </p:to>
-                                    </p:animClr>
-                                    <p:set>
-                                      <p:cBhvr>
-                                        <p:cTn id="143" dur="500" fill="hold"/>
-                                        <p:tgtEl>
-                                          <p:spTgt spid="12"/>
-                                        </p:tgtEl>
-                                        <p:attrNameLst>
-                                          <p:attrName>fill.type</p:attrName>
-                                        </p:attrNameLst>
-                                      </p:cBhvr>
-                                      <p:to>
-                                        <p:strVal val="solid"/>
-                                      </p:to>
-                                    </p:set>
-                                    <p:set>
-                                      <p:cBhvr>
-                                        <p:cTn id="144" dur="500" fill="hold"/>
-                                        <p:tgtEl>
-                                          <p:spTgt spid="12"/>
-                                        </p:tgtEl>
-                                        <p:attrNameLst>
-                                          <p:attrName>fill.on</p:attrName>
-                                        </p:attrNameLst>
-                                      </p:cBhvr>
-                                      <p:to>
-                                        <p:strVal val="true"/>
-                                      </p:to>
-                                    </p:set>
-                                  </p:childTnLst>
-                                </p:cTn>
-                              </p:par>
-                              <p:par>
-                                <p:cTn id="145" presetID="1" presetClass="emph" presetSubtype="2" fill="hold" nodeType="withEffect">
-                                  <p:stCondLst>
-                                    <p:cond delay="0"/>
-                                  </p:stCondLst>
-                                  <p:childTnLst>
-                                    <p:animClr clrSpc="rgb" dir="cw">
-                                      <p:cBhvr>
-                                        <p:cTn id="146" dur="500" fill="hold"/>
-                                        <p:tgtEl>
-                                          <p:spTgt spid="13"/>
-                                        </p:tgtEl>
-                                        <p:attrNameLst>
-                                          <p:attrName>fillcolor</p:attrName>
-                                        </p:attrNameLst>
-                                      </p:cBhvr>
-                                      <p:to>
-                                        <a:srgbClr val="92D050"/>
-                                      </p:to>
-                                    </p:animClr>
-                                    <p:set>
-                                      <p:cBhvr>
-                                        <p:cTn id="147" dur="500" fill="hold"/>
-                                        <p:tgtEl>
-                                          <p:spTgt spid="13"/>
-                                        </p:tgtEl>
-                                        <p:attrNameLst>
-                                          <p:attrName>fill.type</p:attrName>
-                                        </p:attrNameLst>
-                                      </p:cBhvr>
-                                      <p:to>
-                                        <p:strVal val="solid"/>
-                                      </p:to>
-                                    </p:set>
-                                    <p:set>
-                                      <p:cBhvr>
-                                        <p:cTn id="148" dur="500" fill="hold"/>
-                                        <p:tgtEl>
-                                          <p:spTgt spid="13"/>
+                                        <p:cTn id="48" dur="500" fill="hold"/>
+                                        <p:tgtEl>
+                                          <p:spTgt spid="7"/>
                                         </p:tgtEl>
                                         <p:attrNameLst>
                                           <p:attrName>fill.on</p:attrName>
@@ -15342,257 +15760,546 @@
                     </p:cTn>
                   </p:par>
                   <p:par>
-                    <p:cTn id="149" fill="hold">
+                    <p:cTn id="49" fill="hold">
                       <p:stCondLst>
                         <p:cond delay="indefinite"/>
                       </p:stCondLst>
                       <p:childTnLst>
                         <p:par>
-                          <p:cTn id="150" fill="hold">
+                          <p:cTn id="50" fill="hold">
                             <p:stCondLst>
                               <p:cond delay="0"/>
                             </p:stCondLst>
                             <p:childTnLst>
                               <p:par>
-                                <p:cTn id="151" presetID="10" presetClass="exit" presetSubtype="0" fill="hold" grpId="1" nodeType="clickEffect">
+                                <p:cTn id="51" presetID="1" presetClass="emph" presetSubtype="2" fill="hold" nodeType="clickEffect">
                                   <p:stCondLst>
                                     <p:cond delay="0"/>
                                   </p:stCondLst>
                                   <p:childTnLst>
-                                    <p:animEffect transition="out" filter="fade">
-                                      <p:cBhvr>
-                                        <p:cTn id="152" dur="500"/>
-                                        <p:tgtEl>
-                                          <p:spTgt spid="10"/>
-                                        </p:tgtEl>
-                                      </p:cBhvr>
-                                    </p:animEffect>
-                                    <p:set>
-                                      <p:cBhvr>
-                                        <p:cTn id="153" dur="1" fill="hold">
-                                          <p:stCondLst>
-                                            <p:cond delay="499"/>
-                                          </p:stCondLst>
-                                        </p:cTn>
-                                        <p:tgtEl>
-                                          <p:spTgt spid="10"/>
-                                        </p:tgtEl>
-                                        <p:attrNameLst>
-                                          <p:attrName>style.visibility</p:attrName>
-                                        </p:attrNameLst>
-                                      </p:cBhvr>
-                                      <p:to>
-                                        <p:strVal val="hidden"/>
+                                    <p:animClr clrSpc="rgb" dir="cw">
+                                      <p:cBhvr>
+                                        <p:cTn id="52" dur="500" fill="hold"/>
+                                        <p:tgtEl>
+                                          <p:spTgt spid="5"/>
+                                        </p:tgtEl>
+                                        <p:attrNameLst>
+                                          <p:attrName>fillcolor</p:attrName>
+                                        </p:attrNameLst>
+                                      </p:cBhvr>
+                                      <p:to>
+                                        <a:srgbClr val="FFFF00"/>
+                                      </p:to>
+                                    </p:animClr>
+                                    <p:set>
+                                      <p:cBhvr>
+                                        <p:cTn id="53" dur="500" fill="hold"/>
+                                        <p:tgtEl>
+                                          <p:spTgt spid="5"/>
+                                        </p:tgtEl>
+                                        <p:attrNameLst>
+                                          <p:attrName>fill.type</p:attrName>
+                                        </p:attrNameLst>
+                                      </p:cBhvr>
+                                      <p:to>
+                                        <p:strVal val="solid"/>
+                                      </p:to>
+                                    </p:set>
+                                    <p:set>
+                                      <p:cBhvr>
+                                        <p:cTn id="54" dur="500" fill="hold"/>
+                                        <p:tgtEl>
+                                          <p:spTgt spid="5"/>
+                                        </p:tgtEl>
+                                        <p:attrNameLst>
+                                          <p:attrName>fill.on</p:attrName>
+                                        </p:attrNameLst>
+                                      </p:cBhvr>
+                                      <p:to>
+                                        <p:strVal val="true"/>
                                       </p:to>
                                     </p:set>
                                   </p:childTnLst>
                                 </p:cTn>
                               </p:par>
+                            </p:childTnLst>
+                          </p:cTn>
+                        </p:par>
+                      </p:childTnLst>
+                    </p:cTn>
+                  </p:par>
+                  <p:par>
+                    <p:cTn id="55" fill="hold">
+                      <p:stCondLst>
+                        <p:cond delay="indefinite"/>
+                      </p:stCondLst>
+                      <p:childTnLst>
+                        <p:par>
+                          <p:cTn id="56" fill="hold">
+                            <p:stCondLst>
+                              <p:cond delay="0"/>
+                            </p:stCondLst>
+                            <p:childTnLst>
                               <p:par>
-                                <p:cTn id="154" presetID="10" presetClass="exit" presetSubtype="0" fill="hold" grpId="0" nodeType="withEffect">
+                                <p:cTn id="57" presetID="1" presetClass="emph" presetSubtype="2" fill="hold" nodeType="clickEffect">
                                   <p:stCondLst>
                                     <p:cond delay="0"/>
                                   </p:stCondLst>
                                   <p:childTnLst>
-                                    <p:animEffect transition="out" filter="fade">
-                                      <p:cBhvr>
-                                        <p:cTn id="155" dur="500"/>
-                                        <p:tgtEl>
-                                          <p:spTgt spid="4"/>
-                                        </p:tgtEl>
-                                      </p:cBhvr>
-                                    </p:animEffect>
-                                    <p:set>
-                                      <p:cBhvr>
-                                        <p:cTn id="156" dur="1" fill="hold">
-                                          <p:stCondLst>
-                                            <p:cond delay="499"/>
-                                          </p:stCondLst>
-                                        </p:cTn>
-                                        <p:tgtEl>
-                                          <p:spTgt spid="4"/>
-                                        </p:tgtEl>
-                                        <p:attrNameLst>
-                                          <p:attrName>style.visibility</p:attrName>
-                                        </p:attrNameLst>
-                                      </p:cBhvr>
-                                      <p:to>
-                                        <p:strVal val="hidden"/>
+                                    <p:animClr clrSpc="rgb" dir="cw">
+                                      <p:cBhvr>
+                                        <p:cTn id="58" dur="500" fill="hold"/>
+                                        <p:tgtEl>
+                                          <p:spTgt spid="6"/>
+                                        </p:tgtEl>
+                                        <p:attrNameLst>
+                                          <p:attrName>fillcolor</p:attrName>
+                                        </p:attrNameLst>
+                                      </p:cBhvr>
+                                      <p:to>
+                                        <a:srgbClr val="92D050"/>
+                                      </p:to>
+                                    </p:animClr>
+                                    <p:set>
+                                      <p:cBhvr>
+                                        <p:cTn id="59" dur="500" fill="hold"/>
+                                        <p:tgtEl>
+                                          <p:spTgt spid="6"/>
+                                        </p:tgtEl>
+                                        <p:attrNameLst>
+                                          <p:attrName>fill.type</p:attrName>
+                                        </p:attrNameLst>
+                                      </p:cBhvr>
+                                      <p:to>
+                                        <p:strVal val="solid"/>
+                                      </p:to>
+                                    </p:set>
+                                    <p:set>
+                                      <p:cBhvr>
+                                        <p:cTn id="60" dur="500" fill="hold"/>
+                                        <p:tgtEl>
+                                          <p:spTgt spid="6"/>
+                                        </p:tgtEl>
+                                        <p:attrNameLst>
+                                          <p:attrName>fill.on</p:attrName>
+                                        </p:attrNameLst>
+                                      </p:cBhvr>
+                                      <p:to>
+                                        <p:strVal val="true"/>
                                       </p:to>
                                     </p:set>
                                   </p:childTnLst>
                                 </p:cTn>
                               </p:par>
+                            </p:childTnLst>
+                          </p:cTn>
+                        </p:par>
+                      </p:childTnLst>
+                    </p:cTn>
+                  </p:par>
+                  <p:par>
+                    <p:cTn id="61" fill="hold">
+                      <p:stCondLst>
+                        <p:cond delay="indefinite"/>
+                      </p:stCondLst>
+                      <p:childTnLst>
+                        <p:par>
+                          <p:cTn id="62" fill="hold">
+                            <p:stCondLst>
+                              <p:cond delay="0"/>
+                            </p:stCondLst>
+                            <p:childTnLst>
                               <p:par>
-                                <p:cTn id="157" presetID="10" presetClass="exit" presetSubtype="0" fill="hold" grpId="0" nodeType="withEffect">
+                                <p:cTn id="63" presetID="1" presetClass="emph" presetSubtype="2" fill="hold" nodeType="clickEffect">
                                   <p:stCondLst>
                                     <p:cond delay="0"/>
                                   </p:stCondLst>
                                   <p:childTnLst>
-                                    <p:animEffect transition="out" filter="fade">
-                                      <p:cBhvr>
-                                        <p:cTn id="158" dur="500"/>
-                                        <p:tgtEl>
-                                          <p:spTgt spid="5"/>
-                                        </p:tgtEl>
-                                      </p:cBhvr>
-                                    </p:animEffect>
-                                    <p:set>
-                                      <p:cBhvr>
-                                        <p:cTn id="159" dur="1" fill="hold">
-                                          <p:stCondLst>
-                                            <p:cond delay="499"/>
-                                          </p:stCondLst>
-                                        </p:cTn>
-                                        <p:tgtEl>
-                                          <p:spTgt spid="5"/>
-                                        </p:tgtEl>
-                                        <p:attrNameLst>
-                                          <p:attrName>style.visibility</p:attrName>
-                                        </p:attrNameLst>
-                                      </p:cBhvr>
-                                      <p:to>
-                                        <p:strVal val="hidden"/>
+                                    <p:animClr clrSpc="rgb" dir="cw">
+                                      <p:cBhvr>
+                                        <p:cTn id="64" dur="500" fill="hold"/>
+                                        <p:tgtEl>
+                                          <p:spTgt spid="6"/>
+                                        </p:tgtEl>
+                                        <p:attrNameLst>
+                                          <p:attrName>fillcolor</p:attrName>
+                                        </p:attrNameLst>
+                                      </p:cBhvr>
+                                      <p:to>
+                                        <a:srgbClr val="2DA2BF"/>
+                                      </p:to>
+                                    </p:animClr>
+                                    <p:set>
+                                      <p:cBhvr>
+                                        <p:cTn id="65" dur="500" fill="hold"/>
+                                        <p:tgtEl>
+                                          <p:spTgt spid="6"/>
+                                        </p:tgtEl>
+                                        <p:attrNameLst>
+                                          <p:attrName>fill.type</p:attrName>
+                                        </p:attrNameLst>
+                                      </p:cBhvr>
+                                      <p:to>
+                                        <p:strVal val="solid"/>
+                                      </p:to>
+                                    </p:set>
+                                    <p:set>
+                                      <p:cBhvr>
+                                        <p:cTn id="66" dur="500" fill="hold"/>
+                                        <p:tgtEl>
+                                          <p:spTgt spid="6"/>
+                                        </p:tgtEl>
+                                        <p:attrNameLst>
+                                          <p:attrName>fill.on</p:attrName>
+                                        </p:attrNameLst>
+                                      </p:cBhvr>
+                                      <p:to>
+                                        <p:strVal val="true"/>
                                       </p:to>
                                     </p:set>
                                   </p:childTnLst>
                                 </p:cTn>
                               </p:par>
+                            </p:childTnLst>
+                          </p:cTn>
+                        </p:par>
+                      </p:childTnLst>
+                    </p:cTn>
+                  </p:par>
+                  <p:par>
+                    <p:cTn id="67" fill="hold">
+                      <p:stCondLst>
+                        <p:cond delay="indefinite"/>
+                      </p:stCondLst>
+                      <p:childTnLst>
+                        <p:par>
+                          <p:cTn id="68" fill="hold">
+                            <p:stCondLst>
+                              <p:cond delay="0"/>
+                            </p:stCondLst>
+                            <p:childTnLst>
                               <p:par>
-                                <p:cTn id="160" presetID="10" presetClass="exit" presetSubtype="0" fill="hold" grpId="0" nodeType="withEffect">
+                                <p:cTn id="69" presetID="1" presetClass="emph" presetSubtype="2" fill="hold" nodeType="clickEffect">
                                   <p:stCondLst>
                                     <p:cond delay="0"/>
                                   </p:stCondLst>
                                   <p:childTnLst>
-                                    <p:animEffect transition="out" filter="fade">
-                                      <p:cBhvr>
-                                        <p:cTn id="161" dur="500"/>
-                                        <p:tgtEl>
-                                          <p:spTgt spid="6"/>
-                                        </p:tgtEl>
-                                      </p:cBhvr>
-                                    </p:animEffect>
-                                    <p:set>
-                                      <p:cBhvr>
-                                        <p:cTn id="162" dur="1" fill="hold">
-                                          <p:stCondLst>
-                                            <p:cond delay="499"/>
-                                          </p:stCondLst>
-                                        </p:cTn>
-                                        <p:tgtEl>
-                                          <p:spTgt spid="6"/>
-                                        </p:tgtEl>
-                                        <p:attrNameLst>
-                                          <p:attrName>style.visibility</p:attrName>
-                                        </p:attrNameLst>
-                                      </p:cBhvr>
-                                      <p:to>
-                                        <p:strVal val="hidden"/>
+                                    <p:animClr clrSpc="rgb" dir="cw">
+                                      <p:cBhvr>
+                                        <p:cTn id="70" dur="500" fill="hold"/>
+                                        <p:tgtEl>
+                                          <p:spTgt spid="7"/>
+                                        </p:tgtEl>
+                                        <p:attrNameLst>
+                                          <p:attrName>fillcolor</p:attrName>
+                                        </p:attrNameLst>
+                                      </p:cBhvr>
+                                      <p:to>
+                                        <a:schemeClr val="accent2"/>
+                                      </p:to>
+                                    </p:animClr>
+                                    <p:set>
+                                      <p:cBhvr>
+                                        <p:cTn id="71" dur="500" fill="hold"/>
+                                        <p:tgtEl>
+                                          <p:spTgt spid="7"/>
+                                        </p:tgtEl>
+                                        <p:attrNameLst>
+                                          <p:attrName>fill.type</p:attrName>
+                                        </p:attrNameLst>
+                                      </p:cBhvr>
+                                      <p:to>
+                                        <p:strVal val="solid"/>
+                                      </p:to>
+                                    </p:set>
+                                    <p:set>
+                                      <p:cBhvr>
+                                        <p:cTn id="72" dur="500" fill="hold"/>
+                                        <p:tgtEl>
+                                          <p:spTgt spid="7"/>
+                                        </p:tgtEl>
+                                        <p:attrNameLst>
+                                          <p:attrName>fill.on</p:attrName>
+                                        </p:attrNameLst>
+                                      </p:cBhvr>
+                                      <p:to>
+                                        <p:strVal val="true"/>
                                       </p:to>
                                     </p:set>
                                   </p:childTnLst>
                                 </p:cTn>
                               </p:par>
+                            </p:childTnLst>
+                          </p:cTn>
+                        </p:par>
+                      </p:childTnLst>
+                    </p:cTn>
+                  </p:par>
+                  <p:par>
+                    <p:cTn id="73" fill="hold">
+                      <p:stCondLst>
+                        <p:cond delay="indefinite"/>
+                      </p:stCondLst>
+                      <p:childTnLst>
+                        <p:par>
+                          <p:cTn id="74" fill="hold">
+                            <p:stCondLst>
+                              <p:cond delay="0"/>
+                            </p:stCondLst>
+                            <p:childTnLst>
                               <p:par>
-                                <p:cTn id="163" presetID="10" presetClass="exit" presetSubtype="0" fill="hold" grpId="1" nodeType="withEffect">
+                                <p:cTn id="75" presetID="1" presetClass="emph" presetSubtype="2" fill="hold" nodeType="clickEffect">
                                   <p:stCondLst>
                                     <p:cond delay="0"/>
                                   </p:stCondLst>
                                   <p:childTnLst>
-                                    <p:animEffect transition="out" filter="fade">
-                                      <p:cBhvr>
-                                        <p:cTn id="164" dur="500"/>
-                                        <p:tgtEl>
-                                          <p:spTgt spid="11"/>
-                                        </p:tgtEl>
-                                      </p:cBhvr>
-                                    </p:animEffect>
-                                    <p:set>
-                                      <p:cBhvr>
-                                        <p:cTn id="165" dur="1" fill="hold">
-                                          <p:stCondLst>
-                                            <p:cond delay="499"/>
-                                          </p:stCondLst>
-                                        </p:cTn>
-                                        <p:tgtEl>
-                                          <p:spTgt spid="11"/>
-                                        </p:tgtEl>
-                                        <p:attrNameLst>
-                                          <p:attrName>style.visibility</p:attrName>
-                                        </p:attrNameLst>
-                                      </p:cBhvr>
-                                      <p:to>
-                                        <p:strVal val="hidden"/>
+                                    <p:animClr clrSpc="rgb" dir="cw">
+                                      <p:cBhvr>
+                                        <p:cTn id="76" dur="500" fill="hold"/>
+                                        <p:tgtEl>
+                                          <p:spTgt spid="7"/>
+                                        </p:tgtEl>
+                                        <p:attrNameLst>
+                                          <p:attrName>fillcolor</p:attrName>
+                                        </p:attrNameLst>
+                                      </p:cBhvr>
+                                      <p:to>
+                                        <a:srgbClr val="2DA2BF"/>
+                                      </p:to>
+                                    </p:animClr>
+                                    <p:set>
+                                      <p:cBhvr>
+                                        <p:cTn id="77" dur="500" fill="hold"/>
+                                        <p:tgtEl>
+                                          <p:spTgt spid="7"/>
+                                        </p:tgtEl>
+                                        <p:attrNameLst>
+                                          <p:attrName>fill.type</p:attrName>
+                                        </p:attrNameLst>
+                                      </p:cBhvr>
+                                      <p:to>
+                                        <p:strVal val="solid"/>
+                                      </p:to>
+                                    </p:set>
+                                    <p:set>
+                                      <p:cBhvr>
+                                        <p:cTn id="78" dur="500" fill="hold"/>
+                                        <p:tgtEl>
+                                          <p:spTgt spid="7"/>
+                                        </p:tgtEl>
+                                        <p:attrNameLst>
+                                          <p:attrName>fill.on</p:attrName>
+                                        </p:attrNameLst>
+                                      </p:cBhvr>
+                                      <p:to>
+                                        <p:strVal val="true"/>
                                       </p:to>
                                     </p:set>
                                   </p:childTnLst>
                                 </p:cTn>
                               </p:par>
+                            </p:childTnLst>
+                          </p:cTn>
+                        </p:par>
+                      </p:childTnLst>
+                    </p:cTn>
+                  </p:par>
+                  <p:par>
+                    <p:cTn id="79" fill="hold">
+                      <p:stCondLst>
+                        <p:cond delay="indefinite"/>
+                      </p:stCondLst>
+                      <p:childTnLst>
+                        <p:par>
+                          <p:cTn id="80" fill="hold">
+                            <p:stCondLst>
+                              <p:cond delay="0"/>
+                            </p:stCondLst>
+                            <p:childTnLst>
                               <p:par>
-                                <p:cTn id="166" presetID="10" presetClass="exit" presetSubtype="0" fill="hold" grpId="1" nodeType="withEffect">
+                                <p:cTn id="81" presetID="1" presetClass="emph" presetSubtype="2" fill="hold" nodeType="clickEffect">
                                   <p:stCondLst>
                                     <p:cond delay="0"/>
                                   </p:stCondLst>
                                   <p:childTnLst>
-                                    <p:animEffect transition="out" filter="fade">
-                                      <p:cBhvr>
-                                        <p:cTn id="167" dur="500"/>
-                                        <p:tgtEl>
-                                          <p:spTgt spid="12"/>
-                                        </p:tgtEl>
-                                      </p:cBhvr>
-                                    </p:animEffect>
-                                    <p:set>
-                                      <p:cBhvr>
-                                        <p:cTn id="168" dur="1" fill="hold">
-                                          <p:stCondLst>
-                                            <p:cond delay="499"/>
-                                          </p:stCondLst>
-                                        </p:cTn>
-                                        <p:tgtEl>
-                                          <p:spTgt spid="12"/>
-                                        </p:tgtEl>
-                                        <p:attrNameLst>
-                                          <p:attrName>style.visibility</p:attrName>
-                                        </p:attrNameLst>
-                                      </p:cBhvr>
-                                      <p:to>
-                                        <p:strVal val="hidden"/>
+                                    <p:animClr clrSpc="rgb" dir="cw">
+                                      <p:cBhvr>
+                                        <p:cTn id="82" dur="500" fill="hold"/>
+                                        <p:tgtEl>
+                                          <p:spTgt spid="6"/>
+                                        </p:tgtEl>
+                                        <p:attrNameLst>
+                                          <p:attrName>fillcolor</p:attrName>
+                                        </p:attrNameLst>
+                                      </p:cBhvr>
+                                      <p:to>
+                                        <a:srgbClr val="FFFF00"/>
+                                      </p:to>
+                                    </p:animClr>
+                                    <p:set>
+                                      <p:cBhvr>
+                                        <p:cTn id="83" dur="500" fill="hold"/>
+                                        <p:tgtEl>
+                                          <p:spTgt spid="6"/>
+                                        </p:tgtEl>
+                                        <p:attrNameLst>
+                                          <p:attrName>fill.type</p:attrName>
+                                        </p:attrNameLst>
+                                      </p:cBhvr>
+                                      <p:to>
+                                        <p:strVal val="solid"/>
+                                      </p:to>
+                                    </p:set>
+                                    <p:set>
+                                      <p:cBhvr>
+                                        <p:cTn id="84" dur="500" fill="hold"/>
+                                        <p:tgtEl>
+                                          <p:spTgt spid="6"/>
+                                        </p:tgtEl>
+                                        <p:attrNameLst>
+                                          <p:attrName>fill.on</p:attrName>
+                                        </p:attrNameLst>
+                                      </p:cBhvr>
+                                      <p:to>
+                                        <p:strVal val="true"/>
                                       </p:to>
                                     </p:set>
                                   </p:childTnLst>
                                 </p:cTn>
                               </p:par>
+                            </p:childTnLst>
+                          </p:cTn>
+                        </p:par>
+                      </p:childTnLst>
+                    </p:cTn>
+                  </p:par>
+                  <p:par>
+                    <p:cTn id="85" fill="hold">
+                      <p:stCondLst>
+                        <p:cond delay="indefinite"/>
+                      </p:stCondLst>
+                      <p:childTnLst>
+                        <p:par>
+                          <p:cTn id="86" fill="hold">
+                            <p:stCondLst>
+                              <p:cond delay="0"/>
+                            </p:stCondLst>
+                            <p:childTnLst>
                               <p:par>
-                                <p:cTn id="169" presetID="10" presetClass="exit" presetSubtype="0" fill="hold" grpId="1" nodeType="withEffect">
+                                <p:cTn id="87" presetID="1" presetClass="emph" presetSubtype="2" fill="hold" nodeType="clickEffect">
                                   <p:stCondLst>
                                     <p:cond delay="0"/>
                                   </p:stCondLst>
                                   <p:childTnLst>
-                                    <p:animEffect transition="out" filter="fade">
-                                      <p:cBhvr>
-                                        <p:cTn id="170" dur="500"/>
-                                        <p:tgtEl>
-                                          <p:spTgt spid="13"/>
-                                        </p:tgtEl>
-                                      </p:cBhvr>
-                                    </p:animEffect>
-                                    <p:set>
-                                      <p:cBhvr>
-                                        <p:cTn id="171" dur="1" fill="hold">
-                                          <p:stCondLst>
-                                            <p:cond delay="499"/>
-                                          </p:stCondLst>
-                                        </p:cTn>
-                                        <p:tgtEl>
-                                          <p:spTgt spid="13"/>
-                                        </p:tgtEl>
-                                        <p:attrNameLst>
-                                          <p:attrName>style.visibility</p:attrName>
-                                        </p:attrNameLst>
-                                      </p:cBhvr>
-                                      <p:to>
-                                        <p:strVal val="hidden"/>
+                                    <p:animClr clrSpc="rgb" dir="cw">
+                                      <p:cBhvr>
+                                        <p:cTn id="88" dur="500" fill="hold"/>
+                                        <p:tgtEl>
+                                          <p:spTgt spid="7"/>
+                                        </p:tgtEl>
+                                        <p:attrNameLst>
+                                          <p:attrName>fillcolor</p:attrName>
+                                        </p:attrNameLst>
+                                      </p:cBhvr>
+                                      <p:to>
+                                        <a:srgbClr val="92D050"/>
+                                      </p:to>
+                                    </p:animClr>
+                                    <p:set>
+                                      <p:cBhvr>
+                                        <p:cTn id="89" dur="500" fill="hold"/>
+                                        <p:tgtEl>
+                                          <p:spTgt spid="7"/>
+                                        </p:tgtEl>
+                                        <p:attrNameLst>
+                                          <p:attrName>fill.type</p:attrName>
+                                        </p:attrNameLst>
+                                      </p:cBhvr>
+                                      <p:to>
+                                        <p:strVal val="solid"/>
+                                      </p:to>
+                                    </p:set>
+                                    <p:set>
+                                      <p:cBhvr>
+                                        <p:cTn id="90" dur="500" fill="hold"/>
+                                        <p:tgtEl>
+                                          <p:spTgt spid="7"/>
+                                        </p:tgtEl>
+                                        <p:attrNameLst>
+                                          <p:attrName>fill.on</p:attrName>
+                                        </p:attrNameLst>
+                                      </p:cBhvr>
+                                      <p:to>
+                                        <p:strVal val="true"/>
+                                      </p:to>
+                                    </p:set>
+                                  </p:childTnLst>
+                                </p:cTn>
+                              </p:par>
+                            </p:childTnLst>
+                          </p:cTn>
+                        </p:par>
+                      </p:childTnLst>
+                    </p:cTn>
+                  </p:par>
+                  <p:par>
+                    <p:cTn id="91" fill="hold">
+                      <p:stCondLst>
+                        <p:cond delay="indefinite"/>
+                      </p:stCondLst>
+                      <p:childTnLst>
+                        <p:par>
+                          <p:cTn id="92" fill="hold">
+                            <p:stCondLst>
+                              <p:cond delay="0"/>
+                            </p:stCondLst>
+                            <p:childTnLst>
+                              <p:par>
+                                <p:cTn id="93" presetID="1" presetClass="emph" presetSubtype="2" fill="hold" nodeType="clickEffect">
+                                  <p:stCondLst>
+                                    <p:cond delay="0"/>
+                                  </p:stCondLst>
+                                  <p:childTnLst>
+                                    <p:animClr clrSpc="rgb" dir="cw">
+                                      <p:cBhvr>
+                                        <p:cTn id="94" dur="500" fill="hold"/>
+                                        <p:tgtEl>
+                                          <p:spTgt spid="7"/>
+                                        </p:tgtEl>
+                                        <p:attrNameLst>
+                                          <p:attrName>fillcolor</p:attrName>
+                                        </p:attrNameLst>
+                                      </p:cBhvr>
+                                      <p:to>
+                                        <a:srgbClr val="FFFF00"/>
+                                      </p:to>
+                                    </p:animClr>
+                                    <p:set>
+                                      <p:cBhvr>
+                                        <p:cTn id="95" dur="500" fill="hold"/>
+                                        <p:tgtEl>
+                                          <p:spTgt spid="7"/>
+                                        </p:tgtEl>
+                                        <p:attrNameLst>
+                                          <p:attrName>fill.type</p:attrName>
+                                        </p:attrNameLst>
+                                      </p:cBhvr>
+                                      <p:to>
+                                        <p:strVal val="solid"/>
+                                      </p:to>
+                                    </p:set>
+                                    <p:set>
+                                      <p:cBhvr>
+                                        <p:cTn id="96" dur="500" fill="hold"/>
+                                        <p:tgtEl>
+                                          <p:spTgt spid="7"/>
+                                        </p:tgtEl>
+                                        <p:attrNameLst>
+                                          <p:attrName>fill.on</p:attrName>
+                                        </p:attrNameLst>
+                                      </p:cBhvr>
+                                      <p:to>
+                                        <p:strVal val="true"/>
                                       </p:to>
                                     </p:set>
                                   </p:childTnLst>
@@ -15625,27 +16332,6 @@
         </p:cTn>
       </p:par>
     </p:tnLst>
-    <p:bldLst>
-      <p:bldP spid="4" grpId="0" animBg="1"/>
-      <p:bldP spid="5" grpId="0" animBg="1"/>
-      <p:bldP spid="6" grpId="0" animBg="1"/>
-      <p:bldP spid="7" grpId="0" animBg="1"/>
-      <p:bldP spid="8" grpId="0" animBg="1"/>
-      <p:bldP spid="9" grpId="0" animBg="1"/>
-      <p:bldP spid="10" grpId="1"/>
-      <p:bldP spid="11" grpId="0" animBg="1"/>
-      <p:bldP spid="11" grpId="1" animBg="1"/>
-      <p:bldP spid="12" grpId="0" animBg="1"/>
-      <p:bldP spid="12" grpId="1" animBg="1"/>
-      <p:bldP spid="13" grpId="0" animBg="1"/>
-      <p:bldP spid="13" grpId="1" animBg="1"/>
-      <p:bldP spid="14" grpId="0" animBg="1"/>
-      <p:bldP spid="14" grpId="1" animBg="1"/>
-      <p:bldP spid="15" grpId="0" animBg="1"/>
-      <p:bldP spid="15" grpId="1" animBg="1"/>
-      <p:bldP spid="16" grpId="0" animBg="1"/>
-      <p:bldP spid="16" grpId="1" animBg="1"/>
-    </p:bldLst>
   </p:timing>
 </p:sld>
 </file>

--- a/PlusLib/docs/UsFidSegAlgo/Fiducial Pattern Recognition.pptx
+++ b/PlusLib/docs/UsFidSegAlgo/Fiducial Pattern Recognition.pptx
@@ -2,7 +2,7 @@
 <file path=ppt/presentation.xml><?xml version="1.0" encoding="utf-8"?>
 <p:presentation xmlns:a="http://schemas.openxmlformats.org/drawingml/2006/main" xmlns:r="http://schemas.openxmlformats.org/officeDocument/2006/relationships" xmlns:p="http://schemas.openxmlformats.org/presentationml/2006/main" saveSubsetFonts="1">
   <p:sldMasterIdLst>
-    <p:sldMasterId id="2147483660" r:id="rId1"/>
+    <p:sldMasterId id="2147483672" r:id="rId1"/>
   </p:sldMasterIdLst>
   <p:sldIdLst>
     <p:sldId id="256" r:id="rId2"/>
@@ -126,7 +126,7 @@
 </file>
 
 <file path=ppt/slideLayouts/slideLayout1.xml><?xml version="1.0" encoding="utf-8"?>
-<p:sldLayout xmlns:a="http://schemas.openxmlformats.org/drawingml/2006/main" xmlns:r="http://schemas.openxmlformats.org/officeDocument/2006/relationships" xmlns:p="http://schemas.openxmlformats.org/presentationml/2006/main" showMasterSp="0" type="title" preserve="1">
+<p:sldLayout xmlns:a="http://schemas.openxmlformats.org/drawingml/2006/main" xmlns:r="http://schemas.openxmlformats.org/officeDocument/2006/relationships" xmlns:p="http://schemas.openxmlformats.org/presentationml/2006/main" preserve="1">
   <p:cSld name="Title Slide">
     <p:spTree>
       <p:nvGrpSpPr>
@@ -142,81 +142,117 @@
           <a:chExt cx="0" cy="0"/>
         </a:xfrm>
       </p:grpSpPr>
+      <p:pic>
+        <p:nvPicPr>
+          <p:cNvPr id="4" name="Picture 1" descr="C:\lasso\PerkFacilities\PerkWeb\images\logo-Queens.gif"/>
+          <p:cNvPicPr>
+            <a:picLocks noChangeAspect="1" noChangeArrowheads="1"/>
+          </p:cNvPicPr>
+          <p:nvPr/>
+        </p:nvPicPr>
+        <p:blipFill>
+          <a:blip r:embed="rId2" cstate="print">
+            <a:extLst>
+              <a:ext uri="{28A0092B-C50C-407E-A947-70E740481C1C}">
+                <a14:useLocalDpi xmlns:a14="http://schemas.microsoft.com/office/drawing/2010/main" val="0"/>
+              </a:ext>
+            </a:extLst>
+          </a:blip>
+          <a:srcRect/>
+          <a:stretch>
+            <a:fillRect/>
+          </a:stretch>
+        </p:blipFill>
+        <p:spPr bwMode="auto">
+          <a:xfrm>
+            <a:off x="7764463" y="5872163"/>
+            <a:ext cx="1227137" cy="833437"/>
+          </a:xfrm>
+          <a:prstGeom prst="rect">
+            <a:avLst/>
+          </a:prstGeom>
+          <a:noFill/>
+          <a:ln>
+            <a:noFill/>
+          </a:ln>
+          <a:extLst>
+            <a:ext uri="{909E8E84-426E-40DD-AFC4-6F175D3DCCD1}">
+              <a14:hiddenFill xmlns:a14="http://schemas.microsoft.com/office/drawing/2010/main">
+                <a:solidFill>
+                  <a:srgbClr val="FFFFFF"/>
+                </a:solidFill>
+              </a14:hiddenFill>
+            </a:ext>
+            <a:ext uri="{91240B29-F687-4F45-9708-019B960494DF}">
+              <a14:hiddenLine xmlns:a14="http://schemas.microsoft.com/office/drawing/2010/main" w="9525">
+                <a:solidFill>
+                  <a:srgbClr val="000000"/>
+                </a:solidFill>
+                <a:miter lim="800000"/>
+                <a:headEnd/>
+                <a:tailEnd/>
+              </a14:hiddenLine>
+            </a:ext>
+          </a:extLst>
+        </p:spPr>
+      </p:pic>
+      <p:pic>
+        <p:nvPicPr>
+          <p:cNvPr id="5" name="Picture 3" descr="C:\lasso\My Dropbox\PerkWeb\PerkLogo2010-base-with-text-300dpi.png"/>
+          <p:cNvPicPr>
+            <a:picLocks noChangeAspect="1" noChangeArrowheads="1"/>
+          </p:cNvPicPr>
+          <p:nvPr/>
+        </p:nvPicPr>
+        <p:blipFill>
+          <a:blip r:embed="rId3">
+            <a:extLst>
+              <a:ext uri="{28A0092B-C50C-407E-A947-70E740481C1C}">
+                <a14:useLocalDpi xmlns:a14="http://schemas.microsoft.com/office/drawing/2010/main" val="0"/>
+              </a:ext>
+            </a:extLst>
+          </a:blip>
+          <a:srcRect/>
+          <a:stretch>
+            <a:fillRect/>
+          </a:stretch>
+        </p:blipFill>
+        <p:spPr bwMode="auto">
+          <a:xfrm>
+            <a:off x="152400" y="152400"/>
+            <a:ext cx="3886200" cy="682625"/>
+          </a:xfrm>
+          <a:prstGeom prst="rect">
+            <a:avLst/>
+          </a:prstGeom>
+          <a:noFill/>
+          <a:ln>
+            <a:noFill/>
+          </a:ln>
+          <a:extLst>
+            <a:ext uri="{909E8E84-426E-40DD-AFC4-6F175D3DCCD1}">
+              <a14:hiddenFill xmlns:a14="http://schemas.microsoft.com/office/drawing/2010/main">
+                <a:solidFill>
+                  <a:srgbClr val="FFFFFF"/>
+                </a:solidFill>
+              </a14:hiddenFill>
+            </a:ext>
+            <a:ext uri="{91240B29-F687-4F45-9708-019B960494DF}">
+              <a14:hiddenLine xmlns:a14="http://schemas.microsoft.com/office/drawing/2010/main" w="9525">
+                <a:solidFill>
+                  <a:srgbClr val="000000"/>
+                </a:solidFill>
+                <a:miter lim="800000"/>
+                <a:headEnd/>
+                <a:tailEnd/>
+              </a14:hiddenLine>
+            </a:ext>
+          </a:extLst>
+        </p:spPr>
+      </p:pic>
       <p:sp>
         <p:nvSpPr>
-          <p:cNvPr id="10" name="Right Triangle 9"/>
-          <p:cNvSpPr/>
-          <p:nvPr/>
-        </p:nvSpPr>
-        <p:spPr>
-          <a:xfrm>
-            <a:off x="-2" y="4664147"/>
-            <a:ext cx="9151089" cy="0"/>
-          </a:xfrm>
-          <a:prstGeom prst="rtTriangle">
-            <a:avLst/>
-          </a:prstGeom>
-          <a:gradFill flip="none" rotWithShape="1">
-            <a:gsLst>
-              <a:gs pos="0">
-                <a:schemeClr val="accent1">
-                  <a:shade val="35000"/>
-                  <a:satMod val="170000"/>
-                  <a:alpha val="100000"/>
-                </a:schemeClr>
-              </a:gs>
-              <a:gs pos="55000">
-                <a:schemeClr val="accent1">
-                  <a:tint val="90000"/>
-                  <a:satMod val="150000"/>
-                  <a:alpha val="100000"/>
-                </a:schemeClr>
-              </a:gs>
-              <a:gs pos="100000">
-                <a:schemeClr val="accent1">
-                  <a:shade val="35000"/>
-                  <a:satMod val="170000"/>
-                  <a:alpha val="100000"/>
-                </a:schemeClr>
-              </a:gs>
-            </a:gsLst>
-            <a:lin ang="3000000" scaled="1"/>
-            <a:tileRect/>
-          </a:gradFill>
-          <a:ln w="12700" cap="rnd" cmpd="thickThin" algn="ctr">
-            <a:noFill/>
-            <a:prstDash val="solid"/>
-          </a:ln>
-          <a:effectLst/>
-        </p:spPr>
-        <p:style>
-          <a:lnRef idx="3">
-            <a:schemeClr val="lt1"/>
-          </a:lnRef>
-          <a:fillRef idx="1">
-            <a:schemeClr val="accent1"/>
-          </a:fillRef>
-          <a:effectRef idx="1">
-            <a:schemeClr val="accent1"/>
-          </a:effectRef>
-          <a:fontRef idx="minor">
-            <a:schemeClr val="lt1"/>
-          </a:fontRef>
-        </p:style>
-        <p:txBody>
-          <a:bodyPr anchor="ctr"/>
-          <a:lstStyle>
-            <a:extLst/>
-          </a:lstStyle>
-          <a:p>
-            <a:pPr algn="ctr" eaLnBrk="1" latinLnBrk="0" hangingPunct="1"/>
-            <a:endParaRPr kumimoji="0" lang="en-US"/>
-          </a:p>
-        </p:txBody>
-      </p:sp>
-      <p:sp>
-        <p:nvSpPr>
-          <p:cNvPr id="9" name="Title 8"/>
+          <p:cNvPr id="2" name="Title 1"/>
           <p:cNvSpPr>
             <a:spLocks noGrp="1"/>
           </p:cNvSpPr>
@@ -226,50 +262,25 @@
         </p:nvSpPr>
         <p:spPr>
           <a:xfrm>
-            <a:off x="685800" y="1752601"/>
-            <a:ext cx="7772400" cy="1829761"/>
+            <a:off x="685800" y="2130425"/>
+            <a:ext cx="7772400" cy="1470025"/>
           </a:xfrm>
         </p:spPr>
         <p:txBody>
-          <a:bodyPr vert="horz" anchor="b">
-            <a:normAutofit/>
-            <a:scene3d>
-              <a:camera prst="orthographicFront"/>
-              <a:lightRig rig="soft" dir="t"/>
-            </a:scene3d>
-            <a:sp3d prstMaterial="softEdge">
-              <a:bevelT w="25400" h="25400"/>
-            </a:sp3d>
-          </a:bodyPr>
-          <a:lstStyle>
-            <a:lvl1pPr algn="r">
-              <a:defRPr sz="4800" b="1">
-                <a:solidFill>
-                  <a:schemeClr val="tx2"/>
-                </a:solidFill>
-                <a:effectLst>
-                  <a:outerShdw blurRad="31750" dist="25400" dir="5400000" algn="tl" rotWithShape="0">
-                    <a:srgbClr val="000000">
-                      <a:alpha val="25000"/>
-                    </a:srgbClr>
-                  </a:outerShdw>
-                </a:effectLst>
-              </a:defRPr>
-            </a:lvl1pPr>
-            <a:extLst/>
-          </a:lstStyle>
-          <a:p>
-            <a:r>
-              <a:rPr kumimoji="0" lang="en-US" smtClean="0"/>
+          <a:bodyPr/>
+          <a:lstStyle/>
+          <a:p>
+            <a:r>
+              <a:rPr lang="en-US" smtClean="0"/>
               <a:t>Click to edit Master title style</a:t>
             </a:r>
-            <a:endParaRPr kumimoji="0" lang="en-US"/>
+            <a:endParaRPr lang="en-US"/>
           </a:p>
         </p:txBody>
       </p:sp>
       <p:sp>
         <p:nvSpPr>
-          <p:cNvPr id="17" name="Subtitle 16"/>
+          <p:cNvPr id="3" name="Subtitle 2"/>
           <p:cNvSpPr>
             <a:spLocks noGrp="1"/>
           </p:cNvSpPr>
@@ -279,546 +290,119 @@
         </p:nvSpPr>
         <p:spPr>
           <a:xfrm>
-            <a:off x="685800" y="3611607"/>
-            <a:ext cx="7772400" cy="1199704"/>
+            <a:off x="1371600" y="3886200"/>
+            <a:ext cx="6400800" cy="1752600"/>
           </a:xfrm>
         </p:spPr>
         <p:txBody>
-          <a:bodyPr lIns="45720" rIns="45720"/>
+          <a:bodyPr/>
           <a:lstStyle>
-            <a:lvl1pPr marL="0" marR="64008" indent="0" algn="r">
+            <a:lvl1pPr marL="0" indent="0" algn="ctr">
               <a:buNone/>
               <a:defRPr>
                 <a:solidFill>
-                  <a:schemeClr val="tx2"/>
+                  <a:schemeClr val="tx1">
+                    <a:tint val="75000"/>
+                  </a:schemeClr>
                 </a:solidFill>
               </a:defRPr>
             </a:lvl1pPr>
             <a:lvl2pPr marL="457200" indent="0" algn="ctr">
               <a:buNone/>
+              <a:defRPr>
+                <a:solidFill>
+                  <a:schemeClr val="tx1">
+                    <a:tint val="75000"/>
+                  </a:schemeClr>
+                </a:solidFill>
+              </a:defRPr>
             </a:lvl2pPr>
             <a:lvl3pPr marL="914400" indent="0" algn="ctr">
               <a:buNone/>
+              <a:defRPr>
+                <a:solidFill>
+                  <a:schemeClr val="tx1">
+                    <a:tint val="75000"/>
+                  </a:schemeClr>
+                </a:solidFill>
+              </a:defRPr>
             </a:lvl3pPr>
             <a:lvl4pPr marL="1371600" indent="0" algn="ctr">
               <a:buNone/>
+              <a:defRPr>
+                <a:solidFill>
+                  <a:schemeClr val="tx1">
+                    <a:tint val="75000"/>
+                  </a:schemeClr>
+                </a:solidFill>
+              </a:defRPr>
             </a:lvl4pPr>
             <a:lvl5pPr marL="1828800" indent="0" algn="ctr">
               <a:buNone/>
+              <a:defRPr>
+                <a:solidFill>
+                  <a:schemeClr val="tx1">
+                    <a:tint val="75000"/>
+                  </a:schemeClr>
+                </a:solidFill>
+              </a:defRPr>
             </a:lvl5pPr>
             <a:lvl6pPr marL="2286000" indent="0" algn="ctr">
               <a:buNone/>
+              <a:defRPr>
+                <a:solidFill>
+                  <a:schemeClr val="tx1">
+                    <a:tint val="75000"/>
+                  </a:schemeClr>
+                </a:solidFill>
+              </a:defRPr>
             </a:lvl6pPr>
             <a:lvl7pPr marL="2743200" indent="0" algn="ctr">
               <a:buNone/>
+              <a:defRPr>
+                <a:solidFill>
+                  <a:schemeClr val="tx1">
+                    <a:tint val="75000"/>
+                  </a:schemeClr>
+                </a:solidFill>
+              </a:defRPr>
             </a:lvl7pPr>
             <a:lvl8pPr marL="3200400" indent="0" algn="ctr">
               <a:buNone/>
+              <a:defRPr>
+                <a:solidFill>
+                  <a:schemeClr val="tx1">
+                    <a:tint val="75000"/>
+                  </a:schemeClr>
+                </a:solidFill>
+              </a:defRPr>
             </a:lvl8pPr>
             <a:lvl9pPr marL="3657600" indent="0" algn="ctr">
               <a:buNone/>
-            </a:lvl9pPr>
-            <a:extLst/>
-          </a:lstStyle>
-          <a:p>
-            <a:r>
-              <a:rPr kumimoji="0" lang="en-US" smtClean="0"/>
-              <a:t>Click to edit Master subtitle style</a:t>
-            </a:r>
-            <a:endParaRPr kumimoji="0" lang="en-US"/>
-          </a:p>
-        </p:txBody>
-      </p:sp>
-      <p:grpSp>
-        <p:nvGrpSpPr>
-          <p:cNvPr id="2" name="Group 1"/>
-          <p:cNvGrpSpPr/>
-          <p:nvPr/>
-        </p:nvGrpSpPr>
-        <p:grpSpPr>
-          <a:xfrm>
-            <a:off x="-3765" y="4953000"/>
-            <a:ext cx="9147765" cy="1912088"/>
-            <a:chOff x="-3765" y="4832896"/>
-            <a:chExt cx="9147765" cy="2032192"/>
-          </a:xfrm>
-        </p:grpSpPr>
-        <p:sp>
-          <p:nvSpPr>
-            <p:cNvPr id="7" name="Freeform 6"/>
-            <p:cNvSpPr>
-              <a:spLocks/>
-            </p:cNvSpPr>
-            <p:nvPr/>
-          </p:nvSpPr>
-          <p:spPr bwMode="auto">
-            <a:xfrm>
-              <a:off x="1687513" y="4832896"/>
-              <a:ext cx="7456487" cy="518816"/>
-            </a:xfrm>
-            <a:custGeom>
-              <a:avLst>
-                <a:gd name="A1" fmla="val 0"/>
-                <a:gd name="A2" fmla="val 0"/>
-                <a:gd name="A3" fmla="val 0"/>
-                <a:gd name="A4" fmla="val 0"/>
-                <a:gd name="A5" fmla="val 0"/>
-                <a:gd name="A6" fmla="val 0"/>
-                <a:gd name="A7" fmla="val 0"/>
-                <a:gd name="A8" fmla="val 0"/>
-              </a:avLst>
-              <a:gdLst/>
-              <a:ahLst/>
-              <a:cxnLst>
-                <a:cxn ang="0">
-                  <a:pos x="4697" y="0"/>
-                </a:cxn>
-                <a:cxn ang="0">
-                  <a:pos x="4697" y="367"/>
-                </a:cxn>
-                <a:cxn ang="0">
-                  <a:pos x="0" y="218"/>
-                </a:cxn>
-                <a:cxn ang="0">
-                  <a:pos x="4697" y="0"/>
-                </a:cxn>
-              </a:cxnLst>
-              <a:rect l="0" t="0" r="0" b="0"/>
-              <a:pathLst>
-                <a:path w="4697" h="367">
-                  <a:moveTo>
-                    <a:pt x="4697" y="0"/>
-                  </a:moveTo>
-                  <a:lnTo>
-                    <a:pt x="4697" y="367"/>
-                  </a:lnTo>
-                  <a:lnTo>
-                    <a:pt x="0" y="218"/>
-                  </a:lnTo>
-                  <a:lnTo>
-                    <a:pt x="4697" y="0"/>
-                  </a:lnTo>
-                  <a:close/>
-                </a:path>
-              </a:pathLst>
-            </a:custGeom>
-            <a:solidFill>
-              <a:schemeClr val="accent1">
-                <a:tint val="65000"/>
-                <a:satMod val="115000"/>
-                <a:alpha val="40000"/>
-              </a:schemeClr>
-            </a:solidFill>
-            <a:ln w="9525" cap="flat" cmpd="sng" algn="ctr">
-              <a:noFill/>
-              <a:prstDash val="solid"/>
-              <a:round/>
-              <a:headEnd type="none" w="med" len="med"/>
-              <a:tailEnd type="none" w="med" len="med"/>
-            </a:ln>
-            <a:effectLst/>
-          </p:spPr>
-          <p:txBody>
-            <a:bodyPr vert="horz" wrap="square" lIns="91440" tIns="45720" rIns="91440" bIns="45720" anchor="t" compatLnSpc="1"/>
-            <a:lstStyle>
-              <a:extLst/>
-            </a:lstStyle>
-            <a:p>
-              <a:endParaRPr kumimoji="0" lang="en-US"/>
-            </a:p>
-          </p:txBody>
-        </p:sp>
-        <p:sp>
-          <p:nvSpPr>
-            <p:cNvPr id="8" name="Freeform 7"/>
-            <p:cNvSpPr>
-              <a:spLocks/>
-            </p:cNvSpPr>
-            <p:nvPr/>
-          </p:nvSpPr>
-          <p:spPr bwMode="auto">
-            <a:xfrm>
-              <a:off x="35443" y="5135526"/>
-              <a:ext cx="9108557" cy="838200"/>
-            </a:xfrm>
-            <a:custGeom>
-              <a:avLst>
-                <a:gd name="A1" fmla="val 0"/>
-                <a:gd name="A2" fmla="val 0"/>
-                <a:gd name="A3" fmla="val 0"/>
-                <a:gd name="A4" fmla="val 0"/>
-                <a:gd name="A5" fmla="val 0"/>
-                <a:gd name="A6" fmla="val 0"/>
-                <a:gd name="A7" fmla="val 0"/>
-                <a:gd name="A8" fmla="val 0"/>
-              </a:avLst>
-              <a:gdLst/>
-              <a:ahLst/>
-              <a:cxnLst>
-                <a:cxn ang="0">
-                  <a:pos x="0" y="0"/>
-                </a:cxn>
-                <a:cxn ang="0">
-                  <a:pos x="5760" y="0"/>
-                </a:cxn>
-                <a:cxn ang="0">
-                  <a:pos x="5760" y="528"/>
-                </a:cxn>
-                <a:cxn ang="0">
-                  <a:pos x="48" y="0"/>
-                </a:cxn>
-              </a:cxnLst>
-              <a:rect l="0" t="0" r="0" b="0"/>
-              <a:pathLst>
-                <a:path w="5760" h="528">
-                  <a:moveTo>
-                    <a:pt x="0" y="0"/>
-                  </a:moveTo>
-                  <a:lnTo>
-                    <a:pt x="5760" y="0"/>
-                  </a:lnTo>
-                  <a:lnTo>
-                    <a:pt x="5760" y="528"/>
-                  </a:lnTo>
-                  <a:lnTo>
-                    <a:pt x="48" y="0"/>
-                  </a:lnTo>
-                </a:path>
-              </a:pathLst>
-            </a:custGeom>
-            <a:solidFill>
-              <a:srgbClr val="000000">
-                <a:alpha val="100000"/>
-              </a:srgbClr>
-            </a:solidFill>
-            <a:ln w="9525" cap="flat" cmpd="sng" algn="ctr">
-              <a:noFill/>
-              <a:prstDash val="solid"/>
-              <a:round/>
-              <a:headEnd type="none" w="med" len="med"/>
-              <a:tailEnd type="none" w="med" len="med"/>
-            </a:ln>
-            <a:effectLst/>
-          </p:spPr>
-          <p:txBody>
-            <a:bodyPr vert="horz" wrap="square" lIns="91440" tIns="45720" rIns="91440" bIns="45720" anchor="t" compatLnSpc="1"/>
-            <a:lstStyle>
-              <a:extLst/>
-            </a:lstStyle>
-            <a:p>
-              <a:endParaRPr kumimoji="0" lang="en-US"/>
-            </a:p>
-          </p:txBody>
-        </p:sp>
-        <p:sp>
-          <p:nvSpPr>
-            <p:cNvPr id="11" name="Freeform 10"/>
-            <p:cNvSpPr>
-              <a:spLocks/>
-            </p:cNvSpPr>
-            <p:nvPr/>
-          </p:nvSpPr>
-          <p:spPr bwMode="auto">
-            <a:xfrm>
-              <a:off x="0" y="4883888"/>
-              <a:ext cx="9144000" cy="1981200"/>
-            </a:xfrm>
-            <a:custGeom>
-              <a:avLst>
-                <a:gd name="A1" fmla="val 0"/>
-                <a:gd name="A2" fmla="val 0"/>
-                <a:gd name="A3" fmla="val 0"/>
-                <a:gd name="A4" fmla="val 0"/>
-                <a:gd name="A5" fmla="val 0"/>
-                <a:gd name="A6" fmla="val 0"/>
-                <a:gd name="A7" fmla="val 0"/>
-                <a:gd name="A8" fmla="val 0"/>
-              </a:avLst>
-              <a:gdLst/>
-              <a:ahLst/>
-              <a:cxnLst>
-                <a:cxn ang="0">
-                  <a:pos x="0" y="0"/>
-                </a:cxn>
-                <a:cxn ang="0">
-                  <a:pos x="0" y="1248"/>
-                </a:cxn>
-                <a:cxn ang="0">
-                  <a:pos x="5760" y="1248"/>
-                </a:cxn>
-                <a:cxn ang="0">
-                  <a:pos x="5760" y="528"/>
-                </a:cxn>
-                <a:cxn ang="0">
-                  <a:pos x="0" y="0"/>
-                </a:cxn>
-              </a:cxnLst>
-              <a:rect l="0" t="0" r="0" b="0"/>
-              <a:pathLst>
-                <a:path w="5760" h="1248">
-                  <a:moveTo>
-                    <a:pt x="0" y="0"/>
-                  </a:moveTo>
-                  <a:lnTo>
-                    <a:pt x="0" y="1248"/>
-                  </a:lnTo>
-                  <a:lnTo>
-                    <a:pt x="5760" y="1248"/>
-                  </a:lnTo>
-                  <a:lnTo>
-                    <a:pt x="5760" y="528"/>
-                  </a:lnTo>
-                  <a:lnTo>
-                    <a:pt x="0" y="0"/>
-                  </a:lnTo>
-                  <a:close/>
-                </a:path>
-              </a:pathLst>
-            </a:custGeom>
-            <a:blipFill>
-              <a:blip r:embed="rId2">
-                <a:alphaModFix amt="50000"/>
-              </a:blip>
-              <a:tile tx="0" ty="0" sx="50000" sy="50000" flip="none" algn="t"/>
-            </a:blipFill>
-            <a:ln w="12700" cap="rnd" cmpd="thickThin" algn="ctr">
-              <a:noFill/>
-              <a:prstDash val="solid"/>
-            </a:ln>
-            <a:effectLst>
-              <a:fillOverlay blend="mult">
-                <a:gradFill flip="none" rotWithShape="1">
-                  <a:gsLst>
-                    <a:gs pos="0">
-                      <a:schemeClr val="accent1">
-                        <a:shade val="20000"/>
-                        <a:satMod val="176000"/>
-                        <a:alpha val="100000"/>
-                      </a:schemeClr>
-                    </a:gs>
-                    <a:gs pos="18000">
-                      <a:schemeClr val="accent1">
-                        <a:shade val="48000"/>
-                        <a:satMod val="153000"/>
-                        <a:alpha val="100000"/>
-                      </a:schemeClr>
-                    </a:gs>
-                    <a:gs pos="43000">
-                      <a:schemeClr val="accent1">
-                        <a:tint val="86000"/>
-                        <a:satMod val="149000"/>
-                        <a:alpha val="100000"/>
-                      </a:schemeClr>
-                    </a:gs>
-                    <a:gs pos="45000">
-                      <a:schemeClr val="accent1">
-                        <a:tint val="85000"/>
-                        <a:satMod val="150000"/>
-                        <a:alpha val="100000"/>
-                      </a:schemeClr>
-                    </a:gs>
-                    <a:gs pos="50000">
-                      <a:schemeClr val="accent1">
-                        <a:tint val="86000"/>
-                        <a:satMod val="149000"/>
-                        <a:alpha val="100000"/>
-                      </a:schemeClr>
-                    </a:gs>
-                    <a:gs pos="79000">
-                      <a:schemeClr val="accent1">
-                        <a:shade val="53000"/>
-                        <a:satMod val="150000"/>
-                        <a:alpha val="100000"/>
-                      </a:schemeClr>
-                    </a:gs>
-                    <a:gs pos="100000">
-                      <a:schemeClr val="accent1">
-                        <a:shade val="25000"/>
-                        <a:satMod val="170000"/>
-                        <a:alpha val="100000"/>
-                      </a:schemeClr>
-                    </a:gs>
-                  </a:gsLst>
-                  <a:lin ang="450000" scaled="1"/>
-                  <a:tileRect/>
-                </a:gradFill>
-              </a:fillOverlay>
-            </a:effectLst>
-          </p:spPr>
-          <p:style>
-            <a:lnRef idx="3">
-              <a:schemeClr val="lt1"/>
-            </a:lnRef>
-            <a:fillRef idx="1">
-              <a:schemeClr val="accent1"/>
-            </a:fillRef>
-            <a:effectRef idx="1">
-              <a:schemeClr val="accent1"/>
-            </a:effectRef>
-            <a:fontRef idx="minor">
-              <a:schemeClr val="lt1"/>
-            </a:fontRef>
-          </p:style>
-          <p:txBody>
-            <a:bodyPr vert="horz" wrap="square" lIns="91440" tIns="45720" rIns="91440" bIns="45720" anchor="ctr" compatLnSpc="1"/>
-            <a:lstStyle>
-              <a:extLst/>
-            </a:lstStyle>
-            <a:p>
-              <a:pPr algn="ctr" eaLnBrk="1" latinLnBrk="0" hangingPunct="1"/>
-              <a:endParaRPr kumimoji="0" lang="en-US"/>
-            </a:p>
-          </p:txBody>
-        </p:sp>
-        <p:cxnSp>
-          <p:nvCxnSpPr>
-            <p:cNvPr id="12" name="Straight Connector 11"/>
-            <p:cNvCxnSpPr/>
-            <p:nvPr/>
-          </p:nvCxnSpPr>
-          <p:spPr>
-            <a:xfrm>
-              <a:off x="-3765" y="4880373"/>
-              <a:ext cx="9147765" cy="839943"/>
-            </a:xfrm>
-            <a:prstGeom prst="line">
-              <a:avLst/>
-            </a:prstGeom>
-            <a:noFill/>
-            <a:ln w="12065" cap="flat" cmpd="sng" algn="ctr">
-              <a:gradFill>
-                <a:gsLst>
-                  <a:gs pos="45000">
-                    <a:schemeClr val="accent1">
-                      <a:tint val="70000"/>
-                      <a:satMod val="110000"/>
-                    </a:schemeClr>
-                  </a:gs>
-                  <a:gs pos="15000">
-                    <a:schemeClr val="accent1">
-                      <a:shade val="40000"/>
-                      <a:satMod val="110000"/>
-                    </a:schemeClr>
-                  </a:gs>
-                </a:gsLst>
-                <a:lin ang="5400000" scaled="1"/>
-              </a:gradFill>
-              <a:prstDash val="solid"/>
-              <a:miter lim="800000"/>
-            </a:ln>
-            <a:effectLst/>
-          </p:spPr>
-          <p:style>
-            <a:lnRef idx="2">
-              <a:schemeClr val="accent1"/>
-            </a:lnRef>
-            <a:fillRef idx="0">
-              <a:schemeClr val="accent1"/>
-            </a:fillRef>
-            <a:effectRef idx="1">
-              <a:schemeClr val="accent1"/>
-            </a:effectRef>
-            <a:fontRef idx="minor">
-              <a:schemeClr val="tx1"/>
-            </a:fontRef>
-          </p:style>
-        </p:cxnSp>
-      </p:grpSp>
-      <p:sp>
-        <p:nvSpPr>
-          <p:cNvPr id="30" name="Date Placeholder 29"/>
-          <p:cNvSpPr>
-            <a:spLocks noGrp="1"/>
-          </p:cNvSpPr>
-          <p:nvPr>
-            <p:ph type="dt" sz="half" idx="10"/>
-          </p:nvPr>
-        </p:nvSpPr>
-        <p:spPr/>
-        <p:txBody>
-          <a:bodyPr/>
-          <a:lstStyle>
-            <a:lvl1pPr>
               <a:defRPr>
                 <a:solidFill>
-                  <a:srgbClr val="FFFFFF"/>
-                </a:solidFill>
-              </a:defRPr>
-            </a:lvl1pPr>
-            <a:extLst/>
-          </a:lstStyle>
-          <a:p>
-            <a:fld id="{81F698AE-8DD5-4C76-8A4D-DFCEF1065FFE}" type="datetimeFigureOut">
-              <a:rPr lang="en-US" smtClean="0"/>
-              <a:t>11/9/2011</a:t>
-            </a:fld>
-            <a:endParaRPr lang="en-US"/>
-          </a:p>
-        </p:txBody>
-      </p:sp>
-      <p:sp>
-        <p:nvSpPr>
-          <p:cNvPr id="19" name="Footer Placeholder 18"/>
-          <p:cNvSpPr>
-            <a:spLocks noGrp="1"/>
-          </p:cNvSpPr>
-          <p:nvPr>
-            <p:ph type="ftr" sz="quarter" idx="11"/>
-          </p:nvPr>
-        </p:nvSpPr>
-        <p:spPr/>
-        <p:txBody>
-          <a:bodyPr/>
-          <a:lstStyle>
-            <a:lvl1pPr>
-              <a:defRPr>
-                <a:solidFill>
-                  <a:schemeClr val="accent1">
-                    <a:tint val="20000"/>
+                  <a:schemeClr val="tx1">
+                    <a:tint val="75000"/>
                   </a:schemeClr>
                 </a:solidFill>
               </a:defRPr>
-            </a:lvl1pPr>
-            <a:extLst/>
+            </a:lvl9pPr>
           </a:lstStyle>
           <a:p>
-            <a:endParaRPr lang="en-US"/>
-          </a:p>
-        </p:txBody>
-      </p:sp>
-      <p:sp>
-        <p:nvSpPr>
-          <p:cNvPr id="27" name="Slide Number Placeholder 26"/>
-          <p:cNvSpPr>
-            <a:spLocks noGrp="1"/>
-          </p:cNvSpPr>
-          <p:nvPr>
-            <p:ph type="sldNum" sz="quarter" idx="12"/>
-          </p:nvPr>
-        </p:nvSpPr>
-        <p:spPr/>
-        <p:txBody>
-          <a:bodyPr/>
-          <a:lstStyle>
-            <a:lvl1pPr>
-              <a:defRPr>
-                <a:solidFill>
-                  <a:srgbClr val="FFFFFF"/>
-                </a:solidFill>
-              </a:defRPr>
-            </a:lvl1pPr>
-            <a:extLst/>
-          </a:lstStyle>
-          <a:p>
-            <a:fld id="{88BD8D24-DC06-4D52-AAFE-E646E614394D}" type="slidenum">
+            <a:r>
               <a:rPr lang="en-US" smtClean="0"/>
-              <a:t>‹#›</a:t>
-            </a:fld>
+              <a:t>Click to edit Master subtitle style</a:t>
+            </a:r>
             <a:endParaRPr lang="en-US"/>
           </a:p>
         </p:txBody>
       </p:sp>
     </p:spTree>
+    <p:extLst>
+      <p:ext uri="{BB962C8B-B14F-4D97-AF65-F5344CB8AC3E}">
+        <p14:creationId xmlns:p14="http://schemas.microsoft.com/office/powerpoint/2010/main" val="2878978222"/>
+      </p:ext>
+    </p:extLst>
   </p:cSld>
   <p:clrMapOvr>
     <a:masterClrMapping/>
@@ -843,6 +427,114 @@
           <a:chExt cx="0" cy="0"/>
         </a:xfrm>
       </p:grpSpPr>
+      <p:pic>
+        <p:nvPicPr>
+          <p:cNvPr id="4" name="Picture 1" descr="C:\lasso\PerkFacilities\PerkWeb\images\logo-Queens.gif"/>
+          <p:cNvPicPr>
+            <a:picLocks noChangeAspect="1" noChangeArrowheads="1"/>
+          </p:cNvPicPr>
+          <p:nvPr/>
+        </p:nvPicPr>
+        <p:blipFill>
+          <a:blip r:embed="rId2">
+            <a:extLst>
+              <a:ext uri="{28A0092B-C50C-407E-A947-70E740481C1C}">
+                <a14:useLocalDpi xmlns:a14="http://schemas.microsoft.com/office/drawing/2010/main" val="0"/>
+              </a:ext>
+            </a:extLst>
+          </a:blip>
+          <a:srcRect/>
+          <a:stretch>
+            <a:fillRect/>
+          </a:stretch>
+        </p:blipFill>
+        <p:spPr bwMode="auto">
+          <a:xfrm>
+            <a:off x="8001000" y="6248400"/>
+            <a:ext cx="688975" cy="468313"/>
+          </a:xfrm>
+          <a:prstGeom prst="rect">
+            <a:avLst/>
+          </a:prstGeom>
+          <a:noFill/>
+          <a:ln>
+            <a:noFill/>
+          </a:ln>
+          <a:extLst>
+            <a:ext uri="{909E8E84-426E-40DD-AFC4-6F175D3DCCD1}">
+              <a14:hiddenFill xmlns:a14="http://schemas.microsoft.com/office/drawing/2010/main">
+                <a:solidFill>
+                  <a:srgbClr val="FFFFFF"/>
+                </a:solidFill>
+              </a14:hiddenFill>
+            </a:ext>
+            <a:ext uri="{91240B29-F687-4F45-9708-019B960494DF}">
+              <a14:hiddenLine xmlns:a14="http://schemas.microsoft.com/office/drawing/2010/main" w="9525">
+                <a:solidFill>
+                  <a:srgbClr val="000000"/>
+                </a:solidFill>
+                <a:miter lim="800000"/>
+                <a:headEnd/>
+                <a:tailEnd/>
+              </a14:hiddenLine>
+            </a:ext>
+          </a:extLst>
+        </p:spPr>
+      </p:pic>
+      <p:pic>
+        <p:nvPicPr>
+          <p:cNvPr id="5" name="Picture 5" descr="C:\lasso\My Dropbox\PerkWeb\PerkLogo2010-base-white-round-45dpi.png"/>
+          <p:cNvPicPr>
+            <a:picLocks noChangeAspect="1" noChangeArrowheads="1"/>
+          </p:cNvPicPr>
+          <p:nvPr/>
+        </p:nvPicPr>
+        <p:blipFill>
+          <a:blip r:embed="rId3">
+            <a:extLst>
+              <a:ext uri="{28A0092B-C50C-407E-A947-70E740481C1C}">
+                <a14:useLocalDpi xmlns:a14="http://schemas.microsoft.com/office/drawing/2010/main" val="0"/>
+              </a:ext>
+            </a:extLst>
+          </a:blip>
+          <a:srcRect/>
+          <a:stretch>
+            <a:fillRect/>
+          </a:stretch>
+        </p:blipFill>
+        <p:spPr bwMode="auto">
+          <a:xfrm>
+            <a:off x="457200" y="6248400"/>
+            <a:ext cx="457200" cy="457200"/>
+          </a:xfrm>
+          <a:prstGeom prst="rect">
+            <a:avLst/>
+          </a:prstGeom>
+          <a:noFill/>
+          <a:ln>
+            <a:noFill/>
+          </a:ln>
+          <a:extLst>
+            <a:ext uri="{909E8E84-426E-40DD-AFC4-6F175D3DCCD1}">
+              <a14:hiddenFill xmlns:a14="http://schemas.microsoft.com/office/drawing/2010/main">
+                <a:solidFill>
+                  <a:srgbClr val="FFFFFF"/>
+                </a:solidFill>
+              </a14:hiddenFill>
+            </a:ext>
+            <a:ext uri="{91240B29-F687-4F45-9708-019B960494DF}">
+              <a14:hiddenLine xmlns:a14="http://schemas.microsoft.com/office/drawing/2010/main" w="9525">
+                <a:solidFill>
+                  <a:srgbClr val="000000"/>
+                </a:solidFill>
+                <a:miter lim="800000"/>
+                <a:headEnd/>
+                <a:tailEnd/>
+              </a14:hiddenLine>
+            </a:ext>
+          </a:extLst>
+        </p:spPr>
+      </p:pic>
       <p:sp>
         <p:nvSpPr>
           <p:cNvPr id="2" name="Title 1"/>
@@ -856,15 +548,13 @@
         <p:spPr/>
         <p:txBody>
           <a:bodyPr/>
-          <a:lstStyle>
-            <a:extLst/>
-          </a:lstStyle>
-          <a:p>
-            <a:r>
-              <a:rPr kumimoji="0" lang="en-US" smtClean="0"/>
+          <a:lstStyle/>
+          <a:p>
+            <a:r>
+              <a:rPr lang="en-US" smtClean="0"/>
               <a:t>Click to edit Master title style</a:t>
             </a:r>
-            <a:endParaRPr kumimoji="0" lang="en-US"/>
+            <a:endParaRPr lang="en-US"/>
           </a:p>
         </p:txBody>
       </p:sp>
@@ -878,116 +568,88 @@
             <p:ph type="body" orient="vert" idx="1"/>
           </p:nvPr>
         </p:nvSpPr>
-        <p:spPr>
-          <a:xfrm>
-            <a:off x="457200" y="1481329"/>
-            <a:ext cx="8229600" cy="4386071"/>
-          </a:xfrm>
-        </p:spPr>
+        <p:spPr/>
         <p:txBody>
           <a:bodyPr vert="eaVert"/>
-          <a:lstStyle>
-            <a:extLst/>
-          </a:lstStyle>
-          <a:p>
-            <a:pPr lvl="0" eaLnBrk="1" latinLnBrk="0" hangingPunct="1"/>
+          <a:lstStyle/>
+          <a:p>
+            <a:pPr lvl="0"/>
             <a:r>
               <a:rPr lang="en-US" smtClean="0"/>
               <a:t>Click to edit Master text styles</a:t>
             </a:r>
           </a:p>
           <a:p>
-            <a:pPr lvl="1" eaLnBrk="1" latinLnBrk="0" hangingPunct="1"/>
+            <a:pPr lvl="1"/>
             <a:r>
               <a:rPr lang="en-US" smtClean="0"/>
               <a:t>Second level</a:t>
             </a:r>
           </a:p>
           <a:p>
-            <a:pPr lvl="2" eaLnBrk="1" latinLnBrk="0" hangingPunct="1"/>
+            <a:pPr lvl="2"/>
             <a:r>
               <a:rPr lang="en-US" smtClean="0"/>
               <a:t>Third level</a:t>
             </a:r>
           </a:p>
           <a:p>
-            <a:pPr lvl="3" eaLnBrk="1" latinLnBrk="0" hangingPunct="1"/>
+            <a:pPr lvl="3"/>
             <a:r>
               <a:rPr lang="en-US" smtClean="0"/>
               <a:t>Fourth level</a:t>
             </a:r>
           </a:p>
           <a:p>
-            <a:pPr lvl="4" eaLnBrk="1" latinLnBrk="0" hangingPunct="1"/>
+            <a:pPr lvl="4"/>
             <a:r>
               <a:rPr lang="en-US" smtClean="0"/>
               <a:t>Fifth level</a:t>
             </a:r>
-            <a:endParaRPr kumimoji="0" lang="en-US"/>
+            <a:endParaRPr lang="en-US"/>
           </a:p>
         </p:txBody>
       </p:sp>
       <p:sp>
         <p:nvSpPr>
-          <p:cNvPr id="4" name="Date Placeholder 3"/>
+          <p:cNvPr id="6" name="Footer Placeholder 4"/>
           <p:cNvSpPr>
             <a:spLocks noGrp="1"/>
           </p:cNvSpPr>
           <p:nvPr>
-            <p:ph type="dt" sz="half" idx="10"/>
+            <p:ph type="ftr" sz="quarter" idx="10"/>
           </p:nvPr>
         </p:nvSpPr>
         <p:spPr/>
         <p:txBody>
           <a:bodyPr/>
           <a:lstStyle>
-            <a:extLst/>
+            <a:lvl1pPr>
+              <a:defRPr/>
+            </a:lvl1pPr>
           </a:lstStyle>
           <a:p>
-            <a:fld id="{81F698AE-8DD5-4C76-8A4D-DFCEF1065FFE}" type="datetimeFigureOut">
-              <a:rPr lang="en-US" smtClean="0"/>
-              <a:t>11/9/2011</a:t>
-            </a:fld>
             <a:endParaRPr lang="en-US"/>
           </a:p>
         </p:txBody>
       </p:sp>
       <p:sp>
         <p:nvSpPr>
-          <p:cNvPr id="5" name="Footer Placeholder 4"/>
+          <p:cNvPr id="7" name="Slide Number Placeholder 5"/>
           <p:cNvSpPr>
             <a:spLocks noGrp="1"/>
           </p:cNvSpPr>
           <p:nvPr>
-            <p:ph type="ftr" sz="quarter" idx="11"/>
+            <p:ph type="sldNum" sz="quarter" idx="11"/>
           </p:nvPr>
         </p:nvSpPr>
         <p:spPr/>
         <p:txBody>
           <a:bodyPr/>
           <a:lstStyle>
-            <a:extLst/>
-          </a:lstStyle>
-          <a:p>
-            <a:endParaRPr lang="en-US"/>
-          </a:p>
-        </p:txBody>
-      </p:sp>
-      <p:sp>
-        <p:nvSpPr>
-          <p:cNvPr id="6" name="Slide Number Placeholder 5"/>
-          <p:cNvSpPr>
-            <a:spLocks noGrp="1"/>
-          </p:cNvSpPr>
-          <p:nvPr>
-            <p:ph type="sldNum" sz="quarter" idx="12"/>
-          </p:nvPr>
-        </p:nvSpPr>
-        <p:spPr/>
-        <p:txBody>
-          <a:bodyPr/>
-          <a:lstStyle>
-            <a:extLst/>
+            <a:lvl1pPr>
+              <a:defRPr/>
+            </a:lvl1pPr>
           </a:lstStyle>
           <a:p>
             <a:fld id="{88BD8D24-DC06-4D52-AAFE-E646E614394D}" type="slidenum">
@@ -999,6 +661,11 @@
         </p:txBody>
       </p:sp>
     </p:spTree>
+    <p:extLst>
+      <p:ext uri="{BB962C8B-B14F-4D97-AF65-F5344CB8AC3E}">
+        <p14:creationId xmlns:p14="http://schemas.microsoft.com/office/powerpoint/2010/main" val="138911699"/>
+      </p:ext>
+    </p:extLst>
   </p:cSld>
   <p:clrMapOvr>
     <a:masterClrMapping/>
@@ -1023,6 +690,114 @@
           <a:chExt cx="0" cy="0"/>
         </a:xfrm>
       </p:grpSpPr>
+      <p:pic>
+        <p:nvPicPr>
+          <p:cNvPr id="4" name="Picture 1" descr="C:\lasso\PerkFacilities\PerkWeb\images\logo-Queens.gif"/>
+          <p:cNvPicPr>
+            <a:picLocks noChangeAspect="1" noChangeArrowheads="1"/>
+          </p:cNvPicPr>
+          <p:nvPr/>
+        </p:nvPicPr>
+        <p:blipFill>
+          <a:blip r:embed="rId2">
+            <a:extLst>
+              <a:ext uri="{28A0092B-C50C-407E-A947-70E740481C1C}">
+                <a14:useLocalDpi xmlns:a14="http://schemas.microsoft.com/office/drawing/2010/main" val="0"/>
+              </a:ext>
+            </a:extLst>
+          </a:blip>
+          <a:srcRect/>
+          <a:stretch>
+            <a:fillRect/>
+          </a:stretch>
+        </p:blipFill>
+        <p:spPr bwMode="auto">
+          <a:xfrm>
+            <a:off x="8001000" y="6248400"/>
+            <a:ext cx="688975" cy="468313"/>
+          </a:xfrm>
+          <a:prstGeom prst="rect">
+            <a:avLst/>
+          </a:prstGeom>
+          <a:noFill/>
+          <a:ln>
+            <a:noFill/>
+          </a:ln>
+          <a:extLst>
+            <a:ext uri="{909E8E84-426E-40DD-AFC4-6F175D3DCCD1}">
+              <a14:hiddenFill xmlns:a14="http://schemas.microsoft.com/office/drawing/2010/main">
+                <a:solidFill>
+                  <a:srgbClr val="FFFFFF"/>
+                </a:solidFill>
+              </a14:hiddenFill>
+            </a:ext>
+            <a:ext uri="{91240B29-F687-4F45-9708-019B960494DF}">
+              <a14:hiddenLine xmlns:a14="http://schemas.microsoft.com/office/drawing/2010/main" w="9525">
+                <a:solidFill>
+                  <a:srgbClr val="000000"/>
+                </a:solidFill>
+                <a:miter lim="800000"/>
+                <a:headEnd/>
+                <a:tailEnd/>
+              </a14:hiddenLine>
+            </a:ext>
+          </a:extLst>
+        </p:spPr>
+      </p:pic>
+      <p:pic>
+        <p:nvPicPr>
+          <p:cNvPr id="5" name="Picture 5" descr="C:\lasso\My Dropbox\PerkWeb\PerkLogo2010-base-white-round-45dpi.png"/>
+          <p:cNvPicPr>
+            <a:picLocks noChangeAspect="1" noChangeArrowheads="1"/>
+          </p:cNvPicPr>
+          <p:nvPr/>
+        </p:nvPicPr>
+        <p:blipFill>
+          <a:blip r:embed="rId3">
+            <a:extLst>
+              <a:ext uri="{28A0092B-C50C-407E-A947-70E740481C1C}">
+                <a14:useLocalDpi xmlns:a14="http://schemas.microsoft.com/office/drawing/2010/main" val="0"/>
+              </a:ext>
+            </a:extLst>
+          </a:blip>
+          <a:srcRect/>
+          <a:stretch>
+            <a:fillRect/>
+          </a:stretch>
+        </p:blipFill>
+        <p:spPr bwMode="auto">
+          <a:xfrm>
+            <a:off x="457200" y="6248400"/>
+            <a:ext cx="457200" cy="457200"/>
+          </a:xfrm>
+          <a:prstGeom prst="rect">
+            <a:avLst/>
+          </a:prstGeom>
+          <a:noFill/>
+          <a:ln>
+            <a:noFill/>
+          </a:ln>
+          <a:extLst>
+            <a:ext uri="{909E8E84-426E-40DD-AFC4-6F175D3DCCD1}">
+              <a14:hiddenFill xmlns:a14="http://schemas.microsoft.com/office/drawing/2010/main">
+                <a:solidFill>
+                  <a:srgbClr val="FFFFFF"/>
+                </a:solidFill>
+              </a14:hiddenFill>
+            </a:ext>
+            <a:ext uri="{91240B29-F687-4F45-9708-019B960494DF}">
+              <a14:hiddenLine xmlns:a14="http://schemas.microsoft.com/office/drawing/2010/main" w="9525">
+                <a:solidFill>
+                  <a:srgbClr val="000000"/>
+                </a:solidFill>
+                <a:miter lim="800000"/>
+                <a:headEnd/>
+                <a:tailEnd/>
+              </a14:hiddenLine>
+            </a:ext>
+          </a:extLst>
+        </p:spPr>
+      </p:pic>
       <p:sp>
         <p:nvSpPr>
           <p:cNvPr id="2" name="Vertical Title 1"/>
@@ -1035,21 +810,19 @@
         </p:nvSpPr>
         <p:spPr>
           <a:xfrm>
-            <a:off x="6844013" y="274640"/>
-            <a:ext cx="1777470" cy="5592761"/>
+            <a:off x="6629400" y="274638"/>
+            <a:ext cx="2057400" cy="5851525"/>
           </a:xfrm>
         </p:spPr>
         <p:txBody>
           <a:bodyPr vert="eaVert"/>
-          <a:lstStyle>
-            <a:extLst/>
-          </a:lstStyle>
-          <a:p>
-            <a:r>
-              <a:rPr kumimoji="0" lang="en-US" smtClean="0"/>
+          <a:lstStyle/>
+          <a:p>
+            <a:r>
+              <a:rPr lang="en-US" smtClean="0"/>
               <a:t>Click to edit Master title style</a:t>
             </a:r>
-            <a:endParaRPr kumimoji="0" lang="en-US"/>
+            <a:endParaRPr lang="en-US"/>
           </a:p>
         </p:txBody>
       </p:sp>
@@ -1065,114 +838,91 @@
         </p:nvSpPr>
         <p:spPr>
           <a:xfrm>
-            <a:off x="457200" y="274641"/>
-            <a:ext cx="6324600" cy="5592760"/>
+            <a:off x="457200" y="274638"/>
+            <a:ext cx="6019800" cy="5851525"/>
           </a:xfrm>
         </p:spPr>
         <p:txBody>
           <a:bodyPr vert="eaVert"/>
-          <a:lstStyle>
-            <a:extLst/>
-          </a:lstStyle>
-          <a:p>
-            <a:pPr lvl="0" eaLnBrk="1" latinLnBrk="0" hangingPunct="1"/>
+          <a:lstStyle/>
+          <a:p>
+            <a:pPr lvl="0"/>
             <a:r>
               <a:rPr lang="en-US" smtClean="0"/>
               <a:t>Click to edit Master text styles</a:t>
             </a:r>
           </a:p>
           <a:p>
-            <a:pPr lvl="1" eaLnBrk="1" latinLnBrk="0" hangingPunct="1"/>
+            <a:pPr lvl="1"/>
             <a:r>
               <a:rPr lang="en-US" smtClean="0"/>
               <a:t>Second level</a:t>
             </a:r>
           </a:p>
           <a:p>
-            <a:pPr lvl="2" eaLnBrk="1" latinLnBrk="0" hangingPunct="1"/>
+            <a:pPr lvl="2"/>
             <a:r>
               <a:rPr lang="en-US" smtClean="0"/>
               <a:t>Third level</a:t>
             </a:r>
           </a:p>
           <a:p>
-            <a:pPr lvl="3" eaLnBrk="1" latinLnBrk="0" hangingPunct="1"/>
+            <a:pPr lvl="3"/>
             <a:r>
               <a:rPr lang="en-US" smtClean="0"/>
               <a:t>Fourth level</a:t>
             </a:r>
           </a:p>
           <a:p>
-            <a:pPr lvl="4" eaLnBrk="1" latinLnBrk="0" hangingPunct="1"/>
+            <a:pPr lvl="4"/>
             <a:r>
               <a:rPr lang="en-US" smtClean="0"/>
               <a:t>Fifth level</a:t>
             </a:r>
-            <a:endParaRPr kumimoji="0" lang="en-US"/>
+            <a:endParaRPr lang="en-US"/>
           </a:p>
         </p:txBody>
       </p:sp>
       <p:sp>
         <p:nvSpPr>
-          <p:cNvPr id="4" name="Date Placeholder 3"/>
+          <p:cNvPr id="6" name="Footer Placeholder 4"/>
           <p:cNvSpPr>
             <a:spLocks noGrp="1"/>
           </p:cNvSpPr>
           <p:nvPr>
-            <p:ph type="dt" sz="half" idx="10"/>
+            <p:ph type="ftr" sz="quarter" idx="10"/>
           </p:nvPr>
         </p:nvSpPr>
         <p:spPr/>
         <p:txBody>
           <a:bodyPr/>
           <a:lstStyle>
-            <a:extLst/>
+            <a:lvl1pPr>
+              <a:defRPr/>
+            </a:lvl1pPr>
           </a:lstStyle>
           <a:p>
-            <a:fld id="{81F698AE-8DD5-4C76-8A4D-DFCEF1065FFE}" type="datetimeFigureOut">
-              <a:rPr lang="en-US" smtClean="0"/>
-              <a:t>11/9/2011</a:t>
-            </a:fld>
             <a:endParaRPr lang="en-US"/>
           </a:p>
         </p:txBody>
       </p:sp>
       <p:sp>
         <p:nvSpPr>
-          <p:cNvPr id="5" name="Footer Placeholder 4"/>
+          <p:cNvPr id="7" name="Slide Number Placeholder 5"/>
           <p:cNvSpPr>
             <a:spLocks noGrp="1"/>
           </p:cNvSpPr>
           <p:nvPr>
-            <p:ph type="ftr" sz="quarter" idx="11"/>
+            <p:ph type="sldNum" sz="quarter" idx="11"/>
           </p:nvPr>
         </p:nvSpPr>
         <p:spPr/>
         <p:txBody>
           <a:bodyPr/>
           <a:lstStyle>
-            <a:extLst/>
-          </a:lstStyle>
-          <a:p>
-            <a:endParaRPr lang="en-US"/>
-          </a:p>
-        </p:txBody>
-      </p:sp>
-      <p:sp>
-        <p:nvSpPr>
-          <p:cNvPr id="6" name="Slide Number Placeholder 5"/>
-          <p:cNvSpPr>
-            <a:spLocks noGrp="1"/>
-          </p:cNvSpPr>
-          <p:nvPr>
-            <p:ph type="sldNum" sz="quarter" idx="12"/>
-          </p:nvPr>
-        </p:nvSpPr>
-        <p:spPr/>
-        <p:txBody>
-          <a:bodyPr/>
-          <a:lstStyle>
-            <a:extLst/>
+            <a:lvl1pPr>
+              <a:defRPr/>
+            </a:lvl1pPr>
           </a:lstStyle>
           <a:p>
             <a:fld id="{88BD8D24-DC06-4D52-AAFE-E646E614394D}" type="slidenum">
@@ -1184,6 +934,11 @@
         </p:txBody>
       </p:sp>
     </p:spTree>
+    <p:extLst>
+      <p:ext uri="{BB962C8B-B14F-4D97-AF65-F5344CB8AC3E}">
+        <p14:creationId xmlns:p14="http://schemas.microsoft.com/office/powerpoint/2010/main" val="2982646770"/>
+      </p:ext>
+    </p:extLst>
   </p:cSld>
   <p:clrMapOvr>
     <a:masterClrMapping/>
@@ -1192,7 +947,7 @@
 </file>
 
 <file path=ppt/slideLayouts/slideLayout2.xml><?xml version="1.0" encoding="utf-8"?>
-<p:sldLayout xmlns:a="http://schemas.openxmlformats.org/drawingml/2006/main" xmlns:r="http://schemas.openxmlformats.org/officeDocument/2006/relationships" xmlns:p="http://schemas.openxmlformats.org/presentationml/2006/main" type="obj" preserve="1">
+<p:sldLayout xmlns:a="http://schemas.openxmlformats.org/drawingml/2006/main" xmlns:r="http://schemas.openxmlformats.org/officeDocument/2006/relationships" xmlns:p="http://schemas.openxmlformats.org/presentationml/2006/main" preserve="1">
   <p:cSld name="Title and Content">
     <p:spTree>
       <p:nvGrpSpPr>
@@ -1208,6 +963,114 @@
           <a:chExt cx="0" cy="0"/>
         </a:xfrm>
       </p:grpSpPr>
+      <p:pic>
+        <p:nvPicPr>
+          <p:cNvPr id="4" name="Picture 1" descr="C:\lasso\PerkFacilities\PerkWeb\images\logo-Queens.gif"/>
+          <p:cNvPicPr>
+            <a:picLocks noChangeAspect="1" noChangeArrowheads="1"/>
+          </p:cNvPicPr>
+          <p:nvPr/>
+        </p:nvPicPr>
+        <p:blipFill>
+          <a:blip r:embed="rId2" cstate="print">
+            <a:extLst>
+              <a:ext uri="{28A0092B-C50C-407E-A947-70E740481C1C}">
+                <a14:useLocalDpi xmlns:a14="http://schemas.microsoft.com/office/drawing/2010/main" val="0"/>
+              </a:ext>
+            </a:extLst>
+          </a:blip>
+          <a:srcRect/>
+          <a:stretch>
+            <a:fillRect/>
+          </a:stretch>
+        </p:blipFill>
+        <p:spPr bwMode="auto">
+          <a:xfrm>
+            <a:off x="8001000" y="6248400"/>
+            <a:ext cx="688975" cy="468313"/>
+          </a:xfrm>
+          <a:prstGeom prst="rect">
+            <a:avLst/>
+          </a:prstGeom>
+          <a:noFill/>
+          <a:ln>
+            <a:noFill/>
+          </a:ln>
+          <a:extLst>
+            <a:ext uri="{909E8E84-426E-40DD-AFC4-6F175D3DCCD1}">
+              <a14:hiddenFill xmlns:a14="http://schemas.microsoft.com/office/drawing/2010/main">
+                <a:solidFill>
+                  <a:srgbClr val="FFFFFF"/>
+                </a:solidFill>
+              </a14:hiddenFill>
+            </a:ext>
+            <a:ext uri="{91240B29-F687-4F45-9708-019B960494DF}">
+              <a14:hiddenLine xmlns:a14="http://schemas.microsoft.com/office/drawing/2010/main" w="9525">
+                <a:solidFill>
+                  <a:srgbClr val="000000"/>
+                </a:solidFill>
+                <a:miter lim="800000"/>
+                <a:headEnd/>
+                <a:tailEnd/>
+              </a14:hiddenLine>
+            </a:ext>
+          </a:extLst>
+        </p:spPr>
+      </p:pic>
+      <p:pic>
+        <p:nvPicPr>
+          <p:cNvPr id="5" name="Picture 5" descr="C:\lasso\My Dropbox\PerkWeb\PerkLogo2010-base-white-round-45dpi.png"/>
+          <p:cNvPicPr>
+            <a:picLocks noChangeAspect="1" noChangeArrowheads="1"/>
+          </p:cNvPicPr>
+          <p:nvPr/>
+        </p:nvPicPr>
+        <p:blipFill>
+          <a:blip r:embed="rId3">
+            <a:extLst>
+              <a:ext uri="{28A0092B-C50C-407E-A947-70E740481C1C}">
+                <a14:useLocalDpi xmlns:a14="http://schemas.microsoft.com/office/drawing/2010/main" val="0"/>
+              </a:ext>
+            </a:extLst>
+          </a:blip>
+          <a:srcRect/>
+          <a:stretch>
+            <a:fillRect/>
+          </a:stretch>
+        </p:blipFill>
+        <p:spPr bwMode="auto">
+          <a:xfrm>
+            <a:off x="457200" y="6248400"/>
+            <a:ext cx="457200" cy="457200"/>
+          </a:xfrm>
+          <a:prstGeom prst="rect">
+            <a:avLst/>
+          </a:prstGeom>
+          <a:noFill/>
+          <a:ln>
+            <a:noFill/>
+          </a:ln>
+          <a:extLst>
+            <a:ext uri="{909E8E84-426E-40DD-AFC4-6F175D3DCCD1}">
+              <a14:hiddenFill xmlns:a14="http://schemas.microsoft.com/office/drawing/2010/main">
+                <a:solidFill>
+                  <a:srgbClr val="FFFFFF"/>
+                </a:solidFill>
+              </a14:hiddenFill>
+            </a:ext>
+            <a:ext uri="{91240B29-F687-4F45-9708-019B960494DF}">
+              <a14:hiddenLine xmlns:a14="http://schemas.microsoft.com/office/drawing/2010/main" w="9525">
+                <a:solidFill>
+                  <a:srgbClr val="000000"/>
+                </a:solidFill>
+                <a:miter lim="800000"/>
+                <a:headEnd/>
+                <a:tailEnd/>
+              </a14:hiddenLine>
+            </a:ext>
+          </a:extLst>
+        </p:spPr>
+      </p:pic>
       <p:sp>
         <p:nvSpPr>
           <p:cNvPr id="3" name="Content Placeholder 2"/>
@@ -1221,67 +1084,90 @@
         <p:spPr/>
         <p:txBody>
           <a:bodyPr/>
-          <a:lstStyle>
-            <a:extLst/>
-          </a:lstStyle>
-          <a:p>
-            <a:pPr lvl="0" eaLnBrk="1" latinLnBrk="0" hangingPunct="1"/>
+          <a:lstStyle/>
+          <a:p>
+            <a:pPr lvl="0"/>
             <a:r>
               <a:rPr lang="en-US" smtClean="0"/>
               <a:t>Click to edit Master text styles</a:t>
             </a:r>
           </a:p>
           <a:p>
-            <a:pPr lvl="1" eaLnBrk="1" latinLnBrk="0" hangingPunct="1"/>
+            <a:pPr lvl="1"/>
             <a:r>
               <a:rPr lang="en-US" smtClean="0"/>
               <a:t>Second level</a:t>
             </a:r>
           </a:p>
           <a:p>
-            <a:pPr lvl="2" eaLnBrk="1" latinLnBrk="0" hangingPunct="1"/>
+            <a:pPr lvl="2"/>
             <a:r>
               <a:rPr lang="en-US" smtClean="0"/>
               <a:t>Third level</a:t>
             </a:r>
           </a:p>
           <a:p>
-            <a:pPr lvl="3" eaLnBrk="1" latinLnBrk="0" hangingPunct="1"/>
+            <a:pPr lvl="3"/>
             <a:r>
               <a:rPr lang="en-US" smtClean="0"/>
               <a:t>Fourth level</a:t>
             </a:r>
           </a:p>
           <a:p>
-            <a:pPr lvl="4" eaLnBrk="1" latinLnBrk="0" hangingPunct="1"/>
+            <a:pPr lvl="4"/>
             <a:r>
               <a:rPr lang="en-US" smtClean="0"/>
               <a:t>Fifth level</a:t>
             </a:r>
-            <a:endParaRPr kumimoji="0" lang="en-US"/>
+            <a:endParaRPr lang="en-US" dirty="0"/>
           </a:p>
         </p:txBody>
       </p:sp>
       <p:sp>
         <p:nvSpPr>
-          <p:cNvPr id="4" name="Date Placeholder 3"/>
+          <p:cNvPr id="9" name="Title 8"/>
           <p:cNvSpPr>
             <a:spLocks noGrp="1"/>
           </p:cNvSpPr>
           <p:nvPr>
-            <p:ph type="dt" sz="half" idx="10"/>
+            <p:ph type="title"/>
+          </p:nvPr>
+        </p:nvSpPr>
+        <p:spPr/>
+        <p:txBody>
+          <a:bodyPr/>
+          <a:lstStyle/>
+          <a:p>
+            <a:r>
+              <a:rPr lang="en-US" smtClean="0"/>
+              <a:t>Click to edit Master title style</a:t>
+            </a:r>
+            <a:endParaRPr lang="en-US"/>
+          </a:p>
+        </p:txBody>
+      </p:sp>
+      <p:sp>
+        <p:nvSpPr>
+          <p:cNvPr id="6" name="Slide Number Placeholder 9"/>
+          <p:cNvSpPr>
+            <a:spLocks noGrp="1"/>
+          </p:cNvSpPr>
+          <p:nvPr>
+            <p:ph type="sldNum" sz="quarter" idx="10"/>
           </p:nvPr>
         </p:nvSpPr>
         <p:spPr/>
         <p:txBody>
           <a:bodyPr/>
           <a:lstStyle>
-            <a:extLst/>
+            <a:lvl1pPr>
+              <a:defRPr/>
+            </a:lvl1pPr>
           </a:lstStyle>
           <a:p>
-            <a:fld id="{81F698AE-8DD5-4C76-8A4D-DFCEF1065FFE}" type="datetimeFigureOut">
+            <a:fld id="{88BD8D24-DC06-4D52-AAFE-E646E614394D}" type="slidenum">
               <a:rPr lang="en-US" smtClean="0"/>
-              <a:t>11/9/2011</a:t>
+              <a:t>‹#›</a:t>
             </a:fld>
             <a:endParaRPr lang="en-US"/>
           </a:p>
@@ -1289,7 +1175,7 @@
       </p:sp>
       <p:sp>
         <p:nvSpPr>
-          <p:cNvPr id="5" name="Footer Placeholder 4"/>
+          <p:cNvPr id="7" name="Footer Placeholder 10"/>
           <p:cNvSpPr>
             <a:spLocks noGrp="1"/>
           </p:cNvSpPr>
@@ -1301,64 +1187,21 @@
         <p:txBody>
           <a:bodyPr/>
           <a:lstStyle>
-            <a:extLst/>
+            <a:lvl1pPr>
+              <a:defRPr/>
+            </a:lvl1pPr>
           </a:lstStyle>
           <a:p>
             <a:endParaRPr lang="en-US"/>
-          </a:p>
-        </p:txBody>
-      </p:sp>
-      <p:sp>
-        <p:nvSpPr>
-          <p:cNvPr id="6" name="Slide Number Placeholder 5"/>
-          <p:cNvSpPr>
-            <a:spLocks noGrp="1"/>
-          </p:cNvSpPr>
-          <p:nvPr>
-            <p:ph type="sldNum" sz="quarter" idx="12"/>
-          </p:nvPr>
-        </p:nvSpPr>
-        <p:spPr/>
-        <p:txBody>
-          <a:bodyPr/>
-          <a:lstStyle>
-            <a:extLst/>
-          </a:lstStyle>
-          <a:p>
-            <a:fld id="{88BD8D24-DC06-4D52-AAFE-E646E614394D}" type="slidenum">
-              <a:rPr lang="en-US" smtClean="0"/>
-              <a:t>‹#›</a:t>
-            </a:fld>
-            <a:endParaRPr lang="en-US"/>
-          </a:p>
-        </p:txBody>
-      </p:sp>
-      <p:sp>
-        <p:nvSpPr>
-          <p:cNvPr id="7" name="Title 6"/>
-          <p:cNvSpPr>
-            <a:spLocks noGrp="1"/>
-          </p:cNvSpPr>
-          <p:nvPr>
-            <p:ph type="title"/>
-          </p:nvPr>
-        </p:nvSpPr>
-        <p:spPr/>
-        <p:txBody>
-          <a:bodyPr rtlCol="0"/>
-          <a:lstStyle>
-            <a:extLst/>
-          </a:lstStyle>
-          <a:p>
-            <a:r>
-              <a:rPr kumimoji="0" lang="en-US" smtClean="0"/>
-              <a:t>Click to edit Master title style</a:t>
-            </a:r>
-            <a:endParaRPr kumimoji="0" lang="en-US"/>
           </a:p>
         </p:txBody>
       </p:sp>
     </p:spTree>
+    <p:extLst>
+      <p:ext uri="{BB962C8B-B14F-4D97-AF65-F5344CB8AC3E}">
+        <p14:creationId xmlns:p14="http://schemas.microsoft.com/office/powerpoint/2010/main" val="3297400918"/>
+      </p:ext>
+    </p:extLst>
   </p:cSld>
   <p:clrMapOvr>
     <a:masterClrMapping/>
@@ -1369,11 +1212,6 @@
 <file path=ppt/slideLayouts/slideLayout3.xml><?xml version="1.0" encoding="utf-8"?>
 <p:sldLayout xmlns:a="http://schemas.openxmlformats.org/drawingml/2006/main" xmlns:r="http://schemas.openxmlformats.org/officeDocument/2006/relationships" xmlns:p="http://schemas.openxmlformats.org/presentationml/2006/main" type="secHead" preserve="1">
   <p:cSld name="Section Header">
-    <p:bg>
-      <p:bgRef idx="1002">
-        <a:schemeClr val="bg1"/>
-      </p:bgRef>
-    </p:bg>
     <p:spTree>
       <p:nvGrpSpPr>
         <p:cNvPr id="1" name=""/>
@@ -1388,6 +1226,114 @@
           <a:chExt cx="0" cy="0"/>
         </a:xfrm>
       </p:grpSpPr>
+      <p:pic>
+        <p:nvPicPr>
+          <p:cNvPr id="4" name="Picture 1" descr="C:\lasso\PerkFacilities\PerkWeb\images\logo-Queens.gif"/>
+          <p:cNvPicPr>
+            <a:picLocks noChangeAspect="1" noChangeArrowheads="1"/>
+          </p:cNvPicPr>
+          <p:nvPr/>
+        </p:nvPicPr>
+        <p:blipFill>
+          <a:blip r:embed="rId2">
+            <a:extLst>
+              <a:ext uri="{28A0092B-C50C-407E-A947-70E740481C1C}">
+                <a14:useLocalDpi xmlns:a14="http://schemas.microsoft.com/office/drawing/2010/main" val="0"/>
+              </a:ext>
+            </a:extLst>
+          </a:blip>
+          <a:srcRect/>
+          <a:stretch>
+            <a:fillRect/>
+          </a:stretch>
+        </p:blipFill>
+        <p:spPr bwMode="auto">
+          <a:xfrm>
+            <a:off x="7764463" y="5867400"/>
+            <a:ext cx="1227137" cy="833438"/>
+          </a:xfrm>
+          <a:prstGeom prst="rect">
+            <a:avLst/>
+          </a:prstGeom>
+          <a:noFill/>
+          <a:ln>
+            <a:noFill/>
+          </a:ln>
+          <a:extLst>
+            <a:ext uri="{909E8E84-426E-40DD-AFC4-6F175D3DCCD1}">
+              <a14:hiddenFill xmlns:a14="http://schemas.microsoft.com/office/drawing/2010/main">
+                <a:solidFill>
+                  <a:srgbClr val="FFFFFF"/>
+                </a:solidFill>
+              </a14:hiddenFill>
+            </a:ext>
+            <a:ext uri="{91240B29-F687-4F45-9708-019B960494DF}">
+              <a14:hiddenLine xmlns:a14="http://schemas.microsoft.com/office/drawing/2010/main" w="9525">
+                <a:solidFill>
+                  <a:srgbClr val="000000"/>
+                </a:solidFill>
+                <a:miter lim="800000"/>
+                <a:headEnd/>
+                <a:tailEnd/>
+              </a14:hiddenLine>
+            </a:ext>
+          </a:extLst>
+        </p:spPr>
+      </p:pic>
+      <p:pic>
+        <p:nvPicPr>
+          <p:cNvPr id="5" name="Picture 3" descr="C:\lasso\My Dropbox\PerkWeb\PerkLogo2010-base-with-text-300dpi.png"/>
+          <p:cNvPicPr>
+            <a:picLocks noChangeAspect="1" noChangeArrowheads="1"/>
+          </p:cNvPicPr>
+          <p:nvPr/>
+        </p:nvPicPr>
+        <p:blipFill>
+          <a:blip r:embed="rId3">
+            <a:extLst>
+              <a:ext uri="{28A0092B-C50C-407E-A947-70E740481C1C}">
+                <a14:useLocalDpi xmlns:a14="http://schemas.microsoft.com/office/drawing/2010/main" val="0"/>
+              </a:ext>
+            </a:extLst>
+          </a:blip>
+          <a:srcRect/>
+          <a:stretch>
+            <a:fillRect/>
+          </a:stretch>
+        </p:blipFill>
+        <p:spPr bwMode="auto">
+          <a:xfrm>
+            <a:off x="152400" y="152400"/>
+            <a:ext cx="3886200" cy="682625"/>
+          </a:xfrm>
+          <a:prstGeom prst="rect">
+            <a:avLst/>
+          </a:prstGeom>
+          <a:noFill/>
+          <a:ln>
+            <a:noFill/>
+          </a:ln>
+          <a:extLst>
+            <a:ext uri="{909E8E84-426E-40DD-AFC4-6F175D3DCCD1}">
+              <a14:hiddenFill xmlns:a14="http://schemas.microsoft.com/office/drawing/2010/main">
+                <a:solidFill>
+                  <a:srgbClr val="FFFFFF"/>
+                </a:solidFill>
+              </a14:hiddenFill>
+            </a:ext>
+            <a:ext uri="{91240B29-F687-4F45-9708-019B960494DF}">
+              <a14:hiddenLine xmlns:a14="http://schemas.microsoft.com/office/drawing/2010/main" w="9525">
+                <a:solidFill>
+                  <a:srgbClr val="000000"/>
+                </a:solidFill>
+                <a:miter lim="800000"/>
+                <a:headEnd/>
+                <a:tailEnd/>
+              </a14:hiddenLine>
+            </a:ext>
+          </a:extLst>
+        </p:spPr>
+      </p:pic>
       <p:sp>
         <p:nvSpPr>
           <p:cNvPr id="2" name="Title 1"/>
@@ -1400,42 +1346,23 @@
         </p:nvSpPr>
         <p:spPr>
           <a:xfrm>
-            <a:off x="722376" y="1059712"/>
-            <a:ext cx="7772400" cy="1828800"/>
+            <a:off x="722313" y="4406900"/>
+            <a:ext cx="7772400" cy="1362075"/>
           </a:xfrm>
         </p:spPr>
         <p:txBody>
-          <a:bodyPr vert="horz" anchor="b">
-            <a:normAutofit/>
-            <a:scene3d>
-              <a:camera prst="orthographicFront"/>
-              <a:lightRig rig="soft" dir="t"/>
-            </a:scene3d>
-            <a:sp3d prstMaterial="softEdge">
-              <a:bevelT w="25400" h="25400"/>
-            </a:sp3d>
-          </a:bodyPr>
+          <a:bodyPr anchor="t"/>
           <a:lstStyle>
-            <a:lvl1pPr algn="r">
-              <a:buNone/>
-              <a:defRPr sz="4800" b="1" cap="none" baseline="0">
-                <a:effectLst>
-                  <a:outerShdw blurRad="31750" dist="25400" dir="5400000" algn="tl" rotWithShape="0">
-                    <a:srgbClr val="000000">
-                      <a:alpha val="25000"/>
-                    </a:srgbClr>
-                  </a:outerShdw>
-                </a:effectLst>
-              </a:defRPr>
+            <a:lvl1pPr algn="l">
+              <a:defRPr sz="4000" b="1" cap="all"/>
             </a:lvl1pPr>
-            <a:extLst/>
           </a:lstStyle>
           <a:p>
             <a:r>
-              <a:rPr kumimoji="0" lang="en-US" smtClean="0"/>
+              <a:rPr lang="en-US" smtClean="0"/>
               <a:t>Click to edit Master title style</a:t>
             </a:r>
-            <a:endParaRPr kumimoji="0" lang="en-US"/>
+            <a:endParaRPr lang="en-US"/>
           </a:p>
         </p:txBody>
       </p:sp>
@@ -1451,22 +1378,24 @@
         </p:nvSpPr>
         <p:spPr>
           <a:xfrm>
-            <a:off x="3922713" y="2931712"/>
-            <a:ext cx="4572000" cy="1454888"/>
+            <a:off x="722313" y="2906713"/>
+            <a:ext cx="7772400" cy="1500187"/>
           </a:xfrm>
         </p:spPr>
         <p:txBody>
-          <a:bodyPr lIns="91440" rIns="91440" anchor="t"/>
+          <a:bodyPr anchor="b"/>
           <a:lstStyle>
-            <a:lvl1pPr marL="0" indent="0" algn="l">
+            <a:lvl1pPr marL="0" indent="0">
               <a:buNone/>
-              <a:defRPr sz="2300">
+              <a:defRPr sz="2000">
                 <a:solidFill>
-                  <a:schemeClr val="tx1"/>
+                  <a:schemeClr val="tx1">
+                    <a:tint val="75000"/>
+                  </a:schemeClr>
                 </a:solidFill>
               </a:defRPr>
             </a:lvl1pPr>
-            <a:lvl2pPr>
+            <a:lvl2pPr marL="457200" indent="0">
               <a:buNone/>
               <a:defRPr sz="1800">
                 <a:solidFill>
@@ -1476,7 +1405,7 @@
                 </a:solidFill>
               </a:defRPr>
             </a:lvl2pPr>
-            <a:lvl3pPr>
+            <a:lvl3pPr marL="914400" indent="0">
               <a:buNone/>
               <a:defRPr sz="1600">
                 <a:solidFill>
@@ -1486,7 +1415,7 @@
                 </a:solidFill>
               </a:defRPr>
             </a:lvl3pPr>
-            <a:lvl4pPr>
+            <a:lvl4pPr marL="1371600" indent="0">
               <a:buNone/>
               <a:defRPr sz="1400">
                 <a:solidFill>
@@ -1496,7 +1425,7 @@
                 </a:solidFill>
               </a:defRPr>
             </a:lvl4pPr>
-            <a:lvl5pPr>
+            <a:lvl5pPr marL="1828800" indent="0">
               <a:buNone/>
               <a:defRPr sz="1400">
                 <a:solidFill>
@@ -1506,252 +1435,65 @@
                 </a:solidFill>
               </a:defRPr>
             </a:lvl5pPr>
-            <a:extLst/>
+            <a:lvl6pPr marL="2286000" indent="0">
+              <a:buNone/>
+              <a:defRPr sz="1400">
+                <a:solidFill>
+                  <a:schemeClr val="tx1">
+                    <a:tint val="75000"/>
+                  </a:schemeClr>
+                </a:solidFill>
+              </a:defRPr>
+            </a:lvl6pPr>
+            <a:lvl7pPr marL="2743200" indent="0">
+              <a:buNone/>
+              <a:defRPr sz="1400">
+                <a:solidFill>
+                  <a:schemeClr val="tx1">
+                    <a:tint val="75000"/>
+                  </a:schemeClr>
+                </a:solidFill>
+              </a:defRPr>
+            </a:lvl7pPr>
+            <a:lvl8pPr marL="3200400" indent="0">
+              <a:buNone/>
+              <a:defRPr sz="1400">
+                <a:solidFill>
+                  <a:schemeClr val="tx1">
+                    <a:tint val="75000"/>
+                  </a:schemeClr>
+                </a:solidFill>
+              </a:defRPr>
+            </a:lvl8pPr>
+            <a:lvl9pPr marL="3657600" indent="0">
+              <a:buNone/>
+              <a:defRPr sz="1400">
+                <a:solidFill>
+                  <a:schemeClr val="tx1">
+                    <a:tint val="75000"/>
+                  </a:schemeClr>
+                </a:solidFill>
+              </a:defRPr>
+            </a:lvl9pPr>
           </a:lstStyle>
           <a:p>
-            <a:pPr lvl="0" eaLnBrk="1" latinLnBrk="0" hangingPunct="1"/>
-            <a:r>
-              <a:rPr kumimoji="0" lang="en-US" smtClean="0"/>
+            <a:pPr lvl="0"/>
+            <a:r>
+              <a:rPr lang="en-US" smtClean="0"/>
               <a:t>Click to edit Master text styles</a:t>
             </a:r>
-          </a:p>
-        </p:txBody>
-      </p:sp>
-      <p:sp>
-        <p:nvSpPr>
-          <p:cNvPr id="4" name="Date Placeholder 3"/>
-          <p:cNvSpPr>
-            <a:spLocks noGrp="1"/>
-          </p:cNvSpPr>
-          <p:nvPr>
-            <p:ph type="dt" sz="half" idx="10"/>
-          </p:nvPr>
-        </p:nvSpPr>
-        <p:spPr/>
-        <p:txBody>
-          <a:bodyPr/>
-          <a:lstStyle>
-            <a:extLst/>
-          </a:lstStyle>
-          <a:p>
-            <a:fld id="{81F698AE-8DD5-4C76-8A4D-DFCEF1065FFE}" type="datetimeFigureOut">
-              <a:rPr lang="en-US" smtClean="0"/>
-              <a:t>11/9/2011</a:t>
-            </a:fld>
-            <a:endParaRPr lang="en-US"/>
-          </a:p>
-        </p:txBody>
-      </p:sp>
-      <p:sp>
-        <p:nvSpPr>
-          <p:cNvPr id="5" name="Footer Placeholder 4"/>
-          <p:cNvSpPr>
-            <a:spLocks noGrp="1"/>
-          </p:cNvSpPr>
-          <p:nvPr>
-            <p:ph type="ftr" sz="quarter" idx="11"/>
-          </p:nvPr>
-        </p:nvSpPr>
-        <p:spPr/>
-        <p:txBody>
-          <a:bodyPr/>
-          <a:lstStyle>
-            <a:extLst/>
-          </a:lstStyle>
-          <a:p>
-            <a:endParaRPr lang="en-US"/>
-          </a:p>
-        </p:txBody>
-      </p:sp>
-      <p:sp>
-        <p:nvSpPr>
-          <p:cNvPr id="6" name="Slide Number Placeholder 5"/>
-          <p:cNvSpPr>
-            <a:spLocks noGrp="1"/>
-          </p:cNvSpPr>
-          <p:nvPr>
-            <p:ph type="sldNum" sz="quarter" idx="12"/>
-          </p:nvPr>
-        </p:nvSpPr>
-        <p:spPr/>
-        <p:txBody>
-          <a:bodyPr/>
-          <a:lstStyle>
-            <a:extLst/>
-          </a:lstStyle>
-          <a:p>
-            <a:fld id="{88BD8D24-DC06-4D52-AAFE-E646E614394D}" type="slidenum">
-              <a:rPr lang="en-US" smtClean="0"/>
-              <a:t>‹#›</a:t>
-            </a:fld>
-            <a:endParaRPr lang="en-US"/>
-          </a:p>
-        </p:txBody>
-      </p:sp>
-      <p:sp>
-        <p:nvSpPr>
-          <p:cNvPr id="7" name="Chevron 6"/>
-          <p:cNvSpPr/>
-          <p:nvPr/>
-        </p:nvSpPr>
-        <p:spPr>
-          <a:xfrm>
-            <a:off x="3636680" y="3005472"/>
-            <a:ext cx="182880" cy="228600"/>
-          </a:xfrm>
-          <a:prstGeom prst="chevron">
-            <a:avLst>
-              <a:gd name="adj" fmla="val 50000"/>
-            </a:avLst>
-          </a:prstGeom>
-          <a:gradFill flip="none" rotWithShape="1">
-            <a:gsLst>
-              <a:gs pos="0">
-                <a:schemeClr val="accent1">
-                  <a:shade val="60000"/>
-                  <a:satMod val="125000"/>
-                </a:schemeClr>
-              </a:gs>
-              <a:gs pos="72000">
-                <a:schemeClr val="accent1">
-                  <a:tint val="90000"/>
-                  <a:satMod val="138000"/>
-                </a:schemeClr>
-              </a:gs>
-              <a:gs pos="100000">
-                <a:schemeClr val="accent1">
-                  <a:tint val="76000"/>
-                  <a:satMod val="136000"/>
-                </a:schemeClr>
-              </a:gs>
-            </a:gsLst>
-            <a:lin ang="16200000" scaled="0"/>
-          </a:gradFill>
-          <a:ln w="3175" cap="rnd" cmpd="sng" algn="ctr">
-            <a:solidFill>
-              <a:schemeClr val="accent1">
-                <a:shade val="50000"/>
-              </a:schemeClr>
-            </a:solidFill>
-            <a:prstDash val="solid"/>
-          </a:ln>
-          <a:effectLst>
-            <a:outerShdw blurRad="50800" dist="25400" dir="5400000">
-              <a:srgbClr val="000000">
-                <a:alpha val="46000"/>
-              </a:srgbClr>
-            </a:outerShdw>
-          </a:effectLst>
-        </p:spPr>
-        <p:style>
-          <a:lnRef idx="1">
-            <a:schemeClr val="accent1"/>
-          </a:lnRef>
-          <a:fillRef idx="3">
-            <a:schemeClr val="accent1"/>
-          </a:fillRef>
-          <a:effectRef idx="2">
-            <a:schemeClr val="accent1"/>
-          </a:effectRef>
-          <a:fontRef idx="minor">
-            <a:schemeClr val="lt1"/>
-          </a:fontRef>
-        </p:style>
-        <p:txBody>
-          <a:bodyPr anchor="ctr"/>
-          <a:lstStyle>
-            <a:extLst/>
-          </a:lstStyle>
-          <a:p>
-            <a:pPr algn="l" eaLnBrk="1" latinLnBrk="0" hangingPunct="1"/>
-            <a:endParaRPr kumimoji="0" lang="en-US"/>
-          </a:p>
-        </p:txBody>
-      </p:sp>
-      <p:sp>
-        <p:nvSpPr>
-          <p:cNvPr id="8" name="Chevron 7"/>
-          <p:cNvSpPr/>
-          <p:nvPr/>
-        </p:nvSpPr>
-        <p:spPr>
-          <a:xfrm>
-            <a:off x="3450264" y="3005472"/>
-            <a:ext cx="182880" cy="228600"/>
-          </a:xfrm>
-          <a:prstGeom prst="chevron">
-            <a:avLst>
-              <a:gd name="adj" fmla="val 50000"/>
-            </a:avLst>
-          </a:prstGeom>
-          <a:gradFill flip="none" rotWithShape="1">
-            <a:gsLst>
-              <a:gs pos="0">
-                <a:schemeClr val="accent1">
-                  <a:shade val="60000"/>
-                  <a:satMod val="125000"/>
-                </a:schemeClr>
-              </a:gs>
-              <a:gs pos="72000">
-                <a:schemeClr val="accent1">
-                  <a:tint val="90000"/>
-                  <a:satMod val="138000"/>
-                </a:schemeClr>
-              </a:gs>
-              <a:gs pos="100000">
-                <a:schemeClr val="accent1">
-                  <a:tint val="76000"/>
-                  <a:satMod val="136000"/>
-                </a:schemeClr>
-              </a:gs>
-            </a:gsLst>
-            <a:lin ang="16200000" scaled="0"/>
-          </a:gradFill>
-          <a:ln w="3175" cap="rnd" cmpd="sng" algn="ctr">
-            <a:solidFill>
-              <a:schemeClr val="accent1">
-                <a:shade val="50000"/>
-              </a:schemeClr>
-            </a:solidFill>
-            <a:prstDash val="solid"/>
-          </a:ln>
-          <a:effectLst>
-            <a:outerShdw blurRad="50800" dist="25400" dir="5400000">
-              <a:srgbClr val="000000">
-                <a:alpha val="46000"/>
-              </a:srgbClr>
-            </a:outerShdw>
-          </a:effectLst>
-        </p:spPr>
-        <p:style>
-          <a:lnRef idx="1">
-            <a:schemeClr val="accent1"/>
-          </a:lnRef>
-          <a:fillRef idx="3">
-            <a:schemeClr val="accent1"/>
-          </a:fillRef>
-          <a:effectRef idx="2">
-            <a:schemeClr val="accent1"/>
-          </a:effectRef>
-          <a:fontRef idx="minor">
-            <a:schemeClr val="lt1"/>
-          </a:fontRef>
-        </p:style>
-        <p:txBody>
-          <a:bodyPr anchor="ctr"/>
-          <a:lstStyle>
-            <a:extLst/>
-          </a:lstStyle>
-          <a:p>
-            <a:pPr algn="l" eaLnBrk="1" latinLnBrk="0" hangingPunct="1"/>
-            <a:endParaRPr kumimoji="0" lang="en-US"/>
           </a:p>
         </p:txBody>
       </p:sp>
     </p:spTree>
+    <p:extLst>
+      <p:ext uri="{BB962C8B-B14F-4D97-AF65-F5344CB8AC3E}">
+        <p14:creationId xmlns:p14="http://schemas.microsoft.com/office/powerpoint/2010/main" val="2782774890"/>
+      </p:ext>
+    </p:extLst>
   </p:cSld>
   <p:clrMapOvr>
-    <a:overrideClrMapping bg1="dk1" tx1="lt1" bg2="dk2" tx2="lt2" accent1="accent1" accent2="accent2" accent3="accent3" accent4="accent4" accent5="accent5" accent6="accent6" hlink="hlink" folHlink="folHlink"/>
+    <a:masterClrMapping/>
   </p:clrMapOvr>
 </p:sldLayout>
 </file>
@@ -1759,11 +1501,6 @@
 <file path=ppt/slideLayouts/slideLayout4.xml><?xml version="1.0" encoding="utf-8"?>
 <p:sldLayout xmlns:a="http://schemas.openxmlformats.org/drawingml/2006/main" xmlns:r="http://schemas.openxmlformats.org/officeDocument/2006/relationships" xmlns:p="http://schemas.openxmlformats.org/presentationml/2006/main" type="twoObj" preserve="1">
   <p:cSld name="Two Content">
-    <p:bg>
-      <p:bgRef idx="1002">
-        <a:schemeClr val="bg1"/>
-      </p:bgRef>
-    </p:bg>
     <p:spTree>
       <p:nvGrpSpPr>
         <p:cNvPr id="1" name=""/>
@@ -1778,6 +1515,137 @@
           <a:chExt cx="0" cy="0"/>
         </a:xfrm>
       </p:grpSpPr>
+      <p:pic>
+        <p:nvPicPr>
+          <p:cNvPr id="5" name="Picture 1" descr="C:\lasso\PerkFacilities\PerkWeb\images\logo-Queens.gif"/>
+          <p:cNvPicPr>
+            <a:picLocks noChangeAspect="1" noChangeArrowheads="1"/>
+          </p:cNvPicPr>
+          <p:nvPr/>
+        </p:nvPicPr>
+        <p:blipFill>
+          <a:blip r:embed="rId2">
+            <a:extLst>
+              <a:ext uri="{28A0092B-C50C-407E-A947-70E740481C1C}">
+                <a14:useLocalDpi xmlns:a14="http://schemas.microsoft.com/office/drawing/2010/main" val="0"/>
+              </a:ext>
+            </a:extLst>
+          </a:blip>
+          <a:srcRect/>
+          <a:stretch>
+            <a:fillRect/>
+          </a:stretch>
+        </p:blipFill>
+        <p:spPr bwMode="auto">
+          <a:xfrm>
+            <a:off x="8001000" y="6248400"/>
+            <a:ext cx="688975" cy="468313"/>
+          </a:xfrm>
+          <a:prstGeom prst="rect">
+            <a:avLst/>
+          </a:prstGeom>
+          <a:noFill/>
+          <a:ln>
+            <a:noFill/>
+          </a:ln>
+          <a:extLst>
+            <a:ext uri="{909E8E84-426E-40DD-AFC4-6F175D3DCCD1}">
+              <a14:hiddenFill xmlns:a14="http://schemas.microsoft.com/office/drawing/2010/main">
+                <a:solidFill>
+                  <a:srgbClr val="FFFFFF"/>
+                </a:solidFill>
+              </a14:hiddenFill>
+            </a:ext>
+            <a:ext uri="{91240B29-F687-4F45-9708-019B960494DF}">
+              <a14:hiddenLine xmlns:a14="http://schemas.microsoft.com/office/drawing/2010/main" w="9525">
+                <a:solidFill>
+                  <a:srgbClr val="000000"/>
+                </a:solidFill>
+                <a:miter lim="800000"/>
+                <a:headEnd/>
+                <a:tailEnd/>
+              </a14:hiddenLine>
+            </a:ext>
+          </a:extLst>
+        </p:spPr>
+      </p:pic>
+      <p:pic>
+        <p:nvPicPr>
+          <p:cNvPr id="6" name="Picture 7" descr="C:\lasso\My Dropbox\PerkWeb\PerkLogo2010-base-white-round-45dpi.png"/>
+          <p:cNvPicPr>
+            <a:picLocks noChangeAspect="1" noChangeArrowheads="1"/>
+          </p:cNvPicPr>
+          <p:nvPr/>
+        </p:nvPicPr>
+        <p:blipFill>
+          <a:blip r:embed="rId3">
+            <a:extLst>
+              <a:ext uri="{28A0092B-C50C-407E-A947-70E740481C1C}">
+                <a14:useLocalDpi xmlns:a14="http://schemas.microsoft.com/office/drawing/2010/main" val="0"/>
+              </a:ext>
+            </a:extLst>
+          </a:blip>
+          <a:srcRect/>
+          <a:stretch>
+            <a:fillRect/>
+          </a:stretch>
+        </p:blipFill>
+        <p:spPr bwMode="auto">
+          <a:xfrm>
+            <a:off x="457200" y="6248400"/>
+            <a:ext cx="457200" cy="457200"/>
+          </a:xfrm>
+          <a:prstGeom prst="rect">
+            <a:avLst/>
+          </a:prstGeom>
+          <a:noFill/>
+          <a:ln>
+            <a:noFill/>
+          </a:ln>
+          <a:extLst>
+            <a:ext uri="{909E8E84-426E-40DD-AFC4-6F175D3DCCD1}">
+              <a14:hiddenFill xmlns:a14="http://schemas.microsoft.com/office/drawing/2010/main">
+                <a:solidFill>
+                  <a:srgbClr val="FFFFFF"/>
+                </a:solidFill>
+              </a14:hiddenFill>
+            </a:ext>
+            <a:ext uri="{91240B29-F687-4F45-9708-019B960494DF}">
+              <a14:hiddenLine xmlns:a14="http://schemas.microsoft.com/office/drawing/2010/main" w="9525">
+                <a:solidFill>
+                  <a:srgbClr val="000000"/>
+                </a:solidFill>
+                <a:miter lim="800000"/>
+                <a:headEnd/>
+                <a:tailEnd/>
+              </a14:hiddenLine>
+            </a:ext>
+          </a:extLst>
+        </p:spPr>
+      </p:pic>
+      <p:sp>
+        <p:nvSpPr>
+          <p:cNvPr id="2" name="Title 1"/>
+          <p:cNvSpPr>
+            <a:spLocks noGrp="1"/>
+          </p:cNvSpPr>
+          <p:nvPr>
+            <p:ph type="title"/>
+          </p:nvPr>
+        </p:nvSpPr>
+        <p:spPr/>
+        <p:txBody>
+          <a:bodyPr/>
+          <a:lstStyle/>
+          <a:p>
+            <a:r>
+              <a:rPr lang="en-US" smtClean="0"/>
+              <a:t>Click to edit Master title style</a:t>
+            </a:r>
+            <a:endParaRPr lang="en-US"/>
+          </a:p>
+        </p:txBody>
+      </p:sp>
       <p:sp>
         <p:nvSpPr>
           <p:cNvPr id="3" name="Content Placeholder 2"/>
@@ -1790,7 +1658,7 @@
         </p:nvSpPr>
         <p:spPr>
           <a:xfrm>
-            <a:off x="457200" y="1481328"/>
+            <a:off x="457200" y="1600200"/>
             <a:ext cx="4038600" cy="4525963"/>
           </a:xfrm>
         </p:spPr>
@@ -1812,43 +1680,54 @@
             <a:lvl5pPr>
               <a:defRPr sz="1800"/>
             </a:lvl5pPr>
-            <a:extLst/>
+            <a:lvl6pPr>
+              <a:defRPr sz="1800"/>
+            </a:lvl6pPr>
+            <a:lvl7pPr>
+              <a:defRPr sz="1800"/>
+            </a:lvl7pPr>
+            <a:lvl8pPr>
+              <a:defRPr sz="1800"/>
+            </a:lvl8pPr>
+            <a:lvl9pPr>
+              <a:defRPr sz="1800"/>
+            </a:lvl9pPr>
           </a:lstStyle>
           <a:p>
-            <a:pPr lvl="0" eaLnBrk="1" latinLnBrk="0" hangingPunct="1"/>
+            <a:pPr lvl="0"/>
             <a:r>
               <a:rPr lang="en-US" smtClean="0"/>
               <a:t>Click to edit Master text styles</a:t>
             </a:r>
           </a:p>
           <a:p>
-            <a:pPr lvl="1" eaLnBrk="1" latinLnBrk="0" hangingPunct="1"/>
+            <a:pPr lvl="1"/>
             <a:r>
               <a:rPr lang="en-US" smtClean="0"/>
               <a:t>Second level</a:t>
             </a:r>
           </a:p>
           <a:p>
-            <a:pPr lvl="2" eaLnBrk="1" latinLnBrk="0" hangingPunct="1"/>
+            <a:pPr lvl="2"/>
             <a:r>
               <a:rPr lang="en-US" smtClean="0"/>
               <a:t>Third level</a:t>
             </a:r>
           </a:p>
           <a:p>
-            <a:pPr lvl="3" eaLnBrk="1" latinLnBrk="0" hangingPunct="1"/>
+            <a:pPr lvl="3"/>
             <a:r>
               <a:rPr lang="en-US" smtClean="0"/>
               <a:t>Fourth level</a:t>
             </a:r>
           </a:p>
           <a:p>
-            <a:pPr lvl="4" eaLnBrk="1" latinLnBrk="0" hangingPunct="1"/>
+            <a:pPr lvl="4"/>
             <a:r>
               <a:rPr lang="en-US" smtClean="0"/>
               <a:t>Fifth level</a:t>
             </a:r>
-            <a:endParaRPr kumimoji="0" lang="en-US"/>
+            <a:endParaRPr lang="en-US"/>
           </a:p>
         </p:txBody>
       </p:sp>
@@ -1864,7 +1743,7 @@
         </p:nvSpPr>
         <p:spPr>
           <a:xfrm>
-            <a:off x="4648200" y="1481328"/>
+            <a:off x="4648200" y="1600200"/>
             <a:ext cx="4038600" cy="4525963"/>
           </a:xfrm>
         </p:spPr>
@@ -1886,107 +1765,97 @@
             <a:lvl5pPr>
               <a:defRPr sz="1800"/>
             </a:lvl5pPr>
-            <a:extLst/>
+            <a:lvl6pPr>
+              <a:defRPr sz="1800"/>
+            </a:lvl6pPr>
+            <a:lvl7pPr>
+              <a:defRPr sz="1800"/>
+            </a:lvl7pPr>
+            <a:lvl8pPr>
+              <a:defRPr sz="1800"/>
+            </a:lvl8pPr>
+            <a:lvl9pPr>
+              <a:defRPr sz="1800"/>
+            </a:lvl9pPr>
           </a:lstStyle>
           <a:p>
-            <a:pPr lvl="0" eaLnBrk="1" latinLnBrk="0" hangingPunct="1"/>
+            <a:pPr lvl="0"/>
             <a:r>
               <a:rPr lang="en-US" smtClean="0"/>
               <a:t>Click to edit Master text styles</a:t>
             </a:r>
           </a:p>
           <a:p>
-            <a:pPr lvl="1" eaLnBrk="1" latinLnBrk="0" hangingPunct="1"/>
+            <a:pPr lvl="1"/>
             <a:r>
               <a:rPr lang="en-US" smtClean="0"/>
               <a:t>Second level</a:t>
             </a:r>
           </a:p>
           <a:p>
-            <a:pPr lvl="2" eaLnBrk="1" latinLnBrk="0" hangingPunct="1"/>
+            <a:pPr lvl="2"/>
             <a:r>
               <a:rPr lang="en-US" smtClean="0"/>
               <a:t>Third level</a:t>
             </a:r>
           </a:p>
           <a:p>
-            <a:pPr lvl="3" eaLnBrk="1" latinLnBrk="0" hangingPunct="1"/>
+            <a:pPr lvl="3"/>
             <a:r>
               <a:rPr lang="en-US" smtClean="0"/>
               <a:t>Fourth level</a:t>
             </a:r>
           </a:p>
           <a:p>
-            <a:pPr lvl="4" eaLnBrk="1" latinLnBrk="0" hangingPunct="1"/>
+            <a:pPr lvl="4"/>
             <a:r>
               <a:rPr lang="en-US" smtClean="0"/>
               <a:t>Fifth level</a:t>
             </a:r>
-            <a:endParaRPr kumimoji="0" lang="en-US"/>
+            <a:endParaRPr lang="en-US"/>
           </a:p>
         </p:txBody>
       </p:sp>
       <p:sp>
         <p:nvSpPr>
-          <p:cNvPr id="5" name="Date Placeholder 4"/>
+          <p:cNvPr id="7" name="Footer Placeholder 4"/>
           <p:cNvSpPr>
             <a:spLocks noGrp="1"/>
           </p:cNvSpPr>
           <p:nvPr>
-            <p:ph type="dt" sz="half" idx="10"/>
+            <p:ph type="ftr" sz="quarter" idx="10"/>
           </p:nvPr>
         </p:nvSpPr>
         <p:spPr/>
         <p:txBody>
           <a:bodyPr/>
           <a:lstStyle>
-            <a:extLst/>
+            <a:lvl1pPr>
+              <a:defRPr/>
+            </a:lvl1pPr>
           </a:lstStyle>
           <a:p>
-            <a:fld id="{81F698AE-8DD5-4C76-8A4D-DFCEF1065FFE}" type="datetimeFigureOut">
-              <a:rPr lang="en-US" smtClean="0"/>
-              <a:t>11/9/2011</a:t>
-            </a:fld>
             <a:endParaRPr lang="en-US"/>
           </a:p>
         </p:txBody>
       </p:sp>
       <p:sp>
         <p:nvSpPr>
-          <p:cNvPr id="6" name="Footer Placeholder 5"/>
+          <p:cNvPr id="8" name="Slide Number Placeholder 5"/>
           <p:cNvSpPr>
             <a:spLocks noGrp="1"/>
           </p:cNvSpPr>
           <p:nvPr>
-            <p:ph type="ftr" sz="quarter" idx="11"/>
+            <p:ph type="sldNum" sz="quarter" idx="11"/>
           </p:nvPr>
         </p:nvSpPr>
         <p:spPr/>
         <p:txBody>
           <a:bodyPr/>
           <a:lstStyle>
-            <a:extLst/>
-          </a:lstStyle>
-          <a:p>
-            <a:endParaRPr lang="en-US"/>
-          </a:p>
-        </p:txBody>
-      </p:sp>
-      <p:sp>
-        <p:nvSpPr>
-          <p:cNvPr id="7" name="Slide Number Placeholder 6"/>
-          <p:cNvSpPr>
-            <a:spLocks noGrp="1"/>
-          </p:cNvSpPr>
-          <p:nvPr>
-            <p:ph type="sldNum" sz="quarter" idx="12"/>
-          </p:nvPr>
-        </p:nvSpPr>
-        <p:spPr/>
-        <p:txBody>
-          <a:bodyPr/>
-          <a:lstStyle>
-            <a:extLst/>
+            <a:lvl1pPr>
+              <a:defRPr/>
+            </a:lvl1pPr>
           </a:lstStyle>
           <a:p>
             <a:fld id="{88BD8D24-DC06-4D52-AAFE-E646E614394D}" type="slidenum">
@@ -1997,47 +1866,22 @@
           </a:p>
         </p:txBody>
       </p:sp>
-      <p:sp>
-        <p:nvSpPr>
-          <p:cNvPr id="8" name="Title 7"/>
-          <p:cNvSpPr>
-            <a:spLocks noGrp="1"/>
-          </p:cNvSpPr>
-          <p:nvPr>
-            <p:ph type="title"/>
-          </p:nvPr>
-        </p:nvSpPr>
-        <p:spPr/>
-        <p:txBody>
-          <a:bodyPr rtlCol="0"/>
-          <a:lstStyle>
-            <a:extLst/>
-          </a:lstStyle>
-          <a:p>
-            <a:r>
-              <a:rPr kumimoji="0" lang="en-US" smtClean="0"/>
-              <a:t>Click to edit Master title style</a:t>
-            </a:r>
-            <a:endParaRPr kumimoji="0" lang="en-US"/>
-          </a:p>
-        </p:txBody>
-      </p:sp>
     </p:spTree>
+    <p:extLst>
+      <p:ext uri="{BB962C8B-B14F-4D97-AF65-F5344CB8AC3E}">
+        <p14:creationId xmlns:p14="http://schemas.microsoft.com/office/powerpoint/2010/main" val="856342886"/>
+      </p:ext>
+    </p:extLst>
   </p:cSld>
   <p:clrMapOvr>
-    <a:overrideClrMapping bg1="dk1" tx1="lt1" bg2="dk2" tx2="lt2" accent1="accent1" accent2="accent2" accent3="accent3" accent4="accent4" accent5="accent5" accent6="accent6" hlink="hlink" folHlink="folHlink"/>
+    <a:masterClrMapping/>
   </p:clrMapOvr>
 </p:sldLayout>
 </file>
 
 <file path=ppt/slideLayouts/slideLayout5.xml><?xml version="1.0" encoding="utf-8"?>
-<p:sldLayout xmlns:a="http://schemas.openxmlformats.org/drawingml/2006/main" xmlns:r="http://schemas.openxmlformats.org/officeDocument/2006/relationships" xmlns:p="http://schemas.openxmlformats.org/presentationml/2006/main" showMasterSp="0" type="twoTxTwoObj" preserve="1">
+<p:sldLayout xmlns:a="http://schemas.openxmlformats.org/drawingml/2006/main" xmlns:r="http://schemas.openxmlformats.org/officeDocument/2006/relationships" xmlns:p="http://schemas.openxmlformats.org/presentationml/2006/main" type="twoTxTwoObj" preserve="1">
   <p:cSld name="Comparison">
-    <p:bg>
-      <p:bgRef idx="1003">
-        <a:schemeClr val="bg1"/>
-      </p:bgRef>
-    </p:bg>
     <p:spTree>
       <p:nvGrpSpPr>
         <p:cNvPr id="1" name=""/>
@@ -2052,6 +1896,114 @@
           <a:chExt cx="0" cy="0"/>
         </a:xfrm>
       </p:grpSpPr>
+      <p:pic>
+        <p:nvPicPr>
+          <p:cNvPr id="7" name="Picture 1" descr="C:\lasso\PerkFacilities\PerkWeb\images\logo-Queens.gif"/>
+          <p:cNvPicPr>
+            <a:picLocks noChangeAspect="1" noChangeArrowheads="1"/>
+          </p:cNvPicPr>
+          <p:nvPr/>
+        </p:nvPicPr>
+        <p:blipFill>
+          <a:blip r:embed="rId2">
+            <a:extLst>
+              <a:ext uri="{28A0092B-C50C-407E-A947-70E740481C1C}">
+                <a14:useLocalDpi xmlns:a14="http://schemas.microsoft.com/office/drawing/2010/main" val="0"/>
+              </a:ext>
+            </a:extLst>
+          </a:blip>
+          <a:srcRect/>
+          <a:stretch>
+            <a:fillRect/>
+          </a:stretch>
+        </p:blipFill>
+        <p:spPr bwMode="auto">
+          <a:xfrm>
+            <a:off x="8001000" y="6248400"/>
+            <a:ext cx="688975" cy="468313"/>
+          </a:xfrm>
+          <a:prstGeom prst="rect">
+            <a:avLst/>
+          </a:prstGeom>
+          <a:noFill/>
+          <a:ln>
+            <a:noFill/>
+          </a:ln>
+          <a:extLst>
+            <a:ext uri="{909E8E84-426E-40DD-AFC4-6F175D3DCCD1}">
+              <a14:hiddenFill xmlns:a14="http://schemas.microsoft.com/office/drawing/2010/main">
+                <a:solidFill>
+                  <a:srgbClr val="FFFFFF"/>
+                </a:solidFill>
+              </a14:hiddenFill>
+            </a:ext>
+            <a:ext uri="{91240B29-F687-4F45-9708-019B960494DF}">
+              <a14:hiddenLine xmlns:a14="http://schemas.microsoft.com/office/drawing/2010/main" w="9525">
+                <a:solidFill>
+                  <a:srgbClr val="000000"/>
+                </a:solidFill>
+                <a:miter lim="800000"/>
+                <a:headEnd/>
+                <a:tailEnd/>
+              </a14:hiddenLine>
+            </a:ext>
+          </a:extLst>
+        </p:spPr>
+      </p:pic>
+      <p:pic>
+        <p:nvPicPr>
+          <p:cNvPr id="8" name="Picture 5" descr="C:\lasso\My Dropbox\PerkWeb\PerkLogo2010-base-white-round-45dpi.png"/>
+          <p:cNvPicPr>
+            <a:picLocks noChangeAspect="1" noChangeArrowheads="1"/>
+          </p:cNvPicPr>
+          <p:nvPr/>
+        </p:nvPicPr>
+        <p:blipFill>
+          <a:blip r:embed="rId3">
+            <a:extLst>
+              <a:ext uri="{28A0092B-C50C-407E-A947-70E740481C1C}">
+                <a14:useLocalDpi xmlns:a14="http://schemas.microsoft.com/office/drawing/2010/main" val="0"/>
+              </a:ext>
+            </a:extLst>
+          </a:blip>
+          <a:srcRect/>
+          <a:stretch>
+            <a:fillRect/>
+          </a:stretch>
+        </p:blipFill>
+        <p:spPr bwMode="auto">
+          <a:xfrm>
+            <a:off x="457200" y="6248400"/>
+            <a:ext cx="457200" cy="457200"/>
+          </a:xfrm>
+          <a:prstGeom prst="rect">
+            <a:avLst/>
+          </a:prstGeom>
+          <a:noFill/>
+          <a:ln>
+            <a:noFill/>
+          </a:ln>
+          <a:extLst>
+            <a:ext uri="{909E8E84-426E-40DD-AFC4-6F175D3DCCD1}">
+              <a14:hiddenFill xmlns:a14="http://schemas.microsoft.com/office/drawing/2010/main">
+                <a:solidFill>
+                  <a:srgbClr val="FFFFFF"/>
+                </a:solidFill>
+              </a14:hiddenFill>
+            </a:ext>
+            <a:ext uri="{91240B29-F687-4F45-9708-019B960494DF}">
+              <a14:hiddenLine xmlns:a14="http://schemas.microsoft.com/office/drawing/2010/main" w="9525">
+                <a:solidFill>
+                  <a:srgbClr val="000000"/>
+                </a:solidFill>
+                <a:miter lim="800000"/>
+                <a:headEnd/>
+                <a:tailEnd/>
+              </a14:hiddenLine>
+            </a:ext>
+          </a:extLst>
+        </p:spPr>
+      </p:pic>
       <p:sp>
         <p:nvSpPr>
           <p:cNvPr id="2" name="Title 1"/>
@@ -2062,26 +2014,20 @@
             <p:ph type="title"/>
           </p:nvPr>
         </p:nvSpPr>
-        <p:spPr>
-          <a:xfrm>
-            <a:off x="457200" y="273050"/>
-            <a:ext cx="8229600" cy="1143000"/>
-          </a:xfrm>
-        </p:spPr>
+        <p:spPr/>
         <p:txBody>
-          <a:bodyPr anchor="ctr"/>
+          <a:bodyPr/>
           <a:lstStyle>
             <a:lvl1pPr>
               <a:defRPr/>
             </a:lvl1pPr>
-            <a:extLst/>
           </a:lstStyle>
           <a:p>
             <a:r>
-              <a:rPr kumimoji="0" lang="en-US" smtClean="0"/>
+              <a:rPr lang="en-US" smtClean="0"/>
               <a:t>Click to edit Master title style</a:t>
             </a:r>
-            <a:endParaRPr kumimoji="0" lang="en-US"/>
+            <a:endParaRPr lang="en-US"/>
           </a:p>
         </p:txBody>
       </p:sp>
@@ -2097,52 +2043,54 @@
         </p:nvSpPr>
         <p:spPr>
           <a:xfrm>
-            <a:off x="457200" y="5410200"/>
-            <a:ext cx="4040188" cy="762000"/>
+            <a:off x="457200" y="1535113"/>
+            <a:ext cx="4040188" cy="639762"/>
           </a:xfrm>
-          <a:solidFill>
-            <a:schemeClr val="accent1"/>
-          </a:solidFill>
-          <a:ln w="9652">
-            <a:solidFill>
-              <a:schemeClr val="accent1"/>
-            </a:solidFill>
-            <a:miter lim="800000"/>
-          </a:ln>
         </p:spPr>
         <p:txBody>
-          <a:bodyPr lIns="182880" anchor="ctr"/>
+          <a:bodyPr anchor="b"/>
           <a:lstStyle>
             <a:lvl1pPr marL="0" indent="0">
               <a:buNone/>
-              <a:defRPr sz="2400" b="0">
-                <a:solidFill>
-                  <a:schemeClr val="bg1"/>
-                </a:solidFill>
-              </a:defRPr>
+              <a:defRPr sz="2400" b="1"/>
             </a:lvl1pPr>
-            <a:lvl2pPr>
+            <a:lvl2pPr marL="457200" indent="0">
               <a:buNone/>
               <a:defRPr sz="2000" b="1"/>
             </a:lvl2pPr>
-            <a:lvl3pPr>
+            <a:lvl3pPr marL="914400" indent="0">
               <a:buNone/>
               <a:defRPr sz="1800" b="1"/>
             </a:lvl3pPr>
-            <a:lvl4pPr>
+            <a:lvl4pPr marL="1371600" indent="0">
               <a:buNone/>
               <a:defRPr sz="1600" b="1"/>
             </a:lvl4pPr>
-            <a:lvl5pPr>
+            <a:lvl5pPr marL="1828800" indent="0">
               <a:buNone/>
               <a:defRPr sz="1600" b="1"/>
             </a:lvl5pPr>
-            <a:extLst/>
+            <a:lvl6pPr marL="2286000" indent="0">
+              <a:buNone/>
+              <a:defRPr sz="1600" b="1"/>
+            </a:lvl6pPr>
+            <a:lvl7pPr marL="2743200" indent="0">
+              <a:buNone/>
+              <a:defRPr sz="1600" b="1"/>
+            </a:lvl7pPr>
+            <a:lvl8pPr marL="3200400" indent="0">
+              <a:buNone/>
+              <a:defRPr sz="1600" b="1"/>
+            </a:lvl8pPr>
+            <a:lvl9pPr marL="3657600" indent="0">
+              <a:buNone/>
+              <a:defRPr sz="1600" b="1"/>
+            </a:lvl9pPr>
           </a:lstStyle>
           <a:p>
-            <a:pPr lvl="0" eaLnBrk="1" latinLnBrk="0" hangingPunct="1"/>
-            <a:r>
-              <a:rPr kumimoji="0" lang="en-US" smtClean="0"/>
+            <a:pPr lvl="0"/>
+            <a:r>
+              <a:rPr lang="en-US" smtClean="0"/>
               <a:t>Click to edit Master text styles</a:t>
             </a:r>
           </a:p>
@@ -2150,87 +2098,19 @@
       </p:sp>
       <p:sp>
         <p:nvSpPr>
-          <p:cNvPr id="4" name="Text Placeholder 3"/>
+          <p:cNvPr id="4" name="Content Placeholder 3"/>
           <p:cNvSpPr>
             <a:spLocks noGrp="1"/>
           </p:cNvSpPr>
           <p:nvPr>
-            <p:ph type="body" sz="half" idx="3"/>
+            <p:ph sz="half" idx="2"/>
           </p:nvPr>
         </p:nvSpPr>
         <p:spPr>
           <a:xfrm>
-            <a:off x="4645026" y="5410200"/>
-            <a:ext cx="4041775" cy="762000"/>
+            <a:off x="457200" y="2174875"/>
+            <a:ext cx="4040188" cy="3951288"/>
           </a:xfrm>
-          <a:solidFill>
-            <a:schemeClr val="accent1"/>
-          </a:solidFill>
-          <a:ln w="9652">
-            <a:solidFill>
-              <a:schemeClr val="accent1"/>
-            </a:solidFill>
-            <a:miter lim="800000"/>
-          </a:ln>
-        </p:spPr>
-        <p:txBody>
-          <a:bodyPr lIns="182880" anchor="ctr"/>
-          <a:lstStyle>
-            <a:lvl1pPr marL="0" indent="0">
-              <a:buNone/>
-              <a:defRPr sz="2400" b="0">
-                <a:solidFill>
-                  <a:schemeClr val="bg1"/>
-                </a:solidFill>
-              </a:defRPr>
-            </a:lvl1pPr>
-            <a:lvl2pPr>
-              <a:buNone/>
-              <a:defRPr sz="2000" b="1"/>
-            </a:lvl2pPr>
-            <a:lvl3pPr>
-              <a:buNone/>
-              <a:defRPr sz="1800" b="1"/>
-            </a:lvl3pPr>
-            <a:lvl4pPr>
-              <a:buNone/>
-              <a:defRPr sz="1600" b="1"/>
-            </a:lvl4pPr>
-            <a:lvl5pPr>
-              <a:buNone/>
-              <a:defRPr sz="1600" b="1"/>
-            </a:lvl5pPr>
-            <a:extLst/>
-          </a:lstStyle>
-          <a:p>
-            <a:pPr lvl="0" eaLnBrk="1" latinLnBrk="0" hangingPunct="1"/>
-            <a:r>
-              <a:rPr kumimoji="0" lang="en-US" smtClean="0"/>
-              <a:t>Click to edit Master text styles</a:t>
-            </a:r>
-          </a:p>
-        </p:txBody>
-      </p:sp>
-      <p:sp>
-        <p:nvSpPr>
-          <p:cNvPr id="5" name="Content Placeholder 4"/>
-          <p:cNvSpPr>
-            <a:spLocks noGrp="1"/>
-          </p:cNvSpPr>
-          <p:nvPr>
-            <p:ph sz="quarter" idx="2"/>
-          </p:nvPr>
-        </p:nvSpPr>
-        <p:spPr>
-          <a:xfrm>
-            <a:off x="457200" y="1444294"/>
-            <a:ext cx="4040188" cy="3941763"/>
-          </a:xfrm>
-          <a:ln>
-            <a:noFill/>
-            <a:prstDash val="sysDash"/>
-            <a:miter lim="800000"/>
-          </a:ln>
         </p:spPr>
         <p:txBody>
           <a:bodyPr/>
@@ -2250,43 +2130,119 @@
             <a:lvl5pPr>
               <a:defRPr sz="1600"/>
             </a:lvl5pPr>
-            <a:extLst/>
+            <a:lvl6pPr>
+              <a:defRPr sz="1600"/>
+            </a:lvl6pPr>
+            <a:lvl7pPr>
+              <a:defRPr sz="1600"/>
+            </a:lvl7pPr>
+            <a:lvl8pPr>
+              <a:defRPr sz="1600"/>
+            </a:lvl8pPr>
+            <a:lvl9pPr>
+              <a:defRPr sz="1600"/>
+            </a:lvl9pPr>
           </a:lstStyle>
           <a:p>
-            <a:pPr lvl="0" eaLnBrk="1" latinLnBrk="0" hangingPunct="1"/>
+            <a:pPr lvl="0"/>
             <a:r>
               <a:rPr lang="en-US" smtClean="0"/>
               <a:t>Click to edit Master text styles</a:t>
             </a:r>
           </a:p>
           <a:p>
-            <a:pPr lvl="1" eaLnBrk="1" latinLnBrk="0" hangingPunct="1"/>
+            <a:pPr lvl="1"/>
             <a:r>
               <a:rPr lang="en-US" smtClean="0"/>
               <a:t>Second level</a:t>
             </a:r>
           </a:p>
           <a:p>
-            <a:pPr lvl="2" eaLnBrk="1" latinLnBrk="0" hangingPunct="1"/>
+            <a:pPr lvl="2"/>
             <a:r>
               <a:rPr lang="en-US" smtClean="0"/>
               <a:t>Third level</a:t>
             </a:r>
           </a:p>
           <a:p>
-            <a:pPr lvl="3" eaLnBrk="1" latinLnBrk="0" hangingPunct="1"/>
+            <a:pPr lvl="3"/>
             <a:r>
               <a:rPr lang="en-US" smtClean="0"/>
               <a:t>Fourth level</a:t>
             </a:r>
           </a:p>
           <a:p>
-            <a:pPr lvl="4" eaLnBrk="1" latinLnBrk="0" hangingPunct="1"/>
+            <a:pPr lvl="4"/>
             <a:r>
               <a:rPr lang="en-US" smtClean="0"/>
               <a:t>Fifth level</a:t>
             </a:r>
-            <a:endParaRPr kumimoji="0" lang="en-US"/>
+            <a:endParaRPr lang="en-US"/>
+          </a:p>
+        </p:txBody>
+      </p:sp>
+      <p:sp>
+        <p:nvSpPr>
+          <p:cNvPr id="5" name="Text Placeholder 4"/>
+          <p:cNvSpPr>
+            <a:spLocks noGrp="1"/>
+          </p:cNvSpPr>
+          <p:nvPr>
+            <p:ph type="body" sz="quarter" idx="3"/>
+          </p:nvPr>
+        </p:nvSpPr>
+        <p:spPr>
+          <a:xfrm>
+            <a:off x="4645025" y="1535113"/>
+            <a:ext cx="4041775" cy="639762"/>
+          </a:xfrm>
+        </p:spPr>
+        <p:txBody>
+          <a:bodyPr anchor="b"/>
+          <a:lstStyle>
+            <a:lvl1pPr marL="0" indent="0">
+              <a:buNone/>
+              <a:defRPr sz="2400" b="1"/>
+            </a:lvl1pPr>
+            <a:lvl2pPr marL="457200" indent="0">
+              <a:buNone/>
+              <a:defRPr sz="2000" b="1"/>
+            </a:lvl2pPr>
+            <a:lvl3pPr marL="914400" indent="0">
+              <a:buNone/>
+              <a:defRPr sz="1800" b="1"/>
+            </a:lvl3pPr>
+            <a:lvl4pPr marL="1371600" indent="0">
+              <a:buNone/>
+              <a:defRPr sz="1600" b="1"/>
+            </a:lvl4pPr>
+            <a:lvl5pPr marL="1828800" indent="0">
+              <a:buNone/>
+              <a:defRPr sz="1600" b="1"/>
+            </a:lvl5pPr>
+            <a:lvl6pPr marL="2286000" indent="0">
+              <a:buNone/>
+              <a:defRPr sz="1600" b="1"/>
+            </a:lvl6pPr>
+            <a:lvl7pPr marL="2743200" indent="0">
+              <a:buNone/>
+              <a:defRPr sz="1600" b="1"/>
+            </a:lvl7pPr>
+            <a:lvl8pPr marL="3200400" indent="0">
+              <a:buNone/>
+              <a:defRPr sz="1600" b="1"/>
+            </a:lvl8pPr>
+            <a:lvl9pPr marL="3657600" indent="0">
+              <a:buNone/>
+              <a:defRPr sz="1600" b="1"/>
+            </a:lvl9pPr>
+          </a:lstStyle>
+          <a:p>
+            <a:pPr lvl="0"/>
+            <a:r>
+              <a:rPr lang="en-US" smtClean="0"/>
+              <a:t>Click to edit Master text styles</a:t>
+            </a:r>
           </a:p>
         </p:txBody>
       </p:sp>
@@ -2302,22 +2258,14 @@
         </p:nvSpPr>
         <p:spPr>
           <a:xfrm>
-            <a:off x="4645025" y="1444294"/>
-            <a:ext cx="4041775" cy="3941763"/>
+            <a:off x="4645025" y="2174875"/>
+            <a:ext cx="4041775" cy="3951288"/>
           </a:xfrm>
-          <a:ln>
-            <a:noFill/>
-            <a:prstDash val="sysDash"/>
-            <a:miter lim="800000"/>
-          </a:ln>
         </p:spPr>
         <p:txBody>
           <a:bodyPr/>
           <a:lstStyle>
             <a:lvl1pPr>
-              <a:spcBef>
-                <a:spcPts val="0"/>
-              </a:spcBef>
               <a:defRPr sz="2400"/>
             </a:lvl1pPr>
             <a:lvl2pPr>
@@ -2332,107 +2280,97 @@
             <a:lvl5pPr>
               <a:defRPr sz="1600"/>
             </a:lvl5pPr>
-            <a:extLst/>
+            <a:lvl6pPr>
+              <a:defRPr sz="1600"/>
+            </a:lvl6pPr>
+            <a:lvl7pPr>
+              <a:defRPr sz="1600"/>
+            </a:lvl7pPr>
+            <a:lvl8pPr>
+              <a:defRPr sz="1600"/>
+            </a:lvl8pPr>
+            <a:lvl9pPr>
+              <a:defRPr sz="1600"/>
+            </a:lvl9pPr>
           </a:lstStyle>
           <a:p>
-            <a:pPr lvl="0" eaLnBrk="1" latinLnBrk="0" hangingPunct="1"/>
+            <a:pPr lvl="0"/>
             <a:r>
               <a:rPr lang="en-US" smtClean="0"/>
               <a:t>Click to edit Master text styles</a:t>
             </a:r>
           </a:p>
           <a:p>
-            <a:pPr lvl="1" eaLnBrk="1" latinLnBrk="0" hangingPunct="1"/>
+            <a:pPr lvl="1"/>
             <a:r>
               <a:rPr lang="en-US" smtClean="0"/>
               <a:t>Second level</a:t>
             </a:r>
           </a:p>
           <a:p>
-            <a:pPr lvl="2" eaLnBrk="1" latinLnBrk="0" hangingPunct="1"/>
+            <a:pPr lvl="2"/>
             <a:r>
               <a:rPr lang="en-US" smtClean="0"/>
               <a:t>Third level</a:t>
             </a:r>
           </a:p>
           <a:p>
-            <a:pPr lvl="3" eaLnBrk="1" latinLnBrk="0" hangingPunct="1"/>
+            <a:pPr lvl="3"/>
             <a:r>
               <a:rPr lang="en-US" smtClean="0"/>
               <a:t>Fourth level</a:t>
             </a:r>
           </a:p>
           <a:p>
-            <a:pPr lvl="4" eaLnBrk="1" latinLnBrk="0" hangingPunct="1"/>
+            <a:pPr lvl="4"/>
             <a:r>
               <a:rPr lang="en-US" smtClean="0"/>
               <a:t>Fifth level</a:t>
             </a:r>
-            <a:endParaRPr kumimoji="0" lang="en-US"/>
+            <a:endParaRPr lang="en-US"/>
           </a:p>
         </p:txBody>
       </p:sp>
       <p:sp>
         <p:nvSpPr>
-          <p:cNvPr id="7" name="Date Placeholder 6"/>
+          <p:cNvPr id="9" name="Footer Placeholder 4"/>
           <p:cNvSpPr>
             <a:spLocks noGrp="1"/>
           </p:cNvSpPr>
           <p:nvPr>
-            <p:ph type="dt" sz="half" idx="10"/>
+            <p:ph type="ftr" sz="quarter" idx="10"/>
           </p:nvPr>
         </p:nvSpPr>
         <p:spPr/>
         <p:txBody>
           <a:bodyPr/>
           <a:lstStyle>
-            <a:extLst/>
+            <a:lvl1pPr>
+              <a:defRPr/>
+            </a:lvl1pPr>
           </a:lstStyle>
           <a:p>
-            <a:fld id="{81F698AE-8DD5-4C76-8A4D-DFCEF1065FFE}" type="datetimeFigureOut">
-              <a:rPr lang="en-US" smtClean="0"/>
-              <a:t>11/9/2011</a:t>
-            </a:fld>
             <a:endParaRPr lang="en-US"/>
           </a:p>
         </p:txBody>
       </p:sp>
       <p:sp>
         <p:nvSpPr>
-          <p:cNvPr id="8" name="Footer Placeholder 7"/>
+          <p:cNvPr id="10" name="Slide Number Placeholder 5"/>
           <p:cNvSpPr>
             <a:spLocks noGrp="1"/>
           </p:cNvSpPr>
           <p:nvPr>
-            <p:ph type="ftr" sz="quarter" idx="11"/>
+            <p:ph type="sldNum" sz="quarter" idx="11"/>
           </p:nvPr>
         </p:nvSpPr>
         <p:spPr/>
         <p:txBody>
           <a:bodyPr/>
           <a:lstStyle>
-            <a:extLst/>
-          </a:lstStyle>
-          <a:p>
-            <a:endParaRPr lang="en-US"/>
-          </a:p>
-        </p:txBody>
-      </p:sp>
-      <p:sp>
-        <p:nvSpPr>
-          <p:cNvPr id="9" name="Slide Number Placeholder 8"/>
-          <p:cNvSpPr>
-            <a:spLocks noGrp="1"/>
-          </p:cNvSpPr>
-          <p:nvPr>
-            <p:ph type="sldNum" sz="quarter" idx="12"/>
-          </p:nvPr>
-        </p:nvSpPr>
-        <p:spPr/>
-        <p:txBody>
-          <a:bodyPr/>
-          <a:lstStyle>
-            <a:extLst/>
+            <a:lvl1pPr>
+              <a:defRPr/>
+            </a:lvl1pPr>
           </a:lstStyle>
           <a:p>
             <a:fld id="{88BD8D24-DC06-4D52-AAFE-E646E614394D}" type="slidenum">
@@ -2444,9 +2382,14 @@
         </p:txBody>
       </p:sp>
     </p:spTree>
+    <p:extLst>
+      <p:ext uri="{BB962C8B-B14F-4D97-AF65-F5344CB8AC3E}">
+        <p14:creationId xmlns:p14="http://schemas.microsoft.com/office/powerpoint/2010/main" val="207731155"/>
+      </p:ext>
+    </p:extLst>
   </p:cSld>
   <p:clrMapOvr>
-    <a:overrideClrMapping bg1="lt1" tx1="dk1" bg2="lt2" tx2="dk2" accent1="accent1" accent2="accent2" accent3="accent3" accent4="accent4" accent5="accent5" accent6="accent6" hlink="hlink" folHlink="folHlink"/>
+    <a:masterClrMapping/>
   </p:clrMapOvr>
 </p:sldLayout>
 </file>
@@ -2454,11 +2397,6 @@
 <file path=ppt/slideLayouts/slideLayout6.xml><?xml version="1.0" encoding="utf-8"?>
 <p:sldLayout xmlns:a="http://schemas.openxmlformats.org/drawingml/2006/main" xmlns:r="http://schemas.openxmlformats.org/officeDocument/2006/relationships" xmlns:p="http://schemas.openxmlformats.org/presentationml/2006/main" type="titleOnly" preserve="1">
   <p:cSld name="Title Only">
-    <p:bg>
-      <p:bgRef idx="1002">
-        <a:schemeClr val="bg1"/>
-      </p:bgRef>
-    </p:bg>
     <p:spTree>
       <p:nvGrpSpPr>
         <p:cNvPr id="1" name=""/>
@@ -2473,80 +2411,117 @@
           <a:chExt cx="0" cy="0"/>
         </a:xfrm>
       </p:grpSpPr>
+      <p:pic>
+        <p:nvPicPr>
+          <p:cNvPr id="3" name="Picture 1" descr="C:\lasso\PerkFacilities\PerkWeb\images\logo-Queens.gif"/>
+          <p:cNvPicPr>
+            <a:picLocks noChangeAspect="1" noChangeArrowheads="1"/>
+          </p:cNvPicPr>
+          <p:nvPr/>
+        </p:nvPicPr>
+        <p:blipFill>
+          <a:blip r:embed="rId2">
+            <a:extLst>
+              <a:ext uri="{28A0092B-C50C-407E-A947-70E740481C1C}">
+                <a14:useLocalDpi xmlns:a14="http://schemas.microsoft.com/office/drawing/2010/main" val="0"/>
+              </a:ext>
+            </a:extLst>
+          </a:blip>
+          <a:srcRect/>
+          <a:stretch>
+            <a:fillRect/>
+          </a:stretch>
+        </p:blipFill>
+        <p:spPr bwMode="auto">
+          <a:xfrm>
+            <a:off x="8001000" y="6248400"/>
+            <a:ext cx="688975" cy="468313"/>
+          </a:xfrm>
+          <a:prstGeom prst="rect">
+            <a:avLst/>
+          </a:prstGeom>
+          <a:noFill/>
+          <a:ln>
+            <a:noFill/>
+          </a:ln>
+          <a:extLst>
+            <a:ext uri="{909E8E84-426E-40DD-AFC4-6F175D3DCCD1}">
+              <a14:hiddenFill xmlns:a14="http://schemas.microsoft.com/office/drawing/2010/main">
+                <a:solidFill>
+                  <a:srgbClr val="FFFFFF"/>
+                </a:solidFill>
+              </a14:hiddenFill>
+            </a:ext>
+            <a:ext uri="{91240B29-F687-4F45-9708-019B960494DF}">
+              <a14:hiddenLine xmlns:a14="http://schemas.microsoft.com/office/drawing/2010/main" w="9525">
+                <a:solidFill>
+                  <a:srgbClr val="000000"/>
+                </a:solidFill>
+                <a:miter lim="800000"/>
+                <a:headEnd/>
+                <a:tailEnd/>
+              </a14:hiddenLine>
+            </a:ext>
+          </a:extLst>
+        </p:spPr>
+      </p:pic>
+      <p:pic>
+        <p:nvPicPr>
+          <p:cNvPr id="4" name="Picture 5" descr="C:\lasso\My Dropbox\PerkWeb\PerkLogo2010-base-white-round-45dpi.png"/>
+          <p:cNvPicPr>
+            <a:picLocks noChangeAspect="1" noChangeArrowheads="1"/>
+          </p:cNvPicPr>
+          <p:nvPr/>
+        </p:nvPicPr>
+        <p:blipFill>
+          <a:blip r:embed="rId3">
+            <a:extLst>
+              <a:ext uri="{28A0092B-C50C-407E-A947-70E740481C1C}">
+                <a14:useLocalDpi xmlns:a14="http://schemas.microsoft.com/office/drawing/2010/main" val="0"/>
+              </a:ext>
+            </a:extLst>
+          </a:blip>
+          <a:srcRect/>
+          <a:stretch>
+            <a:fillRect/>
+          </a:stretch>
+        </p:blipFill>
+        <p:spPr bwMode="auto">
+          <a:xfrm>
+            <a:off x="457200" y="6248400"/>
+            <a:ext cx="457200" cy="457200"/>
+          </a:xfrm>
+          <a:prstGeom prst="rect">
+            <a:avLst/>
+          </a:prstGeom>
+          <a:noFill/>
+          <a:ln>
+            <a:noFill/>
+          </a:ln>
+          <a:extLst>
+            <a:ext uri="{909E8E84-426E-40DD-AFC4-6F175D3DCCD1}">
+              <a14:hiddenFill xmlns:a14="http://schemas.microsoft.com/office/drawing/2010/main">
+                <a:solidFill>
+                  <a:srgbClr val="FFFFFF"/>
+                </a:solidFill>
+              </a14:hiddenFill>
+            </a:ext>
+            <a:ext uri="{91240B29-F687-4F45-9708-019B960494DF}">
+              <a14:hiddenLine xmlns:a14="http://schemas.microsoft.com/office/drawing/2010/main" w="9525">
+                <a:solidFill>
+                  <a:srgbClr val="000000"/>
+                </a:solidFill>
+                <a:miter lim="800000"/>
+                <a:headEnd/>
+                <a:tailEnd/>
+              </a14:hiddenLine>
+            </a:ext>
+          </a:extLst>
+        </p:spPr>
+      </p:pic>
       <p:sp>
         <p:nvSpPr>
-          <p:cNvPr id="3" name="Date Placeholder 2"/>
-          <p:cNvSpPr>
-            <a:spLocks noGrp="1"/>
-          </p:cNvSpPr>
-          <p:nvPr>
-            <p:ph type="dt" sz="half" idx="10"/>
-          </p:nvPr>
-        </p:nvSpPr>
-        <p:spPr/>
-        <p:txBody>
-          <a:bodyPr/>
-          <a:lstStyle>
-            <a:extLst/>
-          </a:lstStyle>
-          <a:p>
-            <a:fld id="{81F698AE-8DD5-4C76-8A4D-DFCEF1065FFE}" type="datetimeFigureOut">
-              <a:rPr lang="en-US" smtClean="0"/>
-              <a:t>11/9/2011</a:t>
-            </a:fld>
-            <a:endParaRPr lang="en-US"/>
-          </a:p>
-        </p:txBody>
-      </p:sp>
-      <p:sp>
-        <p:nvSpPr>
-          <p:cNvPr id="4" name="Footer Placeholder 3"/>
-          <p:cNvSpPr>
-            <a:spLocks noGrp="1"/>
-          </p:cNvSpPr>
-          <p:nvPr>
-            <p:ph type="ftr" sz="quarter" idx="11"/>
-          </p:nvPr>
-        </p:nvSpPr>
-        <p:spPr/>
-        <p:txBody>
-          <a:bodyPr/>
-          <a:lstStyle>
-            <a:extLst/>
-          </a:lstStyle>
-          <a:p>
-            <a:endParaRPr lang="en-US"/>
-          </a:p>
-        </p:txBody>
-      </p:sp>
-      <p:sp>
-        <p:nvSpPr>
-          <p:cNvPr id="5" name="Slide Number Placeholder 4"/>
-          <p:cNvSpPr>
-            <a:spLocks noGrp="1"/>
-          </p:cNvSpPr>
-          <p:nvPr>
-            <p:ph type="sldNum" sz="quarter" idx="12"/>
-          </p:nvPr>
-        </p:nvSpPr>
-        <p:spPr/>
-        <p:txBody>
-          <a:bodyPr/>
-          <a:lstStyle>
-            <a:extLst/>
-          </a:lstStyle>
-          <a:p>
-            <a:fld id="{88BD8D24-DC06-4D52-AAFE-E646E614394D}" type="slidenum">
-              <a:rPr lang="en-US" smtClean="0"/>
-              <a:t>‹#›</a:t>
-            </a:fld>
-            <a:endParaRPr lang="en-US"/>
-          </a:p>
-        </p:txBody>
-      </p:sp>
-      <p:sp>
-        <p:nvSpPr>
-          <p:cNvPr id="6" name="Title 5"/>
+          <p:cNvPr id="2" name="Title 1"/>
           <p:cNvSpPr>
             <a:spLocks noGrp="1"/>
           </p:cNvSpPr>
@@ -2556,23 +2531,76 @@
         </p:nvSpPr>
         <p:spPr/>
         <p:txBody>
-          <a:bodyPr rtlCol="0"/>
+          <a:bodyPr/>
+          <a:lstStyle/>
+          <a:p>
+            <a:r>
+              <a:rPr lang="en-US" smtClean="0"/>
+              <a:t>Click to edit Master title style</a:t>
+            </a:r>
+            <a:endParaRPr lang="en-US"/>
+          </a:p>
+        </p:txBody>
+      </p:sp>
+      <p:sp>
+        <p:nvSpPr>
+          <p:cNvPr id="5" name="Footer Placeholder 4"/>
+          <p:cNvSpPr>
+            <a:spLocks noGrp="1"/>
+          </p:cNvSpPr>
+          <p:nvPr>
+            <p:ph type="ftr" sz="quarter" idx="10"/>
+          </p:nvPr>
+        </p:nvSpPr>
+        <p:spPr/>
+        <p:txBody>
+          <a:bodyPr/>
           <a:lstStyle>
-            <a:extLst/>
+            <a:lvl1pPr>
+              <a:defRPr/>
+            </a:lvl1pPr>
           </a:lstStyle>
           <a:p>
-            <a:r>
-              <a:rPr kumimoji="0" lang="en-US" smtClean="0"/>
-              <a:t>Click to edit Master title style</a:t>
-            </a:r>
-            <a:endParaRPr kumimoji="0" lang="en-US"/>
+            <a:endParaRPr lang="en-US"/>
+          </a:p>
+        </p:txBody>
+      </p:sp>
+      <p:sp>
+        <p:nvSpPr>
+          <p:cNvPr id="6" name="Slide Number Placeholder 5"/>
+          <p:cNvSpPr>
+            <a:spLocks noGrp="1"/>
+          </p:cNvSpPr>
+          <p:nvPr>
+            <p:ph type="sldNum" sz="quarter" idx="11"/>
+          </p:nvPr>
+        </p:nvSpPr>
+        <p:spPr/>
+        <p:txBody>
+          <a:bodyPr/>
+          <a:lstStyle>
+            <a:lvl1pPr>
+              <a:defRPr/>
+            </a:lvl1pPr>
+          </a:lstStyle>
+          <a:p>
+            <a:fld id="{88BD8D24-DC06-4D52-AAFE-E646E614394D}" type="slidenum">
+              <a:rPr lang="en-US" smtClean="0"/>
+              <a:t>‹#›</a:t>
+            </a:fld>
+            <a:endParaRPr lang="en-US"/>
           </a:p>
         </p:txBody>
       </p:sp>
     </p:spTree>
+    <p:extLst>
+      <p:ext uri="{BB962C8B-B14F-4D97-AF65-F5344CB8AC3E}">
+        <p14:creationId xmlns:p14="http://schemas.microsoft.com/office/powerpoint/2010/main" val="889910807"/>
+      </p:ext>
+    </p:extLst>
   </p:cSld>
   <p:clrMapOvr>
-    <a:overrideClrMapping bg1="dk1" tx1="lt1" bg2="dk2" tx2="lt2" accent1="accent1" accent2="accent2" accent3="accent3" accent4="accent4" accent5="accent5" accent6="accent6" hlink="hlink" folHlink="folHlink"/>
+    <a:masterClrMapping/>
   </p:clrMapOvr>
 </p:sldLayout>
 </file>
@@ -2594,67 +2622,154 @@
           <a:chExt cx="0" cy="0"/>
         </a:xfrm>
       </p:grpSpPr>
+      <p:pic>
+        <p:nvPicPr>
+          <p:cNvPr id="2" name="Picture 6" descr="C:\lasso\PerkFacilities\PerkWeb\images\logo-Queens.gif"/>
+          <p:cNvPicPr>
+            <a:picLocks noChangeAspect="1" noChangeArrowheads="1"/>
+          </p:cNvPicPr>
+          <p:nvPr/>
+        </p:nvPicPr>
+        <p:blipFill>
+          <a:blip r:embed="rId2">
+            <a:extLst>
+              <a:ext uri="{28A0092B-C50C-407E-A947-70E740481C1C}">
+                <a14:useLocalDpi xmlns:a14="http://schemas.microsoft.com/office/drawing/2010/main" val="0"/>
+              </a:ext>
+            </a:extLst>
+          </a:blip>
+          <a:srcRect/>
+          <a:stretch>
+            <a:fillRect/>
+          </a:stretch>
+        </p:blipFill>
+        <p:spPr bwMode="auto">
+          <a:xfrm>
+            <a:off x="8001000" y="6248400"/>
+            <a:ext cx="688975" cy="468313"/>
+          </a:xfrm>
+          <a:prstGeom prst="rect">
+            <a:avLst/>
+          </a:prstGeom>
+          <a:noFill/>
+          <a:ln>
+            <a:noFill/>
+          </a:ln>
+          <a:extLst>
+            <a:ext uri="{909E8E84-426E-40DD-AFC4-6F175D3DCCD1}">
+              <a14:hiddenFill xmlns:a14="http://schemas.microsoft.com/office/drawing/2010/main">
+                <a:solidFill>
+                  <a:srgbClr val="FFFFFF"/>
+                </a:solidFill>
+              </a14:hiddenFill>
+            </a:ext>
+            <a:ext uri="{91240B29-F687-4F45-9708-019B960494DF}">
+              <a14:hiddenLine xmlns:a14="http://schemas.microsoft.com/office/drawing/2010/main" w="9525">
+                <a:solidFill>
+                  <a:srgbClr val="000000"/>
+                </a:solidFill>
+                <a:miter lim="800000"/>
+                <a:headEnd/>
+                <a:tailEnd/>
+              </a14:hiddenLine>
+            </a:ext>
+          </a:extLst>
+        </p:spPr>
+      </p:pic>
+      <p:pic>
+        <p:nvPicPr>
+          <p:cNvPr id="3" name="Picture 5" descr="C:\lasso\My Dropbox\PerkWeb\PerkLogo2010-base-white-round-45dpi.png"/>
+          <p:cNvPicPr>
+            <a:picLocks noChangeAspect="1" noChangeArrowheads="1"/>
+          </p:cNvPicPr>
+          <p:nvPr/>
+        </p:nvPicPr>
+        <p:blipFill>
+          <a:blip r:embed="rId3">
+            <a:extLst>
+              <a:ext uri="{28A0092B-C50C-407E-A947-70E740481C1C}">
+                <a14:useLocalDpi xmlns:a14="http://schemas.microsoft.com/office/drawing/2010/main" val="0"/>
+              </a:ext>
+            </a:extLst>
+          </a:blip>
+          <a:srcRect/>
+          <a:stretch>
+            <a:fillRect/>
+          </a:stretch>
+        </p:blipFill>
+        <p:spPr bwMode="auto">
+          <a:xfrm>
+            <a:off x="457200" y="6248400"/>
+            <a:ext cx="457200" cy="457200"/>
+          </a:xfrm>
+          <a:prstGeom prst="rect">
+            <a:avLst/>
+          </a:prstGeom>
+          <a:noFill/>
+          <a:ln>
+            <a:noFill/>
+          </a:ln>
+          <a:extLst>
+            <a:ext uri="{909E8E84-426E-40DD-AFC4-6F175D3DCCD1}">
+              <a14:hiddenFill xmlns:a14="http://schemas.microsoft.com/office/drawing/2010/main">
+                <a:solidFill>
+                  <a:srgbClr val="FFFFFF"/>
+                </a:solidFill>
+              </a14:hiddenFill>
+            </a:ext>
+            <a:ext uri="{91240B29-F687-4F45-9708-019B960494DF}">
+              <a14:hiddenLine xmlns:a14="http://schemas.microsoft.com/office/drawing/2010/main" w="9525">
+                <a:solidFill>
+                  <a:srgbClr val="000000"/>
+                </a:solidFill>
+                <a:miter lim="800000"/>
+                <a:headEnd/>
+                <a:tailEnd/>
+              </a14:hiddenLine>
+            </a:ext>
+          </a:extLst>
+        </p:spPr>
+      </p:pic>
       <p:sp>
         <p:nvSpPr>
-          <p:cNvPr id="2" name="Date Placeholder 1"/>
+          <p:cNvPr id="4" name="Footer Placeholder 4"/>
           <p:cNvSpPr>
             <a:spLocks noGrp="1"/>
           </p:cNvSpPr>
           <p:nvPr>
-            <p:ph type="dt" sz="half" idx="10"/>
+            <p:ph type="ftr" sz="quarter" idx="10"/>
           </p:nvPr>
         </p:nvSpPr>
         <p:spPr/>
         <p:txBody>
           <a:bodyPr/>
           <a:lstStyle>
-            <a:extLst/>
+            <a:lvl1pPr>
+              <a:defRPr/>
+            </a:lvl1pPr>
           </a:lstStyle>
           <a:p>
-            <a:fld id="{81F698AE-8DD5-4C76-8A4D-DFCEF1065FFE}" type="datetimeFigureOut">
-              <a:rPr lang="en-US" smtClean="0"/>
-              <a:t>11/9/2011</a:t>
-            </a:fld>
             <a:endParaRPr lang="en-US"/>
           </a:p>
         </p:txBody>
       </p:sp>
       <p:sp>
         <p:nvSpPr>
-          <p:cNvPr id="3" name="Footer Placeholder 2"/>
+          <p:cNvPr id="5" name="Slide Number Placeholder 5"/>
           <p:cNvSpPr>
             <a:spLocks noGrp="1"/>
           </p:cNvSpPr>
           <p:nvPr>
-            <p:ph type="ftr" sz="quarter" idx="11"/>
+            <p:ph type="sldNum" sz="quarter" idx="11"/>
           </p:nvPr>
         </p:nvSpPr>
         <p:spPr/>
         <p:txBody>
           <a:bodyPr/>
           <a:lstStyle>
-            <a:extLst/>
-          </a:lstStyle>
-          <a:p>
-            <a:endParaRPr lang="en-US"/>
-          </a:p>
-        </p:txBody>
-      </p:sp>
-      <p:sp>
-        <p:nvSpPr>
-          <p:cNvPr id="4" name="Slide Number Placeholder 3"/>
-          <p:cNvSpPr>
-            <a:spLocks noGrp="1"/>
-          </p:cNvSpPr>
-          <p:nvPr>
-            <p:ph type="sldNum" sz="quarter" idx="12"/>
-          </p:nvPr>
-        </p:nvSpPr>
-        <p:spPr/>
-        <p:txBody>
-          <a:bodyPr/>
-          <a:lstStyle>
-            <a:extLst/>
+            <a:lvl1pPr>
+              <a:defRPr/>
+            </a:lvl1pPr>
           </a:lstStyle>
           <a:p>
             <a:fld id="{88BD8D24-DC06-4D52-AAFE-E646E614394D}" type="slidenum">
@@ -2666,6 +2781,11 @@
         </p:txBody>
       </p:sp>
     </p:spTree>
+    <p:extLst>
+      <p:ext uri="{BB962C8B-B14F-4D97-AF65-F5344CB8AC3E}">
+        <p14:creationId xmlns:p14="http://schemas.microsoft.com/office/powerpoint/2010/main" val="1962163299"/>
+      </p:ext>
+    </p:extLst>
   </p:cSld>
   <p:clrMapOvr>
     <a:masterClrMapping/>
@@ -2674,13 +2794,8 @@
 </file>
 
 <file path=ppt/slideLayouts/slideLayout8.xml><?xml version="1.0" encoding="utf-8"?>
-<p:sldLayout xmlns:a="http://schemas.openxmlformats.org/drawingml/2006/main" xmlns:r="http://schemas.openxmlformats.org/officeDocument/2006/relationships" xmlns:p="http://schemas.openxmlformats.org/presentationml/2006/main" showMasterSp="0" type="objTx" preserve="1">
+<p:sldLayout xmlns:a="http://schemas.openxmlformats.org/drawingml/2006/main" xmlns:r="http://schemas.openxmlformats.org/officeDocument/2006/relationships" xmlns:p="http://schemas.openxmlformats.org/presentationml/2006/main" type="objTx" preserve="1">
   <p:cSld name="Content with Caption">
-    <p:bg>
-      <p:bgRef idx="1003">
-        <a:schemeClr val="bg1"/>
-      </p:bgRef>
-    </p:bg>
     <p:spTree>
       <p:nvGrpSpPr>
         <p:cNvPr id="1" name=""/>
@@ -2695,6 +2810,114 @@
           <a:chExt cx="0" cy="0"/>
         </a:xfrm>
       </p:grpSpPr>
+      <p:pic>
+        <p:nvPicPr>
+          <p:cNvPr id="5" name="Picture 1" descr="C:\lasso\PerkFacilities\PerkWeb\images\logo-Queens.gif"/>
+          <p:cNvPicPr>
+            <a:picLocks noChangeAspect="1" noChangeArrowheads="1"/>
+          </p:cNvPicPr>
+          <p:nvPr/>
+        </p:nvPicPr>
+        <p:blipFill>
+          <a:blip r:embed="rId2">
+            <a:extLst>
+              <a:ext uri="{28A0092B-C50C-407E-A947-70E740481C1C}">
+                <a14:useLocalDpi xmlns:a14="http://schemas.microsoft.com/office/drawing/2010/main" val="0"/>
+              </a:ext>
+            </a:extLst>
+          </a:blip>
+          <a:srcRect/>
+          <a:stretch>
+            <a:fillRect/>
+          </a:stretch>
+        </p:blipFill>
+        <p:spPr bwMode="auto">
+          <a:xfrm>
+            <a:off x="8001000" y="6248400"/>
+            <a:ext cx="688975" cy="468313"/>
+          </a:xfrm>
+          <a:prstGeom prst="rect">
+            <a:avLst/>
+          </a:prstGeom>
+          <a:noFill/>
+          <a:ln>
+            <a:noFill/>
+          </a:ln>
+          <a:extLst>
+            <a:ext uri="{909E8E84-426E-40DD-AFC4-6F175D3DCCD1}">
+              <a14:hiddenFill xmlns:a14="http://schemas.microsoft.com/office/drawing/2010/main">
+                <a:solidFill>
+                  <a:srgbClr val="FFFFFF"/>
+                </a:solidFill>
+              </a14:hiddenFill>
+            </a:ext>
+            <a:ext uri="{91240B29-F687-4F45-9708-019B960494DF}">
+              <a14:hiddenLine xmlns:a14="http://schemas.microsoft.com/office/drawing/2010/main" w="9525">
+                <a:solidFill>
+                  <a:srgbClr val="000000"/>
+                </a:solidFill>
+                <a:miter lim="800000"/>
+                <a:headEnd/>
+                <a:tailEnd/>
+              </a14:hiddenLine>
+            </a:ext>
+          </a:extLst>
+        </p:spPr>
+      </p:pic>
+      <p:pic>
+        <p:nvPicPr>
+          <p:cNvPr id="6" name="Picture 7" descr="C:\lasso\My Dropbox\PerkWeb\PerkLogo2010-base-white-round-45dpi.png"/>
+          <p:cNvPicPr>
+            <a:picLocks noChangeAspect="1" noChangeArrowheads="1"/>
+          </p:cNvPicPr>
+          <p:nvPr/>
+        </p:nvPicPr>
+        <p:blipFill>
+          <a:blip r:embed="rId3">
+            <a:extLst>
+              <a:ext uri="{28A0092B-C50C-407E-A947-70E740481C1C}">
+                <a14:useLocalDpi xmlns:a14="http://schemas.microsoft.com/office/drawing/2010/main" val="0"/>
+              </a:ext>
+            </a:extLst>
+          </a:blip>
+          <a:srcRect/>
+          <a:stretch>
+            <a:fillRect/>
+          </a:stretch>
+        </p:blipFill>
+        <p:spPr bwMode="auto">
+          <a:xfrm>
+            <a:off x="457200" y="6248400"/>
+            <a:ext cx="457200" cy="457200"/>
+          </a:xfrm>
+          <a:prstGeom prst="rect">
+            <a:avLst/>
+          </a:prstGeom>
+          <a:noFill/>
+          <a:ln>
+            <a:noFill/>
+          </a:ln>
+          <a:extLst>
+            <a:ext uri="{909E8E84-426E-40DD-AFC4-6F175D3DCCD1}">
+              <a14:hiddenFill xmlns:a14="http://schemas.microsoft.com/office/drawing/2010/main">
+                <a:solidFill>
+                  <a:srgbClr val="FFFFFF"/>
+                </a:solidFill>
+              </a14:hiddenFill>
+            </a:ext>
+            <a:ext uri="{91240B29-F687-4F45-9708-019B960494DF}">
+              <a14:hiddenLine xmlns:a14="http://schemas.microsoft.com/office/drawing/2010/main" w="9525">
+                <a:solidFill>
+                  <a:srgbClr val="000000"/>
+                </a:solidFill>
+                <a:miter lim="800000"/>
+                <a:headEnd/>
+                <a:tailEnd/>
+              </a14:hiddenLine>
+            </a:ext>
+          </a:extLst>
+        </p:spPr>
+      </p:pic>
       <p:sp>
         <p:nvSpPr>
           <p:cNvPr id="2" name="Title 1"/>
@@ -2707,102 +2930,40 @@
         </p:nvSpPr>
         <p:spPr>
           <a:xfrm>
-            <a:off x="914400" y="4876800"/>
-            <a:ext cx="7481776" cy="457200"/>
+            <a:off x="457200" y="273050"/>
+            <a:ext cx="3008313" cy="1162050"/>
           </a:xfrm>
         </p:spPr>
         <p:txBody>
-          <a:bodyPr vert="horz" anchor="t">
-            <a:noAutofit/>
-            <a:sp3d prstMaterial="softEdge">
-              <a:bevelT w="0" h="0"/>
-            </a:sp3d>
-          </a:bodyPr>
+          <a:bodyPr anchor="b"/>
           <a:lstStyle>
-            <a:lvl1pPr algn="r">
-              <a:buNone/>
-              <a:defRPr sz="2500" b="0">
-                <a:solidFill>
-                  <a:schemeClr val="accent1"/>
-                </a:solidFill>
-                <a:effectLst/>
-              </a:defRPr>
+            <a:lvl1pPr algn="l">
+              <a:defRPr sz="2000" b="1"/>
             </a:lvl1pPr>
-            <a:extLst/>
           </a:lstStyle>
           <a:p>
             <a:r>
-              <a:rPr kumimoji="0" lang="en-US" smtClean="0"/>
+              <a:rPr lang="en-US" smtClean="0"/>
               <a:t>Click to edit Master title style</a:t>
             </a:r>
-            <a:endParaRPr kumimoji="0" lang="en-US"/>
+            <a:endParaRPr lang="en-US"/>
           </a:p>
         </p:txBody>
       </p:sp>
       <p:sp>
         <p:nvSpPr>
-          <p:cNvPr id="3" name="Text Placeholder 2"/>
+          <p:cNvPr id="3" name="Content Placeholder 2"/>
           <p:cNvSpPr>
             <a:spLocks noGrp="1"/>
           </p:cNvSpPr>
           <p:nvPr>
-            <p:ph type="body" idx="2"/>
+            <p:ph idx="1"/>
           </p:nvPr>
         </p:nvSpPr>
         <p:spPr>
           <a:xfrm>
-            <a:off x="4419600" y="5355102"/>
-            <a:ext cx="3974592" cy="914400"/>
-          </a:xfrm>
-        </p:spPr>
-        <p:txBody>
-          <a:bodyPr/>
-          <a:lstStyle>
-            <a:lvl1pPr marL="0" indent="0" algn="r">
-              <a:buNone/>
-              <a:defRPr sz="1600"/>
-            </a:lvl1pPr>
-            <a:lvl2pPr>
-              <a:buNone/>
-              <a:defRPr sz="1200"/>
-            </a:lvl2pPr>
-            <a:lvl3pPr>
-              <a:buNone/>
-              <a:defRPr sz="1000"/>
-            </a:lvl3pPr>
-            <a:lvl4pPr>
-              <a:buNone/>
-              <a:defRPr sz="900"/>
-            </a:lvl4pPr>
-            <a:lvl5pPr>
-              <a:buNone/>
-              <a:defRPr sz="900"/>
-            </a:lvl5pPr>
-            <a:extLst/>
-          </a:lstStyle>
-          <a:p>
-            <a:pPr lvl="0" eaLnBrk="1" latinLnBrk="0" hangingPunct="1"/>
-            <a:r>
-              <a:rPr kumimoji="0" lang="en-US" smtClean="0"/>
-              <a:t>Click to edit Master text styles</a:t>
-            </a:r>
-          </a:p>
-        </p:txBody>
-      </p:sp>
-      <p:sp>
-        <p:nvSpPr>
-          <p:cNvPr id="4" name="Content Placeholder 3"/>
-          <p:cNvSpPr>
-            <a:spLocks noGrp="1"/>
-          </p:cNvSpPr>
-          <p:nvPr>
-            <p:ph sz="half" idx="1"/>
-          </p:nvPr>
-        </p:nvSpPr>
-        <p:spPr>
-          <a:xfrm>
-            <a:off x="914400" y="274320"/>
-            <a:ext cx="7479792" cy="4572000"/>
+            <a:off x="3575050" y="273050"/>
+            <a:ext cx="5111750" cy="5853113"/>
           </a:xfrm>
         </p:spPr>
         <p:txBody>
@@ -2823,91 +2984,139 @@
             <a:lvl5pPr>
               <a:defRPr sz="2000"/>
             </a:lvl5pPr>
-            <a:extLst/>
+            <a:lvl6pPr>
+              <a:defRPr sz="2000"/>
+            </a:lvl6pPr>
+            <a:lvl7pPr>
+              <a:defRPr sz="2000"/>
+            </a:lvl7pPr>
+            <a:lvl8pPr>
+              <a:defRPr sz="2000"/>
+            </a:lvl8pPr>
+            <a:lvl9pPr>
+              <a:defRPr sz="2000"/>
+            </a:lvl9pPr>
           </a:lstStyle>
           <a:p>
-            <a:pPr lvl="0" eaLnBrk="1" latinLnBrk="0" hangingPunct="1"/>
+            <a:pPr lvl="0"/>
             <a:r>
               <a:rPr lang="en-US" smtClean="0"/>
               <a:t>Click to edit Master text styles</a:t>
             </a:r>
           </a:p>
           <a:p>
-            <a:pPr lvl="1" eaLnBrk="1" latinLnBrk="0" hangingPunct="1"/>
+            <a:pPr lvl="1"/>
             <a:r>
               <a:rPr lang="en-US" smtClean="0"/>
               <a:t>Second level</a:t>
             </a:r>
           </a:p>
           <a:p>
-            <a:pPr lvl="2" eaLnBrk="1" latinLnBrk="0" hangingPunct="1"/>
+            <a:pPr lvl="2"/>
             <a:r>
               <a:rPr lang="en-US" smtClean="0"/>
               <a:t>Third level</a:t>
             </a:r>
           </a:p>
           <a:p>
-            <a:pPr lvl="3" eaLnBrk="1" latinLnBrk="0" hangingPunct="1"/>
+            <a:pPr lvl="3"/>
             <a:r>
               <a:rPr lang="en-US" smtClean="0"/>
               <a:t>Fourth level</a:t>
             </a:r>
           </a:p>
           <a:p>
-            <a:pPr lvl="4" eaLnBrk="1" latinLnBrk="0" hangingPunct="1"/>
+            <a:pPr lvl="4"/>
             <a:r>
               <a:rPr lang="en-US" smtClean="0"/>
               <a:t>Fifth level</a:t>
             </a:r>
-            <a:endParaRPr kumimoji="0" lang="en-US"/>
+            <a:endParaRPr lang="en-US"/>
           </a:p>
         </p:txBody>
       </p:sp>
       <p:sp>
         <p:nvSpPr>
-          <p:cNvPr id="5" name="Date Placeholder 4"/>
+          <p:cNvPr id="4" name="Text Placeholder 3"/>
           <p:cNvSpPr>
             <a:spLocks noGrp="1"/>
           </p:cNvSpPr>
           <p:nvPr>
-            <p:ph type="dt" sz="half" idx="10"/>
+            <p:ph type="body" sz="half" idx="2"/>
           </p:nvPr>
         </p:nvSpPr>
         <p:spPr>
           <a:xfrm>
-            <a:off x="6727032" y="6407944"/>
-            <a:ext cx="1920240" cy="365760"/>
+            <a:off x="457200" y="1435100"/>
+            <a:ext cx="3008313" cy="4691063"/>
           </a:xfrm>
         </p:spPr>
         <p:txBody>
           <a:bodyPr/>
           <a:lstStyle>
-            <a:extLst/>
+            <a:lvl1pPr marL="0" indent="0">
+              <a:buNone/>
+              <a:defRPr sz="1400"/>
+            </a:lvl1pPr>
+            <a:lvl2pPr marL="457200" indent="0">
+              <a:buNone/>
+              <a:defRPr sz="1200"/>
+            </a:lvl2pPr>
+            <a:lvl3pPr marL="914400" indent="0">
+              <a:buNone/>
+              <a:defRPr sz="1000"/>
+            </a:lvl3pPr>
+            <a:lvl4pPr marL="1371600" indent="0">
+              <a:buNone/>
+              <a:defRPr sz="900"/>
+            </a:lvl4pPr>
+            <a:lvl5pPr marL="1828800" indent="0">
+              <a:buNone/>
+              <a:defRPr sz="900"/>
+            </a:lvl5pPr>
+            <a:lvl6pPr marL="2286000" indent="0">
+              <a:buNone/>
+              <a:defRPr sz="900"/>
+            </a:lvl6pPr>
+            <a:lvl7pPr marL="2743200" indent="0">
+              <a:buNone/>
+              <a:defRPr sz="900"/>
+            </a:lvl7pPr>
+            <a:lvl8pPr marL="3200400" indent="0">
+              <a:buNone/>
+              <a:defRPr sz="900"/>
+            </a:lvl8pPr>
+            <a:lvl9pPr marL="3657600" indent="0">
+              <a:buNone/>
+              <a:defRPr sz="900"/>
+            </a:lvl9pPr>
           </a:lstStyle>
           <a:p>
-            <a:fld id="{81F698AE-8DD5-4C76-8A4D-DFCEF1065FFE}" type="datetimeFigureOut">
+            <a:pPr lvl="0"/>
+            <a:r>
               <a:rPr lang="en-US" smtClean="0"/>
-              <a:t>11/9/2011</a:t>
-            </a:fld>
-            <a:endParaRPr lang="en-US"/>
+              <a:t>Click to edit Master text styles</a:t>
+            </a:r>
           </a:p>
         </p:txBody>
       </p:sp>
       <p:sp>
         <p:nvSpPr>
-          <p:cNvPr id="6" name="Footer Placeholder 5"/>
+          <p:cNvPr id="7" name="Footer Placeholder 4"/>
           <p:cNvSpPr>
             <a:spLocks noGrp="1"/>
           </p:cNvSpPr>
           <p:nvPr>
-            <p:ph type="ftr" sz="quarter" idx="11"/>
+            <p:ph type="ftr" sz="quarter" idx="10"/>
           </p:nvPr>
         </p:nvSpPr>
         <p:spPr/>
         <p:txBody>
           <a:bodyPr/>
           <a:lstStyle>
-            <a:extLst/>
+            <a:lvl1pPr>
+              <a:defRPr/>
+            </a:lvl1pPr>
           </a:lstStyle>
           <a:p>
             <a:endParaRPr lang="en-US"/>
@@ -2916,19 +3125,21 @@
       </p:sp>
       <p:sp>
         <p:nvSpPr>
-          <p:cNvPr id="7" name="Slide Number Placeholder 6"/>
+          <p:cNvPr id="8" name="Slide Number Placeholder 5"/>
           <p:cNvSpPr>
             <a:spLocks noGrp="1"/>
           </p:cNvSpPr>
           <p:nvPr>
-            <p:ph type="sldNum" sz="quarter" idx="12"/>
+            <p:ph type="sldNum" sz="quarter" idx="11"/>
           </p:nvPr>
         </p:nvSpPr>
         <p:spPr/>
         <p:txBody>
           <a:bodyPr/>
           <a:lstStyle>
-            <a:extLst/>
+            <a:lvl1pPr>
+              <a:defRPr/>
+            </a:lvl1pPr>
           </a:lstStyle>
           <a:p>
             <a:fld id="{88BD8D24-DC06-4D52-AAFE-E646E614394D}" type="slidenum">
@@ -2940,21 +3151,21 @@
         </p:txBody>
       </p:sp>
     </p:spTree>
+    <p:extLst>
+      <p:ext uri="{BB962C8B-B14F-4D97-AF65-F5344CB8AC3E}">
+        <p14:creationId xmlns:p14="http://schemas.microsoft.com/office/powerpoint/2010/main" val="436251513"/>
+      </p:ext>
+    </p:extLst>
   </p:cSld>
   <p:clrMapOvr>
-    <a:overrideClrMapping bg1="lt1" tx1="dk1" bg2="lt2" tx2="dk2" accent1="accent1" accent2="accent2" accent3="accent3" accent4="accent4" accent5="accent5" accent6="accent6" hlink="hlink" folHlink="folHlink"/>
+    <a:masterClrMapping/>
   </p:clrMapOvr>
 </p:sldLayout>
 </file>
 
 <file path=ppt/slideLayouts/slideLayout9.xml><?xml version="1.0" encoding="utf-8"?>
-<p:sldLayout xmlns:a="http://schemas.openxmlformats.org/drawingml/2006/main" xmlns:r="http://schemas.openxmlformats.org/officeDocument/2006/relationships" xmlns:p="http://schemas.openxmlformats.org/presentationml/2006/main" showMasterSp="0" type="picTx" preserve="1">
+<p:sldLayout xmlns:a="http://schemas.openxmlformats.org/drawingml/2006/main" xmlns:r="http://schemas.openxmlformats.org/officeDocument/2006/relationships" xmlns:p="http://schemas.openxmlformats.org/presentationml/2006/main" type="picTx" preserve="1">
   <p:cSld name="Picture with Caption">
-    <p:bg>
-      <p:bgRef idx="1002">
-        <a:schemeClr val="bg1"/>
-      </p:bgRef>
-    </p:bg>
     <p:spTree>
       <p:nvGrpSpPr>
         <p:cNvPr id="1" name=""/>
@@ -2969,50 +3180,143 @@
           <a:chExt cx="0" cy="0"/>
         </a:xfrm>
       </p:grpSpPr>
+      <p:pic>
+        <p:nvPicPr>
+          <p:cNvPr id="5" name="Picture 1" descr="C:\lasso\PerkFacilities\PerkWeb\images\logo-Queens.gif"/>
+          <p:cNvPicPr>
+            <a:picLocks noChangeAspect="1" noChangeArrowheads="1"/>
+          </p:cNvPicPr>
+          <p:nvPr/>
+        </p:nvPicPr>
+        <p:blipFill>
+          <a:blip r:embed="rId2">
+            <a:extLst>
+              <a:ext uri="{28A0092B-C50C-407E-A947-70E740481C1C}">
+                <a14:useLocalDpi xmlns:a14="http://schemas.microsoft.com/office/drawing/2010/main" val="0"/>
+              </a:ext>
+            </a:extLst>
+          </a:blip>
+          <a:srcRect/>
+          <a:stretch>
+            <a:fillRect/>
+          </a:stretch>
+        </p:blipFill>
+        <p:spPr bwMode="auto">
+          <a:xfrm>
+            <a:off x="8001000" y="6248400"/>
+            <a:ext cx="688975" cy="468313"/>
+          </a:xfrm>
+          <a:prstGeom prst="rect">
+            <a:avLst/>
+          </a:prstGeom>
+          <a:noFill/>
+          <a:ln>
+            <a:noFill/>
+          </a:ln>
+          <a:extLst>
+            <a:ext uri="{909E8E84-426E-40DD-AFC4-6F175D3DCCD1}">
+              <a14:hiddenFill xmlns:a14="http://schemas.microsoft.com/office/drawing/2010/main">
+                <a:solidFill>
+                  <a:srgbClr val="FFFFFF"/>
+                </a:solidFill>
+              </a14:hiddenFill>
+            </a:ext>
+            <a:ext uri="{91240B29-F687-4F45-9708-019B960494DF}">
+              <a14:hiddenLine xmlns:a14="http://schemas.microsoft.com/office/drawing/2010/main" w="9525">
+                <a:solidFill>
+                  <a:srgbClr val="000000"/>
+                </a:solidFill>
+                <a:miter lim="800000"/>
+                <a:headEnd/>
+                <a:tailEnd/>
+              </a14:hiddenLine>
+            </a:ext>
+          </a:extLst>
+        </p:spPr>
+      </p:pic>
+      <p:pic>
+        <p:nvPicPr>
+          <p:cNvPr id="6" name="Picture 7" descr="C:\lasso\My Dropbox\PerkWeb\PerkLogo2010-base-white-round-45dpi.png"/>
+          <p:cNvPicPr>
+            <a:picLocks noChangeAspect="1" noChangeArrowheads="1"/>
+          </p:cNvPicPr>
+          <p:nvPr/>
+        </p:nvPicPr>
+        <p:blipFill>
+          <a:blip r:embed="rId3">
+            <a:extLst>
+              <a:ext uri="{28A0092B-C50C-407E-A947-70E740481C1C}">
+                <a14:useLocalDpi xmlns:a14="http://schemas.microsoft.com/office/drawing/2010/main" val="0"/>
+              </a:ext>
+            </a:extLst>
+          </a:blip>
+          <a:srcRect/>
+          <a:stretch>
+            <a:fillRect/>
+          </a:stretch>
+        </p:blipFill>
+        <p:spPr bwMode="auto">
+          <a:xfrm>
+            <a:off x="457200" y="6248400"/>
+            <a:ext cx="457200" cy="457200"/>
+          </a:xfrm>
+          <a:prstGeom prst="rect">
+            <a:avLst/>
+          </a:prstGeom>
+          <a:noFill/>
+          <a:ln>
+            <a:noFill/>
+          </a:ln>
+          <a:extLst>
+            <a:ext uri="{909E8E84-426E-40DD-AFC4-6F175D3DCCD1}">
+              <a14:hiddenFill xmlns:a14="http://schemas.microsoft.com/office/drawing/2010/main">
+                <a:solidFill>
+                  <a:srgbClr val="FFFFFF"/>
+                </a:solidFill>
+              </a14:hiddenFill>
+            </a:ext>
+            <a:ext uri="{91240B29-F687-4F45-9708-019B960494DF}">
+              <a14:hiddenLine xmlns:a14="http://schemas.microsoft.com/office/drawing/2010/main" w="9525">
+                <a:solidFill>
+                  <a:srgbClr val="000000"/>
+                </a:solidFill>
+                <a:miter lim="800000"/>
+                <a:headEnd/>
+                <a:tailEnd/>
+              </a14:hiddenLine>
+            </a:ext>
+          </a:extLst>
+        </p:spPr>
+      </p:pic>
       <p:sp>
         <p:nvSpPr>
-          <p:cNvPr id="4" name="Text Placeholder 3"/>
+          <p:cNvPr id="2" name="Title 1"/>
           <p:cNvSpPr>
             <a:spLocks noGrp="1"/>
           </p:cNvSpPr>
           <p:nvPr>
-            <p:ph type="body" sz="half" idx="2"/>
+            <p:ph type="title"/>
           </p:nvPr>
         </p:nvSpPr>
         <p:spPr>
           <a:xfrm>
-            <a:off x="1141232" y="5443402"/>
-            <a:ext cx="7162800" cy="648232"/>
+            <a:off x="1792288" y="4800600"/>
+            <a:ext cx="5486400" cy="566738"/>
           </a:xfrm>
-          <a:noFill/>
         </p:spPr>
         <p:txBody>
-          <a:bodyPr lIns="91440" tIns="0" rIns="91440" anchor="t"/>
+          <a:bodyPr anchor="b"/>
           <a:lstStyle>
-            <a:lvl1pPr marL="0" marR="18288" indent="0" algn="r">
-              <a:buNone/>
-              <a:defRPr sz="1400"/>
+            <a:lvl1pPr algn="l">
+              <a:defRPr sz="2000" b="1"/>
             </a:lvl1pPr>
-            <a:lvl2pPr>
-              <a:defRPr sz="1200"/>
-            </a:lvl2pPr>
-            <a:lvl3pPr>
-              <a:defRPr sz="1000"/>
-            </a:lvl3pPr>
-            <a:lvl4pPr>
-              <a:defRPr sz="900"/>
-            </a:lvl4pPr>
-            <a:lvl5pPr>
-              <a:defRPr sz="900"/>
-            </a:lvl5pPr>
-            <a:extLst/>
           </a:lstStyle>
           <a:p>
-            <a:pPr lvl="0" eaLnBrk="1" latinLnBrk="0" hangingPunct="1"/>
-            <a:r>
-              <a:rPr kumimoji="0" lang="en-US" smtClean="0"/>
-              <a:t>Click to edit Master text styles</a:t>
-            </a:r>
+            <a:r>
+              <a:rPr lang="en-US" smtClean="0"/>
+              <a:t>Click to edit Master title style</a:t>
+            </a:r>
+            <a:endParaRPr lang="en-US"/>
           </a:p>
         </p:txBody>
       </p:sp>
@@ -3028,52 +3332,135 @@
         </p:nvSpPr>
         <p:spPr>
           <a:xfrm>
-            <a:off x="228600" y="189968"/>
-            <a:ext cx="8686800" cy="4389120"/>
+            <a:off x="1792288" y="612775"/>
+            <a:ext cx="5486400" cy="4114800"/>
           </a:xfrm>
-          <a:prstGeom prst="rect">
-            <a:avLst/>
-          </a:prstGeom>
-          <a:solidFill>
-            <a:schemeClr val="bg2"/>
-          </a:solidFill>
-          <a:ln>
-            <a:solidFill>
-              <a:schemeClr val="bg1"/>
-            </a:solidFill>
-          </a:ln>
-          <a:effectLst>
-            <a:innerShdw blurRad="95250">
-              <a:srgbClr val="000000"/>
-            </a:innerShdw>
-          </a:effectLst>
+        </p:spPr>
+        <p:txBody>
+          <a:bodyPr rtlCol="0">
+            <a:normAutofit/>
+          </a:bodyPr>
+          <a:lstStyle>
+            <a:lvl1pPr marL="0" indent="0">
+              <a:buNone/>
+              <a:defRPr sz="3200"/>
+            </a:lvl1pPr>
+            <a:lvl2pPr marL="457200" indent="0">
+              <a:buNone/>
+              <a:defRPr sz="2800"/>
+            </a:lvl2pPr>
+            <a:lvl3pPr marL="914400" indent="0">
+              <a:buNone/>
+              <a:defRPr sz="2400"/>
+            </a:lvl3pPr>
+            <a:lvl4pPr marL="1371600" indent="0">
+              <a:buNone/>
+              <a:defRPr sz="2000"/>
+            </a:lvl4pPr>
+            <a:lvl5pPr marL="1828800" indent="0">
+              <a:buNone/>
+              <a:defRPr sz="2000"/>
+            </a:lvl5pPr>
+            <a:lvl6pPr marL="2286000" indent="0">
+              <a:buNone/>
+              <a:defRPr sz="2000"/>
+            </a:lvl6pPr>
+            <a:lvl7pPr marL="2743200" indent="0">
+              <a:buNone/>
+              <a:defRPr sz="2000"/>
+            </a:lvl7pPr>
+            <a:lvl8pPr marL="3200400" indent="0">
+              <a:buNone/>
+              <a:defRPr sz="2000"/>
+            </a:lvl8pPr>
+            <a:lvl9pPr marL="3657600" indent="0">
+              <a:buNone/>
+              <a:defRPr sz="2000"/>
+            </a:lvl9pPr>
+          </a:lstStyle>
+          <a:p>
+            <a:pPr lvl="0"/>
+            <a:r>
+              <a:rPr lang="en-US" noProof="0" smtClean="0"/>
+              <a:t>Click icon to add picture</a:t>
+            </a:r>
+            <a:endParaRPr lang="en-US" noProof="0" smtClean="0"/>
+          </a:p>
+        </p:txBody>
+      </p:sp>
+      <p:sp>
+        <p:nvSpPr>
+          <p:cNvPr id="4" name="Text Placeholder 3"/>
+          <p:cNvSpPr>
+            <a:spLocks noGrp="1"/>
+          </p:cNvSpPr>
+          <p:nvPr>
+            <p:ph type="body" sz="half" idx="2"/>
+          </p:nvPr>
+        </p:nvSpPr>
+        <p:spPr>
+          <a:xfrm>
+            <a:off x="1792288" y="5367338"/>
+            <a:ext cx="5486400" cy="804862"/>
+          </a:xfrm>
         </p:spPr>
         <p:txBody>
           <a:bodyPr/>
           <a:lstStyle>
             <a:lvl1pPr marL="0" indent="0">
               <a:buNone/>
-              <a:defRPr sz="3200"/>
+              <a:defRPr sz="1400"/>
             </a:lvl1pPr>
-            <a:extLst/>
+            <a:lvl2pPr marL="457200" indent="0">
+              <a:buNone/>
+              <a:defRPr sz="1200"/>
+            </a:lvl2pPr>
+            <a:lvl3pPr marL="914400" indent="0">
+              <a:buNone/>
+              <a:defRPr sz="1000"/>
+            </a:lvl3pPr>
+            <a:lvl4pPr marL="1371600" indent="0">
+              <a:buNone/>
+              <a:defRPr sz="900"/>
+            </a:lvl4pPr>
+            <a:lvl5pPr marL="1828800" indent="0">
+              <a:buNone/>
+              <a:defRPr sz="900"/>
+            </a:lvl5pPr>
+            <a:lvl6pPr marL="2286000" indent="0">
+              <a:buNone/>
+              <a:defRPr sz="900"/>
+            </a:lvl6pPr>
+            <a:lvl7pPr marL="2743200" indent="0">
+              <a:buNone/>
+              <a:defRPr sz="900"/>
+            </a:lvl7pPr>
+            <a:lvl8pPr marL="3200400" indent="0">
+              <a:buNone/>
+              <a:defRPr sz="900"/>
+            </a:lvl8pPr>
+            <a:lvl9pPr marL="3657600" indent="0">
+              <a:buNone/>
+              <a:defRPr sz="900"/>
+            </a:lvl9pPr>
           </a:lstStyle>
           <a:p>
-            <a:r>
-              <a:rPr kumimoji="0" lang="en-US" smtClean="0"/>
-              <a:t>Click icon to add picture</a:t>
-            </a:r>
-            <a:endParaRPr kumimoji="0" lang="en-US" dirty="0"/>
+            <a:pPr lvl="0"/>
+            <a:r>
+              <a:rPr lang="en-US" smtClean="0"/>
+              <a:t>Click to edit Master text styles</a:t>
+            </a:r>
           </a:p>
         </p:txBody>
       </p:sp>
       <p:sp>
         <p:nvSpPr>
-          <p:cNvPr id="5" name="Date Placeholder 4"/>
+          <p:cNvPr id="7" name="Footer Placeholder 4"/>
           <p:cNvSpPr>
             <a:spLocks noGrp="1"/>
           </p:cNvSpPr>
           <p:nvPr>
-            <p:ph type="dt" sz="half" idx="10"/>
+            <p:ph type="ftr" sz="quarter" idx="10"/>
           </p:nvPr>
         </p:nvSpPr>
         <p:spPr/>
@@ -3081,64 +3468,22 @@
           <a:bodyPr/>
           <a:lstStyle>
             <a:lvl1pPr>
-              <a:defRPr>
-                <a:solidFill>
-                  <a:schemeClr val="tx1"/>
-                </a:solidFill>
-              </a:defRPr>
+              <a:defRPr/>
             </a:lvl1pPr>
-            <a:extLst/>
           </a:lstStyle>
           <a:p>
-            <a:fld id="{81F698AE-8DD5-4C76-8A4D-DFCEF1065FFE}" type="datetimeFigureOut">
-              <a:rPr lang="en-US" smtClean="0"/>
-              <a:t>11/9/2011</a:t>
-            </a:fld>
             <a:endParaRPr lang="en-US"/>
           </a:p>
         </p:txBody>
       </p:sp>
       <p:sp>
         <p:nvSpPr>
-          <p:cNvPr id="6" name="Footer Placeholder 5"/>
+          <p:cNvPr id="8" name="Slide Number Placeholder 5"/>
           <p:cNvSpPr>
             <a:spLocks noGrp="1"/>
           </p:cNvSpPr>
           <p:nvPr>
-            <p:ph type="ftr" sz="quarter" idx="11"/>
-          </p:nvPr>
-        </p:nvSpPr>
-        <p:spPr>
-          <a:xfrm>
-            <a:off x="4380072" y="6407944"/>
-            <a:ext cx="2350681" cy="365125"/>
-          </a:xfrm>
-        </p:spPr>
-        <p:txBody>
-          <a:bodyPr/>
-          <a:lstStyle>
-            <a:lvl1pPr>
-              <a:defRPr>
-                <a:solidFill>
-                  <a:schemeClr val="tx1"/>
-                </a:solidFill>
-              </a:defRPr>
-            </a:lvl1pPr>
-            <a:extLst/>
-          </a:lstStyle>
-          <a:p>
-            <a:endParaRPr lang="en-US"/>
-          </a:p>
-        </p:txBody>
-      </p:sp>
-      <p:sp>
-        <p:nvSpPr>
-          <p:cNvPr id="7" name="Slide Number Placeholder 6"/>
-          <p:cNvSpPr>
-            <a:spLocks noGrp="1"/>
-          </p:cNvSpPr>
-          <p:nvPr>
-            <p:ph type="sldNum" sz="quarter" idx="12"/>
+            <p:ph type="sldNum" sz="quarter" idx="11"/>
           </p:nvPr>
         </p:nvSpPr>
         <p:spPr/>
@@ -3146,13 +3491,8 @@
           <a:bodyPr/>
           <a:lstStyle>
             <a:lvl1pPr>
-              <a:defRPr>
-                <a:solidFill>
-                  <a:schemeClr val="tx1"/>
-                </a:solidFill>
-              </a:defRPr>
+              <a:defRPr/>
             </a:lvl1pPr>
-            <a:extLst/>
           </a:lstStyle>
           <a:p>
             <a:fld id="{88BD8D24-DC06-4D52-AAFE-E646E614394D}" type="slidenum">
@@ -3163,548 +3503,15 @@
           </a:p>
         </p:txBody>
       </p:sp>
-      <p:sp>
-        <p:nvSpPr>
-          <p:cNvPr id="2" name="Title 1"/>
-          <p:cNvSpPr>
-            <a:spLocks noGrp="1"/>
-          </p:cNvSpPr>
-          <p:nvPr>
-            <p:ph type="title"/>
-          </p:nvPr>
-        </p:nvSpPr>
-        <p:spPr>
-          <a:xfrm>
-            <a:off x="228600" y="4865122"/>
-            <a:ext cx="8075432" cy="562672"/>
-          </a:xfrm>
-          <a:noFill/>
-        </p:spPr>
-        <p:txBody>
-          <a:bodyPr anchor="t">
-            <a:sp3d prstMaterial="softEdge"/>
-          </a:bodyPr>
-          <a:lstStyle>
-            <a:lvl1pPr marR="0" algn="r">
-              <a:buNone/>
-              <a:defRPr sz="3000" b="0">
-                <a:solidFill>
-                  <a:schemeClr val="accent1"/>
-                </a:solidFill>
-                <a:effectLst>
-                  <a:outerShdw blurRad="50800" dist="25000" dir="5400000" algn="t" rotWithShape="0">
-                    <a:prstClr val="black">
-                      <a:alpha val="45000"/>
-                    </a:prstClr>
-                  </a:outerShdw>
-                </a:effectLst>
-              </a:defRPr>
-            </a:lvl1pPr>
-            <a:extLst/>
-          </a:lstStyle>
-          <a:p>
-            <a:r>
-              <a:rPr kumimoji="0" lang="en-US" smtClean="0"/>
-              <a:t>Click to edit Master title style</a:t>
-            </a:r>
-            <a:endParaRPr kumimoji="0" lang="en-US"/>
-          </a:p>
-        </p:txBody>
-      </p:sp>
-      <p:sp>
-        <p:nvSpPr>
-          <p:cNvPr id="8" name="Freeform 7"/>
-          <p:cNvSpPr>
-            <a:spLocks/>
-          </p:cNvSpPr>
-          <p:nvPr/>
-        </p:nvSpPr>
-        <p:spPr bwMode="auto">
-          <a:xfrm>
-            <a:off x="499273" y="5944936"/>
-            <a:ext cx="4940624" cy="921076"/>
-          </a:xfrm>
-          <a:custGeom>
-            <a:avLst>
-              <a:gd name="A1" fmla="val 0"/>
-              <a:gd name="A2" fmla="val 0"/>
-              <a:gd name="A3" fmla="val 0"/>
-              <a:gd name="A4" fmla="val 0"/>
-              <a:gd name="A5" fmla="val 0"/>
-              <a:gd name="A6" fmla="val 0"/>
-              <a:gd name="A7" fmla="val 0"/>
-              <a:gd name="A8" fmla="val 0"/>
-            </a:avLst>
-            <a:gdLst/>
-            <a:ahLst/>
-            <a:cxnLst>
-              <a:cxn ang="0">
-                <a:pos x="0" y="0"/>
-              </a:cxn>
-              <a:cxn ang="0">
-                <a:pos x="5760" y="0"/>
-              </a:cxn>
-              <a:cxn ang="0">
-                <a:pos x="5760" y="528"/>
-              </a:cxn>
-              <a:cxn ang="0">
-                <a:pos x="48" y="0"/>
-              </a:cxn>
-            </a:cxnLst>
-            <a:rect l="0" t="0" r="0" b="0"/>
-            <a:pathLst>
-              <a:path w="7485" h="337">
-                <a:moveTo>
-                  <a:pt x="0" y="2"/>
-                </a:moveTo>
-                <a:lnTo>
-                  <a:pt x="7485" y="337"/>
-                </a:lnTo>
-                <a:lnTo>
-                  <a:pt x="5558" y="337"/>
-                </a:lnTo>
-                <a:lnTo>
-                  <a:pt x="1" y="0"/>
-                </a:lnTo>
-              </a:path>
-            </a:pathLst>
-          </a:custGeom>
-          <a:solidFill>
-            <a:schemeClr val="accent1">
-              <a:tint val="65000"/>
-              <a:satMod val="115000"/>
-              <a:alpha val="40000"/>
-            </a:schemeClr>
-          </a:solidFill>
-          <a:ln w="9525" cap="flat" cmpd="sng" algn="ctr">
-            <a:noFill/>
-            <a:prstDash val="solid"/>
-            <a:round/>
-            <a:headEnd type="none" w="med" len="med"/>
-            <a:tailEnd type="none" w="med" len="med"/>
-          </a:ln>
-          <a:effectLst/>
-        </p:spPr>
-        <p:txBody>
-          <a:bodyPr vert="horz" wrap="square" lIns="91440" tIns="45720" rIns="91440" bIns="45720" anchor="t" compatLnSpc="1"/>
-          <a:lstStyle>
-            <a:extLst/>
-          </a:lstStyle>
-          <a:p>
-            <a:endParaRPr kumimoji="0" lang="en-US"/>
-          </a:p>
-        </p:txBody>
-      </p:sp>
-      <p:sp>
-        <p:nvSpPr>
-          <p:cNvPr id="9" name="Freeform 8"/>
-          <p:cNvSpPr>
-            <a:spLocks/>
-          </p:cNvSpPr>
-          <p:nvPr/>
-        </p:nvSpPr>
-        <p:spPr bwMode="auto">
-          <a:xfrm>
-            <a:off x="485717" y="5939011"/>
-            <a:ext cx="3690451" cy="933450"/>
-          </a:xfrm>
-          <a:custGeom>
-            <a:avLst>
-              <a:gd name="A1" fmla="val 0"/>
-              <a:gd name="A2" fmla="val 0"/>
-              <a:gd name="A3" fmla="val 0"/>
-              <a:gd name="A4" fmla="val 0"/>
-              <a:gd name="A5" fmla="val 0"/>
-              <a:gd name="A6" fmla="val 0"/>
-              <a:gd name="A7" fmla="val 0"/>
-              <a:gd name="A8" fmla="val 0"/>
-            </a:avLst>
-            <a:gdLst/>
-            <a:ahLst/>
-            <a:cxnLst>
-              <a:cxn ang="0">
-                <a:pos x="0" y="0"/>
-              </a:cxn>
-              <a:cxn ang="0">
-                <a:pos x="5760" y="0"/>
-              </a:cxn>
-              <a:cxn ang="0">
-                <a:pos x="5760" y="528"/>
-              </a:cxn>
-              <a:cxn ang="0">
-                <a:pos x="48" y="0"/>
-              </a:cxn>
-            </a:cxnLst>
-            <a:rect l="0" t="0" r="0" b="0"/>
-            <a:pathLst>
-              <a:path w="5591" h="588">
-                <a:moveTo>
-                  <a:pt x="0" y="0"/>
-                </a:moveTo>
-                <a:lnTo>
-                  <a:pt x="5591" y="585"/>
-                </a:lnTo>
-                <a:lnTo>
-                  <a:pt x="4415" y="588"/>
-                </a:lnTo>
-                <a:lnTo>
-                  <a:pt x="12" y="4"/>
-                </a:lnTo>
-              </a:path>
-            </a:pathLst>
-          </a:custGeom>
-          <a:solidFill>
-            <a:srgbClr val="000000">
-              <a:alpha val="100000"/>
-            </a:srgbClr>
-          </a:solidFill>
-          <a:ln w="9525" cap="flat" cmpd="sng" algn="ctr">
-            <a:noFill/>
-            <a:prstDash val="solid"/>
-            <a:round/>
-            <a:headEnd type="none" w="med" len="med"/>
-            <a:tailEnd type="none" w="med" len="med"/>
-          </a:ln>
-          <a:effectLst/>
-        </p:spPr>
-        <p:txBody>
-          <a:bodyPr vert="horz" wrap="square" lIns="91440" tIns="45720" rIns="91440" bIns="45720" anchor="t" compatLnSpc="1"/>
-          <a:lstStyle>
-            <a:extLst/>
-          </a:lstStyle>
-          <a:p>
-            <a:endParaRPr kumimoji="0" lang="en-US"/>
-          </a:p>
-        </p:txBody>
-      </p:sp>
-      <p:sp>
-        <p:nvSpPr>
-          <p:cNvPr id="10" name="Right Triangle 9"/>
-          <p:cNvSpPr>
-            <a:spLocks/>
-          </p:cNvSpPr>
-          <p:nvPr/>
-        </p:nvSpPr>
-        <p:spPr bwMode="auto">
-          <a:xfrm>
-            <a:off x="-6042" y="5791253"/>
-            <a:ext cx="3402314" cy="1080868"/>
-          </a:xfrm>
-          <a:prstGeom prst="rtTriangle">
-            <a:avLst/>
-          </a:prstGeom>
-          <a:blipFill>
-            <a:blip r:embed="rId2">
-              <a:alphaModFix amt="50000"/>
-            </a:blip>
-            <a:tile tx="0" ty="0" sx="50000" sy="50000" flip="none" algn="t"/>
-          </a:blipFill>
-          <a:ln w="12700" cap="rnd" cmpd="thickThin" algn="ctr">
-            <a:noFill/>
-            <a:prstDash val="solid"/>
-          </a:ln>
-          <a:effectLst>
-            <a:fillOverlay blend="mult">
-              <a:gradFill flip="none" rotWithShape="1">
-                <a:gsLst>
-                  <a:gs pos="0">
-                    <a:schemeClr val="accent1">
-                      <a:shade val="20000"/>
-                      <a:satMod val="176000"/>
-                      <a:alpha val="100000"/>
-                    </a:schemeClr>
-                  </a:gs>
-                  <a:gs pos="18000">
-                    <a:schemeClr val="accent1">
-                      <a:shade val="48000"/>
-                      <a:satMod val="153000"/>
-                      <a:alpha val="100000"/>
-                    </a:schemeClr>
-                  </a:gs>
-                  <a:gs pos="43000">
-                    <a:schemeClr val="accent1">
-                      <a:tint val="86000"/>
-                      <a:satMod val="149000"/>
-                      <a:alpha val="100000"/>
-                    </a:schemeClr>
-                  </a:gs>
-                  <a:gs pos="45000">
-                    <a:schemeClr val="accent1">
-                      <a:tint val="85000"/>
-                      <a:satMod val="150000"/>
-                      <a:alpha val="100000"/>
-                    </a:schemeClr>
-                  </a:gs>
-                  <a:gs pos="50000">
-                    <a:schemeClr val="accent1">
-                      <a:tint val="86000"/>
-                      <a:satMod val="149000"/>
-                      <a:alpha val="100000"/>
-                    </a:schemeClr>
-                  </a:gs>
-                  <a:gs pos="79000">
-                    <a:schemeClr val="accent1">
-                      <a:shade val="53000"/>
-                      <a:satMod val="150000"/>
-                      <a:alpha val="100000"/>
-                    </a:schemeClr>
-                  </a:gs>
-                  <a:gs pos="100000">
-                    <a:schemeClr val="accent1">
-                      <a:shade val="25000"/>
-                      <a:satMod val="170000"/>
-                      <a:alpha val="100000"/>
-                    </a:schemeClr>
-                  </a:gs>
-                </a:gsLst>
-                <a:lin ang="450000" scaled="1"/>
-                <a:tileRect/>
-              </a:gradFill>
-            </a:fillOverlay>
-          </a:effectLst>
-        </p:spPr>
-        <p:style>
-          <a:lnRef idx="3">
-            <a:schemeClr val="lt1"/>
-          </a:lnRef>
-          <a:fillRef idx="1">
-            <a:schemeClr val="accent1"/>
-          </a:fillRef>
-          <a:effectRef idx="1">
-            <a:schemeClr val="accent1"/>
-          </a:effectRef>
-          <a:fontRef idx="minor">
-            <a:schemeClr val="lt1"/>
-          </a:fontRef>
-        </p:style>
-        <p:txBody>
-          <a:bodyPr vert="horz" wrap="square" lIns="91440" tIns="45720" rIns="91440" bIns="45720" anchor="ctr" compatLnSpc="1"/>
-          <a:lstStyle>
-            <a:extLst/>
-          </a:lstStyle>
-          <a:p>
-            <a:pPr algn="ctr" eaLnBrk="1" latinLnBrk="0" hangingPunct="1"/>
-            <a:endParaRPr kumimoji="0" lang="en-US"/>
-          </a:p>
-        </p:txBody>
-      </p:sp>
-      <p:cxnSp>
-        <p:nvCxnSpPr>
-          <p:cNvPr id="11" name="Straight Connector 10"/>
-          <p:cNvCxnSpPr/>
-          <p:nvPr/>
-        </p:nvCxnSpPr>
-        <p:spPr>
-          <a:xfrm>
-            <a:off x="-9237" y="5787738"/>
-            <a:ext cx="3405509" cy="1084383"/>
-          </a:xfrm>
-          <a:prstGeom prst="line">
-            <a:avLst/>
-          </a:prstGeom>
-          <a:noFill/>
-          <a:ln w="12065" cap="flat" cmpd="sng" algn="ctr">
-            <a:gradFill>
-              <a:gsLst>
-                <a:gs pos="45000">
-                  <a:schemeClr val="accent1">
-                    <a:tint val="70000"/>
-                    <a:satMod val="110000"/>
-                  </a:schemeClr>
-                </a:gs>
-                <a:gs pos="15000">
-                  <a:schemeClr val="accent1">
-                    <a:shade val="40000"/>
-                    <a:satMod val="110000"/>
-                  </a:schemeClr>
-                </a:gs>
-              </a:gsLst>
-              <a:lin ang="5400000" scaled="1"/>
-            </a:gradFill>
-            <a:prstDash val="solid"/>
-            <a:miter lim="800000"/>
-          </a:ln>
-          <a:effectLst/>
-        </p:spPr>
-        <p:style>
-          <a:lnRef idx="2">
-            <a:schemeClr val="accent1"/>
-          </a:lnRef>
-          <a:fillRef idx="0">
-            <a:schemeClr val="accent1"/>
-          </a:fillRef>
-          <a:effectRef idx="1">
-            <a:schemeClr val="accent1"/>
-          </a:effectRef>
-          <a:fontRef idx="minor">
-            <a:schemeClr val="tx1"/>
-          </a:fontRef>
-        </p:style>
-      </p:cxnSp>
-      <p:sp>
-        <p:nvSpPr>
-          <p:cNvPr id="12" name="Chevron 11"/>
-          <p:cNvSpPr/>
-          <p:nvPr/>
-        </p:nvSpPr>
-        <p:spPr>
-          <a:xfrm>
-            <a:off x="8664112" y="4988440"/>
-            <a:ext cx="182880" cy="228600"/>
-          </a:xfrm>
-          <a:prstGeom prst="chevron">
-            <a:avLst>
-              <a:gd name="adj" fmla="val 50000"/>
-            </a:avLst>
-          </a:prstGeom>
-          <a:gradFill flip="none" rotWithShape="1">
-            <a:gsLst>
-              <a:gs pos="0">
-                <a:schemeClr val="accent1">
-                  <a:shade val="60000"/>
-                  <a:satMod val="125000"/>
-                </a:schemeClr>
-              </a:gs>
-              <a:gs pos="72000">
-                <a:schemeClr val="accent1">
-                  <a:tint val="90000"/>
-                  <a:satMod val="138000"/>
-                </a:schemeClr>
-              </a:gs>
-              <a:gs pos="100000">
-                <a:schemeClr val="accent1">
-                  <a:tint val="76000"/>
-                  <a:satMod val="136000"/>
-                </a:schemeClr>
-              </a:gs>
-            </a:gsLst>
-            <a:lin ang="16200000" scaled="0"/>
-          </a:gradFill>
-          <a:ln w="3175" cap="rnd" cmpd="sng" algn="ctr">
-            <a:solidFill>
-              <a:schemeClr val="accent1">
-                <a:shade val="50000"/>
-              </a:schemeClr>
-            </a:solidFill>
-            <a:prstDash val="solid"/>
-          </a:ln>
-          <a:effectLst>
-            <a:outerShdw blurRad="50800" dist="25400" dir="5400000">
-              <a:srgbClr val="000000">
-                <a:alpha val="46000"/>
-              </a:srgbClr>
-            </a:outerShdw>
-          </a:effectLst>
-        </p:spPr>
-        <p:style>
-          <a:lnRef idx="1">
-            <a:schemeClr val="accent1"/>
-          </a:lnRef>
-          <a:fillRef idx="3">
-            <a:schemeClr val="accent1"/>
-          </a:fillRef>
-          <a:effectRef idx="2">
-            <a:schemeClr val="accent1"/>
-          </a:effectRef>
-          <a:fontRef idx="minor">
-            <a:schemeClr val="lt1"/>
-          </a:fontRef>
-        </p:style>
-        <p:txBody>
-          <a:bodyPr anchor="ctr"/>
-          <a:lstStyle>
-            <a:extLst/>
-          </a:lstStyle>
-          <a:p>
-            <a:pPr algn="l" eaLnBrk="1" latinLnBrk="0" hangingPunct="1"/>
-            <a:endParaRPr kumimoji="0" lang="en-US"/>
-          </a:p>
-        </p:txBody>
-      </p:sp>
-      <p:sp>
-        <p:nvSpPr>
-          <p:cNvPr id="13" name="Chevron 12"/>
-          <p:cNvSpPr/>
-          <p:nvPr/>
-        </p:nvSpPr>
-        <p:spPr>
-          <a:xfrm>
-            <a:off x="8477696" y="4988440"/>
-            <a:ext cx="182880" cy="228600"/>
-          </a:xfrm>
-          <a:prstGeom prst="chevron">
-            <a:avLst>
-              <a:gd name="adj" fmla="val 50000"/>
-            </a:avLst>
-          </a:prstGeom>
-          <a:gradFill flip="none" rotWithShape="1">
-            <a:gsLst>
-              <a:gs pos="0">
-                <a:schemeClr val="accent1">
-                  <a:shade val="60000"/>
-                  <a:satMod val="125000"/>
-                </a:schemeClr>
-              </a:gs>
-              <a:gs pos="72000">
-                <a:schemeClr val="accent1">
-                  <a:tint val="90000"/>
-                  <a:satMod val="138000"/>
-                </a:schemeClr>
-              </a:gs>
-              <a:gs pos="100000">
-                <a:schemeClr val="accent1">
-                  <a:tint val="76000"/>
-                  <a:satMod val="136000"/>
-                </a:schemeClr>
-              </a:gs>
-            </a:gsLst>
-            <a:lin ang="16200000" scaled="0"/>
-          </a:gradFill>
-          <a:ln w="3175" cap="rnd" cmpd="sng" algn="ctr">
-            <a:solidFill>
-              <a:schemeClr val="accent1">
-                <a:shade val="50000"/>
-              </a:schemeClr>
-            </a:solidFill>
-            <a:prstDash val="solid"/>
-          </a:ln>
-          <a:effectLst>
-            <a:outerShdw blurRad="50800" dist="25400" dir="5400000">
-              <a:srgbClr val="000000">
-                <a:alpha val="46000"/>
-              </a:srgbClr>
-            </a:outerShdw>
-          </a:effectLst>
-        </p:spPr>
-        <p:style>
-          <a:lnRef idx="1">
-            <a:schemeClr val="accent1"/>
-          </a:lnRef>
-          <a:fillRef idx="3">
-            <a:schemeClr val="accent1"/>
-          </a:fillRef>
-          <a:effectRef idx="2">
-            <a:schemeClr val="accent1"/>
-          </a:effectRef>
-          <a:fontRef idx="minor">
-            <a:schemeClr val="lt1"/>
-          </a:fontRef>
-        </p:style>
-        <p:txBody>
-          <a:bodyPr anchor="ctr"/>
-          <a:lstStyle>
-            <a:extLst/>
-          </a:lstStyle>
-          <a:p>
-            <a:pPr algn="l" eaLnBrk="1" latinLnBrk="0" hangingPunct="1"/>
-            <a:endParaRPr kumimoji="0" lang="en-US"/>
-          </a:p>
-        </p:txBody>
-      </p:sp>
     </p:spTree>
+    <p:extLst>
+      <p:ext uri="{BB962C8B-B14F-4D97-AF65-F5344CB8AC3E}">
+        <p14:creationId xmlns:p14="http://schemas.microsoft.com/office/powerpoint/2010/main" val="2415284577"/>
+      </p:ext>
+    </p:extLst>
   </p:cSld>
   <p:clrMapOvr>
-    <a:overrideClrMapping bg1="dk1" tx1="lt1" bg2="dk2" tx2="lt2" accent1="accent1" accent2="accent2" accent3="accent3" accent4="accent4" accent5="accent5" accent6="accent6" hlink="hlink" folHlink="folHlink"/>
+    <a:masterClrMapping/>
   </p:clrMapOvr>
 </p:sldLayout>
 </file>
@@ -3733,337 +3540,7 @@
       </p:grpSpPr>
       <p:sp>
         <p:nvSpPr>
-          <p:cNvPr id="13" name="Freeform 12"/>
-          <p:cNvSpPr>
-            <a:spLocks/>
-          </p:cNvSpPr>
-          <p:nvPr/>
-        </p:nvSpPr>
-        <p:spPr bwMode="auto">
-          <a:xfrm>
-            <a:off x="499273" y="5944936"/>
-            <a:ext cx="4940624" cy="921076"/>
-          </a:xfrm>
-          <a:custGeom>
-            <a:avLst>
-              <a:gd name="A1" fmla="val 0"/>
-              <a:gd name="A2" fmla="val 0"/>
-              <a:gd name="A3" fmla="val 0"/>
-              <a:gd name="A4" fmla="val 0"/>
-              <a:gd name="A5" fmla="val 0"/>
-              <a:gd name="A6" fmla="val 0"/>
-              <a:gd name="A7" fmla="val 0"/>
-              <a:gd name="A8" fmla="val 0"/>
-            </a:avLst>
-            <a:gdLst/>
-            <a:ahLst/>
-            <a:cxnLst>
-              <a:cxn ang="0">
-                <a:pos x="0" y="0"/>
-              </a:cxn>
-              <a:cxn ang="0">
-                <a:pos x="5760" y="0"/>
-              </a:cxn>
-              <a:cxn ang="0">
-                <a:pos x="5760" y="528"/>
-              </a:cxn>
-              <a:cxn ang="0">
-                <a:pos x="48" y="0"/>
-              </a:cxn>
-            </a:cxnLst>
-            <a:rect l="0" t="0" r="0" b="0"/>
-            <a:pathLst>
-              <a:path w="7485" h="337">
-                <a:moveTo>
-                  <a:pt x="0" y="2"/>
-                </a:moveTo>
-                <a:lnTo>
-                  <a:pt x="7485" y="337"/>
-                </a:lnTo>
-                <a:lnTo>
-                  <a:pt x="5558" y="337"/>
-                </a:lnTo>
-                <a:lnTo>
-                  <a:pt x="1" y="0"/>
-                </a:lnTo>
-              </a:path>
-            </a:pathLst>
-          </a:custGeom>
-          <a:solidFill>
-            <a:schemeClr val="accent1">
-              <a:tint val="65000"/>
-              <a:satMod val="115000"/>
-              <a:alpha val="40000"/>
-            </a:schemeClr>
-          </a:solidFill>
-          <a:ln w="9525" cap="flat" cmpd="sng" algn="ctr">
-            <a:noFill/>
-            <a:prstDash val="solid"/>
-            <a:round/>
-            <a:headEnd type="none" w="med" len="med"/>
-            <a:tailEnd type="none" w="med" len="med"/>
-          </a:ln>
-          <a:effectLst/>
-        </p:spPr>
-        <p:txBody>
-          <a:bodyPr vert="horz" wrap="square" lIns="91440" tIns="45720" rIns="91440" bIns="45720" anchor="t" compatLnSpc="1"/>
-          <a:lstStyle>
-            <a:extLst/>
-          </a:lstStyle>
-          <a:p>
-            <a:endParaRPr kumimoji="0" lang="en-US"/>
-          </a:p>
-        </p:txBody>
-      </p:sp>
-      <p:sp>
-        <p:nvSpPr>
-          <p:cNvPr id="12" name="Freeform 11"/>
-          <p:cNvSpPr>
-            <a:spLocks/>
-          </p:cNvSpPr>
-          <p:nvPr/>
-        </p:nvSpPr>
-        <p:spPr bwMode="auto">
-          <a:xfrm>
-            <a:off x="485717" y="5939011"/>
-            <a:ext cx="3690451" cy="933450"/>
-          </a:xfrm>
-          <a:custGeom>
-            <a:avLst>
-              <a:gd name="A1" fmla="val 0"/>
-              <a:gd name="A2" fmla="val 0"/>
-              <a:gd name="A3" fmla="val 0"/>
-              <a:gd name="A4" fmla="val 0"/>
-              <a:gd name="A5" fmla="val 0"/>
-              <a:gd name="A6" fmla="val 0"/>
-              <a:gd name="A7" fmla="val 0"/>
-              <a:gd name="A8" fmla="val 0"/>
-            </a:avLst>
-            <a:gdLst/>
-            <a:ahLst/>
-            <a:cxnLst>
-              <a:cxn ang="0">
-                <a:pos x="0" y="0"/>
-              </a:cxn>
-              <a:cxn ang="0">
-                <a:pos x="5760" y="0"/>
-              </a:cxn>
-              <a:cxn ang="0">
-                <a:pos x="5760" y="528"/>
-              </a:cxn>
-              <a:cxn ang="0">
-                <a:pos x="48" y="0"/>
-              </a:cxn>
-            </a:cxnLst>
-            <a:rect l="0" t="0" r="0" b="0"/>
-            <a:pathLst>
-              <a:path w="5591" h="588">
-                <a:moveTo>
-                  <a:pt x="0" y="0"/>
-                </a:moveTo>
-                <a:lnTo>
-                  <a:pt x="5591" y="585"/>
-                </a:lnTo>
-                <a:lnTo>
-                  <a:pt x="4415" y="588"/>
-                </a:lnTo>
-                <a:lnTo>
-                  <a:pt x="12" y="4"/>
-                </a:lnTo>
-              </a:path>
-            </a:pathLst>
-          </a:custGeom>
-          <a:solidFill>
-            <a:srgbClr val="000000">
-              <a:alpha val="100000"/>
-            </a:srgbClr>
-          </a:solidFill>
-          <a:ln w="9525" cap="flat" cmpd="sng" algn="ctr">
-            <a:noFill/>
-            <a:prstDash val="solid"/>
-            <a:round/>
-            <a:headEnd type="none" w="med" len="med"/>
-            <a:tailEnd type="none" w="med" len="med"/>
-          </a:ln>
-          <a:effectLst/>
-        </p:spPr>
-        <p:txBody>
-          <a:bodyPr vert="horz" wrap="square" lIns="91440" tIns="45720" rIns="91440" bIns="45720" anchor="t" compatLnSpc="1"/>
-          <a:lstStyle>
-            <a:extLst/>
-          </a:lstStyle>
-          <a:p>
-            <a:endParaRPr kumimoji="0" lang="en-US"/>
-          </a:p>
-        </p:txBody>
-      </p:sp>
-      <p:sp>
-        <p:nvSpPr>
-          <p:cNvPr id="14" name="Right Triangle 13"/>
-          <p:cNvSpPr>
-            <a:spLocks/>
-          </p:cNvSpPr>
-          <p:nvPr/>
-        </p:nvSpPr>
-        <p:spPr bwMode="auto">
-          <a:xfrm>
-            <a:off x="-6042" y="5791253"/>
-            <a:ext cx="3402314" cy="1080868"/>
-          </a:xfrm>
-          <a:prstGeom prst="rtTriangle">
-            <a:avLst/>
-          </a:prstGeom>
-          <a:blipFill>
-            <a:blip r:embed="rId13">
-              <a:alphaModFix amt="50000"/>
-            </a:blip>
-            <a:tile tx="0" ty="0" sx="50000" sy="50000" flip="none" algn="t"/>
-          </a:blipFill>
-          <a:ln w="12700" cap="rnd" cmpd="thickThin" algn="ctr">
-            <a:noFill/>
-            <a:prstDash val="solid"/>
-          </a:ln>
-          <a:effectLst>
-            <a:fillOverlay blend="mult">
-              <a:gradFill flip="none" rotWithShape="1">
-                <a:gsLst>
-                  <a:gs pos="0">
-                    <a:schemeClr val="accent1">
-                      <a:shade val="20000"/>
-                      <a:satMod val="176000"/>
-                      <a:alpha val="100000"/>
-                    </a:schemeClr>
-                  </a:gs>
-                  <a:gs pos="18000">
-                    <a:schemeClr val="accent1">
-                      <a:shade val="48000"/>
-                      <a:satMod val="153000"/>
-                      <a:alpha val="100000"/>
-                    </a:schemeClr>
-                  </a:gs>
-                  <a:gs pos="43000">
-                    <a:schemeClr val="accent1">
-                      <a:tint val="86000"/>
-                      <a:satMod val="149000"/>
-                      <a:alpha val="100000"/>
-                    </a:schemeClr>
-                  </a:gs>
-                  <a:gs pos="45000">
-                    <a:schemeClr val="accent1">
-                      <a:tint val="85000"/>
-                      <a:satMod val="150000"/>
-                      <a:alpha val="100000"/>
-                    </a:schemeClr>
-                  </a:gs>
-                  <a:gs pos="50000">
-                    <a:schemeClr val="accent1">
-                      <a:tint val="86000"/>
-                      <a:satMod val="149000"/>
-                      <a:alpha val="100000"/>
-                    </a:schemeClr>
-                  </a:gs>
-                  <a:gs pos="79000">
-                    <a:schemeClr val="accent1">
-                      <a:shade val="53000"/>
-                      <a:satMod val="150000"/>
-                      <a:alpha val="100000"/>
-                    </a:schemeClr>
-                  </a:gs>
-                  <a:gs pos="100000">
-                    <a:schemeClr val="accent1">
-                      <a:shade val="25000"/>
-                      <a:satMod val="170000"/>
-                      <a:alpha val="100000"/>
-                    </a:schemeClr>
-                  </a:gs>
-                </a:gsLst>
-                <a:lin ang="450000" scaled="1"/>
-                <a:tileRect/>
-              </a:gradFill>
-            </a:fillOverlay>
-          </a:effectLst>
-        </p:spPr>
-        <p:style>
-          <a:lnRef idx="3">
-            <a:schemeClr val="lt1"/>
-          </a:lnRef>
-          <a:fillRef idx="1">
-            <a:schemeClr val="accent1"/>
-          </a:fillRef>
-          <a:effectRef idx="1">
-            <a:schemeClr val="accent1"/>
-          </a:effectRef>
-          <a:fontRef idx="minor">
-            <a:schemeClr val="lt1"/>
-          </a:fontRef>
-        </p:style>
-        <p:txBody>
-          <a:bodyPr vert="horz" wrap="square" lIns="91440" tIns="45720" rIns="91440" bIns="45720" anchor="ctr" compatLnSpc="1"/>
-          <a:lstStyle>
-            <a:extLst/>
-          </a:lstStyle>
-          <a:p>
-            <a:pPr algn="ctr" eaLnBrk="1" latinLnBrk="0" hangingPunct="1"/>
-            <a:endParaRPr kumimoji="0" lang="en-US"/>
-          </a:p>
-        </p:txBody>
-      </p:sp>
-      <p:cxnSp>
-        <p:nvCxnSpPr>
-          <p:cNvPr id="15" name="Straight Connector 14"/>
-          <p:cNvCxnSpPr/>
-          <p:nvPr/>
-        </p:nvCxnSpPr>
-        <p:spPr>
-          <a:xfrm>
-            <a:off x="-9237" y="5787738"/>
-            <a:ext cx="3405509" cy="1084383"/>
-          </a:xfrm>
-          <a:prstGeom prst="line">
-            <a:avLst/>
-          </a:prstGeom>
-          <a:noFill/>
-          <a:ln w="12065" cap="flat" cmpd="sng" algn="ctr">
-            <a:gradFill>
-              <a:gsLst>
-                <a:gs pos="45000">
-                  <a:schemeClr val="accent1">
-                    <a:tint val="70000"/>
-                    <a:satMod val="110000"/>
-                  </a:schemeClr>
-                </a:gs>
-                <a:gs pos="15000">
-                  <a:schemeClr val="accent1">
-                    <a:shade val="40000"/>
-                    <a:satMod val="110000"/>
-                  </a:schemeClr>
-                </a:gs>
-              </a:gsLst>
-              <a:lin ang="5400000" scaled="1"/>
-            </a:gradFill>
-            <a:prstDash val="solid"/>
-            <a:miter lim="800000"/>
-          </a:ln>
-          <a:effectLst/>
-        </p:spPr>
-        <p:style>
-          <a:lnRef idx="2">
-            <a:schemeClr val="accent1"/>
-          </a:lnRef>
-          <a:fillRef idx="0">
-            <a:schemeClr val="accent1"/>
-          </a:fillRef>
-          <a:effectRef idx="1">
-            <a:schemeClr val="accent1"/>
-          </a:effectRef>
-          <a:fontRef idx="minor">
-            <a:schemeClr val="tx1"/>
-          </a:fontRef>
-        </p:style>
-      </p:cxnSp>
-      <p:sp>
-        <p:nvSpPr>
-          <p:cNvPr id="9" name="Title Placeholder 8"/>
+          <p:cNvPr id="1026" name="Title Placeholder 1"/>
           <p:cNvSpPr>
             <a:spLocks noGrp="1"/>
           </p:cNvSpPr>
@@ -4071,7 +3548,7 @@
             <p:ph type="title"/>
           </p:nvPr>
         </p:nvSpPr>
-        <p:spPr>
+        <p:spPr bwMode="auto">
           <a:xfrm>
             <a:off x="457200" y="274638"/>
             <a:ext cx="8229600" cy="1143000"/>
@@ -4079,33 +3556,50 @@
           <a:prstGeom prst="rect">
             <a:avLst/>
           </a:prstGeom>
+          <a:noFill/>
+          <a:ln>
+            <a:noFill/>
+          </a:ln>
+          <a:extLst>
+            <a:ext uri="{909E8E84-426E-40DD-AFC4-6F175D3DCCD1}">
+              <a14:hiddenFill xmlns:a14="http://schemas.microsoft.com/office/drawing/2010/main">
+                <a:solidFill>
+                  <a:srgbClr val="FFFFFF"/>
+                </a:solidFill>
+              </a14:hiddenFill>
+            </a:ext>
+            <a:ext uri="{91240B29-F687-4F45-9708-019B960494DF}">
+              <a14:hiddenLine xmlns:a14="http://schemas.microsoft.com/office/drawing/2010/main" w="9525">
+                <a:solidFill>
+                  <a:srgbClr val="000000"/>
+                </a:solidFill>
+                <a:miter lim="800000"/>
+                <a:headEnd/>
+                <a:tailEnd/>
+              </a14:hiddenLine>
+            </a:ext>
+          </a:extLst>
         </p:spPr>
         <p:txBody>
-          <a:bodyPr vert="horz" anchor="ctr">
-            <a:normAutofit/>
-            <a:scene3d>
-              <a:camera prst="orthographicFront"/>
-              <a:lightRig rig="soft" dir="t"/>
-            </a:scene3d>
-            <a:sp3d prstMaterial="softEdge">
-              <a:bevelT w="25400" h="25400"/>
-            </a:sp3d>
+          <a:bodyPr vert="horz" wrap="square" lIns="91440" tIns="45720" rIns="91440" bIns="45720" numCol="1" anchor="ctr" anchorCtr="0" compatLnSpc="1">
+            <a:prstTxWarp prst="textNoShape">
+              <a:avLst/>
+            </a:prstTxWarp>
           </a:bodyPr>
-          <a:lstStyle>
-            <a:extLst/>
-          </a:lstStyle>
-          <a:p>
-            <a:r>
-              <a:rPr kumimoji="0" lang="en-US" smtClean="0"/>
+          <a:lstStyle/>
+          <a:p>
+            <a:pPr lvl="0"/>
+            <a:r>
+              <a:rPr lang="en-US" smtClean="0"/>
               <a:t>Click to edit Master title style</a:t>
             </a:r>
-            <a:endParaRPr kumimoji="0" lang="en-US"/>
+            <a:endParaRPr lang="en-US" smtClean="0"/>
           </a:p>
         </p:txBody>
       </p:sp>
       <p:sp>
         <p:nvSpPr>
-          <p:cNvPr id="30" name="Text Placeholder 29"/>
+          <p:cNvPr id="1027" name="Text Placeholder 2"/>
           <p:cNvSpPr>
             <a:spLocks noGrp="1"/>
           </p:cNvSpPr>
@@ -4113,103 +3607,86 @@
             <p:ph type="body" idx="1"/>
           </p:nvPr>
         </p:nvSpPr>
-        <p:spPr>
+        <p:spPr bwMode="auto">
           <a:xfrm>
-            <a:off x="457200" y="1481328"/>
+            <a:off x="457200" y="1600200"/>
             <a:ext cx="8229600" cy="4525963"/>
           </a:xfrm>
           <a:prstGeom prst="rect">
             <a:avLst/>
           </a:prstGeom>
+          <a:noFill/>
+          <a:ln>
+            <a:noFill/>
+          </a:ln>
+          <a:extLst>
+            <a:ext uri="{909E8E84-426E-40DD-AFC4-6F175D3DCCD1}">
+              <a14:hiddenFill xmlns:a14="http://schemas.microsoft.com/office/drawing/2010/main">
+                <a:solidFill>
+                  <a:srgbClr val="FFFFFF"/>
+                </a:solidFill>
+              </a14:hiddenFill>
+            </a:ext>
+            <a:ext uri="{91240B29-F687-4F45-9708-019B960494DF}">
+              <a14:hiddenLine xmlns:a14="http://schemas.microsoft.com/office/drawing/2010/main" w="9525">
+                <a:solidFill>
+                  <a:srgbClr val="000000"/>
+                </a:solidFill>
+                <a:miter lim="800000"/>
+                <a:headEnd/>
+                <a:tailEnd/>
+              </a14:hiddenLine>
+            </a:ext>
+          </a:extLst>
         </p:spPr>
         <p:txBody>
-          <a:bodyPr vert="horz">
-            <a:normAutofit/>
+          <a:bodyPr vert="horz" wrap="square" lIns="91440" tIns="45720" rIns="91440" bIns="45720" numCol="1" anchor="t" anchorCtr="0" compatLnSpc="1">
+            <a:prstTxWarp prst="textNoShape">
+              <a:avLst/>
+            </a:prstTxWarp>
           </a:bodyPr>
-          <a:lstStyle>
-            <a:extLst/>
-          </a:lstStyle>
-          <a:p>
-            <a:pPr lvl="0" eaLnBrk="1" latinLnBrk="0" hangingPunct="1"/>
-            <a:r>
-              <a:rPr kumimoji="0" lang="en-US" smtClean="0"/>
+          <a:lstStyle/>
+          <a:p>
+            <a:pPr lvl="0"/>
+            <a:r>
+              <a:rPr lang="en-US" smtClean="0"/>
               <a:t>Click to edit Master text styles</a:t>
             </a:r>
           </a:p>
           <a:p>
-            <a:pPr lvl="1" eaLnBrk="1" latinLnBrk="0" hangingPunct="1"/>
-            <a:r>
-              <a:rPr kumimoji="0" lang="en-US" smtClean="0"/>
+            <a:pPr lvl="1"/>
+            <a:r>
+              <a:rPr lang="en-US" smtClean="0"/>
               <a:t>Second level</a:t>
             </a:r>
           </a:p>
           <a:p>
-            <a:pPr lvl="2" eaLnBrk="1" latinLnBrk="0" hangingPunct="1"/>
-            <a:r>
-              <a:rPr kumimoji="0" lang="en-US" smtClean="0"/>
+            <a:pPr lvl="2"/>
+            <a:r>
+              <a:rPr lang="en-US" smtClean="0"/>
               <a:t>Third level</a:t>
             </a:r>
           </a:p>
           <a:p>
-            <a:pPr lvl="3" eaLnBrk="1" latinLnBrk="0" hangingPunct="1"/>
-            <a:r>
-              <a:rPr kumimoji="0" lang="en-US" smtClean="0"/>
+            <a:pPr lvl="3"/>
+            <a:r>
+              <a:rPr lang="en-US" smtClean="0"/>
               <a:t>Fourth level</a:t>
             </a:r>
           </a:p>
           <a:p>
-            <a:pPr lvl="4" eaLnBrk="1" latinLnBrk="0" hangingPunct="1"/>
-            <a:r>
-              <a:rPr kumimoji="0" lang="en-US" smtClean="0"/>
+            <a:pPr lvl="4"/>
+            <a:r>
+              <a:rPr lang="en-US" smtClean="0"/>
               <a:t>Fifth level</a:t>
             </a:r>
-            <a:endParaRPr kumimoji="0" lang="en-US"/>
+            <a:endParaRPr lang="en-US" smtClean="0"/>
           </a:p>
         </p:txBody>
       </p:sp>
       <p:sp>
         <p:nvSpPr>
-          <p:cNvPr id="10" name="Date Placeholder 9"/>
-          <p:cNvSpPr>
-            <a:spLocks noGrp="1"/>
-          </p:cNvSpPr>
-          <p:nvPr>
-            <p:ph type="dt" sz="half" idx="2"/>
-          </p:nvPr>
-        </p:nvSpPr>
-        <p:spPr>
-          <a:xfrm>
-            <a:off x="6727032" y="6407944"/>
-            <a:ext cx="1920240" cy="365760"/>
-          </a:xfrm>
-          <a:prstGeom prst="rect">
-            <a:avLst/>
-          </a:prstGeom>
-        </p:spPr>
-        <p:txBody>
-          <a:bodyPr vert="horz" anchor="b"/>
-          <a:lstStyle>
-            <a:lvl1pPr algn="l" eaLnBrk="1" latinLnBrk="0" hangingPunct="1">
-              <a:defRPr kumimoji="0" sz="1000">
-                <a:solidFill>
-                  <a:schemeClr val="tx1"/>
-                </a:solidFill>
-              </a:defRPr>
-            </a:lvl1pPr>
-            <a:extLst/>
-          </a:lstStyle>
-          <a:p>
-            <a:fld id="{81F698AE-8DD5-4C76-8A4D-DFCEF1065FFE}" type="datetimeFigureOut">
-              <a:rPr lang="en-US" smtClean="0"/>
-              <a:t>11/9/2011</a:t>
-            </a:fld>
-            <a:endParaRPr lang="en-US"/>
-          </a:p>
-        </p:txBody>
-      </p:sp>
-      <p:sp>
-        <p:nvSpPr>
-          <p:cNvPr id="22" name="Footer Placeholder 21"/>
+          <p:cNvPr id="5" name="Footer Placeholder 4"/>
           <p:cNvSpPr>
             <a:spLocks noGrp="1"/>
           </p:cNvSpPr>
@@ -4219,24 +3696,32 @@
         </p:nvSpPr>
         <p:spPr>
           <a:xfrm>
-            <a:off x="4380072" y="6407944"/>
-            <a:ext cx="2350681" cy="365125"/>
+            <a:off x="1143000" y="6356350"/>
+            <a:ext cx="6019800" cy="365125"/>
           </a:xfrm>
           <a:prstGeom prst="rect">
             <a:avLst/>
           </a:prstGeom>
         </p:spPr>
         <p:txBody>
-          <a:bodyPr vert="horz" anchor="b"/>
+          <a:bodyPr vert="horz" lIns="91440" tIns="45720" rIns="91440" bIns="45720" rtlCol="0" anchor="ctr"/>
           <a:lstStyle>
-            <a:lvl1pPr algn="r" eaLnBrk="1" latinLnBrk="0" hangingPunct="1">
-              <a:defRPr kumimoji="0" sz="1000">
+            <a:lvl1pPr algn="ctr" fontAlgn="auto">
+              <a:spcBef>
+                <a:spcPts val="0"/>
+              </a:spcBef>
+              <a:spcAft>
+                <a:spcPts val="0"/>
+              </a:spcAft>
+              <a:defRPr sz="1200">
                 <a:solidFill>
-                  <a:schemeClr val="tx1"/>
+                  <a:schemeClr val="tx1">
+                    <a:tint val="75000"/>
+                  </a:schemeClr>
                 </a:solidFill>
+                <a:latin typeface="+mn-lt"/>
               </a:defRPr>
             </a:lvl1pPr>
-            <a:extLst/>
           </a:lstStyle>
           <a:p>
             <a:endParaRPr lang="en-US"/>
@@ -4245,7 +3730,7 @@
       </p:sp>
       <p:sp>
         <p:nvSpPr>
-          <p:cNvPr id="18" name="Slide Number Placeholder 17"/>
+          <p:cNvPr id="6" name="Slide Number Placeholder 5"/>
           <p:cNvSpPr>
             <a:spLocks noGrp="1"/>
           </p:cNvSpPr>
@@ -4255,24 +3740,32 @@
         </p:nvSpPr>
         <p:spPr>
           <a:xfrm>
-            <a:off x="8647272" y="6407944"/>
-            <a:ext cx="365760" cy="365125"/>
+            <a:off x="7239000" y="6356350"/>
+            <a:ext cx="533400" cy="365125"/>
           </a:xfrm>
           <a:prstGeom prst="rect">
             <a:avLst/>
           </a:prstGeom>
         </p:spPr>
         <p:txBody>
-          <a:bodyPr vert="horz" anchor="b"/>
+          <a:bodyPr vert="horz" lIns="91440" tIns="45720" rIns="91440" bIns="45720" rtlCol="0" anchor="ctr"/>
           <a:lstStyle>
-            <a:lvl1pPr algn="r" eaLnBrk="1" latinLnBrk="0" hangingPunct="1">
-              <a:defRPr kumimoji="0" sz="1000" b="0">
+            <a:lvl1pPr algn="r" fontAlgn="auto">
+              <a:spcBef>
+                <a:spcPts val="0"/>
+              </a:spcBef>
+              <a:spcAft>
+                <a:spcPts val="0"/>
+              </a:spcAft>
+              <a:defRPr sz="1200">
                 <a:solidFill>
-                  <a:schemeClr val="tx1"/>
+                  <a:schemeClr val="tx1">
+                    <a:tint val="75000"/>
+                  </a:schemeClr>
                 </a:solidFill>
+                <a:latin typeface="+mn-lt"/>
               </a:defRPr>
             </a:lvl1pPr>
-            <a:extLst/>
           </a:lstStyle>
           <a:p>
             <a:fld id="{88BD8D24-DC06-4D52-AAFE-E646E614394D}" type="slidenum">
@@ -4287,58 +3780,160 @@
   </p:cSld>
   <p:clrMap bg1="lt1" tx1="dk1" bg2="lt2" tx2="dk2" accent1="accent1" accent2="accent2" accent3="accent3" accent4="accent4" accent5="accent5" accent6="accent6" hlink="hlink" folHlink="folHlink"/>
   <p:sldLayoutIdLst>
-    <p:sldLayoutId id="2147483661" r:id="rId1"/>
-    <p:sldLayoutId id="2147483662" r:id="rId2"/>
-    <p:sldLayoutId id="2147483663" r:id="rId3"/>
-    <p:sldLayoutId id="2147483664" r:id="rId4"/>
-    <p:sldLayoutId id="2147483665" r:id="rId5"/>
-    <p:sldLayoutId id="2147483666" r:id="rId6"/>
-    <p:sldLayoutId id="2147483667" r:id="rId7"/>
-    <p:sldLayoutId id="2147483668" r:id="rId8"/>
-    <p:sldLayoutId id="2147483669" r:id="rId9"/>
-    <p:sldLayoutId id="2147483670" r:id="rId10"/>
-    <p:sldLayoutId id="2147483671" r:id="rId11"/>
+    <p:sldLayoutId id="2147483673" r:id="rId1"/>
+    <p:sldLayoutId id="2147483674" r:id="rId2"/>
+    <p:sldLayoutId id="2147483675" r:id="rId3"/>
+    <p:sldLayoutId id="2147483676" r:id="rId4"/>
+    <p:sldLayoutId id="2147483677" r:id="rId5"/>
+    <p:sldLayoutId id="2147483678" r:id="rId6"/>
+    <p:sldLayoutId id="2147483679" r:id="rId7"/>
+    <p:sldLayoutId id="2147483680" r:id="rId8"/>
+    <p:sldLayoutId id="2147483681" r:id="rId9"/>
+    <p:sldLayoutId id="2147483682" r:id="rId10"/>
+    <p:sldLayoutId id="2147483683" r:id="rId11"/>
   </p:sldLayoutIdLst>
   <p:txStyles>
     <p:titleStyle>
-      <a:lvl1pPr algn="l" rtl="0" eaLnBrk="1" latinLnBrk="0" hangingPunct="1">
+      <a:lvl1pPr algn="ctr" rtl="0" eaLnBrk="1" fontAlgn="base" hangingPunct="1">
         <a:spcBef>
           <a:spcPct val="0"/>
         </a:spcBef>
-        <a:buNone/>
-        <a:defRPr kumimoji="0" sz="4100" b="1" kern="1200">
+        <a:spcAft>
+          <a:spcPct val="0"/>
+        </a:spcAft>
+        <a:defRPr sz="4400" kern="1200">
           <a:solidFill>
-            <a:schemeClr val="tx2"/>
+            <a:schemeClr val="tx1"/>
           </a:solidFill>
-          <a:effectLst>
-            <a:outerShdw blurRad="31750" dist="25400" dir="5400000" algn="tl" rotWithShape="0">
-              <a:srgbClr val="000000">
-                <a:alpha val="25000"/>
-              </a:srgbClr>
-            </a:outerShdw>
-          </a:effectLst>
           <a:latin typeface="+mj-lt"/>
           <a:ea typeface="+mj-ea"/>
           <a:cs typeface="+mj-cs"/>
         </a:defRPr>
       </a:lvl1pPr>
-      <a:extLst/>
+      <a:lvl2pPr algn="ctr" rtl="0" eaLnBrk="1" fontAlgn="base" hangingPunct="1">
+        <a:spcBef>
+          <a:spcPct val="0"/>
+        </a:spcBef>
+        <a:spcAft>
+          <a:spcPct val="0"/>
+        </a:spcAft>
+        <a:defRPr sz="4400">
+          <a:solidFill>
+            <a:schemeClr val="tx1"/>
+          </a:solidFill>
+          <a:latin typeface="Calibri" pitchFamily="34" charset="0"/>
+        </a:defRPr>
+      </a:lvl2pPr>
+      <a:lvl3pPr algn="ctr" rtl="0" eaLnBrk="1" fontAlgn="base" hangingPunct="1">
+        <a:spcBef>
+          <a:spcPct val="0"/>
+        </a:spcBef>
+        <a:spcAft>
+          <a:spcPct val="0"/>
+        </a:spcAft>
+        <a:defRPr sz="4400">
+          <a:solidFill>
+            <a:schemeClr val="tx1"/>
+          </a:solidFill>
+          <a:latin typeface="Calibri" pitchFamily="34" charset="0"/>
+        </a:defRPr>
+      </a:lvl3pPr>
+      <a:lvl4pPr algn="ctr" rtl="0" eaLnBrk="1" fontAlgn="base" hangingPunct="1">
+        <a:spcBef>
+          <a:spcPct val="0"/>
+        </a:spcBef>
+        <a:spcAft>
+          <a:spcPct val="0"/>
+        </a:spcAft>
+        <a:defRPr sz="4400">
+          <a:solidFill>
+            <a:schemeClr val="tx1"/>
+          </a:solidFill>
+          <a:latin typeface="Calibri" pitchFamily="34" charset="0"/>
+        </a:defRPr>
+      </a:lvl4pPr>
+      <a:lvl5pPr algn="ctr" rtl="0" eaLnBrk="1" fontAlgn="base" hangingPunct="1">
+        <a:spcBef>
+          <a:spcPct val="0"/>
+        </a:spcBef>
+        <a:spcAft>
+          <a:spcPct val="0"/>
+        </a:spcAft>
+        <a:defRPr sz="4400">
+          <a:solidFill>
+            <a:schemeClr val="tx1"/>
+          </a:solidFill>
+          <a:latin typeface="Calibri" pitchFamily="34" charset="0"/>
+        </a:defRPr>
+      </a:lvl5pPr>
+      <a:lvl6pPr marL="457200" algn="ctr" rtl="0" eaLnBrk="1" fontAlgn="base" hangingPunct="1">
+        <a:spcBef>
+          <a:spcPct val="0"/>
+        </a:spcBef>
+        <a:spcAft>
+          <a:spcPct val="0"/>
+        </a:spcAft>
+        <a:defRPr sz="4400">
+          <a:solidFill>
+            <a:schemeClr val="tx1"/>
+          </a:solidFill>
+          <a:latin typeface="Calibri" pitchFamily="34" charset="0"/>
+        </a:defRPr>
+      </a:lvl6pPr>
+      <a:lvl7pPr marL="914400" algn="ctr" rtl="0" eaLnBrk="1" fontAlgn="base" hangingPunct="1">
+        <a:spcBef>
+          <a:spcPct val="0"/>
+        </a:spcBef>
+        <a:spcAft>
+          <a:spcPct val="0"/>
+        </a:spcAft>
+        <a:defRPr sz="4400">
+          <a:solidFill>
+            <a:schemeClr val="tx1"/>
+          </a:solidFill>
+          <a:latin typeface="Calibri" pitchFamily="34" charset="0"/>
+        </a:defRPr>
+      </a:lvl7pPr>
+      <a:lvl8pPr marL="1371600" algn="ctr" rtl="0" eaLnBrk="1" fontAlgn="base" hangingPunct="1">
+        <a:spcBef>
+          <a:spcPct val="0"/>
+        </a:spcBef>
+        <a:spcAft>
+          <a:spcPct val="0"/>
+        </a:spcAft>
+        <a:defRPr sz="4400">
+          <a:solidFill>
+            <a:schemeClr val="tx1"/>
+          </a:solidFill>
+          <a:latin typeface="Calibri" pitchFamily="34" charset="0"/>
+        </a:defRPr>
+      </a:lvl8pPr>
+      <a:lvl9pPr marL="1828800" algn="ctr" rtl="0" eaLnBrk="1" fontAlgn="base" hangingPunct="1">
+        <a:spcBef>
+          <a:spcPct val="0"/>
+        </a:spcBef>
+        <a:spcAft>
+          <a:spcPct val="0"/>
+        </a:spcAft>
+        <a:defRPr sz="4400">
+          <a:solidFill>
+            <a:schemeClr val="tx1"/>
+          </a:solidFill>
+          <a:latin typeface="Calibri" pitchFamily="34" charset="0"/>
+        </a:defRPr>
+      </a:lvl9pPr>
     </p:titleStyle>
     <p:bodyStyle>
-      <a:lvl1pPr marL="365760" indent="-256032" algn="l" rtl="0" eaLnBrk="1" latinLnBrk="0" hangingPunct="1">
+      <a:lvl1pPr marL="342900" indent="-342900" algn="l" rtl="0" eaLnBrk="1" fontAlgn="base" hangingPunct="1">
         <a:spcBef>
-          <a:spcPts val="400"/>
+          <a:spcPct val="20000"/>
         </a:spcBef>
         <a:spcAft>
-          <a:spcPts val="0"/>
+          <a:spcPct val="0"/>
         </a:spcAft>
-        <a:buClr>
-          <a:schemeClr val="accent1"/>
-        </a:buClr>
-        <a:buSzPct val="68000"/>
-        <a:buFont typeface="Wingdings 3"/>
-        <a:buChar char=""/>
-        <a:defRPr kumimoji="0" sz="2700" kern="1200">
+        <a:buFont typeface="Arial" charset="0"/>
+        <a:buChar char="•"/>
+        <a:defRPr sz="3200" kern="1200">
           <a:solidFill>
             <a:schemeClr val="tx1"/>
           </a:solidFill>
@@ -4347,16 +3942,16 @@
           <a:cs typeface="+mn-cs"/>
         </a:defRPr>
       </a:lvl1pPr>
-      <a:lvl2pPr marL="621792" indent="-228600" algn="l" rtl="0" eaLnBrk="1" latinLnBrk="0" hangingPunct="1">
+      <a:lvl2pPr marL="742950" indent="-285750" algn="l" rtl="0" eaLnBrk="1" fontAlgn="base" hangingPunct="1">
         <a:spcBef>
-          <a:spcPts val="324"/>
+          <a:spcPct val="20000"/>
         </a:spcBef>
-        <a:buClr>
-          <a:schemeClr val="accent1"/>
-        </a:buClr>
-        <a:buFont typeface="Verdana"/>
-        <a:buChar char="◦"/>
-        <a:defRPr kumimoji="0" sz="2300" kern="1200">
+        <a:spcAft>
+          <a:spcPct val="0"/>
+        </a:spcAft>
+        <a:buFont typeface="Arial" charset="0"/>
+        <a:buChar char="–"/>
+        <a:defRPr sz="2800" kern="1200">
           <a:solidFill>
             <a:schemeClr val="tx1"/>
           </a:solidFill>
@@ -4365,17 +3960,16 @@
           <a:cs typeface="+mn-cs"/>
         </a:defRPr>
       </a:lvl2pPr>
-      <a:lvl3pPr marL="859536" indent="-228600" algn="l" rtl="0" eaLnBrk="1" latinLnBrk="0" hangingPunct="1">
+      <a:lvl3pPr marL="1143000" indent="-228600" algn="l" rtl="0" eaLnBrk="1" fontAlgn="base" hangingPunct="1">
         <a:spcBef>
-          <a:spcPts val="350"/>
+          <a:spcPct val="20000"/>
         </a:spcBef>
-        <a:buClr>
-          <a:schemeClr val="accent2"/>
-        </a:buClr>
-        <a:buSzPct val="100000"/>
-        <a:buFont typeface="Wingdings 2"/>
-        <a:buChar char=""/>
-        <a:defRPr kumimoji="0" sz="2100" kern="1200">
+        <a:spcAft>
+          <a:spcPct val="0"/>
+        </a:spcAft>
+        <a:buFont typeface="Arial" charset="0"/>
+        <a:buChar char="•"/>
+        <a:defRPr sz="2400" kern="1200">
           <a:solidFill>
             <a:schemeClr val="tx1"/>
           </a:solidFill>
@@ -4384,16 +3978,16 @@
           <a:cs typeface="+mn-cs"/>
         </a:defRPr>
       </a:lvl3pPr>
-      <a:lvl4pPr marL="1143000" indent="-228600" algn="l" rtl="0" eaLnBrk="1" latinLnBrk="0" hangingPunct="1">
+      <a:lvl4pPr marL="1600200" indent="-228600" algn="l" rtl="0" eaLnBrk="1" fontAlgn="base" hangingPunct="1">
         <a:spcBef>
-          <a:spcPts val="350"/>
+          <a:spcPct val="20000"/>
         </a:spcBef>
-        <a:buClr>
-          <a:schemeClr val="accent2"/>
-        </a:buClr>
-        <a:buFont typeface="Wingdings 2"/>
-        <a:buChar char=""/>
-        <a:defRPr kumimoji="0" sz="1900" kern="1200">
+        <a:spcAft>
+          <a:spcPct val="0"/>
+        </a:spcAft>
+        <a:buFont typeface="Arial" charset="0"/>
+        <a:buChar char="–"/>
+        <a:defRPr sz="2000" kern="1200">
           <a:solidFill>
             <a:schemeClr val="tx1"/>
           </a:solidFill>
@@ -4402,16 +3996,16 @@
           <a:cs typeface="+mn-cs"/>
         </a:defRPr>
       </a:lvl4pPr>
-      <a:lvl5pPr marL="1371600" indent="-228600" algn="l" rtl="0" eaLnBrk="1" latinLnBrk="0" hangingPunct="1">
+      <a:lvl5pPr marL="2057400" indent="-228600" algn="l" rtl="0" eaLnBrk="1" fontAlgn="base" hangingPunct="1">
         <a:spcBef>
-          <a:spcPts val="350"/>
+          <a:spcPct val="20000"/>
         </a:spcBef>
-        <a:buClr>
-          <a:schemeClr val="accent2"/>
-        </a:buClr>
-        <a:buFont typeface="Wingdings 2"/>
-        <a:buChar char=""/>
-        <a:defRPr kumimoji="0" sz="1800" kern="1200">
+        <a:spcAft>
+          <a:spcPct val="0"/>
+        </a:spcAft>
+        <a:buFont typeface="Arial" charset="0"/>
+        <a:buChar char="»"/>
+        <a:defRPr sz="2000" kern="1200">
           <a:solidFill>
             <a:schemeClr val="tx1"/>
           </a:solidFill>
@@ -4420,16 +4014,13 @@
           <a:cs typeface="+mn-cs"/>
         </a:defRPr>
       </a:lvl5pPr>
-      <a:lvl6pPr marL="1600200" indent="-228600" algn="l" rtl="0" eaLnBrk="1" latinLnBrk="0" hangingPunct="1">
+      <a:lvl6pPr marL="2514600" indent="-228600" algn="l" defTabSz="914400" rtl="0" eaLnBrk="1" latinLnBrk="0" hangingPunct="1">
         <a:spcBef>
-          <a:spcPts val="350"/>
+          <a:spcPct val="20000"/>
         </a:spcBef>
-        <a:buClr>
-          <a:schemeClr val="accent3"/>
-        </a:buClr>
-        <a:buFont typeface="Wingdings 2"/>
-        <a:buChar char=""/>
-        <a:defRPr kumimoji="0" sz="1800" kern="1200">
+        <a:buFont typeface="Arial" pitchFamily="34" charset="0"/>
+        <a:buChar char="•"/>
+        <a:defRPr sz="2000" kern="1200">
           <a:solidFill>
             <a:schemeClr val="tx1"/>
           </a:solidFill>
@@ -4438,16 +4029,13 @@
           <a:cs typeface="+mn-cs"/>
         </a:defRPr>
       </a:lvl6pPr>
-      <a:lvl7pPr marL="1828800" indent="-228600" algn="l" rtl="0" eaLnBrk="1" latinLnBrk="0" hangingPunct="1">
+      <a:lvl7pPr marL="2971800" indent="-228600" algn="l" defTabSz="914400" rtl="0" eaLnBrk="1" latinLnBrk="0" hangingPunct="1">
         <a:spcBef>
-          <a:spcPts val="350"/>
+          <a:spcPct val="20000"/>
         </a:spcBef>
-        <a:buClr>
-          <a:schemeClr val="accent3"/>
-        </a:buClr>
-        <a:buFont typeface="Wingdings 2"/>
-        <a:buChar char=""/>
-        <a:defRPr kumimoji="0" sz="1600" kern="1200">
+        <a:buFont typeface="Arial" pitchFamily="34" charset="0"/>
+        <a:buChar char="•"/>
+        <a:defRPr sz="2000" kern="1200">
           <a:solidFill>
             <a:schemeClr val="tx1"/>
           </a:solidFill>
@@ -4456,16 +4044,13 @@
           <a:cs typeface="+mn-cs"/>
         </a:defRPr>
       </a:lvl7pPr>
-      <a:lvl8pPr marL="2057400" indent="-228600" algn="l" rtl="0" eaLnBrk="1" latinLnBrk="0" hangingPunct="1">
+      <a:lvl8pPr marL="3429000" indent="-228600" algn="l" defTabSz="914400" rtl="0" eaLnBrk="1" latinLnBrk="0" hangingPunct="1">
         <a:spcBef>
-          <a:spcPts val="350"/>
+          <a:spcPct val="20000"/>
         </a:spcBef>
-        <a:buClr>
-          <a:schemeClr val="accent3"/>
-        </a:buClr>
-        <a:buFont typeface="Wingdings 2"/>
-        <a:buChar char=""/>
-        <a:defRPr kumimoji="0" sz="1600" kern="1200">
+        <a:buFont typeface="Arial" pitchFamily="34" charset="0"/>
+        <a:buChar char="•"/>
+        <a:defRPr sz="2000" kern="1200">
           <a:solidFill>
             <a:schemeClr val="tx1"/>
           </a:solidFill>
@@ -4474,16 +4059,13 @@
           <a:cs typeface="+mn-cs"/>
         </a:defRPr>
       </a:lvl8pPr>
-      <a:lvl9pPr marL="2286000" indent="-228600" algn="l" rtl="0" eaLnBrk="1" latinLnBrk="0" hangingPunct="1">
+      <a:lvl9pPr marL="3886200" indent="-228600" algn="l" defTabSz="914400" rtl="0" eaLnBrk="1" latinLnBrk="0" hangingPunct="1">
         <a:spcBef>
-          <a:spcPts val="350"/>
+          <a:spcPct val="20000"/>
         </a:spcBef>
-        <a:buClr>
-          <a:schemeClr val="accent3"/>
-        </a:buClr>
-        <a:buFont typeface="Wingdings 2"/>
-        <a:buChar char=""/>
-        <a:defRPr kumimoji="0" sz="1600" kern="1200" baseline="0">
+        <a:buFont typeface="Arial" pitchFamily="34" charset="0"/>
+        <a:buChar char="•"/>
+        <a:defRPr sz="2000" kern="1200">
           <a:solidFill>
             <a:schemeClr val="tx1"/>
           </a:solidFill>
@@ -4492,11 +4074,13 @@
           <a:cs typeface="+mn-cs"/>
         </a:defRPr>
       </a:lvl9pPr>
-      <a:extLst/>
     </p:bodyStyle>
     <p:otherStyle>
-      <a:lvl1pPr marL="0" algn="l" rtl="0" eaLnBrk="1" latinLnBrk="0" hangingPunct="1">
-        <a:defRPr kumimoji="0" kern="1200">
+      <a:defPPr>
+        <a:defRPr lang="en-US"/>
+      </a:defPPr>
+      <a:lvl1pPr marL="0" algn="l" defTabSz="914400" rtl="0" eaLnBrk="1" latinLnBrk="0" hangingPunct="1">
+        <a:defRPr sz="1800" kern="1200">
           <a:solidFill>
             <a:schemeClr val="tx1"/>
           </a:solidFill>
@@ -4505,8 +4089,8 @@
           <a:cs typeface="+mn-cs"/>
         </a:defRPr>
       </a:lvl1pPr>
-      <a:lvl2pPr marL="457200" algn="l" rtl="0" eaLnBrk="1" latinLnBrk="0" hangingPunct="1">
-        <a:defRPr kumimoji="0" kern="1200">
+      <a:lvl2pPr marL="457200" algn="l" defTabSz="914400" rtl="0" eaLnBrk="1" latinLnBrk="0" hangingPunct="1">
+        <a:defRPr sz="1800" kern="1200">
           <a:solidFill>
             <a:schemeClr val="tx1"/>
           </a:solidFill>
@@ -4515,8 +4099,8 @@
           <a:cs typeface="+mn-cs"/>
         </a:defRPr>
       </a:lvl2pPr>
-      <a:lvl3pPr marL="914400" algn="l" rtl="0" eaLnBrk="1" latinLnBrk="0" hangingPunct="1">
-        <a:defRPr kumimoji="0" kern="1200">
+      <a:lvl3pPr marL="914400" algn="l" defTabSz="914400" rtl="0" eaLnBrk="1" latinLnBrk="0" hangingPunct="1">
+        <a:defRPr sz="1800" kern="1200">
           <a:solidFill>
             <a:schemeClr val="tx1"/>
           </a:solidFill>
@@ -4525,8 +4109,8 @@
           <a:cs typeface="+mn-cs"/>
         </a:defRPr>
       </a:lvl3pPr>
-      <a:lvl4pPr marL="1371600" algn="l" rtl="0" eaLnBrk="1" latinLnBrk="0" hangingPunct="1">
-        <a:defRPr kumimoji="0" kern="1200">
+      <a:lvl4pPr marL="1371600" algn="l" defTabSz="914400" rtl="0" eaLnBrk="1" latinLnBrk="0" hangingPunct="1">
+        <a:defRPr sz="1800" kern="1200">
           <a:solidFill>
             <a:schemeClr val="tx1"/>
           </a:solidFill>
@@ -4535,8 +4119,8 @@
           <a:cs typeface="+mn-cs"/>
         </a:defRPr>
       </a:lvl4pPr>
-      <a:lvl5pPr marL="1828800" algn="l" rtl="0" eaLnBrk="1" latinLnBrk="0" hangingPunct="1">
-        <a:defRPr kumimoji="0" kern="1200">
+      <a:lvl5pPr marL="1828800" algn="l" defTabSz="914400" rtl="0" eaLnBrk="1" latinLnBrk="0" hangingPunct="1">
+        <a:defRPr sz="1800" kern="1200">
           <a:solidFill>
             <a:schemeClr val="tx1"/>
           </a:solidFill>
@@ -4545,8 +4129,8 @@
           <a:cs typeface="+mn-cs"/>
         </a:defRPr>
       </a:lvl5pPr>
-      <a:lvl6pPr marL="2286000" algn="l" rtl="0" eaLnBrk="1" latinLnBrk="0" hangingPunct="1">
-        <a:defRPr kumimoji="0" kern="1200">
+      <a:lvl6pPr marL="2286000" algn="l" defTabSz="914400" rtl="0" eaLnBrk="1" latinLnBrk="0" hangingPunct="1">
+        <a:defRPr sz="1800" kern="1200">
           <a:solidFill>
             <a:schemeClr val="tx1"/>
           </a:solidFill>
@@ -4555,8 +4139,8 @@
           <a:cs typeface="+mn-cs"/>
         </a:defRPr>
       </a:lvl6pPr>
-      <a:lvl7pPr marL="2743200" algn="l" rtl="0" eaLnBrk="1" latinLnBrk="0" hangingPunct="1">
-        <a:defRPr kumimoji="0" kern="1200">
+      <a:lvl7pPr marL="2743200" algn="l" defTabSz="914400" rtl="0" eaLnBrk="1" latinLnBrk="0" hangingPunct="1">
+        <a:defRPr sz="1800" kern="1200">
           <a:solidFill>
             <a:schemeClr val="tx1"/>
           </a:solidFill>
@@ -4565,8 +4149,8 @@
           <a:cs typeface="+mn-cs"/>
         </a:defRPr>
       </a:lvl7pPr>
-      <a:lvl8pPr marL="3200400" algn="l" rtl="0" eaLnBrk="1" latinLnBrk="0" hangingPunct="1">
-        <a:defRPr kumimoji="0" kern="1200">
+      <a:lvl8pPr marL="3200400" algn="l" defTabSz="914400" rtl="0" eaLnBrk="1" latinLnBrk="0" hangingPunct="1">
+        <a:defRPr sz="1800" kern="1200">
           <a:solidFill>
             <a:schemeClr val="tx1"/>
           </a:solidFill>
@@ -4575,8 +4159,8 @@
           <a:cs typeface="+mn-cs"/>
         </a:defRPr>
       </a:lvl8pPr>
-      <a:lvl9pPr marL="3657600" algn="l" rtl="0" eaLnBrk="1" latinLnBrk="0" hangingPunct="1">
-        <a:defRPr kumimoji="0" kern="1200">
+      <a:lvl9pPr marL="3657600" algn="l" defTabSz="914400" rtl="0" eaLnBrk="1" latinLnBrk="0" hangingPunct="1">
+        <a:defRPr sz="1800" kern="1200">
           <a:solidFill>
             <a:schemeClr val="tx1"/>
           </a:solidFill>
@@ -4585,7 +4169,6 @@
           <a:cs typeface="+mn-cs"/>
         </a:defRPr>
       </a:lvl9pPr>
-      <a:extLst/>
     </p:otherStyle>
   </p:txStyles>
 </p:sldMaster>
@@ -4626,7 +4209,7 @@
         </p:spPr>
         <p:txBody>
           <a:bodyPr>
-            <a:normAutofit fontScale="90000"/>
+            <a:normAutofit/>
           </a:bodyPr>
           <a:lstStyle/>
           <a:p>
@@ -5274,6 +4857,37 @@
           <a:p>
             <a:pPr algn="ctr"/>
             <a:endParaRPr lang="en-US"/>
+          </a:p>
+        </p:txBody>
+      </p:sp>
+      <p:sp>
+        <p:nvSpPr>
+          <p:cNvPr id="17" name="Footer Placeholder 4"/>
+          <p:cNvSpPr>
+            <a:spLocks noGrp="1"/>
+          </p:cNvSpPr>
+          <p:nvPr>
+            <p:ph type="ftr" sz="quarter" idx="11"/>
+          </p:nvPr>
+        </p:nvSpPr>
+        <p:spPr>
+          <a:xfrm>
+            <a:off x="1447800" y="6324600"/>
+            <a:ext cx="6019800" cy="365125"/>
+          </a:xfrm>
+        </p:spPr>
+        <p:txBody>
+          <a:bodyPr/>
+          <a:lstStyle/>
+          <a:p>
+            <a:pPr>
+              <a:defRPr/>
+            </a:pPr>
+            <a:r>
+              <a:rPr lang="en-US" dirty="0" smtClean="0"/>
+              <a:t>Laboratory for Percutaneous Surgery (The Perk Lab) – Copyright © Queen’s University, 2010</a:t>
+            </a:r>
+            <a:endParaRPr lang="en-US" dirty="0"/>
           </a:p>
         </p:txBody>
       </p:sp>
@@ -7685,6 +7299,37 @@
           </a:p>
         </p:txBody>
       </p:sp>
+      <p:sp>
+        <p:nvSpPr>
+          <p:cNvPr id="10" name="Footer Placeholder 4"/>
+          <p:cNvSpPr>
+            <a:spLocks noGrp="1"/>
+          </p:cNvSpPr>
+          <p:nvPr>
+            <p:ph type="ftr" sz="quarter" idx="11"/>
+          </p:nvPr>
+        </p:nvSpPr>
+        <p:spPr>
+          <a:xfrm>
+            <a:off x="1447800" y="6324600"/>
+            <a:ext cx="6019800" cy="365125"/>
+          </a:xfrm>
+        </p:spPr>
+        <p:txBody>
+          <a:bodyPr/>
+          <a:lstStyle/>
+          <a:p>
+            <a:pPr>
+              <a:defRPr/>
+            </a:pPr>
+            <a:r>
+              <a:rPr lang="en-US" dirty="0" smtClean="0"/>
+              <a:t>Laboratory for Percutaneous Surgery (The Perk Lab) – Copyright © Queen’s University, 2010</a:t>
+            </a:r>
+            <a:endParaRPr lang="en-US" dirty="0"/>
+          </a:p>
+        </p:txBody>
+      </p:sp>
     </p:spTree>
     <p:extLst>
       <p:ext uri="{BB962C8B-B14F-4D97-AF65-F5344CB8AC3E}">
@@ -8945,6 +8590,37 @@
           </a:p>
         </p:txBody>
       </p:sp>
+      <p:sp>
+        <p:nvSpPr>
+          <p:cNvPr id="19" name="Footer Placeholder 4"/>
+          <p:cNvSpPr>
+            <a:spLocks noGrp="1"/>
+          </p:cNvSpPr>
+          <p:nvPr>
+            <p:ph type="ftr" sz="quarter" idx="11"/>
+          </p:nvPr>
+        </p:nvSpPr>
+        <p:spPr>
+          <a:xfrm>
+            <a:off x="1447800" y="6324600"/>
+            <a:ext cx="6019800" cy="365125"/>
+          </a:xfrm>
+        </p:spPr>
+        <p:txBody>
+          <a:bodyPr/>
+          <a:lstStyle/>
+          <a:p>
+            <a:pPr>
+              <a:defRPr/>
+            </a:pPr>
+            <a:r>
+              <a:rPr lang="en-US" dirty="0" smtClean="0"/>
+              <a:t>Laboratory for Percutaneous Surgery (The Perk Lab) – Copyright © Queen’s University, 2010</a:t>
+            </a:r>
+            <a:endParaRPr lang="en-US" dirty="0"/>
+          </a:p>
+        </p:txBody>
+      </p:sp>
     </p:spTree>
     <p:extLst>
       <p:ext uri="{BB962C8B-B14F-4D97-AF65-F5344CB8AC3E}">
@@ -10364,7 +10040,7 @@
         <p:spPr/>
         <p:txBody>
           <a:bodyPr>
-            <a:normAutofit fontScale="92500" lnSpcReduction="20000"/>
+            <a:normAutofit fontScale="85000" lnSpcReduction="20000"/>
           </a:bodyPr>
           <a:lstStyle/>
           <a:p>
@@ -10509,6 +10185,37 @@
             <a:r>
               <a:rPr lang="en-US" dirty="0" smtClean="0"/>
               <a:t>Labeling</a:t>
+            </a:r>
+            <a:endParaRPr lang="en-US" dirty="0"/>
+          </a:p>
+        </p:txBody>
+      </p:sp>
+      <p:sp>
+        <p:nvSpPr>
+          <p:cNvPr id="4" name="Footer Placeholder 4"/>
+          <p:cNvSpPr>
+            <a:spLocks noGrp="1"/>
+          </p:cNvSpPr>
+          <p:nvPr>
+            <p:ph type="ftr" sz="quarter" idx="11"/>
+          </p:nvPr>
+        </p:nvSpPr>
+        <p:spPr>
+          <a:xfrm>
+            <a:off x="1447800" y="6324600"/>
+            <a:ext cx="6019800" cy="365125"/>
+          </a:xfrm>
+        </p:spPr>
+        <p:txBody>
+          <a:bodyPr/>
+          <a:lstStyle/>
+          <a:p>
+            <a:pPr>
+              <a:defRPr/>
+            </a:pPr>
+            <a:r>
+              <a:rPr lang="en-US" dirty="0" smtClean="0"/>
+              <a:t>Laboratory for Percutaneous Surgery (The Perk Lab) – Copyright © Queen’s University, 2010</a:t>
             </a:r>
             <a:endParaRPr lang="en-US" dirty="0"/>
           </a:p>
@@ -11665,6 +11372,37 @@
           </a:p>
         </p:txBody>
       </p:sp>
+      <p:sp>
+        <p:nvSpPr>
+          <p:cNvPr id="6" name="Footer Placeholder 4"/>
+          <p:cNvSpPr>
+            <a:spLocks noGrp="1"/>
+          </p:cNvSpPr>
+          <p:nvPr>
+            <p:ph type="ftr" sz="quarter" idx="11"/>
+          </p:nvPr>
+        </p:nvSpPr>
+        <p:spPr>
+          <a:xfrm>
+            <a:off x="1447800" y="6324600"/>
+            <a:ext cx="6019800" cy="365125"/>
+          </a:xfrm>
+        </p:spPr>
+        <p:txBody>
+          <a:bodyPr/>
+          <a:lstStyle/>
+          <a:p>
+            <a:pPr>
+              <a:defRPr/>
+            </a:pPr>
+            <a:r>
+              <a:rPr lang="en-US" dirty="0" smtClean="0"/>
+              <a:t>Laboratory for Percutaneous Surgery (The Perk Lab) – Copyright © Queen’s University, 2010</a:t>
+            </a:r>
+            <a:endParaRPr lang="en-US" dirty="0"/>
+          </a:p>
+        </p:txBody>
+      </p:sp>
     </p:spTree>
     <p:extLst>
       <p:ext uri="{BB962C8B-B14F-4D97-AF65-F5344CB8AC3E}">
@@ -11764,6 +11502,37 @@
             <a:r>
               <a:rPr lang="en-US" dirty="0" smtClean="0"/>
               <a:t>Future Work</a:t>
+            </a:r>
+            <a:endParaRPr lang="en-US" dirty="0"/>
+          </a:p>
+        </p:txBody>
+      </p:sp>
+      <p:sp>
+        <p:nvSpPr>
+          <p:cNvPr id="4" name="Footer Placeholder 4"/>
+          <p:cNvSpPr>
+            <a:spLocks noGrp="1"/>
+          </p:cNvSpPr>
+          <p:nvPr>
+            <p:ph type="ftr" sz="quarter" idx="11"/>
+          </p:nvPr>
+        </p:nvSpPr>
+        <p:spPr>
+          <a:xfrm>
+            <a:off x="1447800" y="6324600"/>
+            <a:ext cx="6019800" cy="365125"/>
+          </a:xfrm>
+        </p:spPr>
+        <p:txBody>
+          <a:bodyPr/>
+          <a:lstStyle/>
+          <a:p>
+            <a:pPr>
+              <a:defRPr/>
+            </a:pPr>
+            <a:r>
+              <a:rPr lang="en-US" dirty="0" smtClean="0"/>
+              <a:t>Laboratory for Percutaneous Surgery (The Perk Lab) – Copyright © Queen’s University, 2010</a:t>
             </a:r>
             <a:endParaRPr lang="en-US" dirty="0"/>
           </a:p>
@@ -11901,6 +11670,37 @@
           </a:p>
         </p:txBody>
       </p:sp>
+      <p:sp>
+        <p:nvSpPr>
+          <p:cNvPr id="5" name="Footer Placeholder 4"/>
+          <p:cNvSpPr>
+            <a:spLocks noGrp="1"/>
+          </p:cNvSpPr>
+          <p:nvPr>
+            <p:ph type="ftr" sz="quarter" idx="11"/>
+          </p:nvPr>
+        </p:nvSpPr>
+        <p:spPr>
+          <a:xfrm>
+            <a:off x="1447800" y="6324600"/>
+            <a:ext cx="6019800" cy="365125"/>
+          </a:xfrm>
+        </p:spPr>
+        <p:txBody>
+          <a:bodyPr/>
+          <a:lstStyle/>
+          <a:p>
+            <a:pPr>
+              <a:defRPr/>
+            </a:pPr>
+            <a:r>
+              <a:rPr lang="en-US" dirty="0" smtClean="0"/>
+              <a:t>Laboratory for Percutaneous Surgery (The Perk Lab) – Copyright © Queen’s University, 2010</a:t>
+            </a:r>
+            <a:endParaRPr lang="en-US" dirty="0"/>
+          </a:p>
+        </p:txBody>
+      </p:sp>
     </p:spTree>
     <p:extLst>
       <p:ext uri="{BB962C8B-B14F-4D97-AF65-F5344CB8AC3E}">
@@ -11956,7 +11756,7 @@
         </p:spPr>
         <p:txBody>
           <a:bodyPr>
-            <a:normAutofit lnSpcReduction="10000"/>
+            <a:normAutofit fontScale="92500" lnSpcReduction="20000"/>
           </a:bodyPr>
           <a:lstStyle/>
           <a:p>
@@ -11968,11 +11768,7 @@
           <a:p>
             <a:r>
               <a:rPr lang="en-US" dirty="0" smtClean="0"/>
-              <a:t>New software </a:t>
-            </a:r>
-            <a:r>
-              <a:rPr lang="en-US" dirty="0" smtClean="0"/>
-              <a:t>architecture</a:t>
+              <a:t>New software architecture</a:t>
             </a:r>
           </a:p>
           <a:p>
@@ -11988,7 +11784,6 @@
               <a:rPr lang="en-US" dirty="0" smtClean="0"/>
               <a:t>attern definition</a:t>
             </a:r>
-            <a:endParaRPr lang="en-US" dirty="0" smtClean="0"/>
           </a:p>
           <a:p>
             <a:r>
@@ -11999,13 +11794,8 @@
           <a:p>
             <a:r>
               <a:rPr lang="en-US" dirty="0" smtClean="0"/>
-              <a:t>Line </a:t>
-            </a:r>
-            <a:r>
-              <a:rPr lang="en-US" dirty="0" smtClean="0"/>
-              <a:t>finder</a:t>
-            </a:r>
-            <a:endParaRPr lang="en-US" dirty="0" smtClean="0"/>
+              <a:t>Line finder</a:t>
+            </a:r>
           </a:p>
           <a:p>
             <a:r>
@@ -12022,13 +11812,8 @@
           <a:p>
             <a:r>
               <a:rPr lang="en-US" dirty="0" smtClean="0"/>
-              <a:t>Future </a:t>
-            </a:r>
-            <a:r>
-              <a:rPr lang="en-US" dirty="0" smtClean="0"/>
-              <a:t>work</a:t>
-            </a:r>
-            <a:endParaRPr lang="en-US" dirty="0" smtClean="0"/>
+              <a:t>Future work</a:t>
+            </a:r>
           </a:p>
           <a:p>
             <a:endParaRPr lang="en-US" dirty="0"/>
@@ -12054,6 +11839,37 @@
             <a:r>
               <a:rPr lang="en-US" dirty="0" smtClean="0"/>
               <a:t>Summary</a:t>
+            </a:r>
+            <a:endParaRPr lang="en-US" dirty="0"/>
+          </a:p>
+        </p:txBody>
+      </p:sp>
+      <p:sp>
+        <p:nvSpPr>
+          <p:cNvPr id="4" name="Footer Placeholder 4"/>
+          <p:cNvSpPr>
+            <a:spLocks noGrp="1"/>
+          </p:cNvSpPr>
+          <p:nvPr>
+            <p:ph type="ftr" sz="quarter" idx="11"/>
+          </p:nvPr>
+        </p:nvSpPr>
+        <p:spPr>
+          <a:xfrm>
+            <a:off x="1447800" y="6324600"/>
+            <a:ext cx="6019800" cy="365125"/>
+          </a:xfrm>
+        </p:spPr>
+        <p:txBody>
+          <a:bodyPr/>
+          <a:lstStyle/>
+          <a:p>
+            <a:pPr>
+              <a:defRPr/>
+            </a:pPr>
+            <a:r>
+              <a:rPr lang="en-US" dirty="0" smtClean="0"/>
+              <a:t>Laboratory for Percutaneous Surgery (The Perk Lab) – Copyright © Queen’s University, 2010</a:t>
             </a:r>
             <a:endParaRPr lang="en-US" dirty="0"/>
           </a:p>
@@ -12125,11 +11941,7 @@
           <a:p>
             <a:r>
               <a:rPr lang="en-US" dirty="0" smtClean="0"/>
-              <a:t>Computational </a:t>
-            </a:r>
-            <a:r>
-              <a:rPr lang="en-US" dirty="0" smtClean="0"/>
-              <a:t>speed</a:t>
+              <a:t>Computational speed</a:t>
             </a:r>
           </a:p>
           <a:p>
@@ -12166,6 +11978,37 @@
             <a:r>
               <a:rPr lang="en-US" dirty="0" smtClean="0"/>
               <a:t>Objectives</a:t>
+            </a:r>
+            <a:endParaRPr lang="en-US" dirty="0"/>
+          </a:p>
+        </p:txBody>
+      </p:sp>
+      <p:sp>
+        <p:nvSpPr>
+          <p:cNvPr id="4" name="Footer Placeholder 4"/>
+          <p:cNvSpPr>
+            <a:spLocks noGrp="1"/>
+          </p:cNvSpPr>
+          <p:nvPr>
+            <p:ph type="ftr" sz="quarter" idx="11"/>
+          </p:nvPr>
+        </p:nvSpPr>
+        <p:spPr>
+          <a:xfrm>
+            <a:off x="1447800" y="6324600"/>
+            <a:ext cx="6019800" cy="365125"/>
+          </a:xfrm>
+        </p:spPr>
+        <p:txBody>
+          <a:bodyPr/>
+          <a:lstStyle/>
+          <a:p>
+            <a:pPr>
+              <a:defRPr/>
+            </a:pPr>
+            <a:r>
+              <a:rPr lang="en-US" dirty="0" smtClean="0"/>
+              <a:t>Laboratory for Percutaneous Surgery (The Perk Lab) – Copyright © Queen’s University, 2010</a:t>
             </a:r>
             <a:endParaRPr lang="en-US" dirty="0"/>
           </a:p>
@@ -12620,6 +12463,37 @@
           </a:p>
         </p:txBody>
       </p:sp>
+      <p:sp>
+        <p:nvSpPr>
+          <p:cNvPr id="13" name="Footer Placeholder 4"/>
+          <p:cNvSpPr>
+            <a:spLocks noGrp="1"/>
+          </p:cNvSpPr>
+          <p:nvPr>
+            <p:ph type="ftr" sz="quarter" idx="11"/>
+          </p:nvPr>
+        </p:nvSpPr>
+        <p:spPr>
+          <a:xfrm>
+            <a:off x="1447800" y="6324600"/>
+            <a:ext cx="6019800" cy="365125"/>
+          </a:xfrm>
+        </p:spPr>
+        <p:txBody>
+          <a:bodyPr/>
+          <a:lstStyle/>
+          <a:p>
+            <a:pPr>
+              <a:defRPr/>
+            </a:pPr>
+            <a:r>
+              <a:rPr lang="en-US" dirty="0" smtClean="0"/>
+              <a:t>Laboratory for Percutaneous Surgery (The Perk Lab) – Copyright © Queen’s University, 2010</a:t>
+            </a:r>
+            <a:endParaRPr lang="en-US" dirty="0"/>
+          </a:p>
+        </p:txBody>
+      </p:sp>
     </p:spTree>
     <p:extLst>
       <p:ext uri="{BB962C8B-B14F-4D97-AF65-F5344CB8AC3E}">
@@ -13265,6 +13139,37 @@
           </a:p>
         </p:txBody>
       </p:sp>
+      <p:sp>
+        <p:nvSpPr>
+          <p:cNvPr id="4" name="Footer Placeholder 4"/>
+          <p:cNvSpPr>
+            <a:spLocks noGrp="1"/>
+          </p:cNvSpPr>
+          <p:nvPr>
+            <p:ph type="ftr" sz="quarter" idx="11"/>
+          </p:nvPr>
+        </p:nvSpPr>
+        <p:spPr>
+          <a:xfrm>
+            <a:off x="1447800" y="6324600"/>
+            <a:ext cx="6019800" cy="365125"/>
+          </a:xfrm>
+        </p:spPr>
+        <p:txBody>
+          <a:bodyPr/>
+          <a:lstStyle/>
+          <a:p>
+            <a:pPr>
+              <a:defRPr/>
+            </a:pPr>
+            <a:r>
+              <a:rPr lang="en-US" dirty="0" smtClean="0"/>
+              <a:t>Laboratory for Percutaneous Surgery (The Perk Lab) – Copyright © Queen’s University, 2010</a:t>
+            </a:r>
+            <a:endParaRPr lang="en-US" dirty="0"/>
+          </a:p>
+        </p:txBody>
+      </p:sp>
     </p:spTree>
     <p:extLst>
       <p:ext uri="{BB962C8B-B14F-4D97-AF65-F5344CB8AC3E}">
@@ -13349,6 +13254,37 @@
             <a:r>
               <a:rPr lang="en-US" dirty="0" smtClean="0"/>
               <a:t>Segmentation</a:t>
+            </a:r>
+            <a:endParaRPr lang="en-US" dirty="0"/>
+          </a:p>
+        </p:txBody>
+      </p:sp>
+      <p:sp>
+        <p:nvSpPr>
+          <p:cNvPr id="4" name="Footer Placeholder 4"/>
+          <p:cNvSpPr>
+            <a:spLocks noGrp="1"/>
+          </p:cNvSpPr>
+          <p:nvPr>
+            <p:ph type="ftr" sz="quarter" idx="11"/>
+          </p:nvPr>
+        </p:nvSpPr>
+        <p:spPr>
+          <a:xfrm>
+            <a:off x="1447800" y="6324600"/>
+            <a:ext cx="6019800" cy="365125"/>
+          </a:xfrm>
+        </p:spPr>
+        <p:txBody>
+          <a:bodyPr/>
+          <a:lstStyle/>
+          <a:p>
+            <a:pPr>
+              <a:defRPr/>
+            </a:pPr>
+            <a:r>
+              <a:rPr lang="en-US" dirty="0" smtClean="0"/>
+              <a:t>Laboratory for Percutaneous Surgery (The Perk Lab) – Copyright © Queen’s University, 2010</a:t>
             </a:r>
             <a:endParaRPr lang="en-US" dirty="0"/>
           </a:p>
@@ -13459,6 +13395,37 @@
             <a:r>
               <a:rPr lang="en-US" dirty="0" smtClean="0"/>
               <a:t>Line Finder</a:t>
+            </a:r>
+            <a:endParaRPr lang="en-US" dirty="0"/>
+          </a:p>
+        </p:txBody>
+      </p:sp>
+      <p:sp>
+        <p:nvSpPr>
+          <p:cNvPr id="4" name="Footer Placeholder 4"/>
+          <p:cNvSpPr>
+            <a:spLocks noGrp="1"/>
+          </p:cNvSpPr>
+          <p:nvPr>
+            <p:ph type="ftr" sz="quarter" idx="11"/>
+          </p:nvPr>
+        </p:nvSpPr>
+        <p:spPr>
+          <a:xfrm>
+            <a:off x="1447800" y="6324600"/>
+            <a:ext cx="6019800" cy="365125"/>
+          </a:xfrm>
+        </p:spPr>
+        <p:txBody>
+          <a:bodyPr/>
+          <a:lstStyle/>
+          <a:p>
+            <a:pPr>
+              <a:defRPr/>
+            </a:pPr>
+            <a:r>
+              <a:rPr lang="en-US" dirty="0" smtClean="0"/>
+              <a:t>Laboratory for Percutaneous Surgery (The Perk Lab) – Copyright © Queen’s University, 2010</a:t>
             </a:r>
             <a:endParaRPr lang="en-US" dirty="0"/>
           </a:p>
@@ -13561,7 +13528,7 @@
         </p:nvSpPr>
         <p:spPr>
           <a:xfrm>
-            <a:off x="2152472" y="3077554"/>
+            <a:off x="2152472" y="2760292"/>
             <a:ext cx="228600" cy="228600"/>
           </a:xfrm>
           <a:prstGeom prst="flowChartConnector">
@@ -13601,7 +13568,7 @@
         </p:nvSpPr>
         <p:spPr>
           <a:xfrm>
-            <a:off x="3418674" y="3077554"/>
+            <a:off x="3418674" y="2760292"/>
             <a:ext cx="228600" cy="228600"/>
           </a:xfrm>
           <a:prstGeom prst="flowChartConnector">
@@ -13641,7 +13608,7 @@
         </p:nvSpPr>
         <p:spPr>
           <a:xfrm>
-            <a:off x="6448158" y="3090373"/>
+            <a:off x="6448158" y="2773111"/>
             <a:ext cx="228600" cy="228600"/>
           </a:xfrm>
           <a:prstGeom prst="flowChartConnector">
@@ -13681,7 +13648,7 @@
         </p:nvSpPr>
         <p:spPr>
           <a:xfrm>
-            <a:off x="3419030" y="6235581"/>
+            <a:off x="3419030" y="5918319"/>
             <a:ext cx="228600" cy="228600"/>
           </a:xfrm>
           <a:prstGeom prst="flowChartConnector">
@@ -13710,6 +13677,37 @@
           <a:p>
             <a:pPr algn="ctr"/>
             <a:endParaRPr lang="en-US"/>
+          </a:p>
+        </p:txBody>
+      </p:sp>
+      <p:sp>
+        <p:nvSpPr>
+          <p:cNvPr id="8" name="Footer Placeholder 4"/>
+          <p:cNvSpPr>
+            <a:spLocks noGrp="1"/>
+          </p:cNvSpPr>
+          <p:nvPr>
+            <p:ph type="ftr" sz="quarter" idx="11"/>
+          </p:nvPr>
+        </p:nvSpPr>
+        <p:spPr>
+          <a:xfrm>
+            <a:off x="1447800" y="6324600"/>
+            <a:ext cx="6019800" cy="365125"/>
+          </a:xfrm>
+        </p:spPr>
+        <p:txBody>
+          <a:bodyPr/>
+          <a:lstStyle/>
+          <a:p>
+            <a:pPr>
+              <a:defRPr/>
+            </a:pPr>
+            <a:r>
+              <a:rPr lang="en-US" dirty="0" smtClean="0"/>
+              <a:t>Laboratory for Percutaneous Surgery (The Perk Lab) – Copyright © Queen’s University, 2010</a:t>
+            </a:r>
+            <a:endParaRPr lang="en-US" dirty="0"/>
           </a:p>
         </p:txBody>
       </p:sp>
@@ -15207,6 +15205,37 @@
           </a:p>
         </p:txBody>
       </p:sp>
+      <p:sp>
+        <p:nvSpPr>
+          <p:cNvPr id="9" name="Footer Placeholder 4"/>
+          <p:cNvSpPr>
+            <a:spLocks noGrp="1"/>
+          </p:cNvSpPr>
+          <p:nvPr>
+            <p:ph type="ftr" sz="quarter" idx="11"/>
+          </p:nvPr>
+        </p:nvSpPr>
+        <p:spPr>
+          <a:xfrm>
+            <a:off x="1447800" y="6324600"/>
+            <a:ext cx="6019800" cy="365125"/>
+          </a:xfrm>
+        </p:spPr>
+        <p:txBody>
+          <a:bodyPr/>
+          <a:lstStyle/>
+          <a:p>
+            <a:pPr>
+              <a:defRPr/>
+            </a:pPr>
+            <a:r>
+              <a:rPr lang="en-US" dirty="0" smtClean="0"/>
+              <a:t>Laboratory for Percutaneous Surgery (The Perk Lab) – Copyright © Queen’s University, 2010</a:t>
+            </a:r>
+            <a:endParaRPr lang="en-US" dirty="0"/>
+          </a:p>
+        </p:txBody>
+      </p:sp>
     </p:spTree>
     <p:extLst>
       <p:ext uri="{BB962C8B-B14F-4D97-AF65-F5344CB8AC3E}">
@@ -16337,9 +16366,9 @@
 </file>
 
 <file path=ppt/theme/theme1.xml><?xml version="1.0" encoding="utf-8"?>
-<a:theme xmlns:a="http://schemas.openxmlformats.org/drawingml/2006/main" name="Concourse">
+<a:theme xmlns:a="http://schemas.openxmlformats.org/drawingml/2006/main" name="Perk-Lab-Template">
   <a:themeElements>
-    <a:clrScheme name="Concourse">
+    <a:clrScheme name="Office">
       <a:dk1>
         <a:sysClr val="windowText" lastClr="000000"/>
       </a:dk1>
@@ -16347,45 +16376,79 @@
         <a:sysClr val="window" lastClr="FFFFFF"/>
       </a:lt1>
       <a:dk2>
-        <a:srgbClr val="464646"/>
+        <a:srgbClr val="1F497D"/>
       </a:dk2>
       <a:lt2>
-        <a:srgbClr val="DEF5FA"/>
+        <a:srgbClr val="EEECE1"/>
       </a:lt2>
       <a:accent1>
-        <a:srgbClr val="2DA2BF"/>
+        <a:srgbClr val="4F81BD"/>
       </a:accent1>
       <a:accent2>
-        <a:srgbClr val="DA1F28"/>
+        <a:srgbClr val="C0504D"/>
       </a:accent2>
       <a:accent3>
-        <a:srgbClr val="EB641B"/>
+        <a:srgbClr val="9BBB59"/>
       </a:accent3>
       <a:accent4>
-        <a:srgbClr val="39639D"/>
+        <a:srgbClr val="8064A2"/>
       </a:accent4>
       <a:accent5>
-        <a:srgbClr val="474B78"/>
+        <a:srgbClr val="4BACC6"/>
       </a:accent5>
       <a:accent6>
-        <a:srgbClr val="7D3C4A"/>
+        <a:srgbClr val="F79646"/>
       </a:accent6>
       <a:hlink>
-        <a:srgbClr val="FF8119"/>
+        <a:srgbClr val="0000FF"/>
       </a:hlink>
       <a:folHlink>
-        <a:srgbClr val="44B9E8"/>
+        <a:srgbClr val="800080"/>
       </a:folHlink>
     </a:clrScheme>
-    <a:fontScheme name="Concourse">
+    <a:fontScheme name="Office">
       <a:majorFont>
-        <a:latin typeface="Lucida Sans Unicode"/>
+        <a:latin typeface="Calibri"/>
         <a:ea typeface=""/>
         <a:cs typeface=""/>
         <a:font script="Jpan" typeface="ＭＳ Ｐゴシック"/>
         <a:font script="Hang" typeface="맑은 고딕"/>
-        <a:font script="Hans" typeface="黑体"/>
-        <a:font script="Hant" typeface="微軟正黑體"/>
+        <a:font script="Hans" typeface="宋体"/>
+        <a:font script="Hant" typeface="新細明體"/>
+        <a:font script="Arab" typeface="Times New Roman"/>
+        <a:font script="Hebr" typeface="Times New Roman"/>
+        <a:font script="Thai" typeface="Angsana New"/>
+        <a:font script="Ethi" typeface="Nyala"/>
+        <a:font script="Beng" typeface="Vrinda"/>
+        <a:font script="Gujr" typeface="Shruti"/>
+        <a:font script="Khmr" typeface="MoolBoran"/>
+        <a:font script="Knda" typeface="Tunga"/>
+        <a:font script="Guru" typeface="Raavi"/>
+        <a:font script="Cans" typeface="Euphemia"/>
+        <a:font script="Cher" typeface="Plantagenet Cherokee"/>
+        <a:font script="Yiii" typeface="Microsoft Yi Baiti"/>
+        <a:font script="Tibt" typeface="Microsoft Himalaya"/>
+        <a:font script="Thaa" typeface="MV Boli"/>
+        <a:font script="Deva" typeface="Mangal"/>
+        <a:font script="Telu" typeface="Gautami"/>
+        <a:font script="Taml" typeface="Latha"/>
+        <a:font script="Syrc" typeface="Estrangelo Edessa"/>
+        <a:font script="Orya" typeface="Kalinga"/>
+        <a:font script="Mlym" typeface="Kartika"/>
+        <a:font script="Laoo" typeface="DokChampa"/>
+        <a:font script="Sinh" typeface="Iskoola Pota"/>
+        <a:font script="Mong" typeface="Mongolian Baiti"/>
+        <a:font script="Viet" typeface="Times New Roman"/>
+        <a:font script="Uigh" typeface="Microsoft Uighur"/>
+      </a:majorFont>
+      <a:minorFont>
+        <a:latin typeface="Calibri"/>
+        <a:ea typeface=""/>
+        <a:cs typeface=""/>
+        <a:font script="Jpan" typeface="ＭＳ Ｐゴシック"/>
+        <a:font script="Hang" typeface="맑은 고딕"/>
+        <a:font script="Hans" typeface="宋体"/>
+        <a:font script="Hant" typeface="新細明體"/>
         <a:font script="Arab" typeface="Arial"/>
         <a:font script="Hebr" typeface="Arial"/>
         <a:font script="Thai" typeface="Cordia New"/>
@@ -16409,45 +16472,11 @@
         <a:font script="Laoo" typeface="DokChampa"/>
         <a:font script="Sinh" typeface="Iskoola Pota"/>
         <a:font script="Mong" typeface="Mongolian Baiti"/>
+        <a:font script="Viet" typeface="Arial"/>
         <a:font script="Uigh" typeface="Microsoft Uighur"/>
-        <a:font script="Geor" typeface="Sylfaen"/>
-      </a:majorFont>
-      <a:minorFont>
-        <a:latin typeface="Lucida Sans Unicode"/>
-        <a:ea typeface=""/>
-        <a:cs typeface=""/>
-        <a:font script="Jpan" typeface="ＭＳ Ｐゴシック"/>
-        <a:font script="Hang" typeface="맑은 고딕"/>
-        <a:font script="Hans" typeface="黑体"/>
-        <a:font script="Hant" typeface="微軟正黑體"/>
-        <a:font script="Arab" typeface="Arial"/>
-        <a:font script="Hebr" typeface="Arial"/>
-        <a:font script="Thai" typeface="Cordia New"/>
-        <a:font script="Ethi" typeface="Nyala"/>
-        <a:font script="Beng" typeface="Vrinda"/>
-        <a:font script="Gujr" typeface="Shruti"/>
-        <a:font script="Khmr" typeface="DaunPenh"/>
-        <a:font script="Knda" typeface="Tunga"/>
-        <a:font script="Guru" typeface="Raavi"/>
-        <a:font script="Cans" typeface="Euphemia"/>
-        <a:font script="Cher" typeface="Plantagenet Cherokee"/>
-        <a:font script="Yiii" typeface="Microsoft Yi Baiti"/>
-        <a:font script="Tibt" typeface="Microsoft Himalaya"/>
-        <a:font script="Thaa" typeface="MV Boli"/>
-        <a:font script="Deva" typeface="Mangal"/>
-        <a:font script="Telu" typeface="Gautami"/>
-        <a:font script="Taml" typeface="Latha"/>
-        <a:font script="Syrc" typeface="Estrangelo Edessa"/>
-        <a:font script="Orya" typeface="Kalinga"/>
-        <a:font script="Mlym" typeface="Kartika"/>
-        <a:font script="Laoo" typeface="DokChampa"/>
-        <a:font script="Sinh" typeface="Iskoola Pota"/>
-        <a:font script="Mong" typeface="Mongolian Baiti"/>
-        <a:font script="Uigh" typeface="Microsoft Uighur"/>
-        <a:font script="Geor" typeface="Sylfaen"/>
       </a:minorFont>
     </a:fontScheme>
-    <a:fmtScheme name="Concourse">
+    <a:fmtScheme name="Office">
       <a:fillStyleLst>
         <a:solidFill>
           <a:schemeClr val="phClr"/>
@@ -16456,51 +16485,43 @@
           <a:gsLst>
             <a:gs pos="0">
               <a:schemeClr val="phClr">
-                <a:tint val="62000"/>
-                <a:satMod val="180000"/>
+                <a:tint val="50000"/>
+                <a:satMod val="300000"/>
               </a:schemeClr>
             </a:gs>
-            <a:gs pos="65000">
+            <a:gs pos="35000">
               <a:schemeClr val="phClr">
-                <a:tint val="32000"/>
-                <a:satMod val="250000"/>
+                <a:tint val="37000"/>
+                <a:satMod val="300000"/>
               </a:schemeClr>
             </a:gs>
             <a:gs pos="100000">
               <a:schemeClr val="phClr">
-                <a:tint val="23000"/>
-                <a:satMod val="300000"/>
+                <a:tint val="15000"/>
+                <a:satMod val="350000"/>
               </a:schemeClr>
             </a:gs>
           </a:gsLst>
-          <a:lin ang="16200000" scaled="0"/>
+          <a:lin ang="16200000" scaled="1"/>
         </a:gradFill>
         <a:gradFill rotWithShape="1">
           <a:gsLst>
             <a:gs pos="0">
               <a:schemeClr val="phClr">
-                <a:shade val="15000"/>
-                <a:satMod val="180000"/>
+                <a:shade val="51000"/>
+                <a:satMod val="130000"/>
               </a:schemeClr>
             </a:gs>
-            <a:gs pos="50000">
+            <a:gs pos="80000">
               <a:schemeClr val="phClr">
-                <a:shade val="45000"/>
-                <a:satMod val="170000"/>
-              </a:schemeClr>
-            </a:gs>
-            <a:gs pos="70000">
-              <a:schemeClr val="phClr">
-                <a:tint val="99000"/>
-                <a:shade val="65000"/>
-                <a:satMod val="155000"/>
+                <a:shade val="93000"/>
+                <a:satMod val="130000"/>
               </a:schemeClr>
             </a:gs>
             <a:gs pos="100000">
               <a:schemeClr val="phClr">
-                <a:tint val="95500"/>
-                <a:shade val="100000"/>
-                <a:satMod val="155000"/>
+                <a:shade val="94000"/>
+                <a:satMod val="135000"/>
               </a:schemeClr>
             </a:gs>
           </a:gsLst>
@@ -16510,17 +16531,20 @@
       <a:lnStyleLst>
         <a:ln w="9525" cap="flat" cmpd="sng" algn="ctr">
           <a:solidFill>
-            <a:schemeClr val="phClr"/>
+            <a:schemeClr val="phClr">
+              <a:shade val="95000"/>
+              <a:satMod val="105000"/>
+            </a:schemeClr>
           </a:solidFill>
           <a:prstDash val="solid"/>
         </a:ln>
-        <a:ln w="55000" cap="flat" cmpd="thickThin" algn="ctr">
+        <a:ln w="25400" cap="flat" cmpd="sng" algn="ctr">
           <a:solidFill>
             <a:schemeClr val="phClr"/>
           </a:solidFill>
           <a:prstDash val="solid"/>
         </a:ln>
-        <a:ln w="63500" cap="flat" cmpd="thickThin" algn="ctr">
+        <a:ln w="38100" cap="flat" cmpd="sng" algn="ctr">
           <a:solidFill>
             <a:schemeClr val="phClr"/>
           </a:solidFill>
@@ -16530,7 +16554,16 @@
       <a:effectStyleLst>
         <a:effectStyle>
           <a:effectLst>
-            <a:outerShdw blurRad="50800" dist="38100" dir="5400000" rotWithShape="0">
+            <a:outerShdw blurRad="40000" dist="20000" dir="5400000" rotWithShape="0">
+              <a:srgbClr val="000000">
+                <a:alpha val="38000"/>
+              </a:srgbClr>
+            </a:outerShdw>
+          </a:effectLst>
+        </a:effectStyle>
+        <a:effectStyle>
+          <a:effectLst>
+            <a:outerShdw blurRad="40000" dist="23000" dir="5400000" rotWithShape="0">
               <a:srgbClr val="000000">
                 <a:alpha val="35000"/>
               </a:srgbClr>
@@ -16539,36 +16572,22 @@
         </a:effectStyle>
         <a:effectStyle>
           <a:effectLst>
-            <a:outerShdw blurRad="50800" dist="38100" dir="5400000" rotWithShape="0">
+            <a:outerShdw blurRad="40000" dist="23000" dir="5400000" rotWithShape="0">
               <a:srgbClr val="000000">
                 <a:alpha val="35000"/>
               </a:srgbClr>
             </a:outerShdw>
           </a:effectLst>
-        </a:effectStyle>
-        <a:effectStyle>
-          <a:effectLst>
-            <a:outerShdw blurRad="63500" dist="38100" dir="5400000" rotWithShape="0">
-              <a:srgbClr val="000000">
-                <a:alpha val="45000"/>
-              </a:srgbClr>
-            </a:outerShdw>
-          </a:effectLst>
           <a:scene3d>
-            <a:camera prst="orthographicFront" fov="0">
+            <a:camera prst="orthographicFront">
               <a:rot lat="0" lon="0" rev="0"/>
             </a:camera>
-            <a:lightRig rig="glow" dir="t">
-              <a:rot lat="0" lon="0" rev="6360000"/>
+            <a:lightRig rig="threePt" dir="t">
+              <a:rot lat="0" lon="0" rev="1200000"/>
             </a:lightRig>
           </a:scene3d>
-          <a:sp3d contourW="1000" prstMaterial="flat">
-            <a:bevelT w="95250" h="101600"/>
-            <a:contourClr>
-              <a:schemeClr val="phClr">
-                <a:satMod val="300000"/>
-              </a:schemeClr>
-            </a:contourClr>
+          <a:sp3d>
+            <a:bevelT w="63500" h="25400"/>
           </a:sp3d>
         </a:effectStyle>
       </a:effectStyleLst>
@@ -16580,41 +16599,47 @@
           <a:gsLst>
             <a:gs pos="0">
               <a:schemeClr val="phClr">
-                <a:tint val="55000"/>
-                <a:satMod val="300000"/>
+                <a:tint val="40000"/>
+                <a:satMod val="350000"/>
               </a:schemeClr>
             </a:gs>
             <a:gs pos="40000">
               <a:schemeClr val="phClr">
-                <a:tint val="65000"/>
+                <a:tint val="45000"/>
+                <a:shade val="99000"/>
+                <a:satMod val="350000"/>
+              </a:schemeClr>
+            </a:gs>
+            <a:gs pos="100000">
+              <a:schemeClr val="phClr">
+                <a:shade val="20000"/>
+                <a:satMod val="255000"/>
+              </a:schemeClr>
+            </a:gs>
+          </a:gsLst>
+          <a:path path="circle">
+            <a:fillToRect l="50000" t="-80000" r="50000" b="180000"/>
+          </a:path>
+        </a:gradFill>
+        <a:gradFill rotWithShape="1">
+          <a:gsLst>
+            <a:gs pos="0">
+              <a:schemeClr val="phClr">
+                <a:tint val="80000"/>
                 <a:satMod val="300000"/>
               </a:schemeClr>
             </a:gs>
             <a:gs pos="100000">
               <a:schemeClr val="phClr">
-                <a:shade val="65000"/>
-                <a:satMod val="300000"/>
+                <a:shade val="30000"/>
+                <a:satMod val="200000"/>
               </a:schemeClr>
             </a:gs>
           </a:gsLst>
           <a:path path="circle">
-            <a:fillToRect l="65000" b="98000"/>
+            <a:fillToRect l="50000" t="50000" r="50000" b="50000"/>
           </a:path>
         </a:gradFill>
-        <a:blipFill>
-          <a:blip xmlns:r="http://schemas.openxmlformats.org/officeDocument/2006/relationships" r:embed="rId1">
-            <a:duotone>
-              <a:schemeClr val="phClr">
-                <a:shade val="60000"/>
-                <a:satMod val="110000"/>
-              </a:schemeClr>
-              <a:schemeClr val="phClr">
-                <a:tint val="95000"/>
-              </a:schemeClr>
-            </a:duotone>
-          </a:blip>
-          <a:tile tx="0" ty="0" sx="50000" sy="50000" flip="none" algn="tl"/>
-        </a:blipFill>
       </a:bgFillStyleLst>
     </a:fmtScheme>
   </a:themeElements>
